--- a/中間発表.pptx
+++ b/中間発表.pptx
@@ -4061,8 +4061,8 @@
           </a:p>
         </p:txBody>
       </p:sp>
-      <mc:AlternateContent xmlns:mc="http://schemas.openxmlformats.org/markup-compatibility/2006">
-        <mc:Choice xmlns:a14="http://schemas.microsoft.com/office/drawing/2010/main" Requires="a14">
+      <mc:AlternateContent xmlns:mc="http://schemas.openxmlformats.org/markup-compatibility/2006" xmlns:a14="http://schemas.microsoft.com/office/drawing/2010/main">
+        <mc:Choice Requires="a14">
           <p:sp>
             <p:nvSpPr>
               <p:cNvPr id="3" name="コンテンツ プレースホルダー 2"/>
@@ -4134,7 +4134,7 @@
             </p:txBody>
           </p:sp>
         </mc:Choice>
-        <mc:Fallback>
+        <mc:Fallback xmlns="">
           <p:sp>
             <p:nvSpPr>
               <p:cNvPr id="3" name="コンテンツ プレースホルダー 2"/>
@@ -4437,8 +4437,8 @@
           </a:p>
         </p:txBody>
       </p:sp>
-      <mc:AlternateContent xmlns:mc="http://schemas.openxmlformats.org/markup-compatibility/2006">
-        <mc:Choice xmlns:a14="http://schemas.microsoft.com/office/drawing/2010/main" Requires="a14">
+      <mc:AlternateContent xmlns:mc="http://schemas.openxmlformats.org/markup-compatibility/2006" xmlns:a14="http://schemas.microsoft.com/office/drawing/2010/main">
+        <mc:Choice Requires="a14">
           <p:graphicFrame>
             <p:nvGraphicFramePr>
               <p:cNvPr id="5" name="コンテンツ プレースホルダー 4"/>
@@ -4777,7 +4777,7 @@
             </a:graphic>
           </p:graphicFrame>
         </mc:Choice>
-        <mc:Fallback>
+        <mc:Fallback xmlns="">
           <p:graphicFrame>
             <p:nvGraphicFramePr>
               <p:cNvPr id="5" name="コンテンツ プレースホルダー 4"/>
@@ -5666,6 +5666,10 @@
             <a:r>
               <a:rPr kumimoji="1" lang="en-US" altLang="ja-JP" dirty="0" smtClean="0"/>
               <a:t>…</a:t>
+            </a:r>
+            <a:r>
+              <a:rPr kumimoji="1" lang="ja-JP" altLang="en-US" smtClean="0"/>
+              <a:t>ｌ</a:t>
             </a:r>
             <a:endParaRPr kumimoji="1" lang="ja-JP" altLang="en-US" dirty="0"/>
           </a:p>

--- a/中間発表.pptx
+++ b/中間発表.pptx
@@ -4061,8 +4061,8 @@
           </a:p>
         </p:txBody>
       </p:sp>
-      <mc:AlternateContent xmlns:mc="http://schemas.openxmlformats.org/markup-compatibility/2006" xmlns:a14="http://schemas.microsoft.com/office/drawing/2010/main">
-        <mc:Choice Requires="a14">
+      <mc:AlternateContent xmlns:mc="http://schemas.openxmlformats.org/markup-compatibility/2006">
+        <mc:Choice xmlns:a14="http://schemas.microsoft.com/office/drawing/2010/main" Requires="a14">
           <p:sp>
             <p:nvSpPr>
               <p:cNvPr id="3" name="コンテンツ プレースホルダー 2"/>
@@ -4134,7 +4134,7 @@
             </p:txBody>
           </p:sp>
         </mc:Choice>
-        <mc:Fallback xmlns="">
+        <mc:Fallback>
           <p:sp>
             <p:nvSpPr>
               <p:cNvPr id="3" name="コンテンツ プレースホルダー 2"/>
@@ -4437,8 +4437,8 @@
           </a:p>
         </p:txBody>
       </p:sp>
-      <mc:AlternateContent xmlns:mc="http://schemas.openxmlformats.org/markup-compatibility/2006" xmlns:a14="http://schemas.microsoft.com/office/drawing/2010/main">
-        <mc:Choice Requires="a14">
+      <mc:AlternateContent xmlns:mc="http://schemas.openxmlformats.org/markup-compatibility/2006">
+        <mc:Choice xmlns:a14="http://schemas.microsoft.com/office/drawing/2010/main" Requires="a14">
           <p:graphicFrame>
             <p:nvGraphicFramePr>
               <p:cNvPr id="5" name="コンテンツ プレースホルダー 4"/>
@@ -4777,7 +4777,7 @@
             </a:graphic>
           </p:graphicFrame>
         </mc:Choice>
-        <mc:Fallback xmlns="">
+        <mc:Fallback>
           <p:graphicFrame>
             <p:nvGraphicFramePr>
               <p:cNvPr id="5" name="コンテンツ プレースホルダー 4"/>
@@ -5666,10 +5666,6 @@
             <a:r>
               <a:rPr kumimoji="1" lang="en-US" altLang="ja-JP" dirty="0" smtClean="0"/>
               <a:t>…</a:t>
-            </a:r>
-            <a:r>
-              <a:rPr kumimoji="1" lang="ja-JP" altLang="en-US" smtClean="0"/>
-              <a:t>ｌ</a:t>
             </a:r>
             <a:endParaRPr kumimoji="1" lang="ja-JP" altLang="en-US" dirty="0"/>
           </a:p>

--- a/中間発表.pptx
+++ b/中間発表.pptx
@@ -634,6 +634,197 @@
           <a:p>
             <a:r>
               <a:rPr kumimoji="1" lang="ja-JP" altLang="en-US" dirty="0" smtClean="0"/>
+              <a:t>定式化って言っていいのか？</a:t>
+            </a:r>
+            <a:endParaRPr kumimoji="1" lang="ja-JP" altLang="en-US" dirty="0"/>
+          </a:p>
+        </p:txBody>
+      </p:sp>
+      <p:sp>
+        <p:nvSpPr>
+          <p:cNvPr id="4" name="スライド番号プレースホルダー 3"/>
+          <p:cNvSpPr>
+            <a:spLocks noGrp="1"/>
+          </p:cNvSpPr>
+          <p:nvPr>
+            <p:ph type="sldNum" sz="quarter" idx="10"/>
+          </p:nvPr>
+        </p:nvSpPr>
+        <p:spPr/>
+        <p:txBody>
+          <a:bodyPr/>
+          <a:lstStyle/>
+          <a:p>
+            <a:fld id="{DB27B9D3-8F54-487C-BCF6-0FEDF67B0644}" type="slidenum">
+              <a:rPr kumimoji="1" lang="ja-JP" altLang="en-US" smtClean="0"/>
+              <a:t>3</a:t>
+            </a:fld>
+            <a:endParaRPr kumimoji="1" lang="ja-JP" altLang="en-US"/>
+          </a:p>
+        </p:txBody>
+      </p:sp>
+    </p:spTree>
+    <p:extLst>
+      <p:ext uri="{BB962C8B-B14F-4D97-AF65-F5344CB8AC3E}">
+        <p14:creationId xmlns:p14="http://schemas.microsoft.com/office/powerpoint/2010/main" val="589352949"/>
+      </p:ext>
+    </p:extLst>
+  </p:cSld>
+  <p:clrMapOvr>
+    <a:masterClrMapping/>
+  </p:clrMapOvr>
+</p:notes>
+</file>
+
+<file path=ppt/notesSlides/notesSlide3.xml><?xml version="1.0" encoding="utf-8"?>
+<p:notes xmlns:a="http://schemas.openxmlformats.org/drawingml/2006/main" xmlns:r="http://schemas.openxmlformats.org/officeDocument/2006/relationships" xmlns:p="http://schemas.openxmlformats.org/presentationml/2006/main">
+  <p:cSld>
+    <p:spTree>
+      <p:nvGrpSpPr>
+        <p:cNvPr id="1" name=""/>
+        <p:cNvGrpSpPr/>
+        <p:nvPr/>
+      </p:nvGrpSpPr>
+      <p:grpSpPr>
+        <a:xfrm>
+          <a:off x="0" y="0"/>
+          <a:ext cx="0" cy="0"/>
+          <a:chOff x="0" y="0"/>
+          <a:chExt cx="0" cy="0"/>
+        </a:xfrm>
+      </p:grpSpPr>
+      <p:sp>
+        <p:nvSpPr>
+          <p:cNvPr id="2" name="スライド イメージ プレースホルダー 1"/>
+          <p:cNvSpPr>
+            <a:spLocks noGrp="1" noRot="1" noChangeAspect="1"/>
+          </p:cNvSpPr>
+          <p:nvPr>
+            <p:ph type="sldImg"/>
+          </p:nvPr>
+        </p:nvSpPr>
+        <p:spPr/>
+      </p:sp>
+      <p:sp>
+        <p:nvSpPr>
+          <p:cNvPr id="3" name="ノート プレースホルダー 2"/>
+          <p:cNvSpPr>
+            <a:spLocks noGrp="1"/>
+          </p:cNvSpPr>
+          <p:nvPr>
+            <p:ph type="body" idx="1"/>
+          </p:nvPr>
+        </p:nvSpPr>
+        <p:spPr/>
+        <p:txBody>
+          <a:bodyPr/>
+          <a:lstStyle/>
+          <a:p>
+            <a:r>
+              <a:rPr kumimoji="1" lang="ja-JP" altLang="en-US" dirty="0" smtClean="0"/>
+              <a:t>図は</a:t>
+            </a:r>
+            <a:r>
+              <a:rPr kumimoji="1" lang="en-US" altLang="ja-JP" dirty="0" smtClean="0"/>
+              <a:t>OC</a:t>
+            </a:r>
+            <a:r>
+              <a:rPr kumimoji="1" lang="ja-JP" altLang="en-US" dirty="0" smtClean="0"/>
+              <a:t>の説明スライドやゲーム画像から持ってきていいのか？</a:t>
+            </a:r>
+            <a:endParaRPr kumimoji="1" lang="en-US" altLang="ja-JP" dirty="0" smtClean="0"/>
+          </a:p>
+          <a:p>
+            <a:r>
+              <a:rPr kumimoji="1" lang="ja-JP" altLang="en-US" dirty="0" smtClean="0"/>
+              <a:t>目的？</a:t>
+            </a:r>
+            <a:endParaRPr kumimoji="1" lang="ja-JP" altLang="en-US" dirty="0"/>
+          </a:p>
+        </p:txBody>
+      </p:sp>
+      <p:sp>
+        <p:nvSpPr>
+          <p:cNvPr id="4" name="スライド番号プレースホルダー 3"/>
+          <p:cNvSpPr>
+            <a:spLocks noGrp="1"/>
+          </p:cNvSpPr>
+          <p:nvPr>
+            <p:ph type="sldNum" sz="quarter" idx="10"/>
+          </p:nvPr>
+        </p:nvSpPr>
+        <p:spPr/>
+        <p:txBody>
+          <a:bodyPr/>
+          <a:lstStyle/>
+          <a:p>
+            <a:fld id="{DB27B9D3-8F54-487C-BCF6-0FEDF67B0644}" type="slidenum">
+              <a:rPr kumimoji="1" lang="ja-JP" altLang="en-US" smtClean="0"/>
+              <a:t>5</a:t>
+            </a:fld>
+            <a:endParaRPr kumimoji="1" lang="ja-JP" altLang="en-US"/>
+          </a:p>
+        </p:txBody>
+      </p:sp>
+    </p:spTree>
+    <p:extLst>
+      <p:ext uri="{BB962C8B-B14F-4D97-AF65-F5344CB8AC3E}">
+        <p14:creationId xmlns:p14="http://schemas.microsoft.com/office/powerpoint/2010/main" val="2029828304"/>
+      </p:ext>
+    </p:extLst>
+  </p:cSld>
+  <p:clrMapOvr>
+    <a:masterClrMapping/>
+  </p:clrMapOvr>
+</p:notes>
+</file>
+
+<file path=ppt/notesSlides/notesSlide4.xml><?xml version="1.0" encoding="utf-8"?>
+<p:notes xmlns:a="http://schemas.openxmlformats.org/drawingml/2006/main" xmlns:r="http://schemas.openxmlformats.org/officeDocument/2006/relationships" xmlns:p="http://schemas.openxmlformats.org/presentationml/2006/main">
+  <p:cSld>
+    <p:spTree>
+      <p:nvGrpSpPr>
+        <p:cNvPr id="1" name=""/>
+        <p:cNvGrpSpPr/>
+        <p:nvPr/>
+      </p:nvGrpSpPr>
+      <p:grpSpPr>
+        <a:xfrm>
+          <a:off x="0" y="0"/>
+          <a:ext cx="0" cy="0"/>
+          <a:chOff x="0" y="0"/>
+          <a:chExt cx="0" cy="0"/>
+        </a:xfrm>
+      </p:grpSpPr>
+      <p:sp>
+        <p:nvSpPr>
+          <p:cNvPr id="2" name="スライド イメージ プレースホルダー 1"/>
+          <p:cNvSpPr>
+            <a:spLocks noGrp="1" noRot="1" noChangeAspect="1"/>
+          </p:cNvSpPr>
+          <p:nvPr>
+            <p:ph type="sldImg"/>
+          </p:nvPr>
+        </p:nvSpPr>
+        <p:spPr/>
+      </p:sp>
+      <p:sp>
+        <p:nvSpPr>
+          <p:cNvPr id="3" name="ノート プレースホルダー 2"/>
+          <p:cNvSpPr>
+            <a:spLocks noGrp="1"/>
+          </p:cNvSpPr>
+          <p:nvPr>
+            <p:ph type="body" idx="1"/>
+          </p:nvPr>
+        </p:nvSpPr>
+        <p:spPr/>
+        <p:txBody>
+          <a:bodyPr/>
+          <a:lstStyle/>
+          <a:p>
+            <a:r>
+              <a:rPr kumimoji="1" lang="ja-JP" altLang="en-US" dirty="0" smtClean="0"/>
               <a:t>勝ちを見るのか陣地の広さを見るのか</a:t>
             </a:r>
             <a:endParaRPr kumimoji="1" lang="ja-JP" altLang="en-US" dirty="0"/>
@@ -1458,10 +1649,21 @@
           </a:prstGeom>
           <a:solidFill>
             <a:schemeClr val="accent1">
-              <a:lumMod val="40000"/>
-              <a:lumOff val="60000"/>
+              <a:lumMod val="20000"/>
+              <a:lumOff val="80000"/>
             </a:schemeClr>
           </a:solidFill>
+          <a:ln>
+            <a:noFill/>
+          </a:ln>
+          <a:effectLst/>
+          <a:scene3d>
+            <a:camera prst="orthographicFront"/>
+            <a:lightRig rig="threePt" dir="t"/>
+          </a:scene3d>
+          <a:sp3d>
+            <a:bevelT/>
+          </a:sp3d>
         </p:spPr>
         <p:style>
           <a:lnRef idx="1">
@@ -3997,6 +4199,52 @@
           </a:p>
         </p:txBody>
       </p:sp>
+      <p:sp>
+        <p:nvSpPr>
+          <p:cNvPr id="5" name="正方形/長方形 4"/>
+          <p:cNvSpPr/>
+          <p:nvPr/>
+        </p:nvSpPr>
+        <p:spPr>
+          <a:xfrm>
+            <a:off x="1026368" y="2503487"/>
+            <a:ext cx="2631232" cy="167951"/>
+          </a:xfrm>
+          <a:prstGeom prst="rect">
+            <a:avLst/>
+          </a:prstGeom>
+          <a:solidFill>
+            <a:srgbClr val="7030A0"/>
+          </a:solidFill>
+          <a:ln>
+            <a:solidFill>
+              <a:srgbClr val="7030A0"/>
+            </a:solidFill>
+          </a:ln>
+        </p:spPr>
+        <p:style>
+          <a:lnRef idx="1">
+            <a:schemeClr val="accent2"/>
+          </a:lnRef>
+          <a:fillRef idx="3">
+            <a:schemeClr val="accent2"/>
+          </a:fillRef>
+          <a:effectRef idx="2">
+            <a:schemeClr val="accent2"/>
+          </a:effectRef>
+          <a:fontRef idx="minor">
+            <a:schemeClr val="lt1"/>
+          </a:fontRef>
+        </p:style>
+        <p:txBody>
+          <a:bodyPr rtlCol="0" anchor="ctr"/>
+          <a:lstStyle/>
+          <a:p>
+            <a:pPr algn="ctr"/>
+            <a:endParaRPr kumimoji="1" lang="ja-JP" altLang="en-US"/>
+          </a:p>
+        </p:txBody>
+      </p:sp>
     </p:spTree>
     <p:extLst>
       <p:ext uri="{BB962C8B-B14F-4D97-AF65-F5344CB8AC3E}">
@@ -4010,9 +4258,88 @@
   <p:timing>
     <p:tnLst>
       <p:par>
-        <p:cTn id="1" dur="indefinite" restart="never" nodeType="tmRoot"/>
+        <p:cTn id="1" dur="indefinite" restart="never" nodeType="tmRoot">
+          <p:childTnLst>
+            <p:seq concurrent="1" nextAc="seek">
+              <p:cTn id="2" dur="indefinite" nodeType="mainSeq">
+                <p:childTnLst>
+                  <p:par>
+                    <p:cTn id="3" fill="hold">
+                      <p:stCondLst>
+                        <p:cond delay="indefinite"/>
+                      </p:stCondLst>
+                      <p:childTnLst>
+                        <p:par>
+                          <p:cTn id="4" fill="hold">
+                            <p:stCondLst>
+                              <p:cond delay="0"/>
+                            </p:stCondLst>
+                            <p:childTnLst>
+                              <p:par>
+                                <p:cTn id="5" presetID="22" presetClass="entr" presetSubtype="8" fill="hold" grpId="0" nodeType="clickEffect">
+                                  <p:stCondLst>
+                                    <p:cond delay="0"/>
+                                  </p:stCondLst>
+                                  <p:childTnLst>
+                                    <p:set>
+                                      <p:cBhvr>
+                                        <p:cTn id="6" dur="1" fill="hold">
+                                          <p:stCondLst>
+                                            <p:cond delay="0"/>
+                                          </p:stCondLst>
+                                        </p:cTn>
+                                        <p:tgtEl>
+                                          <p:spTgt spid="5"/>
+                                        </p:tgtEl>
+                                        <p:attrNameLst>
+                                          <p:attrName>style.visibility</p:attrName>
+                                        </p:attrNameLst>
+                                      </p:cBhvr>
+                                      <p:to>
+                                        <p:strVal val="visible"/>
+                                      </p:to>
+                                    </p:set>
+                                    <p:animEffect transition="in" filter="wipe(left)">
+                                      <p:cBhvr>
+                                        <p:cTn id="7" dur="500"/>
+                                        <p:tgtEl>
+                                          <p:spTgt spid="5"/>
+                                        </p:tgtEl>
+                                      </p:cBhvr>
+                                    </p:animEffect>
+                                  </p:childTnLst>
+                                </p:cTn>
+                              </p:par>
+                            </p:childTnLst>
+                          </p:cTn>
+                        </p:par>
+                      </p:childTnLst>
+                    </p:cTn>
+                  </p:par>
+                </p:childTnLst>
+              </p:cTn>
+              <p:prevCondLst>
+                <p:cond evt="onPrev" delay="0">
+                  <p:tgtEl>
+                    <p:sldTgt/>
+                  </p:tgtEl>
+                </p:cond>
+              </p:prevCondLst>
+              <p:nextCondLst>
+                <p:cond evt="onNext" delay="0">
+                  <p:tgtEl>
+                    <p:sldTgt/>
+                  </p:tgtEl>
+                </p:cond>
+              </p:nextCondLst>
+            </p:seq>
+          </p:childTnLst>
+        </p:cTn>
       </p:par>
     </p:tnLst>
+    <p:bldLst>
+      <p:bldP spid="5" grpId="0" animBg="1"/>
+    </p:bldLst>
   </p:timing>
 </p:sld>
 </file>
@@ -4061,8 +4388,8 @@
           </a:p>
         </p:txBody>
       </p:sp>
-      <mc:AlternateContent xmlns:mc="http://schemas.openxmlformats.org/markup-compatibility/2006" xmlns:a14="http://schemas.microsoft.com/office/drawing/2010/main">
-        <mc:Choice Requires="a14">
+      <mc:AlternateContent xmlns:mc="http://schemas.openxmlformats.org/markup-compatibility/2006">
+        <mc:Choice xmlns:a14="http://schemas.microsoft.com/office/drawing/2010/main" Requires="a14">
           <p:sp>
             <p:nvSpPr>
               <p:cNvPr id="3" name="コンテンツ プレースホルダー 2"/>
@@ -4117,7 +4444,11 @@
                 </a:pPr>
                 <a:r>
                   <a:rPr lang="ja-JP" altLang="en-US" dirty="0" smtClean="0"/>
-                  <a:t>目的：左上のマスの色を変えていくことで</a:t>
+                  <a:t>目的：左上の</a:t>
+                </a:r>
+                <a:r>
+                  <a:rPr lang="ja-JP" altLang="en-US" dirty="0" smtClean="0"/>
+                  <a:t>マスと隣接した同じ色のマスの色を</a:t>
                 </a:r>
                 <a:endParaRPr lang="en-US" altLang="ja-JP" dirty="0" smtClean="0"/>
               </a:p>
@@ -4127,14 +4458,26 @@
                 </a:pPr>
                 <a:r>
                   <a:rPr lang="ja-JP" altLang="en-US" dirty="0" smtClean="0"/>
-                  <a:t>          グリッドを一色に塗りつぶす．</a:t>
+                  <a:t>          変えて</a:t>
+                </a:r>
+                <a:r>
+                  <a:rPr lang="ja-JP" altLang="en-US" dirty="0" smtClean="0"/>
+                  <a:t>いく</a:t>
+                </a:r>
+                <a:r>
+                  <a:rPr lang="ja-JP" altLang="en-US" dirty="0" smtClean="0"/>
+                  <a:t>ことでグリッド</a:t>
+                </a:r>
+                <a:r>
+                  <a:rPr lang="ja-JP" altLang="en-US" dirty="0" smtClean="0"/>
+                  <a:t>を一色に塗りつぶす．</a:t>
                 </a:r>
                 <a:endParaRPr lang="ja-JP" altLang="en-US" dirty="0"/>
               </a:p>
             </p:txBody>
           </p:sp>
         </mc:Choice>
-        <mc:Fallback xmlns="">
+        <mc:Fallback>
           <p:sp>
             <p:nvSpPr>
               <p:cNvPr id="3" name="コンテンツ プレースホルダー 2"/>
@@ -4149,7 +4492,7 @@
               <a:blipFill rotWithShape="0">
                 <a:blip r:embed="rId3"/>
                 <a:stretch>
-                  <a:fillRect l="-2827" t="-2384"/>
+                  <a:fillRect l="-2827" t="-2384" r="-4362"/>
                 </a:stretch>
               </a:blipFill>
             </p:spPr>
@@ -4189,6 +4532,50 @@
               <a:t>2</a:t>
             </a:fld>
             <a:endParaRPr lang="ja-JP" altLang="en-US" dirty="0"/>
+          </a:p>
+        </p:txBody>
+      </p:sp>
+      <p:sp>
+        <p:nvSpPr>
+          <p:cNvPr id="5" name="正方形/長方形 4"/>
+          <p:cNvSpPr/>
+          <p:nvPr/>
+        </p:nvSpPr>
+        <p:spPr>
+          <a:xfrm>
+            <a:off x="1922106" y="2313992"/>
+            <a:ext cx="4627984" cy="4058816"/>
+          </a:xfrm>
+          <a:prstGeom prst="rect">
+            <a:avLst/>
+          </a:prstGeom>
+        </p:spPr>
+        <p:style>
+          <a:lnRef idx="2">
+            <a:schemeClr val="accent1">
+              <a:shade val="50000"/>
+            </a:schemeClr>
+          </a:lnRef>
+          <a:fillRef idx="1">
+            <a:schemeClr val="accent1"/>
+          </a:fillRef>
+          <a:effectRef idx="0">
+            <a:schemeClr val="accent1"/>
+          </a:effectRef>
+          <a:fontRef idx="minor">
+            <a:schemeClr val="lt1"/>
+          </a:fontRef>
+        </p:style>
+        <p:txBody>
+          <a:bodyPr rtlCol="0" anchor="ctr"/>
+          <a:lstStyle/>
+          <a:p>
+            <a:pPr algn="ctr"/>
+            <a:r>
+              <a:rPr kumimoji="1" lang="ja-JP" altLang="en-US" dirty="0" smtClean="0"/>
+              <a:t>図とアニメーション</a:t>
+            </a:r>
+            <a:endParaRPr kumimoji="1" lang="ja-JP" altLang="en-US" dirty="0"/>
           </a:p>
         </p:txBody>
       </p:sp>
@@ -4377,6 +4764,420 @@
           </a:p>
         </p:txBody>
       </p:sp>
+      <p:sp>
+        <p:nvSpPr>
+          <p:cNvPr id="6" name="正方形/長方形 5"/>
+          <p:cNvSpPr/>
+          <p:nvPr/>
+        </p:nvSpPr>
+        <p:spPr>
+          <a:xfrm>
+            <a:off x="1175656" y="3135084"/>
+            <a:ext cx="2360645" cy="2239347"/>
+          </a:xfrm>
+          <a:prstGeom prst="rect">
+            <a:avLst/>
+          </a:prstGeom>
+        </p:spPr>
+        <p:style>
+          <a:lnRef idx="2">
+            <a:schemeClr val="accent1">
+              <a:shade val="50000"/>
+            </a:schemeClr>
+          </a:lnRef>
+          <a:fillRef idx="1">
+            <a:schemeClr val="accent1"/>
+          </a:fillRef>
+          <a:effectRef idx="0">
+            <a:schemeClr val="accent1"/>
+          </a:effectRef>
+          <a:fontRef idx="minor">
+            <a:schemeClr val="lt1"/>
+          </a:fontRef>
+        </p:style>
+        <p:txBody>
+          <a:bodyPr rtlCol="0" anchor="ctr"/>
+          <a:lstStyle/>
+          <a:p>
+            <a:pPr algn="ctr"/>
+            <a:r>
+              <a:rPr kumimoji="1" lang="ja-JP" altLang="en-US" dirty="0" smtClean="0"/>
+              <a:t>盤面の図</a:t>
+            </a:r>
+            <a:endParaRPr kumimoji="1" lang="ja-JP" altLang="en-US" dirty="0"/>
+          </a:p>
+        </p:txBody>
+      </p:sp>
+      <p:sp>
+        <p:nvSpPr>
+          <p:cNvPr id="7" name="正方形/長方形 6"/>
+          <p:cNvSpPr/>
+          <p:nvPr/>
+        </p:nvSpPr>
+        <p:spPr>
+          <a:xfrm>
+            <a:off x="4939005" y="4124131"/>
+            <a:ext cx="780662" cy="774438"/>
+          </a:xfrm>
+          <a:prstGeom prst="rect">
+            <a:avLst/>
+          </a:prstGeom>
+        </p:spPr>
+        <p:style>
+          <a:lnRef idx="2">
+            <a:schemeClr val="accent1">
+              <a:shade val="50000"/>
+            </a:schemeClr>
+          </a:lnRef>
+          <a:fillRef idx="1">
+            <a:schemeClr val="accent1"/>
+          </a:fillRef>
+          <a:effectRef idx="0">
+            <a:schemeClr val="accent1"/>
+          </a:effectRef>
+          <a:fontRef idx="minor">
+            <a:schemeClr val="lt1"/>
+          </a:fontRef>
+        </p:style>
+        <p:txBody>
+          <a:bodyPr rtlCol="0" anchor="ctr"/>
+          <a:lstStyle/>
+          <a:p>
+            <a:pPr algn="ctr"/>
+            <a:r>
+              <a:rPr kumimoji="1" lang="ja-JP" altLang="en-US" dirty="0" smtClean="0"/>
+              <a:t>色</a:t>
+            </a:r>
+            <a:endParaRPr kumimoji="1" lang="ja-JP" altLang="en-US" dirty="0"/>
+          </a:p>
+        </p:txBody>
+      </p:sp>
+      <p:sp>
+        <p:nvSpPr>
+          <p:cNvPr id="8" name="正方形/長方形 7"/>
+          <p:cNvSpPr/>
+          <p:nvPr/>
+        </p:nvSpPr>
+        <p:spPr>
+          <a:xfrm>
+            <a:off x="5903168" y="4124131"/>
+            <a:ext cx="780662" cy="774438"/>
+          </a:xfrm>
+          <a:prstGeom prst="rect">
+            <a:avLst/>
+          </a:prstGeom>
+        </p:spPr>
+        <p:style>
+          <a:lnRef idx="2">
+            <a:schemeClr val="accent1">
+              <a:shade val="50000"/>
+            </a:schemeClr>
+          </a:lnRef>
+          <a:fillRef idx="1">
+            <a:schemeClr val="accent1"/>
+          </a:fillRef>
+          <a:effectRef idx="0">
+            <a:schemeClr val="accent1"/>
+          </a:effectRef>
+          <a:fontRef idx="minor">
+            <a:schemeClr val="lt1"/>
+          </a:fontRef>
+        </p:style>
+        <p:txBody>
+          <a:bodyPr rtlCol="0" anchor="ctr"/>
+          <a:lstStyle/>
+          <a:p>
+            <a:pPr algn="ctr"/>
+            <a:r>
+              <a:rPr kumimoji="1" lang="ja-JP" altLang="en-US" dirty="0" smtClean="0"/>
+              <a:t>色</a:t>
+            </a:r>
+            <a:endParaRPr kumimoji="1" lang="ja-JP" altLang="en-US" dirty="0"/>
+          </a:p>
+        </p:txBody>
+      </p:sp>
+      <p:sp>
+        <p:nvSpPr>
+          <p:cNvPr id="9" name="正方形/長方形 8"/>
+          <p:cNvSpPr/>
+          <p:nvPr/>
+        </p:nvSpPr>
+        <p:spPr>
+          <a:xfrm>
+            <a:off x="6867331" y="4124131"/>
+            <a:ext cx="780662" cy="774438"/>
+          </a:xfrm>
+          <a:prstGeom prst="rect">
+            <a:avLst/>
+          </a:prstGeom>
+        </p:spPr>
+        <p:style>
+          <a:lnRef idx="2">
+            <a:schemeClr val="accent1">
+              <a:shade val="50000"/>
+            </a:schemeClr>
+          </a:lnRef>
+          <a:fillRef idx="1">
+            <a:schemeClr val="accent1"/>
+          </a:fillRef>
+          <a:effectRef idx="0">
+            <a:schemeClr val="accent1"/>
+          </a:effectRef>
+          <a:fontRef idx="minor">
+            <a:schemeClr val="lt1"/>
+          </a:fontRef>
+        </p:style>
+        <p:txBody>
+          <a:bodyPr rtlCol="0" anchor="ctr"/>
+          <a:lstStyle/>
+          <a:p>
+            <a:pPr algn="ctr"/>
+            <a:r>
+              <a:rPr kumimoji="1" lang="ja-JP" altLang="en-US" dirty="0" smtClean="0"/>
+              <a:t>色</a:t>
+            </a:r>
+            <a:endParaRPr kumimoji="1" lang="ja-JP" altLang="en-US" dirty="0"/>
+          </a:p>
+        </p:txBody>
+      </p:sp>
+      <p:sp>
+        <p:nvSpPr>
+          <p:cNvPr id="10" name="正方形/長方形 9"/>
+          <p:cNvSpPr/>
+          <p:nvPr/>
+        </p:nvSpPr>
+        <p:spPr>
+          <a:xfrm>
+            <a:off x="7850779" y="4124131"/>
+            <a:ext cx="780662" cy="774438"/>
+          </a:xfrm>
+          <a:prstGeom prst="rect">
+            <a:avLst/>
+          </a:prstGeom>
+        </p:spPr>
+        <p:style>
+          <a:lnRef idx="2">
+            <a:schemeClr val="accent1">
+              <a:shade val="50000"/>
+            </a:schemeClr>
+          </a:lnRef>
+          <a:fillRef idx="1">
+            <a:schemeClr val="accent1"/>
+          </a:fillRef>
+          <a:effectRef idx="0">
+            <a:schemeClr val="accent1"/>
+          </a:effectRef>
+          <a:fontRef idx="minor">
+            <a:schemeClr val="lt1"/>
+          </a:fontRef>
+        </p:style>
+        <p:txBody>
+          <a:bodyPr rtlCol="0" anchor="ctr"/>
+          <a:lstStyle/>
+          <a:p>
+            <a:pPr algn="ctr"/>
+            <a:r>
+              <a:rPr kumimoji="1" lang="ja-JP" altLang="en-US" dirty="0" smtClean="0"/>
+              <a:t>色</a:t>
+            </a:r>
+            <a:endParaRPr kumimoji="1" lang="ja-JP" altLang="en-US" dirty="0"/>
+          </a:p>
+        </p:txBody>
+      </p:sp>
+      <p:sp>
+        <p:nvSpPr>
+          <p:cNvPr id="11" name="コンテンツ プレースホルダー 2"/>
+          <p:cNvSpPr txBox="1">
+            <a:spLocks/>
+          </p:cNvSpPr>
+          <p:nvPr/>
+        </p:nvSpPr>
+        <p:spPr>
+          <a:xfrm>
+            <a:off x="822959" y="758815"/>
+            <a:ext cx="7543801" cy="5110279"/>
+          </a:xfrm>
+          <a:prstGeom prst="rect">
+            <a:avLst/>
+          </a:prstGeom>
+        </p:spPr>
+        <p:txBody>
+          <a:bodyPr vert="horz" lIns="0" tIns="45720" rIns="0" bIns="45720" rtlCol="0">
+            <a:normAutofit/>
+          </a:bodyPr>
+          <a:lstStyle>
+            <a:lvl1pPr marL="0" indent="0" algn="l" defTabSz="914400" rtl="0" eaLnBrk="1" latinLnBrk="0" hangingPunct="1">
+              <a:lnSpc>
+                <a:spcPct val="90000"/>
+              </a:lnSpc>
+              <a:spcBef>
+                <a:spcPts val="1000"/>
+              </a:spcBef>
+              <a:buFont typeface="Arial" panose="020B0604020202020204" pitchFamily="34" charset="0"/>
+              <a:buNone/>
+              <a:defRPr kumimoji="1" sz="2800" kern="1200">
+                <a:solidFill>
+                  <a:schemeClr val="tx1"/>
+                </a:solidFill>
+                <a:latin typeface="+mn-lt"/>
+                <a:ea typeface="+mn-ea"/>
+                <a:cs typeface="+mn-cs"/>
+              </a:defRPr>
+            </a:lvl1pPr>
+            <a:lvl2pPr marL="457200" indent="0" algn="l" defTabSz="914400" rtl="0" eaLnBrk="1" latinLnBrk="0" hangingPunct="1">
+              <a:lnSpc>
+                <a:spcPct val="90000"/>
+              </a:lnSpc>
+              <a:spcBef>
+                <a:spcPts val="500"/>
+              </a:spcBef>
+              <a:buFont typeface="Arial" panose="020B0604020202020204" pitchFamily="34" charset="0"/>
+              <a:buNone/>
+              <a:defRPr kumimoji="1" sz="2400" kern="1200">
+                <a:solidFill>
+                  <a:schemeClr val="tx1"/>
+                </a:solidFill>
+                <a:latin typeface="+mn-lt"/>
+                <a:ea typeface="+mn-ea"/>
+                <a:cs typeface="+mn-cs"/>
+              </a:defRPr>
+            </a:lvl2pPr>
+            <a:lvl3pPr marL="914400" indent="0" algn="l" defTabSz="914400" rtl="0" eaLnBrk="1" latinLnBrk="0" hangingPunct="1">
+              <a:lnSpc>
+                <a:spcPct val="90000"/>
+              </a:lnSpc>
+              <a:spcBef>
+                <a:spcPts val="500"/>
+              </a:spcBef>
+              <a:buFont typeface="Arial" panose="020B0604020202020204" pitchFamily="34" charset="0"/>
+              <a:buNone/>
+              <a:defRPr kumimoji="1" sz="2000" kern="1200">
+                <a:solidFill>
+                  <a:schemeClr val="tx1"/>
+                </a:solidFill>
+                <a:latin typeface="+mn-lt"/>
+                <a:ea typeface="+mn-ea"/>
+                <a:cs typeface="+mn-cs"/>
+              </a:defRPr>
+            </a:lvl3pPr>
+            <a:lvl4pPr marL="1371600" indent="0" algn="l" defTabSz="914400" rtl="0" eaLnBrk="1" latinLnBrk="0" hangingPunct="1">
+              <a:lnSpc>
+                <a:spcPct val="90000"/>
+              </a:lnSpc>
+              <a:spcBef>
+                <a:spcPts val="500"/>
+              </a:spcBef>
+              <a:buFont typeface="Arial" panose="020B0604020202020204" pitchFamily="34" charset="0"/>
+              <a:buNone/>
+              <a:defRPr kumimoji="1" sz="1800" kern="1200">
+                <a:solidFill>
+                  <a:schemeClr val="tx1"/>
+                </a:solidFill>
+                <a:latin typeface="+mn-lt"/>
+                <a:ea typeface="+mn-ea"/>
+                <a:cs typeface="+mn-cs"/>
+              </a:defRPr>
+            </a:lvl4pPr>
+            <a:lvl5pPr marL="1828800" indent="0" algn="l" defTabSz="914400" rtl="0" eaLnBrk="1" latinLnBrk="0" hangingPunct="1">
+              <a:lnSpc>
+                <a:spcPct val="90000"/>
+              </a:lnSpc>
+              <a:spcBef>
+                <a:spcPts val="500"/>
+              </a:spcBef>
+              <a:buFont typeface="Arial" panose="020B0604020202020204" pitchFamily="34" charset="0"/>
+              <a:buNone/>
+              <a:defRPr kumimoji="1" sz="1800" kern="1200">
+                <a:solidFill>
+                  <a:schemeClr val="tx1"/>
+                </a:solidFill>
+                <a:latin typeface="+mn-lt"/>
+                <a:ea typeface="+mn-ea"/>
+                <a:cs typeface="+mn-cs"/>
+              </a:defRPr>
+            </a:lvl5pPr>
+            <a:lvl6pPr marL="2514600" indent="-228600" algn="l" defTabSz="914400" rtl="0" eaLnBrk="1" latinLnBrk="0" hangingPunct="1">
+              <a:lnSpc>
+                <a:spcPct val="90000"/>
+              </a:lnSpc>
+              <a:spcBef>
+                <a:spcPts val="500"/>
+              </a:spcBef>
+              <a:buFont typeface="Arial" panose="020B0604020202020204" pitchFamily="34" charset="0"/>
+              <a:buChar char="•"/>
+              <a:defRPr kumimoji="1" sz="1800" kern="1200">
+                <a:solidFill>
+                  <a:schemeClr val="tx1"/>
+                </a:solidFill>
+                <a:latin typeface="+mn-lt"/>
+                <a:ea typeface="+mn-ea"/>
+                <a:cs typeface="+mn-cs"/>
+              </a:defRPr>
+            </a:lvl6pPr>
+            <a:lvl7pPr marL="2971800" indent="-228600" algn="l" defTabSz="914400" rtl="0" eaLnBrk="1" latinLnBrk="0" hangingPunct="1">
+              <a:lnSpc>
+                <a:spcPct val="90000"/>
+              </a:lnSpc>
+              <a:spcBef>
+                <a:spcPts val="500"/>
+              </a:spcBef>
+              <a:buFont typeface="Arial" panose="020B0604020202020204" pitchFamily="34" charset="0"/>
+              <a:buChar char="•"/>
+              <a:defRPr kumimoji="1" sz="1800" kern="1200">
+                <a:solidFill>
+                  <a:schemeClr val="tx1"/>
+                </a:solidFill>
+                <a:latin typeface="+mn-lt"/>
+                <a:ea typeface="+mn-ea"/>
+                <a:cs typeface="+mn-cs"/>
+              </a:defRPr>
+            </a:lvl7pPr>
+            <a:lvl8pPr marL="3429000" indent="-228600" algn="l" defTabSz="914400" rtl="0" eaLnBrk="1" latinLnBrk="0" hangingPunct="1">
+              <a:lnSpc>
+                <a:spcPct val="90000"/>
+              </a:lnSpc>
+              <a:spcBef>
+                <a:spcPts val="500"/>
+              </a:spcBef>
+              <a:buFont typeface="Arial" panose="020B0604020202020204" pitchFamily="34" charset="0"/>
+              <a:buChar char="•"/>
+              <a:defRPr kumimoji="1" sz="1800" kern="1200">
+                <a:solidFill>
+                  <a:schemeClr val="tx1"/>
+                </a:solidFill>
+                <a:latin typeface="+mn-lt"/>
+                <a:ea typeface="+mn-ea"/>
+                <a:cs typeface="+mn-cs"/>
+              </a:defRPr>
+            </a:lvl8pPr>
+            <a:lvl9pPr marL="3886200" indent="-228600" algn="l" defTabSz="914400" rtl="0" eaLnBrk="1" latinLnBrk="0" hangingPunct="1">
+              <a:lnSpc>
+                <a:spcPct val="90000"/>
+              </a:lnSpc>
+              <a:spcBef>
+                <a:spcPts val="500"/>
+              </a:spcBef>
+              <a:buFont typeface="Arial" panose="020B0604020202020204" pitchFamily="34" charset="0"/>
+              <a:buChar char="•"/>
+              <a:defRPr kumimoji="1" sz="1800" kern="1200">
+                <a:solidFill>
+                  <a:schemeClr val="tx1"/>
+                </a:solidFill>
+                <a:latin typeface="+mn-lt"/>
+                <a:ea typeface="+mn-ea"/>
+                <a:cs typeface="+mn-cs"/>
+              </a:defRPr>
+            </a:lvl9pPr>
+          </a:lstStyle>
+          <a:p>
+            <a:r>
+              <a:rPr lang="ja-JP" altLang="en-US" dirty="0" smtClean="0"/>
+              <a:t>以下のように定式化される．</a:t>
+            </a:r>
+            <a:endParaRPr lang="ja-JP" altLang="en-US" dirty="0"/>
+          </a:p>
+        </p:txBody>
+      </p:sp>
     </p:spTree>
     <p:extLst>
       <p:ext uri="{BB962C8B-B14F-4D97-AF65-F5344CB8AC3E}">
@@ -4437,8 +5238,8 @@
           </a:p>
         </p:txBody>
       </p:sp>
-      <mc:AlternateContent xmlns:mc="http://schemas.openxmlformats.org/markup-compatibility/2006" xmlns:a14="http://schemas.microsoft.com/office/drawing/2010/main">
-        <mc:Choice Requires="a14">
+      <mc:AlternateContent xmlns:mc="http://schemas.openxmlformats.org/markup-compatibility/2006">
+        <mc:Choice xmlns:a14="http://schemas.microsoft.com/office/drawing/2010/main" Requires="a14">
           <p:graphicFrame>
             <p:nvGraphicFramePr>
               <p:cNvPr id="5" name="コンテンツ プレースホルダー 4"/>
@@ -4449,13 +5250,13 @@
                 <p:ph idx="1"/>
                 <p:extLst>
                   <p:ext uri="{D42A27DB-BD31-4B8C-83A1-F6EECF244321}">
-                    <p14:modId xmlns:p14="http://schemas.microsoft.com/office/powerpoint/2010/main" val="2213137471"/>
+                    <p14:modId xmlns:p14="http://schemas.microsoft.com/office/powerpoint/2010/main" val="3178222936"/>
                   </p:ext>
                 </p:extLst>
               </p:nvPr>
             </p:nvGraphicFramePr>
             <p:xfrm>
-              <a:off x="1129470" y="1897160"/>
+              <a:off x="1129469" y="1668034"/>
               <a:ext cx="6930780" cy="3291840"/>
             </p:xfrm>
             <a:graphic>
@@ -4777,7 +5578,7 @@
             </a:graphic>
           </p:graphicFrame>
         </mc:Choice>
-        <mc:Fallback xmlns="">
+        <mc:Fallback>
           <p:graphicFrame>
             <p:nvGraphicFramePr>
               <p:cNvPr id="5" name="コンテンツ プレースホルダー 4"/>
@@ -4788,13 +5589,13 @@
                 <p:ph idx="1"/>
                 <p:extLst>
                   <p:ext uri="{D42A27DB-BD31-4B8C-83A1-F6EECF244321}">
-                    <p14:modId xmlns:p14="http://schemas.microsoft.com/office/powerpoint/2010/main" val="2213137471"/>
+                    <p14:modId xmlns:p14="http://schemas.microsoft.com/office/powerpoint/2010/main" val="3178222936"/>
                   </p:ext>
                 </p:extLst>
               </p:nvPr>
             </p:nvGraphicFramePr>
             <p:xfrm>
-              <a:off x="1129470" y="1897160"/>
+              <a:off x="1129469" y="1668034"/>
               <a:ext cx="6930780" cy="3291840"/>
             </p:xfrm>
             <a:graphic>
@@ -4868,7 +5669,7 @@
                         <a:blipFill rotWithShape="0">
                           <a:blip r:embed="rId2"/>
                           <a:stretch>
-                            <a:fillRect l="-264" t="-55484" r="-201319" b="-218065"/>
+                            <a:fillRect l="-264" t="-54839" r="-201319" b="-218710"/>
                           </a:stretch>
                         </a:blipFill>
                       </a:tcPr>
@@ -4933,7 +5734,7 @@
                         <a:blipFill rotWithShape="0">
                           <a:blip r:embed="rId2"/>
                           <a:stretch>
-                            <a:fillRect l="-264" t="-154487" r="-201319" b="-116667"/>
+                            <a:fillRect l="-264" t="-153846" r="-201319" b="-117308"/>
                           </a:stretch>
                         </a:blipFill>
                       </a:tcPr>
@@ -4998,7 +5799,7 @@
                         <a:blipFill rotWithShape="0">
                           <a:blip r:embed="rId2"/>
                           <a:stretch>
-                            <a:fillRect l="-264" t="-256129" r="-201319" b="-17419"/>
+                            <a:fillRect l="-264" t="-255484" r="-201319" b="-18065"/>
                           </a:stretch>
                         </a:blipFill>
                       </a:tcPr>
@@ -5264,7 +6065,31 @@
             </a:r>
             <a:r>
               <a:rPr lang="ja-JP" altLang="en-US" dirty="0" smtClean="0"/>
-              <a:t>においては，以下の計算困難性が知られている．</a:t>
+              <a:t>の</a:t>
+            </a:r>
+            <a:r>
+              <a:rPr lang="ja-JP" altLang="en-US" dirty="0"/>
+              <a:t>最短</a:t>
+            </a:r>
+            <a:r>
+              <a:rPr lang="ja-JP" altLang="en-US" dirty="0" smtClean="0"/>
+              <a:t>の操作列を求める問題</a:t>
+            </a:r>
+            <a:r>
+              <a:rPr lang="ja-JP" altLang="en-US" dirty="0" smtClean="0"/>
+              <a:t>に</a:t>
+            </a:r>
+            <a:r>
+              <a:rPr lang="ja-JP" altLang="en-US" dirty="0" smtClean="0"/>
+              <a:t>おいては，以下</a:t>
+            </a:r>
+            <a:r>
+              <a:rPr lang="ja-JP" altLang="en-US" dirty="0" smtClean="0"/>
+              <a:t>の困難性</a:t>
+            </a:r>
+            <a:r>
+              <a:rPr lang="ja-JP" altLang="en-US" dirty="0" smtClean="0"/>
+              <a:t>が知られている．</a:t>
             </a:r>
             <a:endParaRPr lang="en-US" altLang="ja-JP" dirty="0" smtClean="0"/>
           </a:p>
@@ -5340,7 +6165,12 @@
             <p:ph idx="1"/>
           </p:nvPr>
         </p:nvSpPr>
-        <p:spPr/>
+        <p:spPr>
+          <a:xfrm>
+            <a:off x="822959" y="758815"/>
+            <a:ext cx="7543801" cy="2098685"/>
+          </a:xfrm>
+        </p:spPr>
         <p:txBody>
           <a:bodyPr/>
           <a:lstStyle/>
@@ -5351,7 +6181,15 @@
             </a:r>
             <a:r>
               <a:rPr lang="ja-JP" altLang="en-US" dirty="0" smtClean="0"/>
-              <a:t>を二人対戦用ゲームにしたもの</a:t>
+              <a:t>を</a:t>
+            </a:r>
+            <a:r>
+              <a:rPr lang="ja-JP" altLang="en-US" dirty="0" smtClean="0"/>
+              <a:t>二人用対戦ゲーム</a:t>
+            </a:r>
+            <a:r>
+              <a:rPr lang="ja-JP" altLang="en-US" dirty="0" smtClean="0"/>
+              <a:t>にしたもの</a:t>
             </a:r>
             <a:endParaRPr lang="en-US" altLang="ja-JP" dirty="0" smtClean="0"/>
           </a:p>
@@ -5370,7 +6208,11 @@
             </a:r>
             <a:r>
               <a:rPr lang="ja-JP" altLang="en-US" dirty="0" smtClean="0"/>
-              <a:t>変えていき</a:t>
+              <a:t>変えて</a:t>
+            </a:r>
+            <a:r>
+              <a:rPr lang="ja-JP" altLang="en-US" dirty="0" smtClean="0"/>
+              <a:t>いくことで</a:t>
             </a:r>
             <a:endParaRPr lang="en-US" altLang="ja-JP" dirty="0" smtClean="0"/>
           </a:p>
@@ -5393,18 +6235,34 @@
             </a:r>
             <a:r>
               <a:rPr lang="ja-JP" altLang="en-US" dirty="0" smtClean="0"/>
-              <a:t>を拡大し，陣地</a:t>
-            </a:r>
-            <a:endParaRPr lang="en-US" altLang="ja-JP" dirty="0" smtClean="0"/>
-          </a:p>
-          <a:p>
-            <a:r>
-              <a:rPr kumimoji="1" lang="ja-JP" altLang="en-US" dirty="0"/>
-              <a:t>　</a:t>
+              <a:t>を拡大し，</a:t>
+            </a:r>
+            <a:r>
+              <a:rPr lang="ja-JP" altLang="en-US" dirty="0" smtClean="0"/>
+              <a:t>陣地</a:t>
             </a:r>
             <a:r>
               <a:rPr kumimoji="1" lang="ja-JP" altLang="en-US" dirty="0" smtClean="0"/>
-              <a:t>　　　を相手より広くする．</a:t>
+              <a:t>を相</a:t>
+            </a:r>
+            <a:endParaRPr kumimoji="1" lang="en-US" altLang="ja-JP" dirty="0" smtClean="0"/>
+          </a:p>
+          <a:p>
+            <a:r>
+              <a:rPr lang="en-US" altLang="ja-JP" dirty="0"/>
+              <a:t> </a:t>
+            </a:r>
+            <a:r>
+              <a:rPr lang="en-US" altLang="ja-JP" dirty="0" smtClean="0"/>
+              <a:t>        </a:t>
+            </a:r>
+            <a:r>
+              <a:rPr kumimoji="1" lang="ja-JP" altLang="en-US" dirty="0" smtClean="0"/>
+              <a:t> 手</a:t>
+            </a:r>
+            <a:r>
+              <a:rPr kumimoji="1" lang="ja-JP" altLang="en-US" dirty="0" smtClean="0"/>
+              <a:t>より広くする．</a:t>
             </a:r>
             <a:endParaRPr kumimoji="1" lang="ja-JP" altLang="en-US" dirty="0"/>
           </a:p>
@@ -5431,6 +6289,50 @@
               <a:t>5</a:t>
             </a:fld>
             <a:endParaRPr lang="ja-JP" altLang="en-US" dirty="0"/>
+          </a:p>
+        </p:txBody>
+      </p:sp>
+      <p:sp>
+        <p:nvSpPr>
+          <p:cNvPr id="5" name="正方形/長方形 4"/>
+          <p:cNvSpPr/>
+          <p:nvPr/>
+        </p:nvSpPr>
+        <p:spPr>
+          <a:xfrm>
+            <a:off x="1099457" y="3099513"/>
+            <a:ext cx="3340359" cy="3209730"/>
+          </a:xfrm>
+          <a:prstGeom prst="rect">
+            <a:avLst/>
+          </a:prstGeom>
+        </p:spPr>
+        <p:style>
+          <a:lnRef idx="2">
+            <a:schemeClr val="accent1">
+              <a:shade val="50000"/>
+            </a:schemeClr>
+          </a:lnRef>
+          <a:fillRef idx="1">
+            <a:schemeClr val="accent1"/>
+          </a:fillRef>
+          <a:effectRef idx="0">
+            <a:schemeClr val="accent1"/>
+          </a:effectRef>
+          <a:fontRef idx="minor">
+            <a:schemeClr val="lt1"/>
+          </a:fontRef>
+        </p:style>
+        <p:txBody>
+          <a:bodyPr rtlCol="0" anchor="ctr"/>
+          <a:lstStyle/>
+          <a:p>
+            <a:pPr algn="ctr"/>
+            <a:r>
+              <a:rPr kumimoji="1" lang="ja-JP" altLang="en-US" dirty="0" smtClean="0"/>
+              <a:t>図とアニメーション</a:t>
+            </a:r>
+            <a:endParaRPr kumimoji="1" lang="ja-JP" altLang="en-US" dirty="0"/>
           </a:p>
         </p:txBody>
       </p:sp>
@@ -5577,6 +6479,44 @@
           </a:p>
         </p:txBody>
       </p:sp>
+      <p:sp>
+        <p:nvSpPr>
+          <p:cNvPr id="5" name="正方形/長方形 4"/>
+          <p:cNvSpPr/>
+          <p:nvPr/>
+        </p:nvSpPr>
+        <p:spPr>
+          <a:xfrm>
+            <a:off x="867747" y="1716833"/>
+            <a:ext cx="4814596" cy="167951"/>
+          </a:xfrm>
+          <a:prstGeom prst="rect">
+            <a:avLst/>
+          </a:prstGeom>
+        </p:spPr>
+        <p:style>
+          <a:lnRef idx="1">
+            <a:schemeClr val="accent2"/>
+          </a:lnRef>
+          <a:fillRef idx="3">
+            <a:schemeClr val="accent2"/>
+          </a:fillRef>
+          <a:effectRef idx="2">
+            <a:schemeClr val="accent2"/>
+          </a:effectRef>
+          <a:fontRef idx="minor">
+            <a:schemeClr val="lt1"/>
+          </a:fontRef>
+        </p:style>
+        <p:txBody>
+          <a:bodyPr rtlCol="0" anchor="ctr"/>
+          <a:lstStyle/>
+          <a:p>
+            <a:pPr algn="ctr"/>
+            <a:endParaRPr kumimoji="1" lang="ja-JP" altLang="en-US"/>
+          </a:p>
+        </p:txBody>
+      </p:sp>
     </p:spTree>
     <p:extLst>
       <p:ext uri="{BB962C8B-B14F-4D97-AF65-F5344CB8AC3E}">
@@ -5590,9 +6530,88 @@
   <p:timing>
     <p:tnLst>
       <p:par>
-        <p:cTn id="1" dur="indefinite" restart="never" nodeType="tmRoot"/>
+        <p:cTn id="1" dur="indefinite" restart="never" nodeType="tmRoot">
+          <p:childTnLst>
+            <p:seq concurrent="1" nextAc="seek">
+              <p:cTn id="2" dur="indefinite" nodeType="mainSeq">
+                <p:childTnLst>
+                  <p:par>
+                    <p:cTn id="3" fill="hold">
+                      <p:stCondLst>
+                        <p:cond delay="indefinite"/>
+                      </p:stCondLst>
+                      <p:childTnLst>
+                        <p:par>
+                          <p:cTn id="4" fill="hold">
+                            <p:stCondLst>
+                              <p:cond delay="0"/>
+                            </p:stCondLst>
+                            <p:childTnLst>
+                              <p:par>
+                                <p:cTn id="5" presetID="22" presetClass="entr" presetSubtype="8" fill="hold" grpId="0" nodeType="clickEffect">
+                                  <p:stCondLst>
+                                    <p:cond delay="0"/>
+                                  </p:stCondLst>
+                                  <p:childTnLst>
+                                    <p:set>
+                                      <p:cBhvr>
+                                        <p:cTn id="6" dur="1" fill="hold">
+                                          <p:stCondLst>
+                                            <p:cond delay="0"/>
+                                          </p:stCondLst>
+                                        </p:cTn>
+                                        <p:tgtEl>
+                                          <p:spTgt spid="5"/>
+                                        </p:tgtEl>
+                                        <p:attrNameLst>
+                                          <p:attrName>style.visibility</p:attrName>
+                                        </p:attrNameLst>
+                                      </p:cBhvr>
+                                      <p:to>
+                                        <p:strVal val="visible"/>
+                                      </p:to>
+                                    </p:set>
+                                    <p:animEffect transition="in" filter="wipe(left)">
+                                      <p:cBhvr>
+                                        <p:cTn id="7" dur="500"/>
+                                        <p:tgtEl>
+                                          <p:spTgt spid="5"/>
+                                        </p:tgtEl>
+                                      </p:cBhvr>
+                                    </p:animEffect>
+                                  </p:childTnLst>
+                                </p:cTn>
+                              </p:par>
+                            </p:childTnLst>
+                          </p:cTn>
+                        </p:par>
+                      </p:childTnLst>
+                    </p:cTn>
+                  </p:par>
+                </p:childTnLst>
+              </p:cTn>
+              <p:prevCondLst>
+                <p:cond evt="onPrev" delay="0">
+                  <p:tgtEl>
+                    <p:sldTgt/>
+                  </p:tgtEl>
+                </p:cond>
+              </p:prevCondLst>
+              <p:nextCondLst>
+                <p:cond evt="onNext" delay="0">
+                  <p:tgtEl>
+                    <p:sldTgt/>
+                  </p:tgtEl>
+                </p:cond>
+              </p:nextCondLst>
+            </p:seq>
+          </p:childTnLst>
+        </p:cTn>
       </p:par>
     </p:tnLst>
+    <p:bldLst>
+      <p:bldP spid="5" grpId="0" animBg="1"/>
+    </p:bldLst>
   </p:timing>
 </p:sld>
 </file>
@@ -5616,6 +6635,44 @@
       </p:grpSpPr>
       <p:sp>
         <p:nvSpPr>
+          <p:cNvPr id="44" name="二等辺三角形 43"/>
+          <p:cNvSpPr/>
+          <p:nvPr/>
+        </p:nvSpPr>
+        <p:spPr>
+          <a:xfrm>
+            <a:off x="82518" y="4067644"/>
+            <a:ext cx="1060704" cy="2323631"/>
+          </a:xfrm>
+          <a:prstGeom prst="triangle">
+            <a:avLst/>
+          </a:prstGeom>
+        </p:spPr>
+        <p:style>
+          <a:lnRef idx="1">
+            <a:schemeClr val="accent3"/>
+          </a:lnRef>
+          <a:fillRef idx="2">
+            <a:schemeClr val="accent3"/>
+          </a:fillRef>
+          <a:effectRef idx="1">
+            <a:schemeClr val="accent3"/>
+          </a:effectRef>
+          <a:fontRef idx="minor">
+            <a:schemeClr val="dk1"/>
+          </a:fontRef>
+        </p:style>
+        <p:txBody>
+          <a:bodyPr rtlCol="0" anchor="ctr"/>
+          <a:lstStyle/>
+          <a:p>
+            <a:pPr algn="ctr"/>
+            <a:endParaRPr kumimoji="1" lang="ja-JP" altLang="en-US"/>
+          </a:p>
+        </p:txBody>
+      </p:sp>
+      <p:sp>
+        <p:nvSpPr>
           <p:cNvPr id="2" name="タイトル 1"/>
           <p:cNvSpPr>
             <a:spLocks noGrp="1"/>
@@ -5647,30 +6704,45 @@
             <p:ph idx="1"/>
           </p:nvPr>
         </p:nvSpPr>
-        <p:spPr/>
+        <p:spPr>
+          <a:xfrm>
+            <a:off x="822959" y="758816"/>
+            <a:ext cx="7543801" cy="812810"/>
+          </a:xfrm>
+        </p:spPr>
         <p:txBody>
           <a:bodyPr/>
           <a:lstStyle/>
           <a:p>
             <a:r>
               <a:rPr kumimoji="1" lang="ja-JP" altLang="en-US" dirty="0" smtClean="0"/>
-              <a:t>乱数により生成した多数のサンプルから問題の解を推定する手法の総称．</a:t>
+              <a:t>シミュレーションや数値計算を乱数を用いて行う手法の総称．</a:t>
             </a:r>
             <a:endParaRPr kumimoji="1" lang="en-US" altLang="ja-JP" dirty="0" smtClean="0"/>
           </a:p>
           <a:p>
             <a:r>
+              <a:rPr lang="ja-JP" altLang="en-US" dirty="0" smtClean="0"/>
+              <a:t>こ</a:t>
+            </a:r>
+            <a:r>
+              <a:rPr lang="ja-JP" altLang="en-US" dirty="0"/>
+              <a:t>の</a:t>
+            </a:r>
+            <a:r>
               <a:rPr kumimoji="1" lang="ja-JP" altLang="en-US" dirty="0" smtClean="0"/>
-              <a:t>ゲームにおいては</a:t>
+              <a:t>ゲーム</a:t>
+            </a:r>
+            <a:r>
+              <a:rPr kumimoji="1" lang="ja-JP" altLang="en-US" dirty="0" smtClean="0"/>
+              <a:t>においては</a:t>
             </a:r>
             <a:r>
               <a:rPr kumimoji="1" lang="en-US" altLang="ja-JP" dirty="0" smtClean="0"/>
               <a:t>…</a:t>
             </a:r>
-            <a:r>
-              <a:rPr kumimoji="1" lang="ja-JP" altLang="en-US" smtClean="0"/>
-              <a:t>ｌ</a:t>
-            </a:r>
+          </a:p>
+          <a:p>
             <a:endParaRPr kumimoji="1" lang="ja-JP" altLang="en-US" dirty="0"/>
           </a:p>
         </p:txBody>
@@ -5696,6 +6768,1628 @@
               <a:t>7</a:t>
             </a:fld>
             <a:endParaRPr lang="ja-JP" altLang="en-US" dirty="0"/>
+          </a:p>
+        </p:txBody>
+      </p:sp>
+      <p:sp>
+        <p:nvSpPr>
+          <p:cNvPr id="6" name="テキスト ボックス 5"/>
+          <p:cNvSpPr txBox="1"/>
+          <p:nvPr/>
+        </p:nvSpPr>
+        <p:spPr>
+          <a:xfrm>
+            <a:off x="822959" y="2066925"/>
+            <a:ext cx="7543800" cy="954107"/>
+          </a:xfrm>
+          <a:prstGeom prst="rect">
+            <a:avLst/>
+          </a:prstGeom>
+        </p:spPr>
+        <p:style>
+          <a:lnRef idx="1">
+            <a:schemeClr val="accent4"/>
+          </a:lnRef>
+          <a:fillRef idx="2">
+            <a:schemeClr val="accent4"/>
+          </a:fillRef>
+          <a:effectRef idx="1">
+            <a:schemeClr val="accent4"/>
+          </a:effectRef>
+          <a:fontRef idx="minor">
+            <a:schemeClr val="dk1"/>
+          </a:fontRef>
+        </p:style>
+        <p:txBody>
+          <a:bodyPr wrap="square" rtlCol="0">
+            <a:spAutoFit/>
+          </a:bodyPr>
+          <a:lstStyle/>
+          <a:p>
+            <a:r>
+              <a:rPr kumimoji="1" lang="ja-JP" altLang="en-US" sz="2800" dirty="0" smtClean="0"/>
+              <a:t>ある盤面からゲーム終了までの操作をランダムに選び，次に取りうる行動ごとの勝率を求める．</a:t>
+            </a:r>
+            <a:endParaRPr kumimoji="1" lang="ja-JP" altLang="en-US" sz="2800" dirty="0"/>
+          </a:p>
+        </p:txBody>
+      </p:sp>
+      <p:sp>
+        <p:nvSpPr>
+          <p:cNvPr id="7" name="円/楕円 6"/>
+          <p:cNvSpPr/>
+          <p:nvPr/>
+        </p:nvSpPr>
+        <p:spPr>
+          <a:xfrm>
+            <a:off x="2132844" y="3300331"/>
+            <a:ext cx="216000" cy="216000"/>
+          </a:xfrm>
+          <a:prstGeom prst="ellipse">
+            <a:avLst/>
+          </a:prstGeom>
+          <a:solidFill>
+            <a:schemeClr val="tx1"/>
+          </a:solidFill>
+          <a:ln>
+            <a:solidFill>
+              <a:schemeClr val="tx1"/>
+            </a:solidFill>
+          </a:ln>
+        </p:spPr>
+        <p:style>
+          <a:lnRef idx="1">
+            <a:schemeClr val="accent2"/>
+          </a:lnRef>
+          <a:fillRef idx="3">
+            <a:schemeClr val="accent2"/>
+          </a:fillRef>
+          <a:effectRef idx="2">
+            <a:schemeClr val="accent2"/>
+          </a:effectRef>
+          <a:fontRef idx="minor">
+            <a:schemeClr val="lt1"/>
+          </a:fontRef>
+        </p:style>
+        <p:txBody>
+          <a:bodyPr rtlCol="0" anchor="ctr"/>
+          <a:lstStyle/>
+          <a:p>
+            <a:pPr algn="ctr"/>
+            <a:endParaRPr kumimoji="1" lang="ja-JP" altLang="en-US"/>
+          </a:p>
+        </p:txBody>
+      </p:sp>
+      <p:cxnSp>
+        <p:nvCxnSpPr>
+          <p:cNvPr id="11" name="直線コネクタ 10"/>
+          <p:cNvCxnSpPr>
+            <a:stCxn id="28" idx="1"/>
+            <a:endCxn id="7" idx="4"/>
+          </p:cNvCxnSpPr>
+          <p:nvPr/>
+        </p:nvCxnSpPr>
+        <p:spPr>
+          <a:xfrm flipH="1" flipV="1">
+            <a:off x="2240844" y="3516331"/>
+            <a:ext cx="1581726" cy="366945"/>
+          </a:xfrm>
+          <a:prstGeom prst="line">
+            <a:avLst/>
+          </a:prstGeom>
+          <a:effectLst/>
+          <a:scene3d>
+            <a:camera prst="orthographicFront">
+              <a:rot lat="0" lon="0" rev="0"/>
+            </a:camera>
+            <a:lightRig rig="twoPt" dir="t">
+              <a:rot lat="0" lon="0" rev="4800000"/>
+            </a:lightRig>
+          </a:scene3d>
+          <a:sp3d prstMaterial="matte"/>
+        </p:spPr>
+        <p:style>
+          <a:lnRef idx="3">
+            <a:schemeClr val="dk1"/>
+          </a:lnRef>
+          <a:fillRef idx="0">
+            <a:schemeClr val="dk1"/>
+          </a:fillRef>
+          <a:effectRef idx="2">
+            <a:schemeClr val="dk1"/>
+          </a:effectRef>
+          <a:fontRef idx="minor">
+            <a:schemeClr val="tx1"/>
+          </a:fontRef>
+        </p:style>
+      </p:cxnSp>
+      <p:cxnSp>
+        <p:nvCxnSpPr>
+          <p:cNvPr id="15" name="直線コネクタ 14"/>
+          <p:cNvCxnSpPr>
+            <a:stCxn id="7" idx="4"/>
+            <a:endCxn id="31" idx="0"/>
+          </p:cNvCxnSpPr>
+          <p:nvPr/>
+        </p:nvCxnSpPr>
+        <p:spPr>
+          <a:xfrm flipH="1">
+            <a:off x="612870" y="3516331"/>
+            <a:ext cx="1627974" cy="335313"/>
+          </a:xfrm>
+          <a:prstGeom prst="line">
+            <a:avLst/>
+          </a:prstGeom>
+          <a:effectLst/>
+          <a:scene3d>
+            <a:camera prst="orthographicFront">
+              <a:rot lat="0" lon="0" rev="0"/>
+            </a:camera>
+            <a:lightRig rig="twoPt" dir="t">
+              <a:rot lat="0" lon="0" rev="4800000"/>
+            </a:lightRig>
+          </a:scene3d>
+          <a:sp3d prstMaterial="matte"/>
+        </p:spPr>
+        <p:style>
+          <a:lnRef idx="3">
+            <a:schemeClr val="dk1"/>
+          </a:lnRef>
+          <a:fillRef idx="0">
+            <a:schemeClr val="dk1"/>
+          </a:fillRef>
+          <a:effectRef idx="2">
+            <a:schemeClr val="dk1"/>
+          </a:effectRef>
+          <a:fontRef idx="minor">
+            <a:schemeClr val="tx1"/>
+          </a:fontRef>
+        </p:style>
+      </p:cxnSp>
+      <p:cxnSp>
+        <p:nvCxnSpPr>
+          <p:cNvPr id="18" name="直線コネクタ 17"/>
+          <p:cNvCxnSpPr>
+            <a:stCxn id="29" idx="0"/>
+            <a:endCxn id="7" idx="4"/>
+          </p:cNvCxnSpPr>
+          <p:nvPr/>
+        </p:nvCxnSpPr>
+        <p:spPr>
+          <a:xfrm flipH="1" flipV="1">
+            <a:off x="2240844" y="3516331"/>
+            <a:ext cx="553222" cy="335310"/>
+          </a:xfrm>
+          <a:prstGeom prst="line">
+            <a:avLst/>
+          </a:prstGeom>
+          <a:effectLst/>
+          <a:scene3d>
+            <a:camera prst="orthographicFront">
+              <a:rot lat="0" lon="0" rev="0"/>
+            </a:camera>
+            <a:lightRig rig="twoPt" dir="t">
+              <a:rot lat="0" lon="0" rev="4800000"/>
+            </a:lightRig>
+          </a:scene3d>
+          <a:sp3d prstMaterial="matte"/>
+        </p:spPr>
+        <p:style>
+          <a:lnRef idx="3">
+            <a:schemeClr val="dk1"/>
+          </a:lnRef>
+          <a:fillRef idx="0">
+            <a:schemeClr val="dk1"/>
+          </a:fillRef>
+          <a:effectRef idx="2">
+            <a:schemeClr val="dk1"/>
+          </a:effectRef>
+          <a:fontRef idx="minor">
+            <a:schemeClr val="tx1"/>
+          </a:fontRef>
+        </p:style>
+      </p:cxnSp>
+      <p:cxnSp>
+        <p:nvCxnSpPr>
+          <p:cNvPr id="21" name="直線コネクタ 20"/>
+          <p:cNvCxnSpPr>
+            <a:stCxn id="30" idx="0"/>
+            <a:endCxn id="7" idx="4"/>
+          </p:cNvCxnSpPr>
+          <p:nvPr/>
+        </p:nvCxnSpPr>
+        <p:spPr>
+          <a:xfrm flipV="1">
+            <a:off x="1732629" y="3516331"/>
+            <a:ext cx="508215" cy="335311"/>
+          </a:xfrm>
+          <a:prstGeom prst="line">
+            <a:avLst/>
+          </a:prstGeom>
+          <a:effectLst/>
+          <a:scene3d>
+            <a:camera prst="orthographicFront">
+              <a:rot lat="0" lon="0" rev="0"/>
+            </a:camera>
+            <a:lightRig rig="twoPt" dir="t">
+              <a:rot lat="0" lon="0" rev="4800000"/>
+            </a:lightRig>
+          </a:scene3d>
+          <a:sp3d prstMaterial="matte"/>
+        </p:spPr>
+        <p:style>
+          <a:lnRef idx="3">
+            <a:schemeClr val="dk1"/>
+          </a:lnRef>
+          <a:fillRef idx="0">
+            <a:schemeClr val="dk1"/>
+          </a:fillRef>
+          <a:effectRef idx="2">
+            <a:schemeClr val="dk1"/>
+          </a:effectRef>
+          <a:fontRef idx="minor">
+            <a:schemeClr val="tx1"/>
+          </a:fontRef>
+        </p:style>
+      </p:cxnSp>
+      <p:sp>
+        <p:nvSpPr>
+          <p:cNvPr id="25" name="テキスト ボックス 24"/>
+          <p:cNvSpPr txBox="1"/>
+          <p:nvPr/>
+        </p:nvSpPr>
+        <p:spPr>
+          <a:xfrm>
+            <a:off x="2380579" y="3174961"/>
+            <a:ext cx="1723549" cy="461665"/>
+          </a:xfrm>
+          <a:prstGeom prst="rect">
+            <a:avLst/>
+          </a:prstGeom>
+          <a:noFill/>
+        </p:spPr>
+        <p:txBody>
+          <a:bodyPr wrap="none" rtlCol="0">
+            <a:spAutoFit/>
+          </a:bodyPr>
+          <a:lstStyle/>
+          <a:p>
+            <a:r>
+              <a:rPr kumimoji="1" lang="ja-JP" altLang="en-US" sz="2400" dirty="0" smtClean="0"/>
+              <a:t>現在の盤面</a:t>
+            </a:r>
+            <a:endParaRPr kumimoji="1" lang="ja-JP" altLang="en-US" sz="2400" dirty="0"/>
+          </a:p>
+        </p:txBody>
+      </p:sp>
+      <p:sp>
+        <p:nvSpPr>
+          <p:cNvPr id="28" name="円/楕円 27"/>
+          <p:cNvSpPr/>
+          <p:nvPr/>
+        </p:nvSpPr>
+        <p:spPr>
+          <a:xfrm>
+            <a:off x="3790938" y="3851644"/>
+            <a:ext cx="216000" cy="216000"/>
+          </a:xfrm>
+          <a:prstGeom prst="ellipse">
+            <a:avLst/>
+          </a:prstGeom>
+          <a:ln/>
+        </p:spPr>
+        <p:style>
+          <a:lnRef idx="1">
+            <a:schemeClr val="accent6"/>
+          </a:lnRef>
+          <a:fillRef idx="3">
+            <a:schemeClr val="accent6"/>
+          </a:fillRef>
+          <a:effectRef idx="2">
+            <a:schemeClr val="accent6"/>
+          </a:effectRef>
+          <a:fontRef idx="minor">
+            <a:schemeClr val="lt1"/>
+          </a:fontRef>
+        </p:style>
+        <p:txBody>
+          <a:bodyPr rtlCol="0" anchor="ctr"/>
+          <a:lstStyle/>
+          <a:p>
+            <a:pPr algn="ctr"/>
+            <a:endParaRPr kumimoji="1" lang="ja-JP" altLang="en-US">
+              <a:ln>
+                <a:solidFill>
+                  <a:sysClr val="windowText" lastClr="000000"/>
+                </a:solidFill>
+              </a:ln>
+            </a:endParaRPr>
+          </a:p>
+        </p:txBody>
+      </p:sp>
+      <p:sp>
+        <p:nvSpPr>
+          <p:cNvPr id="29" name="円/楕円 28"/>
+          <p:cNvSpPr/>
+          <p:nvPr/>
+        </p:nvSpPr>
+        <p:spPr>
+          <a:xfrm>
+            <a:off x="2686066" y="3851641"/>
+            <a:ext cx="216000" cy="216000"/>
+          </a:xfrm>
+          <a:prstGeom prst="ellipse">
+            <a:avLst/>
+          </a:prstGeom>
+          <a:ln/>
+        </p:spPr>
+        <p:style>
+          <a:lnRef idx="1">
+            <a:schemeClr val="accent5"/>
+          </a:lnRef>
+          <a:fillRef idx="3">
+            <a:schemeClr val="accent5"/>
+          </a:fillRef>
+          <a:effectRef idx="2">
+            <a:schemeClr val="accent5"/>
+          </a:effectRef>
+          <a:fontRef idx="minor">
+            <a:schemeClr val="lt1"/>
+          </a:fontRef>
+        </p:style>
+        <p:txBody>
+          <a:bodyPr rtlCol="0" anchor="ctr"/>
+          <a:lstStyle/>
+          <a:p>
+            <a:pPr algn="ctr"/>
+            <a:endParaRPr kumimoji="1" lang="ja-JP" altLang="en-US">
+              <a:ln>
+                <a:solidFill>
+                  <a:sysClr val="windowText" lastClr="000000"/>
+                </a:solidFill>
+              </a:ln>
+            </a:endParaRPr>
+          </a:p>
+        </p:txBody>
+      </p:sp>
+      <p:sp>
+        <p:nvSpPr>
+          <p:cNvPr id="30" name="円/楕円 29"/>
+          <p:cNvSpPr/>
+          <p:nvPr/>
+        </p:nvSpPr>
+        <p:spPr>
+          <a:xfrm>
+            <a:off x="1624629" y="3851642"/>
+            <a:ext cx="216000" cy="216000"/>
+          </a:xfrm>
+          <a:prstGeom prst="ellipse">
+            <a:avLst/>
+          </a:prstGeom>
+          <a:ln/>
+        </p:spPr>
+        <p:style>
+          <a:lnRef idx="1">
+            <a:schemeClr val="accent4"/>
+          </a:lnRef>
+          <a:fillRef idx="3">
+            <a:schemeClr val="accent4"/>
+          </a:fillRef>
+          <a:effectRef idx="2">
+            <a:schemeClr val="accent4"/>
+          </a:effectRef>
+          <a:fontRef idx="minor">
+            <a:schemeClr val="lt1"/>
+          </a:fontRef>
+        </p:style>
+        <p:txBody>
+          <a:bodyPr rtlCol="0" anchor="ctr"/>
+          <a:lstStyle/>
+          <a:p>
+            <a:pPr algn="ctr"/>
+            <a:endParaRPr kumimoji="1" lang="ja-JP" altLang="en-US">
+              <a:ln>
+                <a:solidFill>
+                  <a:sysClr val="windowText" lastClr="000000"/>
+                </a:solidFill>
+              </a:ln>
+            </a:endParaRPr>
+          </a:p>
+        </p:txBody>
+      </p:sp>
+      <p:sp>
+        <p:nvSpPr>
+          <p:cNvPr id="31" name="円/楕円 30"/>
+          <p:cNvSpPr/>
+          <p:nvPr/>
+        </p:nvSpPr>
+        <p:spPr>
+          <a:xfrm>
+            <a:off x="504870" y="3851644"/>
+            <a:ext cx="216000" cy="216000"/>
+          </a:xfrm>
+          <a:prstGeom prst="ellipse">
+            <a:avLst/>
+          </a:prstGeom>
+          <a:ln/>
+        </p:spPr>
+        <p:style>
+          <a:lnRef idx="1">
+            <a:schemeClr val="accent2"/>
+          </a:lnRef>
+          <a:fillRef idx="3">
+            <a:schemeClr val="accent2"/>
+          </a:fillRef>
+          <a:effectRef idx="2">
+            <a:schemeClr val="accent2"/>
+          </a:effectRef>
+          <a:fontRef idx="minor">
+            <a:schemeClr val="lt1"/>
+          </a:fontRef>
+        </p:style>
+        <p:txBody>
+          <a:bodyPr rtlCol="0" anchor="ctr"/>
+          <a:lstStyle/>
+          <a:p>
+            <a:pPr algn="ctr"/>
+            <a:endParaRPr kumimoji="1" lang="ja-JP" altLang="en-US">
+              <a:ln>
+                <a:solidFill>
+                  <a:sysClr val="windowText" lastClr="000000"/>
+                </a:solidFill>
+              </a:ln>
+            </a:endParaRPr>
+          </a:p>
+        </p:txBody>
+      </p:sp>
+      <p:sp>
+        <p:nvSpPr>
+          <p:cNvPr id="41" name="二等辺三角形 40"/>
+          <p:cNvSpPr/>
+          <p:nvPr/>
+        </p:nvSpPr>
+        <p:spPr>
+          <a:xfrm>
+            <a:off x="1188252" y="4067642"/>
+            <a:ext cx="1060704" cy="2323631"/>
+          </a:xfrm>
+          <a:prstGeom prst="triangle">
+            <a:avLst/>
+          </a:prstGeom>
+        </p:spPr>
+        <p:style>
+          <a:lnRef idx="1">
+            <a:schemeClr val="accent3"/>
+          </a:lnRef>
+          <a:fillRef idx="2">
+            <a:schemeClr val="accent3"/>
+          </a:fillRef>
+          <a:effectRef idx="1">
+            <a:schemeClr val="accent3"/>
+          </a:effectRef>
+          <a:fontRef idx="minor">
+            <a:schemeClr val="dk1"/>
+          </a:fontRef>
+        </p:style>
+        <p:txBody>
+          <a:bodyPr rtlCol="0" anchor="ctr"/>
+          <a:lstStyle/>
+          <a:p>
+            <a:pPr algn="ctr"/>
+            <a:endParaRPr kumimoji="1" lang="ja-JP" altLang="en-US"/>
+          </a:p>
+        </p:txBody>
+      </p:sp>
+      <p:sp>
+        <p:nvSpPr>
+          <p:cNvPr id="42" name="二等辺三角形 41"/>
+          <p:cNvSpPr/>
+          <p:nvPr/>
+        </p:nvSpPr>
+        <p:spPr>
+          <a:xfrm>
+            <a:off x="2263458" y="4067641"/>
+            <a:ext cx="1060704" cy="2323631"/>
+          </a:xfrm>
+          <a:prstGeom prst="triangle">
+            <a:avLst/>
+          </a:prstGeom>
+        </p:spPr>
+        <p:style>
+          <a:lnRef idx="1">
+            <a:schemeClr val="accent3"/>
+          </a:lnRef>
+          <a:fillRef idx="2">
+            <a:schemeClr val="accent3"/>
+          </a:fillRef>
+          <a:effectRef idx="1">
+            <a:schemeClr val="accent3"/>
+          </a:effectRef>
+          <a:fontRef idx="minor">
+            <a:schemeClr val="dk1"/>
+          </a:fontRef>
+        </p:style>
+        <p:txBody>
+          <a:bodyPr rtlCol="0" anchor="ctr"/>
+          <a:lstStyle/>
+          <a:p>
+            <a:pPr algn="ctr"/>
+            <a:endParaRPr kumimoji="1" lang="ja-JP" altLang="en-US"/>
+          </a:p>
+        </p:txBody>
+      </p:sp>
+      <p:sp>
+        <p:nvSpPr>
+          <p:cNvPr id="43" name="二等辺三角形 42"/>
+          <p:cNvSpPr/>
+          <p:nvPr/>
+        </p:nvSpPr>
+        <p:spPr>
+          <a:xfrm>
+            <a:off x="3366828" y="4067641"/>
+            <a:ext cx="1060704" cy="2323631"/>
+          </a:xfrm>
+          <a:prstGeom prst="triangle">
+            <a:avLst/>
+          </a:prstGeom>
+        </p:spPr>
+        <p:style>
+          <a:lnRef idx="1">
+            <a:schemeClr val="accent3"/>
+          </a:lnRef>
+          <a:fillRef idx="2">
+            <a:schemeClr val="accent3"/>
+          </a:fillRef>
+          <a:effectRef idx="1">
+            <a:schemeClr val="accent3"/>
+          </a:effectRef>
+          <a:fontRef idx="minor">
+            <a:schemeClr val="dk1"/>
+          </a:fontRef>
+        </p:style>
+        <p:txBody>
+          <a:bodyPr rtlCol="0" anchor="ctr"/>
+          <a:lstStyle/>
+          <a:p>
+            <a:pPr algn="ctr"/>
+            <a:endParaRPr kumimoji="1" lang="ja-JP" altLang="en-US"/>
+          </a:p>
+        </p:txBody>
+      </p:sp>
+      <p:sp>
+        <p:nvSpPr>
+          <p:cNvPr id="59" name="テキスト ボックス 58"/>
+          <p:cNvSpPr txBox="1"/>
+          <p:nvPr/>
+        </p:nvSpPr>
+        <p:spPr>
+          <a:xfrm>
+            <a:off x="4003556" y="3705608"/>
+            <a:ext cx="1415772" cy="461665"/>
+          </a:xfrm>
+          <a:prstGeom prst="rect">
+            <a:avLst/>
+          </a:prstGeom>
+          <a:noFill/>
+        </p:spPr>
+        <p:txBody>
+          <a:bodyPr wrap="none" rtlCol="0">
+            <a:spAutoFit/>
+          </a:bodyPr>
+          <a:lstStyle/>
+          <a:p>
+            <a:r>
+              <a:rPr kumimoji="1" lang="ja-JP" altLang="en-US" sz="2400" dirty="0" smtClean="0"/>
+              <a:t>次の選択</a:t>
+            </a:r>
+            <a:endParaRPr kumimoji="1" lang="ja-JP" altLang="en-US" sz="2400" dirty="0"/>
+          </a:p>
+        </p:txBody>
+      </p:sp>
+      <p:sp>
+        <p:nvSpPr>
+          <p:cNvPr id="77" name="円/楕円 76"/>
+          <p:cNvSpPr/>
+          <p:nvPr/>
+        </p:nvSpPr>
+        <p:spPr>
+          <a:xfrm>
+            <a:off x="3618572" y="6252472"/>
+            <a:ext cx="216000" cy="216000"/>
+          </a:xfrm>
+          <a:prstGeom prst="ellipse">
+            <a:avLst/>
+          </a:prstGeom>
+          <a:noFill/>
+          <a:ln w="57150">
+            <a:solidFill>
+              <a:srgbClr val="FF0000"/>
+            </a:solidFill>
+          </a:ln>
+          <a:effectLst>
+            <a:outerShdw blurRad="57785" dist="33020" dir="3180000" algn="ctr">
+              <a:srgbClr val="000000">
+                <a:alpha val="30000"/>
+              </a:srgbClr>
+            </a:outerShdw>
+          </a:effectLst>
+          <a:scene3d>
+            <a:camera prst="orthographicFront">
+              <a:rot lat="0" lon="0" rev="0"/>
+            </a:camera>
+            <a:lightRig rig="brightRoom" dir="t">
+              <a:rot lat="0" lon="0" rev="600000"/>
+            </a:lightRig>
+          </a:scene3d>
+          <a:sp3d prstMaterial="metal">
+            <a:bevelT w="38100" h="57150" prst="angle"/>
+          </a:sp3d>
+        </p:spPr>
+        <p:style>
+          <a:lnRef idx="2">
+            <a:schemeClr val="accent1">
+              <a:shade val="50000"/>
+            </a:schemeClr>
+          </a:lnRef>
+          <a:fillRef idx="1">
+            <a:schemeClr val="accent1"/>
+          </a:fillRef>
+          <a:effectRef idx="0">
+            <a:schemeClr val="accent1"/>
+          </a:effectRef>
+          <a:fontRef idx="minor">
+            <a:schemeClr val="lt1"/>
+          </a:fontRef>
+        </p:style>
+        <p:txBody>
+          <a:bodyPr rtlCol="0" anchor="ctr"/>
+          <a:lstStyle/>
+          <a:p>
+            <a:pPr algn="ctr"/>
+            <a:endParaRPr kumimoji="1" lang="ja-JP" altLang="en-US"/>
+          </a:p>
+        </p:txBody>
+      </p:sp>
+      <p:sp>
+        <p:nvSpPr>
+          <p:cNvPr id="80" name="乗算記号 79"/>
+          <p:cNvSpPr/>
+          <p:nvPr/>
+        </p:nvSpPr>
+        <p:spPr>
+          <a:xfrm>
+            <a:off x="3304816" y="6198472"/>
+            <a:ext cx="324000" cy="324000"/>
+          </a:xfrm>
+          <a:prstGeom prst="mathMultiply">
+            <a:avLst/>
+          </a:prstGeom>
+        </p:spPr>
+        <p:style>
+          <a:lnRef idx="2">
+            <a:schemeClr val="dk1">
+              <a:shade val="50000"/>
+            </a:schemeClr>
+          </a:lnRef>
+          <a:fillRef idx="1">
+            <a:schemeClr val="dk1"/>
+          </a:fillRef>
+          <a:effectRef idx="0">
+            <a:schemeClr val="dk1"/>
+          </a:effectRef>
+          <a:fontRef idx="minor">
+            <a:schemeClr val="lt1"/>
+          </a:fontRef>
+        </p:style>
+        <p:txBody>
+          <a:bodyPr rtlCol="0" anchor="ctr"/>
+          <a:lstStyle/>
+          <a:p>
+            <a:pPr algn="ctr"/>
+            <a:endParaRPr kumimoji="1" lang="ja-JP" altLang="en-US"/>
+          </a:p>
+        </p:txBody>
+      </p:sp>
+      <p:sp>
+        <p:nvSpPr>
+          <p:cNvPr id="81" name="円/楕円 80"/>
+          <p:cNvSpPr/>
+          <p:nvPr/>
+        </p:nvSpPr>
+        <p:spPr>
+          <a:xfrm>
+            <a:off x="3937439" y="6249872"/>
+            <a:ext cx="216000" cy="216000"/>
+          </a:xfrm>
+          <a:prstGeom prst="ellipse">
+            <a:avLst/>
+          </a:prstGeom>
+          <a:noFill/>
+          <a:ln w="57150">
+            <a:solidFill>
+              <a:srgbClr val="FF0000"/>
+            </a:solidFill>
+          </a:ln>
+          <a:effectLst>
+            <a:outerShdw blurRad="57785" dist="33020" dir="3180000" algn="ctr">
+              <a:srgbClr val="000000">
+                <a:alpha val="30000"/>
+              </a:srgbClr>
+            </a:outerShdw>
+          </a:effectLst>
+          <a:scene3d>
+            <a:camera prst="orthographicFront">
+              <a:rot lat="0" lon="0" rev="0"/>
+            </a:camera>
+            <a:lightRig rig="brightRoom" dir="t">
+              <a:rot lat="0" lon="0" rev="600000"/>
+            </a:lightRig>
+          </a:scene3d>
+          <a:sp3d prstMaterial="metal">
+            <a:bevelT w="38100" h="57150" prst="angle"/>
+          </a:sp3d>
+        </p:spPr>
+        <p:style>
+          <a:lnRef idx="2">
+            <a:schemeClr val="accent1">
+              <a:shade val="50000"/>
+            </a:schemeClr>
+          </a:lnRef>
+          <a:fillRef idx="1">
+            <a:schemeClr val="accent1"/>
+          </a:fillRef>
+          <a:effectRef idx="0">
+            <a:schemeClr val="accent1"/>
+          </a:effectRef>
+          <a:fontRef idx="minor">
+            <a:schemeClr val="lt1"/>
+          </a:fontRef>
+        </p:style>
+        <p:txBody>
+          <a:bodyPr rtlCol="0" anchor="ctr"/>
+          <a:lstStyle/>
+          <a:p>
+            <a:pPr algn="ctr"/>
+            <a:endParaRPr kumimoji="1" lang="ja-JP" altLang="en-US"/>
+          </a:p>
+        </p:txBody>
+      </p:sp>
+      <p:sp>
+        <p:nvSpPr>
+          <p:cNvPr id="82" name="円/楕円 81"/>
+          <p:cNvSpPr/>
+          <p:nvPr/>
+        </p:nvSpPr>
+        <p:spPr>
+          <a:xfrm>
+            <a:off x="4256306" y="6249872"/>
+            <a:ext cx="216000" cy="216000"/>
+          </a:xfrm>
+          <a:prstGeom prst="ellipse">
+            <a:avLst/>
+          </a:prstGeom>
+          <a:noFill/>
+          <a:ln w="57150">
+            <a:solidFill>
+              <a:srgbClr val="FF0000"/>
+            </a:solidFill>
+          </a:ln>
+          <a:effectLst>
+            <a:outerShdw blurRad="57785" dist="33020" dir="3180000" algn="ctr">
+              <a:srgbClr val="000000">
+                <a:alpha val="30000"/>
+              </a:srgbClr>
+            </a:outerShdw>
+          </a:effectLst>
+          <a:scene3d>
+            <a:camera prst="orthographicFront">
+              <a:rot lat="0" lon="0" rev="0"/>
+            </a:camera>
+            <a:lightRig rig="brightRoom" dir="t">
+              <a:rot lat="0" lon="0" rev="600000"/>
+            </a:lightRig>
+          </a:scene3d>
+          <a:sp3d prstMaterial="metal">
+            <a:bevelT w="38100" h="57150" prst="angle"/>
+          </a:sp3d>
+        </p:spPr>
+        <p:style>
+          <a:lnRef idx="2">
+            <a:schemeClr val="accent1">
+              <a:shade val="50000"/>
+            </a:schemeClr>
+          </a:lnRef>
+          <a:fillRef idx="1">
+            <a:schemeClr val="accent1"/>
+          </a:fillRef>
+          <a:effectRef idx="0">
+            <a:schemeClr val="accent1"/>
+          </a:effectRef>
+          <a:fontRef idx="minor">
+            <a:schemeClr val="lt1"/>
+          </a:fontRef>
+        </p:style>
+        <p:txBody>
+          <a:bodyPr rtlCol="0" anchor="ctr"/>
+          <a:lstStyle/>
+          <a:p>
+            <a:pPr algn="ctr"/>
+            <a:endParaRPr kumimoji="1" lang="ja-JP" altLang="en-US"/>
+          </a:p>
+        </p:txBody>
+      </p:sp>
+      <p:sp>
+        <p:nvSpPr>
+          <p:cNvPr id="83" name="円/楕円 82"/>
+          <p:cNvSpPr/>
+          <p:nvPr/>
+        </p:nvSpPr>
+        <p:spPr>
+          <a:xfrm>
+            <a:off x="2573070" y="6245063"/>
+            <a:ext cx="216000" cy="216000"/>
+          </a:xfrm>
+          <a:prstGeom prst="ellipse">
+            <a:avLst/>
+          </a:prstGeom>
+          <a:noFill/>
+          <a:ln w="57150">
+            <a:solidFill>
+              <a:srgbClr val="FF0000"/>
+            </a:solidFill>
+          </a:ln>
+          <a:effectLst>
+            <a:outerShdw blurRad="57785" dist="33020" dir="3180000" algn="ctr">
+              <a:srgbClr val="000000">
+                <a:alpha val="30000"/>
+              </a:srgbClr>
+            </a:outerShdw>
+          </a:effectLst>
+          <a:scene3d>
+            <a:camera prst="orthographicFront">
+              <a:rot lat="0" lon="0" rev="0"/>
+            </a:camera>
+            <a:lightRig rig="brightRoom" dir="t">
+              <a:rot lat="0" lon="0" rev="600000"/>
+            </a:lightRig>
+          </a:scene3d>
+          <a:sp3d prstMaterial="metal">
+            <a:bevelT w="38100" h="57150" prst="angle"/>
+          </a:sp3d>
+        </p:spPr>
+        <p:style>
+          <a:lnRef idx="2">
+            <a:schemeClr val="accent1">
+              <a:shade val="50000"/>
+            </a:schemeClr>
+          </a:lnRef>
+          <a:fillRef idx="1">
+            <a:schemeClr val="accent1"/>
+          </a:fillRef>
+          <a:effectRef idx="0">
+            <a:schemeClr val="accent1"/>
+          </a:effectRef>
+          <a:fontRef idx="minor">
+            <a:schemeClr val="lt1"/>
+          </a:fontRef>
+        </p:style>
+        <p:txBody>
+          <a:bodyPr rtlCol="0" anchor="ctr"/>
+          <a:lstStyle/>
+          <a:p>
+            <a:pPr algn="ctr"/>
+            <a:endParaRPr kumimoji="1" lang="ja-JP" altLang="en-US"/>
+          </a:p>
+        </p:txBody>
+      </p:sp>
+      <p:sp>
+        <p:nvSpPr>
+          <p:cNvPr id="84" name="円/楕円 83"/>
+          <p:cNvSpPr/>
+          <p:nvPr/>
+        </p:nvSpPr>
+        <p:spPr>
+          <a:xfrm>
+            <a:off x="2301455" y="6248269"/>
+            <a:ext cx="216000" cy="216000"/>
+          </a:xfrm>
+          <a:prstGeom prst="ellipse">
+            <a:avLst/>
+          </a:prstGeom>
+          <a:noFill/>
+          <a:ln w="57150">
+            <a:solidFill>
+              <a:srgbClr val="FF0000"/>
+            </a:solidFill>
+          </a:ln>
+          <a:effectLst>
+            <a:outerShdw blurRad="57785" dist="33020" dir="3180000" algn="ctr">
+              <a:srgbClr val="000000">
+                <a:alpha val="30000"/>
+              </a:srgbClr>
+            </a:outerShdw>
+          </a:effectLst>
+          <a:scene3d>
+            <a:camera prst="orthographicFront">
+              <a:rot lat="0" lon="0" rev="0"/>
+            </a:camera>
+            <a:lightRig rig="brightRoom" dir="t">
+              <a:rot lat="0" lon="0" rev="600000"/>
+            </a:lightRig>
+          </a:scene3d>
+          <a:sp3d prstMaterial="metal">
+            <a:bevelT w="38100" h="57150" prst="angle"/>
+          </a:sp3d>
+        </p:spPr>
+        <p:style>
+          <a:lnRef idx="2">
+            <a:schemeClr val="accent1">
+              <a:shade val="50000"/>
+            </a:schemeClr>
+          </a:lnRef>
+          <a:fillRef idx="1">
+            <a:schemeClr val="accent1"/>
+          </a:fillRef>
+          <a:effectRef idx="0">
+            <a:schemeClr val="accent1"/>
+          </a:effectRef>
+          <a:fontRef idx="minor">
+            <a:schemeClr val="lt1"/>
+          </a:fontRef>
+        </p:style>
+        <p:txBody>
+          <a:bodyPr rtlCol="0" anchor="ctr"/>
+          <a:lstStyle/>
+          <a:p>
+            <a:pPr algn="ctr"/>
+            <a:endParaRPr kumimoji="1" lang="ja-JP" altLang="en-US"/>
+          </a:p>
+        </p:txBody>
+      </p:sp>
+      <p:sp>
+        <p:nvSpPr>
+          <p:cNvPr id="85" name="円/楕円 84"/>
+          <p:cNvSpPr/>
+          <p:nvPr/>
+        </p:nvSpPr>
+        <p:spPr>
+          <a:xfrm>
+            <a:off x="2844685" y="6251382"/>
+            <a:ext cx="216000" cy="216000"/>
+          </a:xfrm>
+          <a:prstGeom prst="ellipse">
+            <a:avLst/>
+          </a:prstGeom>
+          <a:noFill/>
+          <a:ln w="57150">
+            <a:solidFill>
+              <a:srgbClr val="FF0000"/>
+            </a:solidFill>
+          </a:ln>
+          <a:effectLst>
+            <a:outerShdw blurRad="57785" dist="33020" dir="3180000" algn="ctr">
+              <a:srgbClr val="000000">
+                <a:alpha val="30000"/>
+              </a:srgbClr>
+            </a:outerShdw>
+          </a:effectLst>
+          <a:scene3d>
+            <a:camera prst="orthographicFront">
+              <a:rot lat="0" lon="0" rev="0"/>
+            </a:camera>
+            <a:lightRig rig="brightRoom" dir="t">
+              <a:rot lat="0" lon="0" rev="600000"/>
+            </a:lightRig>
+          </a:scene3d>
+          <a:sp3d prstMaterial="metal">
+            <a:bevelT w="38100" h="57150" prst="angle"/>
+          </a:sp3d>
+        </p:spPr>
+        <p:style>
+          <a:lnRef idx="2">
+            <a:schemeClr val="accent1">
+              <a:shade val="50000"/>
+            </a:schemeClr>
+          </a:lnRef>
+          <a:fillRef idx="1">
+            <a:schemeClr val="accent1"/>
+          </a:fillRef>
+          <a:effectRef idx="0">
+            <a:schemeClr val="accent1"/>
+          </a:effectRef>
+          <a:fontRef idx="minor">
+            <a:schemeClr val="lt1"/>
+          </a:fontRef>
+        </p:style>
+        <p:txBody>
+          <a:bodyPr rtlCol="0" anchor="ctr"/>
+          <a:lstStyle/>
+          <a:p>
+            <a:pPr algn="ctr"/>
+            <a:endParaRPr kumimoji="1" lang="ja-JP" altLang="en-US"/>
+          </a:p>
+        </p:txBody>
+      </p:sp>
+      <p:sp>
+        <p:nvSpPr>
+          <p:cNvPr id="86" name="円/楕円 85"/>
+          <p:cNvSpPr/>
+          <p:nvPr/>
+        </p:nvSpPr>
+        <p:spPr>
+          <a:xfrm>
+            <a:off x="3104194" y="6255585"/>
+            <a:ext cx="216000" cy="216000"/>
+          </a:xfrm>
+          <a:prstGeom prst="ellipse">
+            <a:avLst/>
+          </a:prstGeom>
+          <a:noFill/>
+          <a:ln w="57150">
+            <a:solidFill>
+              <a:srgbClr val="FF0000"/>
+            </a:solidFill>
+          </a:ln>
+          <a:effectLst>
+            <a:outerShdw blurRad="57785" dist="33020" dir="3180000" algn="ctr">
+              <a:srgbClr val="000000">
+                <a:alpha val="30000"/>
+              </a:srgbClr>
+            </a:outerShdw>
+          </a:effectLst>
+          <a:scene3d>
+            <a:camera prst="orthographicFront">
+              <a:rot lat="0" lon="0" rev="0"/>
+            </a:camera>
+            <a:lightRig rig="brightRoom" dir="t">
+              <a:rot lat="0" lon="0" rev="600000"/>
+            </a:lightRig>
+          </a:scene3d>
+          <a:sp3d prstMaterial="metal">
+            <a:bevelT w="38100" h="57150" prst="angle"/>
+          </a:sp3d>
+        </p:spPr>
+        <p:style>
+          <a:lnRef idx="2">
+            <a:schemeClr val="accent1">
+              <a:shade val="50000"/>
+            </a:schemeClr>
+          </a:lnRef>
+          <a:fillRef idx="1">
+            <a:schemeClr val="accent1"/>
+          </a:fillRef>
+          <a:effectRef idx="0">
+            <a:schemeClr val="accent1"/>
+          </a:effectRef>
+          <a:fontRef idx="minor">
+            <a:schemeClr val="lt1"/>
+          </a:fontRef>
+        </p:style>
+        <p:txBody>
+          <a:bodyPr rtlCol="0" anchor="ctr"/>
+          <a:lstStyle/>
+          <a:p>
+            <a:pPr algn="ctr"/>
+            <a:endParaRPr kumimoji="1" lang="ja-JP" altLang="en-US"/>
+          </a:p>
+        </p:txBody>
+      </p:sp>
+      <p:sp>
+        <p:nvSpPr>
+          <p:cNvPr id="87" name="乗算記号 86"/>
+          <p:cNvSpPr/>
+          <p:nvPr/>
+        </p:nvSpPr>
+        <p:spPr>
+          <a:xfrm>
+            <a:off x="848031" y="6172228"/>
+            <a:ext cx="324000" cy="324000"/>
+          </a:xfrm>
+          <a:prstGeom prst="mathMultiply">
+            <a:avLst/>
+          </a:prstGeom>
+        </p:spPr>
+        <p:style>
+          <a:lnRef idx="2">
+            <a:schemeClr val="dk1">
+              <a:shade val="50000"/>
+            </a:schemeClr>
+          </a:lnRef>
+          <a:fillRef idx="1">
+            <a:schemeClr val="dk1"/>
+          </a:fillRef>
+          <a:effectRef idx="0">
+            <a:schemeClr val="dk1"/>
+          </a:effectRef>
+          <a:fontRef idx="minor">
+            <a:schemeClr val="lt1"/>
+          </a:fontRef>
+        </p:style>
+        <p:txBody>
+          <a:bodyPr rtlCol="0" anchor="ctr"/>
+          <a:lstStyle/>
+          <a:p>
+            <a:pPr algn="ctr"/>
+            <a:endParaRPr kumimoji="1" lang="ja-JP" altLang="en-US"/>
+          </a:p>
+        </p:txBody>
+      </p:sp>
+      <p:sp>
+        <p:nvSpPr>
+          <p:cNvPr id="88" name="乗算記号 87"/>
+          <p:cNvSpPr/>
+          <p:nvPr/>
+        </p:nvSpPr>
+        <p:spPr>
+          <a:xfrm>
+            <a:off x="65536" y="6172228"/>
+            <a:ext cx="324000" cy="324000"/>
+          </a:xfrm>
+          <a:prstGeom prst="mathMultiply">
+            <a:avLst/>
+          </a:prstGeom>
+        </p:spPr>
+        <p:style>
+          <a:lnRef idx="2">
+            <a:schemeClr val="dk1">
+              <a:shade val="50000"/>
+            </a:schemeClr>
+          </a:lnRef>
+          <a:fillRef idx="1">
+            <a:schemeClr val="dk1"/>
+          </a:fillRef>
+          <a:effectRef idx="0">
+            <a:schemeClr val="dk1"/>
+          </a:effectRef>
+          <a:fontRef idx="minor">
+            <a:schemeClr val="lt1"/>
+          </a:fontRef>
+        </p:style>
+        <p:txBody>
+          <a:bodyPr rtlCol="0" anchor="ctr"/>
+          <a:lstStyle/>
+          <a:p>
+            <a:pPr algn="ctr"/>
+            <a:endParaRPr kumimoji="1" lang="ja-JP" altLang="en-US"/>
+          </a:p>
+        </p:txBody>
+      </p:sp>
+      <p:sp>
+        <p:nvSpPr>
+          <p:cNvPr id="89" name="乗算記号 88"/>
+          <p:cNvSpPr/>
+          <p:nvPr/>
+        </p:nvSpPr>
+        <p:spPr>
+          <a:xfrm>
+            <a:off x="1197852" y="6172228"/>
+            <a:ext cx="324000" cy="324000"/>
+          </a:xfrm>
+          <a:prstGeom prst="mathMultiply">
+            <a:avLst/>
+          </a:prstGeom>
+        </p:spPr>
+        <p:style>
+          <a:lnRef idx="2">
+            <a:schemeClr val="dk1">
+              <a:shade val="50000"/>
+            </a:schemeClr>
+          </a:lnRef>
+          <a:fillRef idx="1">
+            <a:schemeClr val="dk1"/>
+          </a:fillRef>
+          <a:effectRef idx="0">
+            <a:schemeClr val="dk1"/>
+          </a:effectRef>
+          <a:fontRef idx="minor">
+            <a:schemeClr val="lt1"/>
+          </a:fontRef>
+        </p:style>
+        <p:txBody>
+          <a:bodyPr rtlCol="0" anchor="ctr"/>
+          <a:lstStyle/>
+          <a:p>
+            <a:pPr algn="ctr"/>
+            <a:endParaRPr kumimoji="1" lang="ja-JP" altLang="en-US"/>
+          </a:p>
+        </p:txBody>
+      </p:sp>
+      <p:sp>
+        <p:nvSpPr>
+          <p:cNvPr id="90" name="乗算記号 89"/>
+          <p:cNvSpPr/>
+          <p:nvPr/>
+        </p:nvSpPr>
+        <p:spPr>
+          <a:xfrm>
+            <a:off x="323409" y="6172228"/>
+            <a:ext cx="324000" cy="324000"/>
+          </a:xfrm>
+          <a:prstGeom prst="mathMultiply">
+            <a:avLst/>
+          </a:prstGeom>
+        </p:spPr>
+        <p:style>
+          <a:lnRef idx="2">
+            <a:schemeClr val="dk1">
+              <a:shade val="50000"/>
+            </a:schemeClr>
+          </a:lnRef>
+          <a:fillRef idx="1">
+            <a:schemeClr val="dk1"/>
+          </a:fillRef>
+          <a:effectRef idx="0">
+            <a:schemeClr val="dk1"/>
+          </a:effectRef>
+          <a:fontRef idx="minor">
+            <a:schemeClr val="lt1"/>
+          </a:fontRef>
+        </p:style>
+        <p:txBody>
+          <a:bodyPr rtlCol="0" anchor="ctr"/>
+          <a:lstStyle/>
+          <a:p>
+            <a:pPr algn="ctr"/>
+            <a:endParaRPr kumimoji="1" lang="ja-JP" altLang="en-US"/>
+          </a:p>
+        </p:txBody>
+      </p:sp>
+      <p:sp>
+        <p:nvSpPr>
+          <p:cNvPr id="91" name="乗算記号 90"/>
+          <p:cNvSpPr/>
+          <p:nvPr/>
+        </p:nvSpPr>
+        <p:spPr>
+          <a:xfrm>
+            <a:off x="1458346" y="6172228"/>
+            <a:ext cx="324000" cy="324000"/>
+          </a:xfrm>
+          <a:prstGeom prst="mathMultiply">
+            <a:avLst/>
+          </a:prstGeom>
+        </p:spPr>
+        <p:style>
+          <a:lnRef idx="2">
+            <a:schemeClr val="dk1">
+              <a:shade val="50000"/>
+            </a:schemeClr>
+          </a:lnRef>
+          <a:fillRef idx="1">
+            <a:schemeClr val="dk1"/>
+          </a:fillRef>
+          <a:effectRef idx="0">
+            <a:schemeClr val="dk1"/>
+          </a:effectRef>
+          <a:fontRef idx="minor">
+            <a:schemeClr val="lt1"/>
+          </a:fontRef>
+        </p:style>
+        <p:txBody>
+          <a:bodyPr rtlCol="0" anchor="ctr"/>
+          <a:lstStyle/>
+          <a:p>
+            <a:pPr algn="ctr"/>
+            <a:endParaRPr kumimoji="1" lang="ja-JP" altLang="en-US"/>
+          </a:p>
+        </p:txBody>
+      </p:sp>
+      <p:sp>
+        <p:nvSpPr>
+          <p:cNvPr id="92" name="乗算記号 91"/>
+          <p:cNvSpPr/>
+          <p:nvPr/>
+        </p:nvSpPr>
+        <p:spPr>
+          <a:xfrm>
+            <a:off x="1713802" y="6172228"/>
+            <a:ext cx="324000" cy="324000"/>
+          </a:xfrm>
+          <a:prstGeom prst="mathMultiply">
+            <a:avLst/>
+          </a:prstGeom>
+        </p:spPr>
+        <p:style>
+          <a:lnRef idx="2">
+            <a:schemeClr val="dk1">
+              <a:shade val="50000"/>
+            </a:schemeClr>
+          </a:lnRef>
+          <a:fillRef idx="1">
+            <a:schemeClr val="dk1"/>
+          </a:fillRef>
+          <a:effectRef idx="0">
+            <a:schemeClr val="dk1"/>
+          </a:effectRef>
+          <a:fontRef idx="minor">
+            <a:schemeClr val="lt1"/>
+          </a:fontRef>
+        </p:style>
+        <p:txBody>
+          <a:bodyPr rtlCol="0" anchor="ctr"/>
+          <a:lstStyle/>
+          <a:p>
+            <a:pPr algn="ctr"/>
+            <a:endParaRPr kumimoji="1" lang="ja-JP" altLang="en-US"/>
+          </a:p>
+        </p:txBody>
+      </p:sp>
+      <p:sp>
+        <p:nvSpPr>
+          <p:cNvPr id="93" name="乗算記号 92"/>
+          <p:cNvSpPr/>
+          <p:nvPr/>
+        </p:nvSpPr>
+        <p:spPr>
+          <a:xfrm>
+            <a:off x="1981607" y="6172228"/>
+            <a:ext cx="324000" cy="324000"/>
+          </a:xfrm>
+          <a:prstGeom prst="mathMultiply">
+            <a:avLst/>
+          </a:prstGeom>
+        </p:spPr>
+        <p:style>
+          <a:lnRef idx="2">
+            <a:schemeClr val="dk1">
+              <a:shade val="50000"/>
+            </a:schemeClr>
+          </a:lnRef>
+          <a:fillRef idx="1">
+            <a:schemeClr val="dk1"/>
+          </a:fillRef>
+          <a:effectRef idx="0">
+            <a:schemeClr val="dk1"/>
+          </a:effectRef>
+          <a:fontRef idx="minor">
+            <a:schemeClr val="lt1"/>
+          </a:fontRef>
+        </p:style>
+        <p:txBody>
+          <a:bodyPr rtlCol="0" anchor="ctr"/>
+          <a:lstStyle/>
+          <a:p>
+            <a:pPr algn="ctr"/>
+            <a:endParaRPr kumimoji="1" lang="ja-JP" altLang="en-US"/>
+          </a:p>
+        </p:txBody>
+      </p:sp>
+      <p:sp>
+        <p:nvSpPr>
+          <p:cNvPr id="94" name="円/楕円 93"/>
+          <p:cNvSpPr/>
+          <p:nvPr/>
+        </p:nvSpPr>
+        <p:spPr>
+          <a:xfrm>
+            <a:off x="634742" y="6226228"/>
+            <a:ext cx="216000" cy="216000"/>
+          </a:xfrm>
+          <a:prstGeom prst="ellipse">
+            <a:avLst/>
+          </a:prstGeom>
+          <a:noFill/>
+          <a:ln w="57150">
+            <a:solidFill>
+              <a:srgbClr val="FF0000"/>
+            </a:solidFill>
+          </a:ln>
+          <a:effectLst>
+            <a:outerShdw blurRad="57785" dist="33020" dir="3180000" algn="ctr">
+              <a:srgbClr val="000000">
+                <a:alpha val="30000"/>
+              </a:srgbClr>
+            </a:outerShdw>
+          </a:effectLst>
+          <a:scene3d>
+            <a:camera prst="orthographicFront">
+              <a:rot lat="0" lon="0" rev="0"/>
+            </a:camera>
+            <a:lightRig rig="brightRoom" dir="t">
+              <a:rot lat="0" lon="0" rev="600000"/>
+            </a:lightRig>
+          </a:scene3d>
+          <a:sp3d prstMaterial="metal">
+            <a:bevelT w="38100" h="57150" prst="angle"/>
+          </a:sp3d>
+        </p:spPr>
+        <p:style>
+          <a:lnRef idx="2">
+            <a:schemeClr val="accent1">
+              <a:shade val="50000"/>
+            </a:schemeClr>
+          </a:lnRef>
+          <a:fillRef idx="1">
+            <a:schemeClr val="accent1"/>
+          </a:fillRef>
+          <a:effectRef idx="0">
+            <a:schemeClr val="accent1"/>
+          </a:effectRef>
+          <a:fontRef idx="minor">
+            <a:schemeClr val="lt1"/>
+          </a:fontRef>
+        </p:style>
+        <p:txBody>
+          <a:bodyPr rtlCol="0" anchor="ctr"/>
+          <a:lstStyle/>
+          <a:p>
+            <a:pPr algn="ctr"/>
+            <a:endParaRPr kumimoji="1" lang="ja-JP" altLang="en-US"/>
+          </a:p>
+        </p:txBody>
+      </p:sp>
+      <p:sp>
+        <p:nvSpPr>
+          <p:cNvPr id="95" name="テキスト ボックス 94"/>
+          <p:cNvSpPr txBox="1"/>
+          <p:nvPr/>
+        </p:nvSpPr>
+        <p:spPr>
+          <a:xfrm>
+            <a:off x="1110516" y="6442228"/>
+            <a:ext cx="1694695" cy="461665"/>
+          </a:xfrm>
+          <a:prstGeom prst="rect">
+            <a:avLst/>
+          </a:prstGeom>
+          <a:noFill/>
+        </p:spPr>
+        <p:txBody>
+          <a:bodyPr wrap="none" rtlCol="0">
+            <a:spAutoFit/>
+          </a:bodyPr>
+          <a:lstStyle/>
+          <a:p>
+            <a:r>
+              <a:rPr kumimoji="1" lang="ja-JP" altLang="en-US" sz="2400" dirty="0" smtClean="0"/>
+              <a:t>ゲーム終了</a:t>
+            </a:r>
+            <a:endParaRPr kumimoji="1" lang="ja-JP" altLang="en-US" sz="2400" dirty="0"/>
+          </a:p>
+        </p:txBody>
+      </p:sp>
+      <p:sp>
+        <p:nvSpPr>
+          <p:cNvPr id="96" name="円/楕円 95"/>
+          <p:cNvSpPr/>
+          <p:nvPr/>
+        </p:nvSpPr>
+        <p:spPr>
+          <a:xfrm>
+            <a:off x="4643532" y="5128344"/>
+            <a:ext cx="216000" cy="216000"/>
+          </a:xfrm>
+          <a:prstGeom prst="ellipse">
+            <a:avLst/>
+          </a:prstGeom>
+          <a:noFill/>
+          <a:ln w="57150">
+            <a:solidFill>
+              <a:srgbClr val="FF0000"/>
+            </a:solidFill>
+          </a:ln>
+          <a:effectLst>
+            <a:outerShdw blurRad="57785" dist="33020" dir="3180000" algn="ctr">
+              <a:srgbClr val="000000">
+                <a:alpha val="30000"/>
+              </a:srgbClr>
+            </a:outerShdw>
+          </a:effectLst>
+          <a:scene3d>
+            <a:camera prst="orthographicFront">
+              <a:rot lat="0" lon="0" rev="0"/>
+            </a:camera>
+            <a:lightRig rig="brightRoom" dir="t">
+              <a:rot lat="0" lon="0" rev="600000"/>
+            </a:lightRig>
+          </a:scene3d>
+          <a:sp3d prstMaterial="metal">
+            <a:bevelT w="38100" h="57150" prst="angle"/>
+          </a:sp3d>
+        </p:spPr>
+        <p:style>
+          <a:lnRef idx="2">
+            <a:schemeClr val="accent1">
+              <a:shade val="50000"/>
+            </a:schemeClr>
+          </a:lnRef>
+          <a:fillRef idx="1">
+            <a:schemeClr val="accent1"/>
+          </a:fillRef>
+          <a:effectRef idx="0">
+            <a:schemeClr val="accent1"/>
+          </a:effectRef>
+          <a:fontRef idx="minor">
+            <a:schemeClr val="lt1"/>
+          </a:fontRef>
+        </p:style>
+        <p:txBody>
+          <a:bodyPr rtlCol="0" anchor="ctr"/>
+          <a:lstStyle/>
+          <a:p>
+            <a:pPr algn="ctr"/>
+            <a:endParaRPr kumimoji="1" lang="ja-JP" altLang="en-US"/>
+          </a:p>
+        </p:txBody>
+      </p:sp>
+      <p:sp>
+        <p:nvSpPr>
+          <p:cNvPr id="97" name="乗算記号 96"/>
+          <p:cNvSpPr/>
+          <p:nvPr/>
+        </p:nvSpPr>
+        <p:spPr>
+          <a:xfrm>
+            <a:off x="4594859" y="5357069"/>
+            <a:ext cx="324000" cy="324000"/>
+          </a:xfrm>
+          <a:prstGeom prst="mathMultiply">
+            <a:avLst/>
+          </a:prstGeom>
+        </p:spPr>
+        <p:style>
+          <a:lnRef idx="2">
+            <a:schemeClr val="dk1">
+              <a:shade val="50000"/>
+            </a:schemeClr>
+          </a:lnRef>
+          <a:fillRef idx="1">
+            <a:schemeClr val="dk1"/>
+          </a:fillRef>
+          <a:effectRef idx="0">
+            <a:schemeClr val="dk1"/>
+          </a:effectRef>
+          <a:fontRef idx="minor">
+            <a:schemeClr val="lt1"/>
+          </a:fontRef>
+        </p:style>
+        <p:txBody>
+          <a:bodyPr rtlCol="0" anchor="ctr"/>
+          <a:lstStyle/>
+          <a:p>
+            <a:pPr algn="ctr"/>
+            <a:endParaRPr kumimoji="1" lang="ja-JP" altLang="en-US"/>
+          </a:p>
+        </p:txBody>
+      </p:sp>
+      <p:sp>
+        <p:nvSpPr>
+          <p:cNvPr id="98" name="テキスト ボックス 97"/>
+          <p:cNvSpPr txBox="1"/>
+          <p:nvPr/>
+        </p:nvSpPr>
+        <p:spPr>
+          <a:xfrm>
+            <a:off x="4869430" y="5033904"/>
+            <a:ext cx="633507" cy="646331"/>
+          </a:xfrm>
+          <a:prstGeom prst="rect">
+            <a:avLst/>
+          </a:prstGeom>
+          <a:noFill/>
+        </p:spPr>
+        <p:txBody>
+          <a:bodyPr wrap="none" rtlCol="0">
+            <a:spAutoFit/>
+          </a:bodyPr>
+          <a:lstStyle/>
+          <a:p>
+            <a:r>
+              <a:rPr kumimoji="1" lang="ja-JP" altLang="en-US" dirty="0" smtClean="0"/>
+              <a:t>勝ち</a:t>
+            </a:r>
+            <a:endParaRPr kumimoji="1" lang="en-US" altLang="ja-JP" dirty="0" smtClean="0"/>
+          </a:p>
+          <a:p>
+            <a:r>
+              <a:rPr lang="ja-JP" altLang="en-US" dirty="0"/>
+              <a:t>負</a:t>
+            </a:r>
+            <a:r>
+              <a:rPr lang="ja-JP" altLang="en-US" dirty="0" smtClean="0"/>
+              <a:t>け</a:t>
+            </a:r>
+            <a:endParaRPr kumimoji="1" lang="ja-JP" altLang="en-US" dirty="0"/>
           </a:p>
         </p:txBody>
       </p:sp>
@@ -5821,20 +8515,79 @@
               <a:buChar char="•"/>
             </a:pPr>
             <a:r>
-              <a:rPr lang="ja-JP" altLang="en-US" smtClean="0"/>
+              <a:rPr lang="ja-JP" altLang="en-US" dirty="0" smtClean="0"/>
               <a:t>同じ</a:t>
             </a:r>
             <a:r>
               <a:rPr lang="ja-JP" altLang="en-US" dirty="0"/>
-              <a:t>盤面に対するモンテカルロ法の手と現在</a:t>
-            </a:r>
-            <a:r>
-              <a:rPr lang="ja-JP" altLang="en-US"/>
+              <a:t>盤面に対するモンテカルロ法</a:t>
+            </a:r>
+            <a:r>
+              <a:rPr lang="ja-JP" altLang="en-US" dirty="0" smtClean="0"/>
               <a:t>の</a:t>
             </a:r>
             <a:r>
-              <a:rPr lang="ja-JP" altLang="en-US" smtClean="0"/>
-              <a:t>最強の手を比較し，モンテカルロ法の手の特徴を探る</a:t>
+              <a:rPr lang="en-US" altLang="ja-JP" dirty="0" smtClean="0"/>
+              <a:t>AI</a:t>
+            </a:r>
+            <a:r>
+              <a:rPr lang="ja-JP" altLang="en-US" dirty="0" err="1" smtClean="0"/>
+              <a:t>のと</a:t>
+            </a:r>
+            <a:r>
+              <a:rPr lang="ja-JP" altLang="en-US" dirty="0"/>
+              <a:t>現在の</a:t>
+            </a:r>
+            <a:r>
+              <a:rPr lang="ja-JP" altLang="en-US" dirty="0" smtClean="0"/>
+              <a:t>最強</a:t>
+            </a:r>
+            <a:r>
+              <a:rPr lang="ja-JP" altLang="en-US" dirty="0" smtClean="0"/>
+              <a:t>の</a:t>
+            </a:r>
+            <a:r>
+              <a:rPr lang="en-US" altLang="ja-JP" dirty="0" smtClean="0"/>
+              <a:t>AI</a:t>
+            </a:r>
+            <a:r>
+              <a:rPr lang="ja-JP" altLang="en-US" dirty="0" smtClean="0"/>
+              <a:t>の</a:t>
+            </a:r>
+            <a:r>
+              <a:rPr lang="ja-JP" altLang="en-US" dirty="0" smtClean="0"/>
+              <a:t>選択</a:t>
+            </a:r>
+            <a:r>
+              <a:rPr lang="ja-JP" altLang="en-US" dirty="0" smtClean="0"/>
+              <a:t>や人間の選択を</a:t>
+            </a:r>
+            <a:r>
+              <a:rPr lang="ja-JP" altLang="en-US" dirty="0" smtClean="0"/>
+              <a:t>比較し，モンテカルロ</a:t>
+            </a:r>
+            <a:r>
+              <a:rPr lang="ja-JP" altLang="en-US" dirty="0" smtClean="0"/>
+              <a:t>法の選択の</a:t>
+            </a:r>
+            <a:r>
+              <a:rPr lang="ja-JP" altLang="en-US" dirty="0" smtClean="0"/>
+              <a:t>特徴を</a:t>
+            </a:r>
+            <a:r>
+              <a:rPr lang="ja-JP" altLang="en-US" dirty="0" smtClean="0"/>
+              <a:t>探る</a:t>
+            </a:r>
+            <a:endParaRPr lang="en-US" altLang="ja-JP" dirty="0" smtClean="0"/>
+          </a:p>
+          <a:p>
+            <a:pPr marL="457200" indent="-457200">
+              <a:buFont typeface="Arial" panose="020B0604020202020204" pitchFamily="34" charset="0"/>
+              <a:buChar char="•"/>
+            </a:pPr>
+            <a:r>
+              <a:rPr lang="ja-JP" altLang="en-US" dirty="0" smtClean="0"/>
+              <a:t>多腕バンディットのアルゴリズムを応用して強くなるか確かめてみる</a:t>
             </a:r>
             <a:endParaRPr lang="ja-JP" altLang="en-US" dirty="0"/>
           </a:p>
@@ -6106,7 +8859,38 @@
       </a:bgFillStyleLst>
     </a:fmtScheme>
   </a:themeElements>
-  <a:objectDefaults/>
+  <a:objectDefaults>
+    <a:lnDef>
+      <a:spPr>
+        <a:effectLst/>
+        <a:scene3d>
+          <a:camera prst="orthographicFront">
+            <a:rot lat="0" lon="0" rev="0"/>
+          </a:camera>
+          <a:lightRig rig="twoPt" dir="t">
+            <a:rot lat="0" lon="0" rev="4800000"/>
+          </a:lightRig>
+        </a:scene3d>
+        <a:sp3d prstMaterial="matte"/>
+      </a:spPr>
+      <a:bodyPr/>
+      <a:lstStyle/>
+      <a:style>
+        <a:lnRef idx="3">
+          <a:schemeClr val="dk1"/>
+        </a:lnRef>
+        <a:fillRef idx="0">
+          <a:schemeClr val="dk1"/>
+        </a:fillRef>
+        <a:effectRef idx="2">
+          <a:schemeClr val="dk1"/>
+        </a:effectRef>
+        <a:fontRef idx="minor">
+          <a:schemeClr val="tx1"/>
+        </a:fontRef>
+      </a:style>
+    </a:lnDef>
+  </a:objectDefaults>
   <a:extraClrSchemeLst/>
   <a:extLst>
     <a:ext uri="{05A4C25C-085E-4340-85A3-A5531E510DB2}">

--- a/中間発表.pptx
+++ b/中間発表.pptx
@@ -5,17 +5,20 @@
     <p:sldMasterId id="2147483768" r:id="rId1"/>
   </p:sldMasterIdLst>
   <p:notesMasterIdLst>
-    <p:notesMasterId r:id="rId10"/>
+    <p:notesMasterId r:id="rId13"/>
   </p:notesMasterIdLst>
   <p:sldIdLst>
     <p:sldId id="256" r:id="rId2"/>
     <p:sldId id="259" r:id="rId3"/>
-    <p:sldId id="265" r:id="rId4"/>
-    <p:sldId id="260" r:id="rId5"/>
-    <p:sldId id="261" r:id="rId6"/>
-    <p:sldId id="264" r:id="rId7"/>
-    <p:sldId id="262" r:id="rId8"/>
-    <p:sldId id="266" r:id="rId9"/>
+    <p:sldId id="267" r:id="rId4"/>
+    <p:sldId id="265" r:id="rId5"/>
+    <p:sldId id="260" r:id="rId6"/>
+    <p:sldId id="261" r:id="rId7"/>
+    <p:sldId id="268" r:id="rId8"/>
+    <p:sldId id="269" r:id="rId9"/>
+    <p:sldId id="270" r:id="rId10"/>
+    <p:sldId id="262" r:id="rId11"/>
+    <p:sldId id="266" r:id="rId12"/>
   </p:sldIdLst>
   <p:sldSz cx="9144000" cy="6858000" type="screen4x3"/>
   <p:notesSz cx="6858000" cy="9144000"/>
@@ -204,7 +207,7 @@
           <a:p>
             <a:fld id="{374788A5-3B01-435B-A23C-A845A191AE97}" type="datetimeFigureOut">
               <a:rPr kumimoji="1" lang="ja-JP" altLang="en-US" smtClean="0"/>
-              <a:t>2018/10/30</a:t>
+              <a:t>2018/10/31</a:t>
             </a:fld>
             <a:endParaRPr kumimoji="1" lang="ja-JP" altLang="en-US"/>
           </a:p>
@@ -657,7 +660,7 @@
           <a:p>
             <a:fld id="{DB27B9D3-8F54-487C-BCF6-0FEDF67B0644}" type="slidenum">
               <a:rPr kumimoji="1" lang="ja-JP" altLang="en-US" smtClean="0"/>
-              <a:t>3</a:t>
+              <a:t>4</a:t>
             </a:fld>
             <a:endParaRPr kumimoji="1" lang="ja-JP" altLang="en-US"/>
           </a:p>
@@ -760,7 +763,7 @@
           <a:p>
             <a:fld id="{DB27B9D3-8F54-487C-BCF6-0FEDF67B0644}" type="slidenum">
               <a:rPr kumimoji="1" lang="ja-JP" altLang="en-US" smtClean="0"/>
-              <a:t>5</a:t>
+              <a:t>6</a:t>
             </a:fld>
             <a:endParaRPr kumimoji="1" lang="ja-JP" altLang="en-US"/>
           </a:p>
@@ -823,10 +826,6 @@
           <a:bodyPr/>
           <a:lstStyle/>
           <a:p>
-            <a:r>
-              <a:rPr kumimoji="1" lang="ja-JP" altLang="en-US" dirty="0" smtClean="0"/>
-              <a:t>勝ちを見るのか陣地の広さを見るのか</a:t>
-            </a:r>
             <a:endParaRPr kumimoji="1" lang="ja-JP" altLang="en-US" dirty="0"/>
           </a:p>
         </p:txBody>
@@ -849,6 +848,190 @@
             <a:fld id="{DB27B9D3-8F54-487C-BCF6-0FEDF67B0644}" type="slidenum">
               <a:rPr kumimoji="1" lang="ja-JP" altLang="en-US" smtClean="0"/>
               <a:t>7</a:t>
+            </a:fld>
+            <a:endParaRPr kumimoji="1" lang="ja-JP" altLang="en-US"/>
+          </a:p>
+        </p:txBody>
+      </p:sp>
+    </p:spTree>
+    <p:extLst>
+      <p:ext uri="{BB962C8B-B14F-4D97-AF65-F5344CB8AC3E}">
+        <p14:creationId xmlns:p14="http://schemas.microsoft.com/office/powerpoint/2010/main" val="1904351585"/>
+      </p:ext>
+    </p:extLst>
+  </p:cSld>
+  <p:clrMapOvr>
+    <a:masterClrMapping/>
+  </p:clrMapOvr>
+</p:notes>
+</file>
+
+<file path=ppt/notesSlides/notesSlide5.xml><?xml version="1.0" encoding="utf-8"?>
+<p:notes xmlns:a="http://schemas.openxmlformats.org/drawingml/2006/main" xmlns:r="http://schemas.openxmlformats.org/officeDocument/2006/relationships" xmlns:p="http://schemas.openxmlformats.org/presentationml/2006/main">
+  <p:cSld>
+    <p:spTree>
+      <p:nvGrpSpPr>
+        <p:cNvPr id="1" name=""/>
+        <p:cNvGrpSpPr/>
+        <p:nvPr/>
+      </p:nvGrpSpPr>
+      <p:grpSpPr>
+        <a:xfrm>
+          <a:off x="0" y="0"/>
+          <a:ext cx="0" cy="0"/>
+          <a:chOff x="0" y="0"/>
+          <a:chExt cx="0" cy="0"/>
+        </a:xfrm>
+      </p:grpSpPr>
+      <p:sp>
+        <p:nvSpPr>
+          <p:cNvPr id="2" name="スライド イメージ プレースホルダー 1"/>
+          <p:cNvSpPr>
+            <a:spLocks noGrp="1" noRot="1" noChangeAspect="1"/>
+          </p:cNvSpPr>
+          <p:nvPr>
+            <p:ph type="sldImg"/>
+          </p:nvPr>
+        </p:nvSpPr>
+        <p:spPr/>
+      </p:sp>
+      <p:sp>
+        <p:nvSpPr>
+          <p:cNvPr id="3" name="ノート プレースホルダー 2"/>
+          <p:cNvSpPr>
+            <a:spLocks noGrp="1"/>
+          </p:cNvSpPr>
+          <p:nvPr>
+            <p:ph type="body" idx="1"/>
+          </p:nvPr>
+        </p:nvSpPr>
+        <p:spPr/>
+        <p:txBody>
+          <a:bodyPr/>
+          <a:lstStyle/>
+          <a:p>
+            <a:r>
+              <a:rPr kumimoji="1" lang="ja-JP" altLang="en-US" dirty="0" smtClean="0"/>
+              <a:t>今の</a:t>
+            </a:r>
+            <a:r>
+              <a:rPr kumimoji="1" lang="en-US" altLang="ja-JP" dirty="0" smtClean="0"/>
+              <a:t>AI</a:t>
+            </a:r>
+            <a:r>
+              <a:rPr kumimoji="1" lang="ja-JP" altLang="en-US" dirty="0" smtClean="0"/>
+              <a:t>の説明をする？</a:t>
+            </a:r>
+            <a:endParaRPr kumimoji="1" lang="ja-JP" altLang="en-US" dirty="0"/>
+          </a:p>
+        </p:txBody>
+      </p:sp>
+      <p:sp>
+        <p:nvSpPr>
+          <p:cNvPr id="4" name="スライド番号プレースホルダー 3"/>
+          <p:cNvSpPr>
+            <a:spLocks noGrp="1"/>
+          </p:cNvSpPr>
+          <p:nvPr>
+            <p:ph type="sldNum" sz="quarter" idx="10"/>
+          </p:nvPr>
+        </p:nvSpPr>
+        <p:spPr/>
+        <p:txBody>
+          <a:bodyPr/>
+          <a:lstStyle/>
+          <a:p>
+            <a:fld id="{DB27B9D3-8F54-487C-BCF6-0FEDF67B0644}" type="slidenum">
+              <a:rPr kumimoji="1" lang="ja-JP" altLang="en-US" smtClean="0"/>
+              <a:t>8</a:t>
+            </a:fld>
+            <a:endParaRPr kumimoji="1" lang="ja-JP" altLang="en-US"/>
+          </a:p>
+        </p:txBody>
+      </p:sp>
+    </p:spTree>
+    <p:extLst>
+      <p:ext uri="{BB962C8B-B14F-4D97-AF65-F5344CB8AC3E}">
+        <p14:creationId xmlns:p14="http://schemas.microsoft.com/office/powerpoint/2010/main" val="487131320"/>
+      </p:ext>
+    </p:extLst>
+  </p:cSld>
+  <p:clrMapOvr>
+    <a:masterClrMapping/>
+  </p:clrMapOvr>
+</p:notes>
+</file>
+
+<file path=ppt/notesSlides/notesSlide6.xml><?xml version="1.0" encoding="utf-8"?>
+<p:notes xmlns:a="http://schemas.openxmlformats.org/drawingml/2006/main" xmlns:r="http://schemas.openxmlformats.org/officeDocument/2006/relationships" xmlns:p="http://schemas.openxmlformats.org/presentationml/2006/main">
+  <p:cSld>
+    <p:spTree>
+      <p:nvGrpSpPr>
+        <p:cNvPr id="1" name=""/>
+        <p:cNvGrpSpPr/>
+        <p:nvPr/>
+      </p:nvGrpSpPr>
+      <p:grpSpPr>
+        <a:xfrm>
+          <a:off x="0" y="0"/>
+          <a:ext cx="0" cy="0"/>
+          <a:chOff x="0" y="0"/>
+          <a:chExt cx="0" cy="0"/>
+        </a:xfrm>
+      </p:grpSpPr>
+      <p:sp>
+        <p:nvSpPr>
+          <p:cNvPr id="2" name="スライド イメージ プレースホルダー 1"/>
+          <p:cNvSpPr>
+            <a:spLocks noGrp="1" noRot="1" noChangeAspect="1"/>
+          </p:cNvSpPr>
+          <p:nvPr>
+            <p:ph type="sldImg"/>
+          </p:nvPr>
+        </p:nvSpPr>
+        <p:spPr/>
+      </p:sp>
+      <p:sp>
+        <p:nvSpPr>
+          <p:cNvPr id="3" name="ノート プレースホルダー 2"/>
+          <p:cNvSpPr>
+            <a:spLocks noGrp="1"/>
+          </p:cNvSpPr>
+          <p:nvPr>
+            <p:ph type="body" idx="1"/>
+          </p:nvPr>
+        </p:nvSpPr>
+        <p:spPr/>
+        <p:txBody>
+          <a:bodyPr/>
+          <a:lstStyle/>
+          <a:p>
+            <a:r>
+              <a:rPr kumimoji="1" lang="ja-JP" altLang="en-US" dirty="0" smtClean="0"/>
+              <a:t>勝ちを見るのか陣地の広さを見るのか</a:t>
+            </a:r>
+            <a:endParaRPr kumimoji="1" lang="ja-JP" altLang="en-US" dirty="0"/>
+          </a:p>
+        </p:txBody>
+      </p:sp>
+      <p:sp>
+        <p:nvSpPr>
+          <p:cNvPr id="4" name="スライド番号プレースホルダー 3"/>
+          <p:cNvSpPr>
+            <a:spLocks noGrp="1"/>
+          </p:cNvSpPr>
+          <p:nvPr>
+            <p:ph type="sldNum" sz="quarter" idx="10"/>
+          </p:nvPr>
+        </p:nvSpPr>
+        <p:spPr/>
+        <p:txBody>
+          <a:bodyPr/>
+          <a:lstStyle/>
+          <a:p>
+            <a:fld id="{DB27B9D3-8F54-487C-BCF6-0FEDF67B0644}" type="slidenum">
+              <a:rPr kumimoji="1" lang="ja-JP" altLang="en-US" smtClean="0"/>
+              <a:t>10</a:t>
             </a:fld>
             <a:endParaRPr kumimoji="1" lang="ja-JP" altLang="en-US"/>
           </a:p>
@@ -4344,2279 +4527,7 @@
 </p:sld>
 </file>
 
-<file path=ppt/slides/slide2.xml><?xml version="1.0" encoding="utf-8"?>
-<p:sld xmlns:a="http://schemas.openxmlformats.org/drawingml/2006/main" xmlns:r="http://schemas.openxmlformats.org/officeDocument/2006/relationships" xmlns:p="http://schemas.openxmlformats.org/presentationml/2006/main">
-  <p:cSld>
-    <p:spTree>
-      <p:nvGrpSpPr>
-        <p:cNvPr id="1" name=""/>
-        <p:cNvGrpSpPr/>
-        <p:nvPr/>
-      </p:nvGrpSpPr>
-      <p:grpSpPr>
-        <a:xfrm>
-          <a:off x="0" y="0"/>
-          <a:ext cx="0" cy="0"/>
-          <a:chOff x="0" y="0"/>
-          <a:chExt cx="0" cy="0"/>
-        </a:xfrm>
-      </p:grpSpPr>
-      <p:sp>
-        <p:nvSpPr>
-          <p:cNvPr id="2" name="タイトル 1"/>
-          <p:cNvSpPr>
-            <a:spLocks noGrp="1"/>
-          </p:cNvSpPr>
-          <p:nvPr>
-            <p:ph type="title"/>
-          </p:nvPr>
-        </p:nvSpPr>
-        <p:spPr/>
-        <p:txBody>
-          <a:bodyPr/>
-          <a:lstStyle/>
-          <a:p>
-            <a:r>
-              <a:rPr kumimoji="1" lang="en-US" altLang="ja-JP" dirty="0" smtClean="0"/>
-              <a:t>Flood-It</a:t>
-            </a:r>
-            <a:r>
-              <a:rPr kumimoji="1" lang="ja-JP" altLang="en-US" dirty="0" smtClean="0"/>
-              <a:t>　とは</a:t>
-            </a:r>
-            <a:endParaRPr kumimoji="1" lang="ja-JP" altLang="en-US" dirty="0"/>
-          </a:p>
-        </p:txBody>
-      </p:sp>
-      <mc:AlternateContent xmlns:mc="http://schemas.openxmlformats.org/markup-compatibility/2006">
-        <mc:Choice xmlns:a14="http://schemas.microsoft.com/office/drawing/2010/main" Requires="a14">
-          <p:sp>
-            <p:nvSpPr>
-              <p:cNvPr id="3" name="コンテンツ プレースホルダー 2"/>
-              <p:cNvSpPr>
-                <a:spLocks noGrp="1"/>
-              </p:cNvSpPr>
-              <p:nvPr>
-                <p:ph idx="1"/>
-              </p:nvPr>
-            </p:nvSpPr>
-            <p:spPr/>
-            <p:txBody>
-              <a:bodyPr/>
-              <a:lstStyle/>
-              <a:p>
-                <a:pPr marL="0" indent="0">
-                  <a:buNone/>
-                </a:pPr>
-                <a14:m>
-                  <m:oMath xmlns:m="http://schemas.openxmlformats.org/officeDocument/2006/math">
-                    <m:r>
-                      <a:rPr lang="en-US" altLang="ja-JP" b="0" i="1" smtClean="0">
-                        <a:latin typeface="Cambria Math" panose="02040503050406030204" pitchFamily="18" charset="0"/>
-                      </a:rPr>
-                      <m:t>𝑛</m:t>
-                    </m:r>
-                    <m:r>
-                      <a:rPr lang="en-US" altLang="ja-JP" b="0" i="1" smtClean="0">
-                        <a:latin typeface="Cambria Math" panose="02040503050406030204" pitchFamily="18" charset="0"/>
-                        <a:ea typeface="Cambria Math" panose="02040503050406030204" pitchFamily="18" charset="0"/>
-                      </a:rPr>
-                      <m:t>×</m:t>
-                    </m:r>
-                    <m:r>
-                      <a:rPr lang="en-US" altLang="ja-JP" b="0" i="1" smtClean="0">
-                        <a:latin typeface="Cambria Math" panose="02040503050406030204" pitchFamily="18" charset="0"/>
-                        <a:ea typeface="Cambria Math" panose="02040503050406030204" pitchFamily="18" charset="0"/>
-                      </a:rPr>
-                      <m:t>𝑚</m:t>
-                    </m:r>
-                  </m:oMath>
-                </a14:m>
-                <a:r>
-                  <a:rPr lang="ja-JP" altLang="en-US" dirty="0" smtClean="0"/>
-                  <a:t>のグリッド上で行う一人用のゲーム</a:t>
-                </a:r>
-                <a:endParaRPr lang="en-US" altLang="ja-JP" dirty="0" smtClean="0"/>
-              </a:p>
-              <a:p>
-                <a:pPr marL="0" indent="0">
-                  <a:buNone/>
-                </a:pPr>
-                <a:r>
-                  <a:rPr lang="ja-JP" altLang="en-US" dirty="0" smtClean="0"/>
-                  <a:t>目的：左上の</a:t>
-                </a:r>
-                <a:r>
-                  <a:rPr lang="ja-JP" altLang="en-US" dirty="0" smtClean="0"/>
-                  <a:t>マスと隣接した同じ色のマスの色を</a:t>
-                </a:r>
-                <a:endParaRPr lang="en-US" altLang="ja-JP" dirty="0" smtClean="0"/>
-              </a:p>
-              <a:p>
-                <a:pPr marL="0" indent="0">
-                  <a:buNone/>
-                </a:pPr>
-                <a:r>
-                  <a:rPr lang="ja-JP" altLang="en-US" dirty="0" smtClean="0"/>
-                  <a:t>          変えて</a:t>
-                </a:r>
-                <a:r>
-                  <a:rPr lang="ja-JP" altLang="en-US" dirty="0" smtClean="0"/>
-                  <a:t>いく</a:t>
-                </a:r>
-                <a:r>
-                  <a:rPr lang="ja-JP" altLang="en-US" dirty="0" smtClean="0"/>
-                  <a:t>ことでグリッド</a:t>
-                </a:r>
-                <a:r>
-                  <a:rPr lang="ja-JP" altLang="en-US" dirty="0" smtClean="0"/>
-                  <a:t>を一色に塗りつぶす．</a:t>
-                </a:r>
-                <a:endParaRPr lang="ja-JP" altLang="en-US" dirty="0"/>
-              </a:p>
-            </p:txBody>
-          </p:sp>
-        </mc:Choice>
-        <mc:Fallback>
-          <p:sp>
-            <p:nvSpPr>
-              <p:cNvPr id="3" name="コンテンツ プレースホルダー 2"/>
-              <p:cNvSpPr>
-                <a:spLocks noGrp="1" noRot="1" noChangeAspect="1" noMove="1" noResize="1" noEditPoints="1" noAdjustHandles="1" noChangeArrowheads="1" noChangeShapeType="1" noTextEdit="1"/>
-              </p:cNvSpPr>
-              <p:nvPr>
-                <p:ph idx="1"/>
-              </p:nvPr>
-            </p:nvSpPr>
-            <p:spPr>
-              <a:blipFill rotWithShape="0">
-                <a:blip r:embed="rId3"/>
-                <a:stretch>
-                  <a:fillRect l="-2827" t="-2384" r="-4362"/>
-                </a:stretch>
-              </a:blipFill>
-            </p:spPr>
-            <p:txBody>
-              <a:bodyPr/>
-              <a:lstStyle/>
-              <a:p>
-                <a:r>
-                  <a:rPr lang="ja-JP" altLang="en-US">
-                    <a:noFill/>
-                  </a:rPr>
-                  <a:t> </a:t>
-                </a:r>
-              </a:p>
-            </p:txBody>
-          </p:sp>
-        </mc:Fallback>
-      </mc:AlternateContent>
-      <p:sp>
-        <p:nvSpPr>
-          <p:cNvPr id="4" name="スライド番号プレースホルダー 3"/>
-          <p:cNvSpPr>
-            <a:spLocks noGrp="1"/>
-          </p:cNvSpPr>
-          <p:nvPr>
-            <p:ph type="sldNum" sz="quarter" idx="4"/>
-          </p:nvPr>
-        </p:nvSpPr>
-        <p:spPr/>
-        <p:txBody>
-          <a:bodyPr/>
-          <a:lstStyle/>
-          <a:p>
-            <a:fld id="{06866E33-5310-403C-85EB-90D9101399C4}" type="slidenum">
-              <a:rPr lang="ja-JP" altLang="en-US" smtClean="0"/>
-              <a:pPr/>
-              <a:t>2</a:t>
-            </a:fld>
-            <a:endParaRPr lang="ja-JP" altLang="en-US" dirty="0"/>
-          </a:p>
-        </p:txBody>
-      </p:sp>
-      <p:sp>
-        <p:nvSpPr>
-          <p:cNvPr id="5" name="正方形/長方形 4"/>
-          <p:cNvSpPr/>
-          <p:nvPr/>
-        </p:nvSpPr>
-        <p:spPr>
-          <a:xfrm>
-            <a:off x="1922106" y="2313992"/>
-            <a:ext cx="4627984" cy="4058816"/>
-          </a:xfrm>
-          <a:prstGeom prst="rect">
-            <a:avLst/>
-          </a:prstGeom>
-        </p:spPr>
-        <p:style>
-          <a:lnRef idx="2">
-            <a:schemeClr val="accent1">
-              <a:shade val="50000"/>
-            </a:schemeClr>
-          </a:lnRef>
-          <a:fillRef idx="1">
-            <a:schemeClr val="accent1"/>
-          </a:fillRef>
-          <a:effectRef idx="0">
-            <a:schemeClr val="accent1"/>
-          </a:effectRef>
-          <a:fontRef idx="minor">
-            <a:schemeClr val="lt1"/>
-          </a:fontRef>
-        </p:style>
-        <p:txBody>
-          <a:bodyPr rtlCol="0" anchor="ctr"/>
-          <a:lstStyle/>
-          <a:p>
-            <a:pPr algn="ctr"/>
-            <a:r>
-              <a:rPr kumimoji="1" lang="ja-JP" altLang="en-US" dirty="0" smtClean="0"/>
-              <a:t>図とアニメーション</a:t>
-            </a:r>
-            <a:endParaRPr kumimoji="1" lang="ja-JP" altLang="en-US" dirty="0"/>
-          </a:p>
-        </p:txBody>
-      </p:sp>
-    </p:spTree>
-    <p:extLst>
-      <p:ext uri="{BB962C8B-B14F-4D97-AF65-F5344CB8AC3E}">
-        <p14:creationId xmlns:p14="http://schemas.microsoft.com/office/powerpoint/2010/main" val="4196052122"/>
-      </p:ext>
-    </p:extLst>
-  </p:cSld>
-  <p:clrMapOvr>
-    <a:masterClrMapping/>
-  </p:clrMapOvr>
-  <p:timing>
-    <p:tnLst>
-      <p:par>
-        <p:cTn id="1" dur="indefinite" restart="never" nodeType="tmRoot"/>
-      </p:par>
-    </p:tnLst>
-  </p:timing>
-</p:sld>
-</file>
-
-<file path=ppt/slides/slide3.xml><?xml version="1.0" encoding="utf-8"?>
-<p:sld xmlns:a="http://schemas.openxmlformats.org/drawingml/2006/main" xmlns:r="http://schemas.openxmlformats.org/officeDocument/2006/relationships" xmlns:p="http://schemas.openxmlformats.org/presentationml/2006/main">
-  <p:cSld>
-    <p:spTree>
-      <p:nvGrpSpPr>
-        <p:cNvPr id="1" name=""/>
-        <p:cNvGrpSpPr/>
-        <p:nvPr/>
-      </p:nvGrpSpPr>
-      <p:grpSpPr>
-        <a:xfrm>
-          <a:off x="0" y="0"/>
-          <a:ext cx="0" cy="0"/>
-          <a:chOff x="0" y="0"/>
-          <a:chExt cx="0" cy="0"/>
-        </a:xfrm>
-      </p:grpSpPr>
-      <p:sp>
-        <p:nvSpPr>
-          <p:cNvPr id="2" name="タイトル 1"/>
-          <p:cNvSpPr>
-            <a:spLocks noGrp="1"/>
-          </p:cNvSpPr>
-          <p:nvPr>
-            <p:ph type="title"/>
-          </p:nvPr>
-        </p:nvSpPr>
-        <p:spPr/>
-        <p:txBody>
-          <a:bodyPr/>
-          <a:lstStyle/>
-          <a:p>
-            <a:r>
-              <a:rPr lang="en-US" altLang="ja-JP" dirty="0"/>
-              <a:t>Flood-It</a:t>
-            </a:r>
-            <a:r>
-              <a:rPr lang="ja-JP" altLang="en-US" dirty="0"/>
-              <a:t>　とは</a:t>
-            </a:r>
-            <a:endParaRPr kumimoji="1" lang="ja-JP" altLang="en-US" dirty="0"/>
-          </a:p>
-        </p:txBody>
-      </p:sp>
-      <p:graphicFrame>
-        <p:nvGraphicFramePr>
-          <p:cNvPr id="5" name="コンテンツ プレースホルダー 4"/>
-          <p:cNvGraphicFramePr>
-            <a:graphicFrameLocks noGrp="1"/>
-          </p:cNvGraphicFramePr>
-          <p:nvPr>
-            <p:ph idx="1"/>
-            <p:extLst>
-              <p:ext uri="{D42A27DB-BD31-4B8C-83A1-F6EECF244321}">
-                <p14:modId xmlns:p14="http://schemas.microsoft.com/office/powerpoint/2010/main" val="2076252493"/>
-              </p:ext>
-            </p:extLst>
-          </p:nvPr>
-        </p:nvGraphicFramePr>
-        <p:xfrm>
-          <a:off x="411480" y="1374643"/>
-          <a:ext cx="8366760" cy="4624941"/>
-        </p:xfrm>
-        <a:graphic>
-          <a:graphicData uri="http://schemas.openxmlformats.org/drawingml/2006/table">
-            <a:tbl>
-              <a:tblPr firstRow="1" bandRow="1">
-                <a:tableStyleId>{5C22544A-7EE6-4342-B048-85BDC9FD1C3A}</a:tableStyleId>
-              </a:tblPr>
-              <a:tblGrid>
-                <a:gridCol w="4183380"/>
-                <a:gridCol w="4183380"/>
-              </a:tblGrid>
-              <a:tr h="587818">
-                <a:tc>
-                  <a:txBody>
-                    <a:bodyPr/>
-                    <a:lstStyle/>
-                    <a:p>
-                      <a:pPr algn="ctr"/>
-                      <a:r>
-                        <a:rPr kumimoji="1" lang="ja-JP" altLang="en-US" sz="2800" dirty="0" smtClean="0"/>
-                        <a:t>入力</a:t>
-                      </a:r>
-                      <a:endParaRPr kumimoji="1" lang="ja-JP" altLang="en-US" sz="2800" dirty="0"/>
-                    </a:p>
-                  </a:txBody>
-                  <a:tcPr/>
-                </a:tc>
-                <a:tc>
-                  <a:txBody>
-                    <a:bodyPr/>
-                    <a:lstStyle/>
-                    <a:p>
-                      <a:pPr algn="ctr"/>
-                      <a:r>
-                        <a:rPr kumimoji="1" lang="ja-JP" altLang="en-US" sz="2800" dirty="0" smtClean="0"/>
-                        <a:t>出力</a:t>
-                      </a:r>
-                      <a:endParaRPr kumimoji="1" lang="ja-JP" altLang="en-US" sz="2800" dirty="0"/>
-                    </a:p>
-                  </a:txBody>
-                  <a:tcPr/>
-                </a:tc>
-              </a:tr>
-              <a:tr h="4037123">
-                <a:tc>
-                  <a:txBody>
-                    <a:bodyPr/>
-                    <a:lstStyle/>
-                    <a:p>
-                      <a:pPr algn="ctr"/>
-                      <a:r>
-                        <a:rPr kumimoji="1" lang="ja-JP" altLang="en-US" sz="2800" dirty="0" smtClean="0"/>
-                        <a:t>ある色分けされたグリッド</a:t>
-                      </a:r>
-                      <a:endParaRPr kumimoji="1" lang="ja-JP" altLang="en-US" sz="2800" dirty="0"/>
-                    </a:p>
-                  </a:txBody>
-                  <a:tcPr/>
-                </a:tc>
-                <a:tc>
-                  <a:txBody>
-                    <a:bodyPr/>
-                    <a:lstStyle/>
-                    <a:p>
-                      <a:pPr algn="ctr"/>
-                      <a:r>
-                        <a:rPr kumimoji="1" lang="ja-JP" altLang="en-US" sz="2800" dirty="0" smtClean="0"/>
-                        <a:t>塗りつぶす最小の操作列</a:t>
-                      </a:r>
-                      <a:endParaRPr kumimoji="1" lang="ja-JP" altLang="en-US" sz="2800" dirty="0"/>
-                    </a:p>
-                  </a:txBody>
-                  <a:tcPr/>
-                </a:tc>
-              </a:tr>
-            </a:tbl>
-          </a:graphicData>
-        </a:graphic>
-      </p:graphicFrame>
-      <p:sp>
-        <p:nvSpPr>
-          <p:cNvPr id="4" name="スライド番号プレースホルダー 3"/>
-          <p:cNvSpPr>
-            <a:spLocks noGrp="1"/>
-          </p:cNvSpPr>
-          <p:nvPr>
-            <p:ph type="sldNum" sz="quarter" idx="4"/>
-          </p:nvPr>
-        </p:nvSpPr>
-        <p:spPr/>
-        <p:txBody>
-          <a:bodyPr/>
-          <a:lstStyle/>
-          <a:p>
-            <a:fld id="{06866E33-5310-403C-85EB-90D9101399C4}" type="slidenum">
-              <a:rPr lang="ja-JP" altLang="en-US" smtClean="0"/>
-              <a:pPr/>
-              <a:t>3</a:t>
-            </a:fld>
-            <a:endParaRPr lang="ja-JP" altLang="en-US" dirty="0"/>
-          </a:p>
-        </p:txBody>
-      </p:sp>
-      <p:sp>
-        <p:nvSpPr>
-          <p:cNvPr id="6" name="正方形/長方形 5"/>
-          <p:cNvSpPr/>
-          <p:nvPr/>
-        </p:nvSpPr>
-        <p:spPr>
-          <a:xfrm>
-            <a:off x="1175656" y="3135084"/>
-            <a:ext cx="2360645" cy="2239347"/>
-          </a:xfrm>
-          <a:prstGeom prst="rect">
-            <a:avLst/>
-          </a:prstGeom>
-        </p:spPr>
-        <p:style>
-          <a:lnRef idx="2">
-            <a:schemeClr val="accent1">
-              <a:shade val="50000"/>
-            </a:schemeClr>
-          </a:lnRef>
-          <a:fillRef idx="1">
-            <a:schemeClr val="accent1"/>
-          </a:fillRef>
-          <a:effectRef idx="0">
-            <a:schemeClr val="accent1"/>
-          </a:effectRef>
-          <a:fontRef idx="minor">
-            <a:schemeClr val="lt1"/>
-          </a:fontRef>
-        </p:style>
-        <p:txBody>
-          <a:bodyPr rtlCol="0" anchor="ctr"/>
-          <a:lstStyle/>
-          <a:p>
-            <a:pPr algn="ctr"/>
-            <a:r>
-              <a:rPr kumimoji="1" lang="ja-JP" altLang="en-US" dirty="0" smtClean="0"/>
-              <a:t>盤面の図</a:t>
-            </a:r>
-            <a:endParaRPr kumimoji="1" lang="ja-JP" altLang="en-US" dirty="0"/>
-          </a:p>
-        </p:txBody>
-      </p:sp>
-      <p:sp>
-        <p:nvSpPr>
-          <p:cNvPr id="7" name="正方形/長方形 6"/>
-          <p:cNvSpPr/>
-          <p:nvPr/>
-        </p:nvSpPr>
-        <p:spPr>
-          <a:xfrm>
-            <a:off x="4939005" y="4124131"/>
-            <a:ext cx="780662" cy="774438"/>
-          </a:xfrm>
-          <a:prstGeom prst="rect">
-            <a:avLst/>
-          </a:prstGeom>
-        </p:spPr>
-        <p:style>
-          <a:lnRef idx="2">
-            <a:schemeClr val="accent1">
-              <a:shade val="50000"/>
-            </a:schemeClr>
-          </a:lnRef>
-          <a:fillRef idx="1">
-            <a:schemeClr val="accent1"/>
-          </a:fillRef>
-          <a:effectRef idx="0">
-            <a:schemeClr val="accent1"/>
-          </a:effectRef>
-          <a:fontRef idx="minor">
-            <a:schemeClr val="lt1"/>
-          </a:fontRef>
-        </p:style>
-        <p:txBody>
-          <a:bodyPr rtlCol="0" anchor="ctr"/>
-          <a:lstStyle/>
-          <a:p>
-            <a:pPr algn="ctr"/>
-            <a:r>
-              <a:rPr kumimoji="1" lang="ja-JP" altLang="en-US" dirty="0" smtClean="0"/>
-              <a:t>色</a:t>
-            </a:r>
-            <a:endParaRPr kumimoji="1" lang="ja-JP" altLang="en-US" dirty="0"/>
-          </a:p>
-        </p:txBody>
-      </p:sp>
-      <p:sp>
-        <p:nvSpPr>
-          <p:cNvPr id="8" name="正方形/長方形 7"/>
-          <p:cNvSpPr/>
-          <p:nvPr/>
-        </p:nvSpPr>
-        <p:spPr>
-          <a:xfrm>
-            <a:off x="5903168" y="4124131"/>
-            <a:ext cx="780662" cy="774438"/>
-          </a:xfrm>
-          <a:prstGeom prst="rect">
-            <a:avLst/>
-          </a:prstGeom>
-        </p:spPr>
-        <p:style>
-          <a:lnRef idx="2">
-            <a:schemeClr val="accent1">
-              <a:shade val="50000"/>
-            </a:schemeClr>
-          </a:lnRef>
-          <a:fillRef idx="1">
-            <a:schemeClr val="accent1"/>
-          </a:fillRef>
-          <a:effectRef idx="0">
-            <a:schemeClr val="accent1"/>
-          </a:effectRef>
-          <a:fontRef idx="minor">
-            <a:schemeClr val="lt1"/>
-          </a:fontRef>
-        </p:style>
-        <p:txBody>
-          <a:bodyPr rtlCol="0" anchor="ctr"/>
-          <a:lstStyle/>
-          <a:p>
-            <a:pPr algn="ctr"/>
-            <a:r>
-              <a:rPr kumimoji="1" lang="ja-JP" altLang="en-US" dirty="0" smtClean="0"/>
-              <a:t>色</a:t>
-            </a:r>
-            <a:endParaRPr kumimoji="1" lang="ja-JP" altLang="en-US" dirty="0"/>
-          </a:p>
-        </p:txBody>
-      </p:sp>
-      <p:sp>
-        <p:nvSpPr>
-          <p:cNvPr id="9" name="正方形/長方形 8"/>
-          <p:cNvSpPr/>
-          <p:nvPr/>
-        </p:nvSpPr>
-        <p:spPr>
-          <a:xfrm>
-            <a:off x="6867331" y="4124131"/>
-            <a:ext cx="780662" cy="774438"/>
-          </a:xfrm>
-          <a:prstGeom prst="rect">
-            <a:avLst/>
-          </a:prstGeom>
-        </p:spPr>
-        <p:style>
-          <a:lnRef idx="2">
-            <a:schemeClr val="accent1">
-              <a:shade val="50000"/>
-            </a:schemeClr>
-          </a:lnRef>
-          <a:fillRef idx="1">
-            <a:schemeClr val="accent1"/>
-          </a:fillRef>
-          <a:effectRef idx="0">
-            <a:schemeClr val="accent1"/>
-          </a:effectRef>
-          <a:fontRef idx="minor">
-            <a:schemeClr val="lt1"/>
-          </a:fontRef>
-        </p:style>
-        <p:txBody>
-          <a:bodyPr rtlCol="0" anchor="ctr"/>
-          <a:lstStyle/>
-          <a:p>
-            <a:pPr algn="ctr"/>
-            <a:r>
-              <a:rPr kumimoji="1" lang="ja-JP" altLang="en-US" dirty="0" smtClean="0"/>
-              <a:t>色</a:t>
-            </a:r>
-            <a:endParaRPr kumimoji="1" lang="ja-JP" altLang="en-US" dirty="0"/>
-          </a:p>
-        </p:txBody>
-      </p:sp>
-      <p:sp>
-        <p:nvSpPr>
-          <p:cNvPr id="10" name="正方形/長方形 9"/>
-          <p:cNvSpPr/>
-          <p:nvPr/>
-        </p:nvSpPr>
-        <p:spPr>
-          <a:xfrm>
-            <a:off x="7850779" y="4124131"/>
-            <a:ext cx="780662" cy="774438"/>
-          </a:xfrm>
-          <a:prstGeom prst="rect">
-            <a:avLst/>
-          </a:prstGeom>
-        </p:spPr>
-        <p:style>
-          <a:lnRef idx="2">
-            <a:schemeClr val="accent1">
-              <a:shade val="50000"/>
-            </a:schemeClr>
-          </a:lnRef>
-          <a:fillRef idx="1">
-            <a:schemeClr val="accent1"/>
-          </a:fillRef>
-          <a:effectRef idx="0">
-            <a:schemeClr val="accent1"/>
-          </a:effectRef>
-          <a:fontRef idx="minor">
-            <a:schemeClr val="lt1"/>
-          </a:fontRef>
-        </p:style>
-        <p:txBody>
-          <a:bodyPr rtlCol="0" anchor="ctr"/>
-          <a:lstStyle/>
-          <a:p>
-            <a:pPr algn="ctr"/>
-            <a:r>
-              <a:rPr kumimoji="1" lang="ja-JP" altLang="en-US" dirty="0" smtClean="0"/>
-              <a:t>色</a:t>
-            </a:r>
-            <a:endParaRPr kumimoji="1" lang="ja-JP" altLang="en-US" dirty="0"/>
-          </a:p>
-        </p:txBody>
-      </p:sp>
-      <p:sp>
-        <p:nvSpPr>
-          <p:cNvPr id="11" name="コンテンツ プレースホルダー 2"/>
-          <p:cNvSpPr txBox="1">
-            <a:spLocks/>
-          </p:cNvSpPr>
-          <p:nvPr/>
-        </p:nvSpPr>
-        <p:spPr>
-          <a:xfrm>
-            <a:off x="822959" y="758815"/>
-            <a:ext cx="7543801" cy="5110279"/>
-          </a:xfrm>
-          <a:prstGeom prst="rect">
-            <a:avLst/>
-          </a:prstGeom>
-        </p:spPr>
-        <p:txBody>
-          <a:bodyPr vert="horz" lIns="0" tIns="45720" rIns="0" bIns="45720" rtlCol="0">
-            <a:normAutofit/>
-          </a:bodyPr>
-          <a:lstStyle>
-            <a:lvl1pPr marL="0" indent="0" algn="l" defTabSz="914400" rtl="0" eaLnBrk="1" latinLnBrk="0" hangingPunct="1">
-              <a:lnSpc>
-                <a:spcPct val="90000"/>
-              </a:lnSpc>
-              <a:spcBef>
-                <a:spcPts val="1000"/>
-              </a:spcBef>
-              <a:buFont typeface="Arial" panose="020B0604020202020204" pitchFamily="34" charset="0"/>
-              <a:buNone/>
-              <a:defRPr kumimoji="1" sz="2800" kern="1200">
-                <a:solidFill>
-                  <a:schemeClr val="tx1"/>
-                </a:solidFill>
-                <a:latin typeface="+mn-lt"/>
-                <a:ea typeface="+mn-ea"/>
-                <a:cs typeface="+mn-cs"/>
-              </a:defRPr>
-            </a:lvl1pPr>
-            <a:lvl2pPr marL="457200" indent="0" algn="l" defTabSz="914400" rtl="0" eaLnBrk="1" latinLnBrk="0" hangingPunct="1">
-              <a:lnSpc>
-                <a:spcPct val="90000"/>
-              </a:lnSpc>
-              <a:spcBef>
-                <a:spcPts val="500"/>
-              </a:spcBef>
-              <a:buFont typeface="Arial" panose="020B0604020202020204" pitchFamily="34" charset="0"/>
-              <a:buNone/>
-              <a:defRPr kumimoji="1" sz="2400" kern="1200">
-                <a:solidFill>
-                  <a:schemeClr val="tx1"/>
-                </a:solidFill>
-                <a:latin typeface="+mn-lt"/>
-                <a:ea typeface="+mn-ea"/>
-                <a:cs typeface="+mn-cs"/>
-              </a:defRPr>
-            </a:lvl2pPr>
-            <a:lvl3pPr marL="914400" indent="0" algn="l" defTabSz="914400" rtl="0" eaLnBrk="1" latinLnBrk="0" hangingPunct="1">
-              <a:lnSpc>
-                <a:spcPct val="90000"/>
-              </a:lnSpc>
-              <a:spcBef>
-                <a:spcPts val="500"/>
-              </a:spcBef>
-              <a:buFont typeface="Arial" panose="020B0604020202020204" pitchFamily="34" charset="0"/>
-              <a:buNone/>
-              <a:defRPr kumimoji="1" sz="2000" kern="1200">
-                <a:solidFill>
-                  <a:schemeClr val="tx1"/>
-                </a:solidFill>
-                <a:latin typeface="+mn-lt"/>
-                <a:ea typeface="+mn-ea"/>
-                <a:cs typeface="+mn-cs"/>
-              </a:defRPr>
-            </a:lvl3pPr>
-            <a:lvl4pPr marL="1371600" indent="0" algn="l" defTabSz="914400" rtl="0" eaLnBrk="1" latinLnBrk="0" hangingPunct="1">
-              <a:lnSpc>
-                <a:spcPct val="90000"/>
-              </a:lnSpc>
-              <a:spcBef>
-                <a:spcPts val="500"/>
-              </a:spcBef>
-              <a:buFont typeface="Arial" panose="020B0604020202020204" pitchFamily="34" charset="0"/>
-              <a:buNone/>
-              <a:defRPr kumimoji="1" sz="1800" kern="1200">
-                <a:solidFill>
-                  <a:schemeClr val="tx1"/>
-                </a:solidFill>
-                <a:latin typeface="+mn-lt"/>
-                <a:ea typeface="+mn-ea"/>
-                <a:cs typeface="+mn-cs"/>
-              </a:defRPr>
-            </a:lvl4pPr>
-            <a:lvl5pPr marL="1828800" indent="0" algn="l" defTabSz="914400" rtl="0" eaLnBrk="1" latinLnBrk="0" hangingPunct="1">
-              <a:lnSpc>
-                <a:spcPct val="90000"/>
-              </a:lnSpc>
-              <a:spcBef>
-                <a:spcPts val="500"/>
-              </a:spcBef>
-              <a:buFont typeface="Arial" panose="020B0604020202020204" pitchFamily="34" charset="0"/>
-              <a:buNone/>
-              <a:defRPr kumimoji="1" sz="1800" kern="1200">
-                <a:solidFill>
-                  <a:schemeClr val="tx1"/>
-                </a:solidFill>
-                <a:latin typeface="+mn-lt"/>
-                <a:ea typeface="+mn-ea"/>
-                <a:cs typeface="+mn-cs"/>
-              </a:defRPr>
-            </a:lvl5pPr>
-            <a:lvl6pPr marL="2514600" indent="-228600" algn="l" defTabSz="914400" rtl="0" eaLnBrk="1" latinLnBrk="0" hangingPunct="1">
-              <a:lnSpc>
-                <a:spcPct val="90000"/>
-              </a:lnSpc>
-              <a:spcBef>
-                <a:spcPts val="500"/>
-              </a:spcBef>
-              <a:buFont typeface="Arial" panose="020B0604020202020204" pitchFamily="34" charset="0"/>
-              <a:buChar char="•"/>
-              <a:defRPr kumimoji="1" sz="1800" kern="1200">
-                <a:solidFill>
-                  <a:schemeClr val="tx1"/>
-                </a:solidFill>
-                <a:latin typeface="+mn-lt"/>
-                <a:ea typeface="+mn-ea"/>
-                <a:cs typeface="+mn-cs"/>
-              </a:defRPr>
-            </a:lvl6pPr>
-            <a:lvl7pPr marL="2971800" indent="-228600" algn="l" defTabSz="914400" rtl="0" eaLnBrk="1" latinLnBrk="0" hangingPunct="1">
-              <a:lnSpc>
-                <a:spcPct val="90000"/>
-              </a:lnSpc>
-              <a:spcBef>
-                <a:spcPts val="500"/>
-              </a:spcBef>
-              <a:buFont typeface="Arial" panose="020B0604020202020204" pitchFamily="34" charset="0"/>
-              <a:buChar char="•"/>
-              <a:defRPr kumimoji="1" sz="1800" kern="1200">
-                <a:solidFill>
-                  <a:schemeClr val="tx1"/>
-                </a:solidFill>
-                <a:latin typeface="+mn-lt"/>
-                <a:ea typeface="+mn-ea"/>
-                <a:cs typeface="+mn-cs"/>
-              </a:defRPr>
-            </a:lvl7pPr>
-            <a:lvl8pPr marL="3429000" indent="-228600" algn="l" defTabSz="914400" rtl="0" eaLnBrk="1" latinLnBrk="0" hangingPunct="1">
-              <a:lnSpc>
-                <a:spcPct val="90000"/>
-              </a:lnSpc>
-              <a:spcBef>
-                <a:spcPts val="500"/>
-              </a:spcBef>
-              <a:buFont typeface="Arial" panose="020B0604020202020204" pitchFamily="34" charset="0"/>
-              <a:buChar char="•"/>
-              <a:defRPr kumimoji="1" sz="1800" kern="1200">
-                <a:solidFill>
-                  <a:schemeClr val="tx1"/>
-                </a:solidFill>
-                <a:latin typeface="+mn-lt"/>
-                <a:ea typeface="+mn-ea"/>
-                <a:cs typeface="+mn-cs"/>
-              </a:defRPr>
-            </a:lvl8pPr>
-            <a:lvl9pPr marL="3886200" indent="-228600" algn="l" defTabSz="914400" rtl="0" eaLnBrk="1" latinLnBrk="0" hangingPunct="1">
-              <a:lnSpc>
-                <a:spcPct val="90000"/>
-              </a:lnSpc>
-              <a:spcBef>
-                <a:spcPts val="500"/>
-              </a:spcBef>
-              <a:buFont typeface="Arial" panose="020B0604020202020204" pitchFamily="34" charset="0"/>
-              <a:buChar char="•"/>
-              <a:defRPr kumimoji="1" sz="1800" kern="1200">
-                <a:solidFill>
-                  <a:schemeClr val="tx1"/>
-                </a:solidFill>
-                <a:latin typeface="+mn-lt"/>
-                <a:ea typeface="+mn-ea"/>
-                <a:cs typeface="+mn-cs"/>
-              </a:defRPr>
-            </a:lvl9pPr>
-          </a:lstStyle>
-          <a:p>
-            <a:r>
-              <a:rPr lang="ja-JP" altLang="en-US" dirty="0" smtClean="0"/>
-              <a:t>以下のように定式化される．</a:t>
-            </a:r>
-            <a:endParaRPr lang="ja-JP" altLang="en-US" dirty="0"/>
-          </a:p>
-        </p:txBody>
-      </p:sp>
-    </p:spTree>
-    <p:extLst>
-      <p:ext uri="{BB962C8B-B14F-4D97-AF65-F5344CB8AC3E}">
-        <p14:creationId xmlns:p14="http://schemas.microsoft.com/office/powerpoint/2010/main" val="324357521"/>
-      </p:ext>
-    </p:extLst>
-  </p:cSld>
-  <p:clrMapOvr>
-    <a:masterClrMapping/>
-  </p:clrMapOvr>
-  <p:timing>
-    <p:tnLst>
-      <p:par>
-        <p:cTn id="1" dur="indefinite" restart="never" nodeType="tmRoot"/>
-      </p:par>
-    </p:tnLst>
-  </p:timing>
-</p:sld>
-</file>
-
-<file path=ppt/slides/slide4.xml><?xml version="1.0" encoding="utf-8"?>
-<p:sld xmlns:a="http://schemas.openxmlformats.org/drawingml/2006/main" xmlns:r="http://schemas.openxmlformats.org/officeDocument/2006/relationships" xmlns:p="http://schemas.openxmlformats.org/presentationml/2006/main">
-  <p:cSld>
-    <p:spTree>
-      <p:nvGrpSpPr>
-        <p:cNvPr id="1" name=""/>
-        <p:cNvGrpSpPr/>
-        <p:nvPr/>
-      </p:nvGrpSpPr>
-      <p:grpSpPr>
-        <a:xfrm>
-          <a:off x="0" y="0"/>
-          <a:ext cx="0" cy="0"/>
-          <a:chOff x="0" y="0"/>
-          <a:chExt cx="0" cy="0"/>
-        </a:xfrm>
-      </p:grpSpPr>
-      <p:sp>
-        <p:nvSpPr>
-          <p:cNvPr id="2" name="タイトル 1"/>
-          <p:cNvSpPr>
-            <a:spLocks noGrp="1"/>
-          </p:cNvSpPr>
-          <p:nvPr>
-            <p:ph type="title"/>
-          </p:nvPr>
-        </p:nvSpPr>
-        <p:spPr/>
-        <p:txBody>
-          <a:bodyPr/>
-          <a:lstStyle/>
-          <a:p>
-            <a:r>
-              <a:rPr lang="ja-JP" altLang="en-US" dirty="0" smtClean="0"/>
-              <a:t>既知の結果</a:t>
-            </a:r>
-            <a:endParaRPr kumimoji="1" lang="ja-JP" altLang="en-US" dirty="0"/>
-          </a:p>
-        </p:txBody>
-      </p:sp>
-      <mc:AlternateContent xmlns:mc="http://schemas.openxmlformats.org/markup-compatibility/2006">
-        <mc:Choice xmlns:a14="http://schemas.microsoft.com/office/drawing/2010/main" Requires="a14">
-          <p:graphicFrame>
-            <p:nvGraphicFramePr>
-              <p:cNvPr id="5" name="コンテンツ プレースホルダー 4"/>
-              <p:cNvGraphicFramePr>
-                <a:graphicFrameLocks noGrp="1"/>
-              </p:cNvGraphicFramePr>
-              <p:nvPr>
-                <p:ph idx="1"/>
-                <p:extLst>
-                  <p:ext uri="{D42A27DB-BD31-4B8C-83A1-F6EECF244321}">
-                    <p14:modId xmlns:p14="http://schemas.microsoft.com/office/powerpoint/2010/main" val="3178222936"/>
-                  </p:ext>
-                </p:extLst>
-              </p:nvPr>
-            </p:nvGraphicFramePr>
-            <p:xfrm>
-              <a:off x="1129469" y="1668034"/>
-              <a:ext cx="6930780" cy="3291840"/>
-            </p:xfrm>
-            <a:graphic>
-              <a:graphicData uri="http://schemas.openxmlformats.org/drawingml/2006/table">
-                <a:tbl>
-                  <a:tblPr firstRow="1" bandRow="1">
-                    <a:tableStyleId>{5C22544A-7EE6-4342-B048-85BDC9FD1C3A}</a:tableStyleId>
-                  </a:tblPr>
-                  <a:tblGrid>
-                    <a:gridCol w="2310260"/>
-                    <a:gridCol w="2310260"/>
-                    <a:gridCol w="2310260"/>
-                  </a:tblGrid>
-                  <a:tr h="370840">
-                    <a:tc>
-                      <a:txBody>
-                        <a:bodyPr/>
-                        <a:lstStyle/>
-                        <a:p>
-                          <a:pPr algn="ctr"/>
-                          <a:r>
-                            <a:rPr kumimoji="1" lang="ja-JP" altLang="en-US" sz="2400" dirty="0" smtClean="0"/>
-                            <a:t>グリッドの大きさ</a:t>
-                          </a:r>
-                          <a:endParaRPr kumimoji="1" lang="ja-JP" altLang="en-US" sz="2400" dirty="0"/>
-                        </a:p>
-                      </a:txBody>
-                      <a:tcPr/>
-                    </a:tc>
-                    <a:tc>
-                      <a:txBody>
-                        <a:bodyPr/>
-                        <a:lstStyle/>
-                        <a:p>
-                          <a:pPr algn="ctr"/>
-                          <a:r>
-                            <a:rPr kumimoji="1" lang="ja-JP" altLang="en-US" sz="2400" dirty="0" smtClean="0"/>
-                            <a:t>色の数</a:t>
-                          </a:r>
-                          <a:endParaRPr kumimoji="1" lang="ja-JP" altLang="en-US" sz="2400" dirty="0"/>
-                        </a:p>
-                      </a:txBody>
-                      <a:tcPr/>
-                    </a:tc>
-                    <a:tc>
-                      <a:txBody>
-                        <a:bodyPr/>
-                        <a:lstStyle/>
-                        <a:p>
-                          <a:pPr algn="ctr"/>
-                          <a:r>
-                            <a:rPr kumimoji="1" lang="ja-JP" altLang="en-US" sz="2400" dirty="0" smtClean="0"/>
-                            <a:t>難しさ</a:t>
-                          </a:r>
-                          <a:endParaRPr kumimoji="1" lang="ja-JP" altLang="en-US" sz="2400" dirty="0"/>
-                        </a:p>
-                      </a:txBody>
-                      <a:tcPr/>
-                    </a:tc>
-                  </a:tr>
-                  <a:tr h="370840">
-                    <a:tc>
-                      <a:txBody>
-                        <a:bodyPr/>
-                        <a:lstStyle/>
-                        <a:p>
-                          <a:pPr algn="ctr"/>
-                          <a14:m>
-                            <m:oMathPara xmlns:m="http://schemas.openxmlformats.org/officeDocument/2006/math">
-                              <m:oMathParaPr>
-                                <m:jc m:val="centerGroup"/>
-                              </m:oMathParaPr>
-                              <m:oMath xmlns:m="http://schemas.openxmlformats.org/officeDocument/2006/math">
-                                <m:r>
-                                  <a:rPr kumimoji="1" lang="en-US" altLang="ja-JP" sz="2800" b="0" i="1" smtClean="0">
-                                    <a:latin typeface="Cambria Math" panose="02040503050406030204" pitchFamily="18" charset="0"/>
-                                  </a:rPr>
-                                  <m:t>𝑛</m:t>
-                                </m:r>
-                                <m:r>
-                                  <a:rPr kumimoji="1" lang="en-US" altLang="ja-JP" sz="2800" b="0" i="1" smtClean="0">
-                                    <a:latin typeface="Cambria Math" panose="02040503050406030204" pitchFamily="18" charset="0"/>
-                                    <a:ea typeface="Cambria Math" panose="02040503050406030204" pitchFamily="18" charset="0"/>
-                                  </a:rPr>
-                                  <m:t>×</m:t>
-                                </m:r>
-                                <m:r>
-                                  <a:rPr kumimoji="1" lang="en-US" altLang="ja-JP" sz="2800" b="0" i="1" smtClean="0">
-                                    <a:latin typeface="Cambria Math" panose="02040503050406030204" pitchFamily="18" charset="0"/>
-                                    <a:ea typeface="Cambria Math" panose="02040503050406030204" pitchFamily="18" charset="0"/>
-                                  </a:rPr>
-                                  <m:t>𝑛</m:t>
-                                </m:r>
-                              </m:oMath>
-                            </m:oMathPara>
-                          </a14:m>
-                          <a:endParaRPr kumimoji="1" lang="ja-JP" altLang="en-US" sz="2800" dirty="0"/>
-                        </a:p>
-                      </a:txBody>
-                      <a:tcPr/>
-                    </a:tc>
-                    <a:tc>
-                      <a:txBody>
-                        <a:bodyPr/>
-                        <a:lstStyle/>
-                        <a:p>
-                          <a:pPr algn="ctr"/>
-                          <a:r>
-                            <a:rPr kumimoji="1" lang="en-US" altLang="ja-JP" sz="2800" dirty="0" smtClean="0"/>
-                            <a:t>3</a:t>
-                          </a:r>
-                          <a:r>
-                            <a:rPr kumimoji="1" lang="ja-JP" altLang="en-US" sz="2800" dirty="0" smtClean="0"/>
-                            <a:t>色以上</a:t>
-                          </a:r>
-                          <a:endParaRPr kumimoji="1" lang="ja-JP" altLang="en-US" sz="2800" dirty="0"/>
-                        </a:p>
-                      </a:txBody>
-                      <a:tcPr/>
-                    </a:tc>
-                    <a:tc>
-                      <a:txBody>
-                        <a:bodyPr/>
-                        <a:lstStyle/>
-                        <a:p>
-                          <a:pPr algn="ctr"/>
-                          <a:r>
-                            <a:rPr kumimoji="1" lang="en-US" altLang="ja-JP" sz="2800" dirty="0" smtClean="0"/>
-                            <a:t>NP</a:t>
-                          </a:r>
-                          <a:r>
-                            <a:rPr kumimoji="1" lang="ja-JP" altLang="en-US" sz="2800" dirty="0" smtClean="0"/>
-                            <a:t>困難</a:t>
-                          </a:r>
-                          <a:endParaRPr kumimoji="1" lang="en-US" altLang="ja-JP" sz="2800" dirty="0" smtClean="0"/>
-                        </a:p>
-                        <a:p>
-                          <a:pPr algn="ctr"/>
-                          <a:r>
-                            <a:rPr kumimoji="1" lang="en-US" altLang="ja-JP" sz="2800" dirty="0" smtClean="0"/>
-                            <a:t>[ACJMS10]</a:t>
-                          </a:r>
-                          <a:endParaRPr kumimoji="1" lang="ja-JP" altLang="en-US" sz="2800" dirty="0"/>
-                        </a:p>
-                      </a:txBody>
-                      <a:tcPr/>
-                    </a:tc>
-                  </a:tr>
-                  <a:tr h="370840">
-                    <a:tc>
-                      <a:txBody>
-                        <a:bodyPr/>
-                        <a:lstStyle/>
-                        <a:p>
-                          <a:pPr algn="ctr"/>
-                          <a14:m>
-                            <m:oMathPara xmlns:m="http://schemas.openxmlformats.org/officeDocument/2006/math">
-                              <m:oMathParaPr>
-                                <m:jc m:val="centerGroup"/>
-                              </m:oMathParaPr>
-                              <m:oMath xmlns:m="http://schemas.openxmlformats.org/officeDocument/2006/math">
-                                <m:r>
-                                  <a:rPr kumimoji="1" lang="en-US" altLang="ja-JP" sz="2800" b="0" i="1" smtClean="0">
-                                    <a:latin typeface="Cambria Math" panose="02040503050406030204" pitchFamily="18" charset="0"/>
-                                  </a:rPr>
-                                  <m:t>3</m:t>
-                                </m:r>
-                                <m:r>
-                                  <a:rPr kumimoji="1" lang="en-US" altLang="ja-JP" sz="2800" b="0" i="1" smtClean="0">
-                                    <a:latin typeface="Cambria Math" panose="02040503050406030204" pitchFamily="18" charset="0"/>
-                                    <a:ea typeface="Cambria Math" panose="02040503050406030204" pitchFamily="18" charset="0"/>
-                                  </a:rPr>
-                                  <m:t>×</m:t>
-                                </m:r>
-                                <m:r>
-                                  <a:rPr kumimoji="1" lang="en-US" altLang="ja-JP" sz="2800" b="0" i="1" smtClean="0">
-                                    <a:latin typeface="Cambria Math" panose="02040503050406030204" pitchFamily="18" charset="0"/>
-                                    <a:ea typeface="Cambria Math" panose="02040503050406030204" pitchFamily="18" charset="0"/>
-                                  </a:rPr>
-                                  <m:t>𝑛</m:t>
-                                </m:r>
-                              </m:oMath>
-                            </m:oMathPara>
-                          </a14:m>
-                          <a:endParaRPr kumimoji="1" lang="ja-JP" altLang="en-US" sz="2800" dirty="0"/>
-                        </a:p>
-                      </a:txBody>
-                      <a:tcPr/>
-                    </a:tc>
-                    <a:tc>
-                      <a:txBody>
-                        <a:bodyPr/>
-                        <a:lstStyle/>
-                        <a:p>
-                          <a:pPr algn="ctr"/>
-                          <a:r>
-                            <a:rPr kumimoji="1" lang="en-US" altLang="ja-JP" sz="2800" dirty="0" smtClean="0"/>
-                            <a:t>4</a:t>
-                          </a:r>
-                          <a:r>
-                            <a:rPr kumimoji="1" lang="ja-JP" altLang="en-US" sz="2800" dirty="0" smtClean="0"/>
-                            <a:t>色以上</a:t>
-                          </a:r>
-                          <a:endParaRPr kumimoji="1" lang="ja-JP" altLang="en-US" sz="2800" dirty="0"/>
-                        </a:p>
-                      </a:txBody>
-                      <a:tcPr/>
-                    </a:tc>
-                    <a:tc>
-                      <a:txBody>
-                        <a:bodyPr/>
-                        <a:lstStyle/>
-                        <a:p>
-                          <a:pPr algn="ctr"/>
-                          <a:r>
-                            <a:rPr kumimoji="1" lang="en-US" altLang="ja-JP" sz="2800" dirty="0" smtClean="0"/>
-                            <a:t>NP</a:t>
-                          </a:r>
-                          <a:r>
-                            <a:rPr kumimoji="1" lang="ja-JP" altLang="en-US" sz="2800" dirty="0" smtClean="0"/>
-                            <a:t>困難</a:t>
-                          </a:r>
-                          <a:endParaRPr kumimoji="1" lang="en-US" altLang="ja-JP" sz="2800" dirty="0" smtClean="0"/>
-                        </a:p>
-                        <a:p>
-                          <a:pPr algn="ctr"/>
-                          <a:r>
-                            <a:rPr kumimoji="1" lang="en-US" altLang="ja-JP" sz="2800" dirty="0" smtClean="0"/>
-                            <a:t>[MS12]</a:t>
-                          </a:r>
-                          <a:endParaRPr kumimoji="1" lang="ja-JP" altLang="en-US" sz="2800" dirty="0"/>
-                        </a:p>
-                      </a:txBody>
-                      <a:tcPr/>
-                    </a:tc>
-                  </a:tr>
-                  <a:tr h="370840">
-                    <a:tc>
-                      <a:txBody>
-                        <a:bodyPr/>
-                        <a:lstStyle/>
-                        <a:p>
-                          <a:pPr algn="ctr"/>
-                          <a14:m>
-                            <m:oMathPara xmlns:m="http://schemas.openxmlformats.org/officeDocument/2006/math">
-                              <m:oMathParaPr>
-                                <m:jc m:val="centerGroup"/>
-                              </m:oMathParaPr>
-                              <m:oMath xmlns:m="http://schemas.openxmlformats.org/officeDocument/2006/math">
-                                <m:r>
-                                  <a:rPr kumimoji="1" lang="en-US" altLang="ja-JP" sz="2800" b="0" i="1" smtClean="0">
-                                    <a:latin typeface="Cambria Math" panose="02040503050406030204" pitchFamily="18" charset="0"/>
-                                  </a:rPr>
-                                  <m:t>2</m:t>
-                                </m:r>
-                                <m:r>
-                                  <a:rPr kumimoji="1" lang="en-US" altLang="ja-JP" sz="2800" b="0" i="1" smtClean="0">
-                                    <a:latin typeface="Cambria Math" panose="02040503050406030204" pitchFamily="18" charset="0"/>
-                                    <a:ea typeface="Cambria Math" panose="02040503050406030204" pitchFamily="18" charset="0"/>
-                                  </a:rPr>
-                                  <m:t>×</m:t>
-                                </m:r>
-                                <m:r>
-                                  <a:rPr kumimoji="1" lang="en-US" altLang="ja-JP" sz="2800" b="0" i="1" smtClean="0">
-                                    <a:latin typeface="Cambria Math" panose="02040503050406030204" pitchFamily="18" charset="0"/>
-                                    <a:ea typeface="Cambria Math" panose="02040503050406030204" pitchFamily="18" charset="0"/>
-                                  </a:rPr>
-                                  <m:t>𝑛</m:t>
-                                </m:r>
-                              </m:oMath>
-                            </m:oMathPara>
-                          </a14:m>
-                          <a:endParaRPr kumimoji="1" lang="ja-JP" altLang="en-US" sz="2800" dirty="0"/>
-                        </a:p>
-                      </a:txBody>
-                      <a:tcPr/>
-                    </a:tc>
-                    <a:tc>
-                      <a:txBody>
-                        <a:bodyPr/>
-                        <a:lstStyle/>
-                        <a:p>
-                          <a:pPr algn="ctr"/>
-                          <a:r>
-                            <a:rPr kumimoji="1" lang="ja-JP" altLang="en-US" sz="2800" dirty="0" smtClean="0"/>
-                            <a:t>制限なし</a:t>
-                          </a:r>
-                          <a:endParaRPr kumimoji="1" lang="ja-JP" altLang="en-US" sz="2800" dirty="0"/>
-                        </a:p>
-                      </a:txBody>
-                      <a:tcPr/>
-                    </a:tc>
-                    <a:tc>
-                      <a:txBody>
-                        <a:bodyPr/>
-                        <a:lstStyle/>
-                        <a:p>
-                          <a:pPr algn="ctr"/>
-                          <a:r>
-                            <a:rPr kumimoji="1" lang="ja-JP" altLang="en-US" sz="2800" dirty="0" smtClean="0"/>
-                            <a:t>多項式時間</a:t>
-                          </a:r>
-                          <a:endParaRPr kumimoji="1" lang="en-US" altLang="ja-JP" sz="2800" dirty="0" smtClean="0"/>
-                        </a:p>
-                        <a:p>
-                          <a:pPr algn="ctr"/>
-                          <a:r>
-                            <a:rPr kumimoji="1" lang="en-US" altLang="ja-JP" sz="2800" dirty="0" smtClean="0"/>
-                            <a:t>[CJMS12]</a:t>
-                          </a:r>
-                          <a:endParaRPr kumimoji="1" lang="ja-JP" altLang="en-US" sz="2800" dirty="0"/>
-                        </a:p>
-                      </a:txBody>
-                      <a:tcPr/>
-                    </a:tc>
-                  </a:tr>
-                </a:tbl>
-              </a:graphicData>
-            </a:graphic>
-          </p:graphicFrame>
-        </mc:Choice>
-        <mc:Fallback>
-          <p:graphicFrame>
-            <p:nvGraphicFramePr>
-              <p:cNvPr id="5" name="コンテンツ プレースホルダー 4"/>
-              <p:cNvGraphicFramePr>
-                <a:graphicFrameLocks noGrp="1"/>
-              </p:cNvGraphicFramePr>
-              <p:nvPr>
-                <p:ph idx="1"/>
-                <p:extLst>
-                  <p:ext uri="{D42A27DB-BD31-4B8C-83A1-F6EECF244321}">
-                    <p14:modId xmlns:p14="http://schemas.microsoft.com/office/powerpoint/2010/main" val="3178222936"/>
-                  </p:ext>
-                </p:extLst>
-              </p:nvPr>
-            </p:nvGraphicFramePr>
-            <p:xfrm>
-              <a:off x="1129469" y="1668034"/>
-              <a:ext cx="6930780" cy="3291840"/>
-            </p:xfrm>
-            <a:graphic>
-              <a:graphicData uri="http://schemas.openxmlformats.org/drawingml/2006/table">
-                <a:tbl>
-                  <a:tblPr firstRow="1" bandRow="1">
-                    <a:tableStyleId>{5C22544A-7EE6-4342-B048-85BDC9FD1C3A}</a:tableStyleId>
-                  </a:tblPr>
-                  <a:tblGrid>
-                    <a:gridCol w="2310260"/>
-                    <a:gridCol w="2310260"/>
-                    <a:gridCol w="2310260"/>
-                  </a:tblGrid>
-                  <a:tr h="457200">
-                    <a:tc>
-                      <a:txBody>
-                        <a:bodyPr/>
-                        <a:lstStyle/>
-                        <a:p>
-                          <a:pPr algn="ctr"/>
-                          <a:r>
-                            <a:rPr kumimoji="1" lang="ja-JP" altLang="en-US" sz="2400" dirty="0" smtClean="0"/>
-                            <a:t>グリッドの大きさ</a:t>
-                          </a:r>
-                          <a:endParaRPr kumimoji="1" lang="ja-JP" altLang="en-US" sz="2400" dirty="0"/>
-                        </a:p>
-                      </a:txBody>
-                      <a:tcPr/>
-                    </a:tc>
-                    <a:tc>
-                      <a:txBody>
-                        <a:bodyPr/>
-                        <a:lstStyle/>
-                        <a:p>
-                          <a:pPr algn="ctr"/>
-                          <a:r>
-                            <a:rPr kumimoji="1" lang="ja-JP" altLang="en-US" sz="2400" dirty="0" smtClean="0"/>
-                            <a:t>色の数</a:t>
-                          </a:r>
-                          <a:endParaRPr kumimoji="1" lang="ja-JP" altLang="en-US" sz="2400" dirty="0"/>
-                        </a:p>
-                      </a:txBody>
-                      <a:tcPr/>
-                    </a:tc>
-                    <a:tc>
-                      <a:txBody>
-                        <a:bodyPr/>
-                        <a:lstStyle/>
-                        <a:p>
-                          <a:pPr algn="ctr"/>
-                          <a:r>
-                            <a:rPr kumimoji="1" lang="ja-JP" altLang="en-US" sz="2400" dirty="0" smtClean="0"/>
-                            <a:t>難しさ</a:t>
-                          </a:r>
-                          <a:endParaRPr kumimoji="1" lang="ja-JP" altLang="en-US" sz="2400" dirty="0"/>
-                        </a:p>
-                      </a:txBody>
-                      <a:tcPr/>
-                    </a:tc>
-                  </a:tr>
-                  <a:tr h="944880">
-                    <a:tc>
-                      <a:txBody>
-                        <a:bodyPr/>
-                        <a:lstStyle/>
-                        <a:p>
-                          <a:endParaRPr lang="ja-JP"/>
-                        </a:p>
-                      </a:txBody>
-                      <a:tcPr>
-                        <a:blipFill rotWithShape="0">
-                          <a:blip r:embed="rId2"/>
-                          <a:stretch>
-                            <a:fillRect l="-264" t="-54839" r="-201319" b="-218710"/>
-                          </a:stretch>
-                        </a:blipFill>
-                      </a:tcPr>
-                    </a:tc>
-                    <a:tc>
-                      <a:txBody>
-                        <a:bodyPr/>
-                        <a:lstStyle/>
-                        <a:p>
-                          <a:pPr algn="ctr"/>
-                          <a:r>
-                            <a:rPr kumimoji="1" lang="en-US" altLang="ja-JP" sz="2800" dirty="0" smtClean="0"/>
-                            <a:t>3</a:t>
-                          </a:r>
-                          <a:r>
-                            <a:rPr kumimoji="1" lang="ja-JP" altLang="en-US" sz="2800" dirty="0" smtClean="0"/>
-                            <a:t>色以上</a:t>
-                          </a:r>
-                          <a:endParaRPr kumimoji="1" lang="ja-JP" altLang="en-US" sz="2800" dirty="0"/>
-                        </a:p>
-                      </a:txBody>
-                      <a:tcPr/>
-                    </a:tc>
-                    <a:tc>
-                      <a:txBody>
-                        <a:bodyPr/>
-                        <a:lstStyle/>
-                        <a:p>
-                          <a:pPr algn="ctr"/>
-                          <a:r>
-                            <a:rPr kumimoji="1" lang="en-US" altLang="ja-JP" sz="2800" dirty="0" smtClean="0"/>
-                            <a:t>NP</a:t>
-                          </a:r>
-                          <a:r>
-                            <a:rPr kumimoji="1" lang="ja-JP" altLang="en-US" sz="2800" dirty="0" smtClean="0"/>
-                            <a:t>困難</a:t>
-                          </a:r>
-                          <a:endParaRPr kumimoji="1" lang="en-US" altLang="ja-JP" sz="2800" dirty="0" smtClean="0"/>
-                        </a:p>
-                        <a:p>
-                          <a:pPr algn="ctr"/>
-                          <a:r>
-                            <a:rPr kumimoji="1" lang="en-US" altLang="ja-JP" sz="2800" dirty="0" smtClean="0"/>
-                            <a:t>[ACJMS10]</a:t>
-                          </a:r>
-                          <a:endParaRPr kumimoji="1" lang="ja-JP" altLang="en-US" sz="2800" dirty="0"/>
-                        </a:p>
-                      </a:txBody>
-                      <a:tcPr/>
-                    </a:tc>
-                  </a:tr>
-                  <a:tr h="944880">
-                    <a:tc>
-                      <a:txBody>
-                        <a:bodyPr/>
-                        <a:lstStyle/>
-                        <a:p>
-                          <a:endParaRPr lang="ja-JP"/>
-                        </a:p>
-                      </a:txBody>
-                      <a:tcPr>
-                        <a:blipFill rotWithShape="0">
-                          <a:blip r:embed="rId2"/>
-                          <a:stretch>
-                            <a:fillRect l="-264" t="-153846" r="-201319" b="-117308"/>
-                          </a:stretch>
-                        </a:blipFill>
-                      </a:tcPr>
-                    </a:tc>
-                    <a:tc>
-                      <a:txBody>
-                        <a:bodyPr/>
-                        <a:lstStyle/>
-                        <a:p>
-                          <a:pPr algn="ctr"/>
-                          <a:r>
-                            <a:rPr kumimoji="1" lang="en-US" altLang="ja-JP" sz="2800" dirty="0" smtClean="0"/>
-                            <a:t>4</a:t>
-                          </a:r>
-                          <a:r>
-                            <a:rPr kumimoji="1" lang="ja-JP" altLang="en-US" sz="2800" dirty="0" smtClean="0"/>
-                            <a:t>色以上</a:t>
-                          </a:r>
-                          <a:endParaRPr kumimoji="1" lang="ja-JP" altLang="en-US" sz="2800" dirty="0"/>
-                        </a:p>
-                      </a:txBody>
-                      <a:tcPr/>
-                    </a:tc>
-                    <a:tc>
-                      <a:txBody>
-                        <a:bodyPr/>
-                        <a:lstStyle/>
-                        <a:p>
-                          <a:pPr algn="ctr"/>
-                          <a:r>
-                            <a:rPr kumimoji="1" lang="en-US" altLang="ja-JP" sz="2800" dirty="0" smtClean="0"/>
-                            <a:t>NP</a:t>
-                          </a:r>
-                          <a:r>
-                            <a:rPr kumimoji="1" lang="ja-JP" altLang="en-US" sz="2800" dirty="0" smtClean="0"/>
-                            <a:t>困難</a:t>
-                          </a:r>
-                          <a:endParaRPr kumimoji="1" lang="en-US" altLang="ja-JP" sz="2800" dirty="0" smtClean="0"/>
-                        </a:p>
-                        <a:p>
-                          <a:pPr algn="ctr"/>
-                          <a:r>
-                            <a:rPr kumimoji="1" lang="en-US" altLang="ja-JP" sz="2800" dirty="0" smtClean="0"/>
-                            <a:t>[MS12]</a:t>
-                          </a:r>
-                          <a:endParaRPr kumimoji="1" lang="ja-JP" altLang="en-US" sz="2800" dirty="0"/>
-                        </a:p>
-                      </a:txBody>
-                      <a:tcPr/>
-                    </a:tc>
-                  </a:tr>
-                  <a:tr h="944880">
-                    <a:tc>
-                      <a:txBody>
-                        <a:bodyPr/>
-                        <a:lstStyle/>
-                        <a:p>
-                          <a:endParaRPr lang="ja-JP"/>
-                        </a:p>
-                      </a:txBody>
-                      <a:tcPr>
-                        <a:blipFill rotWithShape="0">
-                          <a:blip r:embed="rId2"/>
-                          <a:stretch>
-                            <a:fillRect l="-264" t="-255484" r="-201319" b="-18065"/>
-                          </a:stretch>
-                        </a:blipFill>
-                      </a:tcPr>
-                    </a:tc>
-                    <a:tc>
-                      <a:txBody>
-                        <a:bodyPr/>
-                        <a:lstStyle/>
-                        <a:p>
-                          <a:pPr algn="ctr"/>
-                          <a:r>
-                            <a:rPr kumimoji="1" lang="ja-JP" altLang="en-US" sz="2800" dirty="0" smtClean="0"/>
-                            <a:t>制限なし</a:t>
-                          </a:r>
-                          <a:endParaRPr kumimoji="1" lang="ja-JP" altLang="en-US" sz="2800" dirty="0"/>
-                        </a:p>
-                      </a:txBody>
-                      <a:tcPr/>
-                    </a:tc>
-                    <a:tc>
-                      <a:txBody>
-                        <a:bodyPr/>
-                        <a:lstStyle/>
-                        <a:p>
-                          <a:pPr algn="ctr"/>
-                          <a:r>
-                            <a:rPr kumimoji="1" lang="ja-JP" altLang="en-US" sz="2800" dirty="0" smtClean="0"/>
-                            <a:t>多項式時間</a:t>
-                          </a:r>
-                          <a:endParaRPr kumimoji="1" lang="en-US" altLang="ja-JP" sz="2800" dirty="0" smtClean="0"/>
-                        </a:p>
-                        <a:p>
-                          <a:pPr algn="ctr"/>
-                          <a:r>
-                            <a:rPr kumimoji="1" lang="en-US" altLang="ja-JP" sz="2800" dirty="0" smtClean="0"/>
-                            <a:t>[CJMS12]</a:t>
-                          </a:r>
-                          <a:endParaRPr kumimoji="1" lang="ja-JP" altLang="en-US" sz="2800" dirty="0"/>
-                        </a:p>
-                      </a:txBody>
-                      <a:tcPr/>
-                    </a:tc>
-                  </a:tr>
-                </a:tbl>
-              </a:graphicData>
-            </a:graphic>
-          </p:graphicFrame>
-        </mc:Fallback>
-      </mc:AlternateContent>
-      <p:sp>
-        <p:nvSpPr>
-          <p:cNvPr id="4" name="スライド番号プレースホルダー 3"/>
-          <p:cNvSpPr>
-            <a:spLocks noGrp="1"/>
-          </p:cNvSpPr>
-          <p:nvPr>
-            <p:ph type="sldNum" sz="quarter" idx="4"/>
-          </p:nvPr>
-        </p:nvSpPr>
-        <p:spPr/>
-        <p:txBody>
-          <a:bodyPr/>
-          <a:lstStyle/>
-          <a:p>
-            <a:fld id="{06866E33-5310-403C-85EB-90D9101399C4}" type="slidenum">
-              <a:rPr lang="ja-JP" altLang="en-US" smtClean="0"/>
-              <a:pPr/>
-              <a:t>4</a:t>
-            </a:fld>
-            <a:endParaRPr lang="ja-JP" altLang="en-US" dirty="0"/>
-          </a:p>
-        </p:txBody>
-      </p:sp>
-      <p:sp>
-        <p:nvSpPr>
-          <p:cNvPr id="6" name="コンテンツ プレースホルダー 2"/>
-          <p:cNvSpPr txBox="1">
-            <a:spLocks/>
-          </p:cNvSpPr>
-          <p:nvPr/>
-        </p:nvSpPr>
-        <p:spPr>
-          <a:xfrm>
-            <a:off x="822959" y="758815"/>
-            <a:ext cx="7543801" cy="5110279"/>
-          </a:xfrm>
-          <a:prstGeom prst="rect">
-            <a:avLst/>
-          </a:prstGeom>
-        </p:spPr>
-        <p:txBody>
-          <a:bodyPr vert="horz" lIns="0" tIns="45720" rIns="0" bIns="45720" rtlCol="0">
-            <a:normAutofit/>
-          </a:bodyPr>
-          <a:lstStyle>
-            <a:lvl1pPr marL="0" indent="0" algn="l" defTabSz="914400" rtl="0" eaLnBrk="1" latinLnBrk="0" hangingPunct="1">
-              <a:lnSpc>
-                <a:spcPct val="90000"/>
-              </a:lnSpc>
-              <a:spcBef>
-                <a:spcPts val="1000"/>
-              </a:spcBef>
-              <a:buFont typeface="Arial" panose="020B0604020202020204" pitchFamily="34" charset="0"/>
-              <a:buNone/>
-              <a:defRPr kumimoji="1" sz="2800" kern="1200">
-                <a:solidFill>
-                  <a:schemeClr val="tx1"/>
-                </a:solidFill>
-                <a:latin typeface="+mn-lt"/>
-                <a:ea typeface="+mn-ea"/>
-                <a:cs typeface="+mn-cs"/>
-              </a:defRPr>
-            </a:lvl1pPr>
-            <a:lvl2pPr marL="457200" indent="0" algn="l" defTabSz="914400" rtl="0" eaLnBrk="1" latinLnBrk="0" hangingPunct="1">
-              <a:lnSpc>
-                <a:spcPct val="90000"/>
-              </a:lnSpc>
-              <a:spcBef>
-                <a:spcPts val="500"/>
-              </a:spcBef>
-              <a:buFont typeface="Arial" panose="020B0604020202020204" pitchFamily="34" charset="0"/>
-              <a:buNone/>
-              <a:defRPr kumimoji="1" sz="2400" kern="1200">
-                <a:solidFill>
-                  <a:schemeClr val="tx1"/>
-                </a:solidFill>
-                <a:latin typeface="+mn-lt"/>
-                <a:ea typeface="+mn-ea"/>
-                <a:cs typeface="+mn-cs"/>
-              </a:defRPr>
-            </a:lvl2pPr>
-            <a:lvl3pPr marL="914400" indent="0" algn="l" defTabSz="914400" rtl="0" eaLnBrk="1" latinLnBrk="0" hangingPunct="1">
-              <a:lnSpc>
-                <a:spcPct val="90000"/>
-              </a:lnSpc>
-              <a:spcBef>
-                <a:spcPts val="500"/>
-              </a:spcBef>
-              <a:buFont typeface="Arial" panose="020B0604020202020204" pitchFamily="34" charset="0"/>
-              <a:buNone/>
-              <a:defRPr kumimoji="1" sz="2000" kern="1200">
-                <a:solidFill>
-                  <a:schemeClr val="tx1"/>
-                </a:solidFill>
-                <a:latin typeface="+mn-lt"/>
-                <a:ea typeface="+mn-ea"/>
-                <a:cs typeface="+mn-cs"/>
-              </a:defRPr>
-            </a:lvl3pPr>
-            <a:lvl4pPr marL="1371600" indent="0" algn="l" defTabSz="914400" rtl="0" eaLnBrk="1" latinLnBrk="0" hangingPunct="1">
-              <a:lnSpc>
-                <a:spcPct val="90000"/>
-              </a:lnSpc>
-              <a:spcBef>
-                <a:spcPts val="500"/>
-              </a:spcBef>
-              <a:buFont typeface="Arial" panose="020B0604020202020204" pitchFamily="34" charset="0"/>
-              <a:buNone/>
-              <a:defRPr kumimoji="1" sz="1800" kern="1200">
-                <a:solidFill>
-                  <a:schemeClr val="tx1"/>
-                </a:solidFill>
-                <a:latin typeface="+mn-lt"/>
-                <a:ea typeface="+mn-ea"/>
-                <a:cs typeface="+mn-cs"/>
-              </a:defRPr>
-            </a:lvl4pPr>
-            <a:lvl5pPr marL="1828800" indent="0" algn="l" defTabSz="914400" rtl="0" eaLnBrk="1" latinLnBrk="0" hangingPunct="1">
-              <a:lnSpc>
-                <a:spcPct val="90000"/>
-              </a:lnSpc>
-              <a:spcBef>
-                <a:spcPts val="500"/>
-              </a:spcBef>
-              <a:buFont typeface="Arial" panose="020B0604020202020204" pitchFamily="34" charset="0"/>
-              <a:buNone/>
-              <a:defRPr kumimoji="1" sz="1800" kern="1200">
-                <a:solidFill>
-                  <a:schemeClr val="tx1"/>
-                </a:solidFill>
-                <a:latin typeface="+mn-lt"/>
-                <a:ea typeface="+mn-ea"/>
-                <a:cs typeface="+mn-cs"/>
-              </a:defRPr>
-            </a:lvl5pPr>
-            <a:lvl6pPr marL="2514600" indent="-228600" algn="l" defTabSz="914400" rtl="0" eaLnBrk="1" latinLnBrk="0" hangingPunct="1">
-              <a:lnSpc>
-                <a:spcPct val="90000"/>
-              </a:lnSpc>
-              <a:spcBef>
-                <a:spcPts val="500"/>
-              </a:spcBef>
-              <a:buFont typeface="Arial" panose="020B0604020202020204" pitchFamily="34" charset="0"/>
-              <a:buChar char="•"/>
-              <a:defRPr kumimoji="1" sz="1800" kern="1200">
-                <a:solidFill>
-                  <a:schemeClr val="tx1"/>
-                </a:solidFill>
-                <a:latin typeface="+mn-lt"/>
-                <a:ea typeface="+mn-ea"/>
-                <a:cs typeface="+mn-cs"/>
-              </a:defRPr>
-            </a:lvl6pPr>
-            <a:lvl7pPr marL="2971800" indent="-228600" algn="l" defTabSz="914400" rtl="0" eaLnBrk="1" latinLnBrk="0" hangingPunct="1">
-              <a:lnSpc>
-                <a:spcPct val="90000"/>
-              </a:lnSpc>
-              <a:spcBef>
-                <a:spcPts val="500"/>
-              </a:spcBef>
-              <a:buFont typeface="Arial" panose="020B0604020202020204" pitchFamily="34" charset="0"/>
-              <a:buChar char="•"/>
-              <a:defRPr kumimoji="1" sz="1800" kern="1200">
-                <a:solidFill>
-                  <a:schemeClr val="tx1"/>
-                </a:solidFill>
-                <a:latin typeface="+mn-lt"/>
-                <a:ea typeface="+mn-ea"/>
-                <a:cs typeface="+mn-cs"/>
-              </a:defRPr>
-            </a:lvl7pPr>
-            <a:lvl8pPr marL="3429000" indent="-228600" algn="l" defTabSz="914400" rtl="0" eaLnBrk="1" latinLnBrk="0" hangingPunct="1">
-              <a:lnSpc>
-                <a:spcPct val="90000"/>
-              </a:lnSpc>
-              <a:spcBef>
-                <a:spcPts val="500"/>
-              </a:spcBef>
-              <a:buFont typeface="Arial" panose="020B0604020202020204" pitchFamily="34" charset="0"/>
-              <a:buChar char="•"/>
-              <a:defRPr kumimoji="1" sz="1800" kern="1200">
-                <a:solidFill>
-                  <a:schemeClr val="tx1"/>
-                </a:solidFill>
-                <a:latin typeface="+mn-lt"/>
-                <a:ea typeface="+mn-ea"/>
-                <a:cs typeface="+mn-cs"/>
-              </a:defRPr>
-            </a:lvl8pPr>
-            <a:lvl9pPr marL="3886200" indent="-228600" algn="l" defTabSz="914400" rtl="0" eaLnBrk="1" latinLnBrk="0" hangingPunct="1">
-              <a:lnSpc>
-                <a:spcPct val="90000"/>
-              </a:lnSpc>
-              <a:spcBef>
-                <a:spcPts val="500"/>
-              </a:spcBef>
-              <a:buFont typeface="Arial" panose="020B0604020202020204" pitchFamily="34" charset="0"/>
-              <a:buChar char="•"/>
-              <a:defRPr kumimoji="1" sz="1800" kern="1200">
-                <a:solidFill>
-                  <a:schemeClr val="tx1"/>
-                </a:solidFill>
-                <a:latin typeface="+mn-lt"/>
-                <a:ea typeface="+mn-ea"/>
-                <a:cs typeface="+mn-cs"/>
-              </a:defRPr>
-            </a:lvl9pPr>
-          </a:lstStyle>
-          <a:p>
-            <a:r>
-              <a:rPr lang="en-US" altLang="ja-JP" dirty="0" smtClean="0"/>
-              <a:t>Flood-It</a:t>
-            </a:r>
-            <a:r>
-              <a:rPr lang="ja-JP" altLang="en-US" dirty="0" smtClean="0"/>
-              <a:t>の</a:t>
-            </a:r>
-            <a:r>
-              <a:rPr lang="ja-JP" altLang="en-US" dirty="0"/>
-              <a:t>最短</a:t>
-            </a:r>
-            <a:r>
-              <a:rPr lang="ja-JP" altLang="en-US" dirty="0" smtClean="0"/>
-              <a:t>の操作列を求める問題</a:t>
-            </a:r>
-            <a:r>
-              <a:rPr lang="ja-JP" altLang="en-US" dirty="0" smtClean="0"/>
-              <a:t>に</a:t>
-            </a:r>
-            <a:r>
-              <a:rPr lang="ja-JP" altLang="en-US" dirty="0" smtClean="0"/>
-              <a:t>おいては，以下</a:t>
-            </a:r>
-            <a:r>
-              <a:rPr lang="ja-JP" altLang="en-US" dirty="0" smtClean="0"/>
-              <a:t>の困難性</a:t>
-            </a:r>
-            <a:r>
-              <a:rPr lang="ja-JP" altLang="en-US" dirty="0" smtClean="0"/>
-              <a:t>が知られている．</a:t>
-            </a:r>
-            <a:endParaRPr lang="en-US" altLang="ja-JP" dirty="0" smtClean="0"/>
-          </a:p>
-        </p:txBody>
-      </p:sp>
-    </p:spTree>
-    <p:extLst>
-      <p:ext uri="{BB962C8B-B14F-4D97-AF65-F5344CB8AC3E}">
-        <p14:creationId xmlns:p14="http://schemas.microsoft.com/office/powerpoint/2010/main" val="3967377496"/>
-      </p:ext>
-    </p:extLst>
-  </p:cSld>
-  <p:clrMapOvr>
-    <a:masterClrMapping/>
-  </p:clrMapOvr>
-  <p:timing>
-    <p:tnLst>
-      <p:par>
-        <p:cTn id="1" dur="indefinite" restart="never" nodeType="tmRoot"/>
-      </p:par>
-    </p:tnLst>
-  </p:timing>
-</p:sld>
-</file>
-
-<file path=ppt/slides/slide5.xml><?xml version="1.0" encoding="utf-8"?>
-<p:sld xmlns:a="http://schemas.openxmlformats.org/drawingml/2006/main" xmlns:r="http://schemas.openxmlformats.org/officeDocument/2006/relationships" xmlns:p="http://schemas.openxmlformats.org/presentationml/2006/main">
-  <p:cSld>
-    <p:spTree>
-      <p:nvGrpSpPr>
-        <p:cNvPr id="1" name=""/>
-        <p:cNvGrpSpPr/>
-        <p:nvPr/>
-      </p:nvGrpSpPr>
-      <p:grpSpPr>
-        <a:xfrm>
-          <a:off x="0" y="0"/>
-          <a:ext cx="0" cy="0"/>
-          <a:chOff x="0" y="0"/>
-          <a:chExt cx="0" cy="0"/>
-        </a:xfrm>
-      </p:grpSpPr>
-      <p:sp>
-        <p:nvSpPr>
-          <p:cNvPr id="2" name="タイトル 1"/>
-          <p:cNvSpPr>
-            <a:spLocks noGrp="1"/>
-          </p:cNvSpPr>
-          <p:nvPr>
-            <p:ph type="title"/>
-          </p:nvPr>
-        </p:nvSpPr>
-        <p:spPr/>
-        <p:txBody>
-          <a:bodyPr/>
-          <a:lstStyle/>
-          <a:p>
-            <a:r>
-              <a:rPr lang="ja-JP" altLang="en-US" dirty="0" smtClean="0"/>
-              <a:t>今回扱うゲーム</a:t>
-            </a:r>
-            <a:endParaRPr kumimoji="1" lang="ja-JP" altLang="en-US" dirty="0"/>
-          </a:p>
-        </p:txBody>
-      </p:sp>
-      <p:sp>
-        <p:nvSpPr>
-          <p:cNvPr id="3" name="コンテンツ プレースホルダー 2"/>
-          <p:cNvSpPr>
-            <a:spLocks noGrp="1"/>
-          </p:cNvSpPr>
-          <p:nvPr>
-            <p:ph idx="1"/>
-          </p:nvPr>
-        </p:nvSpPr>
-        <p:spPr>
-          <a:xfrm>
-            <a:off x="822959" y="758815"/>
-            <a:ext cx="7543801" cy="2098685"/>
-          </a:xfrm>
-        </p:spPr>
-        <p:txBody>
-          <a:bodyPr/>
-          <a:lstStyle/>
-          <a:p>
-            <a:r>
-              <a:rPr lang="en-US" altLang="ja-JP" dirty="0" smtClean="0"/>
-              <a:t>Flood-It</a:t>
-            </a:r>
-            <a:r>
-              <a:rPr lang="ja-JP" altLang="en-US" dirty="0" smtClean="0"/>
-              <a:t>を</a:t>
-            </a:r>
-            <a:r>
-              <a:rPr lang="ja-JP" altLang="en-US" dirty="0" smtClean="0"/>
-              <a:t>二人用対戦ゲーム</a:t>
-            </a:r>
-            <a:r>
-              <a:rPr lang="ja-JP" altLang="en-US" dirty="0" smtClean="0"/>
-              <a:t>にしたもの</a:t>
-            </a:r>
-            <a:endParaRPr lang="en-US" altLang="ja-JP" dirty="0" smtClean="0"/>
-          </a:p>
-          <a:p>
-            <a:r>
-              <a:rPr lang="ja-JP" altLang="en-US" dirty="0"/>
-              <a:t>目的</a:t>
-            </a:r>
-            <a:r>
-              <a:rPr lang="ja-JP" altLang="en-US" dirty="0" smtClean="0"/>
-              <a:t>：交互に自分の</a:t>
-            </a:r>
-            <a:r>
-              <a:rPr lang="ja-JP" altLang="en-US" dirty="0"/>
-              <a:t>マスの色を</a:t>
-            </a:r>
-            <a:r>
-              <a:rPr lang="ja-JP" altLang="en-US" dirty="0" smtClean="0"/>
-              <a:t>変えて</a:t>
-            </a:r>
-            <a:r>
-              <a:rPr lang="ja-JP" altLang="en-US" dirty="0" smtClean="0"/>
-              <a:t>いくことで</a:t>
-            </a:r>
-            <a:endParaRPr lang="en-US" altLang="ja-JP" dirty="0" smtClean="0"/>
-          </a:p>
-          <a:p>
-            <a:r>
-              <a:rPr lang="ja-JP" altLang="en-US" dirty="0" smtClean="0"/>
-              <a:t>          自分の色の範囲</a:t>
-            </a:r>
-            <a:r>
-              <a:rPr lang="en-US" altLang="ja-JP" dirty="0" smtClean="0"/>
-              <a:t>(</a:t>
-            </a:r>
-            <a:r>
-              <a:rPr lang="ja-JP" altLang="en-US" dirty="0" smtClean="0"/>
-              <a:t>陣地</a:t>
-            </a:r>
-            <a:r>
-              <a:rPr lang="en-US" altLang="ja-JP" dirty="0" smtClean="0"/>
-              <a:t>)</a:t>
-            </a:r>
-            <a:r>
-              <a:rPr lang="ja-JP" altLang="en-US" dirty="0" smtClean="0"/>
-              <a:t>を拡大し，</a:t>
-            </a:r>
-            <a:r>
-              <a:rPr lang="ja-JP" altLang="en-US" dirty="0" smtClean="0"/>
-              <a:t>陣地</a:t>
-            </a:r>
-            <a:r>
-              <a:rPr kumimoji="1" lang="ja-JP" altLang="en-US" dirty="0" smtClean="0"/>
-              <a:t>を相</a:t>
-            </a:r>
-            <a:endParaRPr kumimoji="1" lang="en-US" altLang="ja-JP" dirty="0" smtClean="0"/>
-          </a:p>
-          <a:p>
-            <a:r>
-              <a:rPr lang="en-US" altLang="ja-JP" dirty="0"/>
-              <a:t> </a:t>
-            </a:r>
-            <a:r>
-              <a:rPr lang="en-US" altLang="ja-JP" dirty="0" smtClean="0"/>
-              <a:t>        </a:t>
-            </a:r>
-            <a:r>
-              <a:rPr kumimoji="1" lang="ja-JP" altLang="en-US" dirty="0" smtClean="0"/>
-              <a:t> 手</a:t>
-            </a:r>
-            <a:r>
-              <a:rPr kumimoji="1" lang="ja-JP" altLang="en-US" dirty="0" smtClean="0"/>
-              <a:t>より広くする．</a:t>
-            </a:r>
-            <a:endParaRPr kumimoji="1" lang="ja-JP" altLang="en-US" dirty="0"/>
-          </a:p>
-        </p:txBody>
-      </p:sp>
-      <p:sp>
-        <p:nvSpPr>
-          <p:cNvPr id="4" name="スライド番号プレースホルダー 3"/>
-          <p:cNvSpPr>
-            <a:spLocks noGrp="1"/>
-          </p:cNvSpPr>
-          <p:nvPr>
-            <p:ph type="sldNum" sz="quarter" idx="4"/>
-          </p:nvPr>
-        </p:nvSpPr>
-        <p:spPr/>
-        <p:txBody>
-          <a:bodyPr/>
-          <a:lstStyle/>
-          <a:p>
-            <a:fld id="{06866E33-5310-403C-85EB-90D9101399C4}" type="slidenum">
-              <a:rPr lang="ja-JP" altLang="en-US" smtClean="0"/>
-              <a:pPr/>
-              <a:t>5</a:t>
-            </a:fld>
-            <a:endParaRPr lang="ja-JP" altLang="en-US" dirty="0"/>
-          </a:p>
-        </p:txBody>
-      </p:sp>
-      <p:sp>
-        <p:nvSpPr>
-          <p:cNvPr id="5" name="正方形/長方形 4"/>
-          <p:cNvSpPr/>
-          <p:nvPr/>
-        </p:nvSpPr>
-        <p:spPr>
-          <a:xfrm>
-            <a:off x="1099457" y="3099513"/>
-            <a:ext cx="3340359" cy="3209730"/>
-          </a:xfrm>
-          <a:prstGeom prst="rect">
-            <a:avLst/>
-          </a:prstGeom>
-        </p:spPr>
-        <p:style>
-          <a:lnRef idx="2">
-            <a:schemeClr val="accent1">
-              <a:shade val="50000"/>
-            </a:schemeClr>
-          </a:lnRef>
-          <a:fillRef idx="1">
-            <a:schemeClr val="accent1"/>
-          </a:fillRef>
-          <a:effectRef idx="0">
-            <a:schemeClr val="accent1"/>
-          </a:effectRef>
-          <a:fontRef idx="minor">
-            <a:schemeClr val="lt1"/>
-          </a:fontRef>
-        </p:style>
-        <p:txBody>
-          <a:bodyPr rtlCol="0" anchor="ctr"/>
-          <a:lstStyle/>
-          <a:p>
-            <a:pPr algn="ctr"/>
-            <a:r>
-              <a:rPr kumimoji="1" lang="ja-JP" altLang="en-US" dirty="0" smtClean="0"/>
-              <a:t>図とアニメーション</a:t>
-            </a:r>
-            <a:endParaRPr kumimoji="1" lang="ja-JP" altLang="en-US" dirty="0"/>
-          </a:p>
-        </p:txBody>
-      </p:sp>
-    </p:spTree>
-    <p:extLst>
-      <p:ext uri="{BB962C8B-B14F-4D97-AF65-F5344CB8AC3E}">
-        <p14:creationId xmlns:p14="http://schemas.microsoft.com/office/powerpoint/2010/main" val="1433285079"/>
-      </p:ext>
-    </p:extLst>
-  </p:cSld>
-  <p:clrMapOvr>
-    <a:masterClrMapping/>
-  </p:clrMapOvr>
-  <p:timing>
-    <p:tnLst>
-      <p:par>
-        <p:cTn id="1" dur="indefinite" restart="never" nodeType="tmRoot"/>
-      </p:par>
-    </p:tnLst>
-  </p:timing>
-</p:sld>
-</file>
-
-<file path=ppt/slides/slide6.xml><?xml version="1.0" encoding="utf-8"?>
-<p:sld xmlns:a="http://schemas.openxmlformats.org/drawingml/2006/main" xmlns:r="http://schemas.openxmlformats.org/officeDocument/2006/relationships" xmlns:p="http://schemas.openxmlformats.org/presentationml/2006/main">
-  <p:cSld>
-    <p:spTree>
-      <p:nvGrpSpPr>
-        <p:cNvPr id="1" name=""/>
-        <p:cNvGrpSpPr/>
-        <p:nvPr/>
-      </p:nvGrpSpPr>
-      <p:grpSpPr>
-        <a:xfrm>
-          <a:off x="0" y="0"/>
-          <a:ext cx="0" cy="0"/>
-          <a:chOff x="0" y="0"/>
-          <a:chExt cx="0" cy="0"/>
-        </a:xfrm>
-      </p:grpSpPr>
-      <p:sp>
-        <p:nvSpPr>
-          <p:cNvPr id="2" name="タイトル 1"/>
-          <p:cNvSpPr>
-            <a:spLocks noGrp="1"/>
-          </p:cNvSpPr>
-          <p:nvPr>
-            <p:ph type="ctrTitle"/>
-          </p:nvPr>
-        </p:nvSpPr>
-        <p:spPr/>
-        <p:txBody>
-          <a:bodyPr/>
-          <a:lstStyle/>
-          <a:p>
-            <a:r>
-              <a:rPr kumimoji="1" lang="ja-JP" altLang="en-US" dirty="0" smtClean="0"/>
-              <a:t>モンテカルロ法に基づく</a:t>
-            </a:r>
-            <a:r>
-              <a:rPr kumimoji="1" lang="en-US" altLang="ja-JP" dirty="0" smtClean="0"/>
-              <a:t/>
-            </a:r>
-            <a:br>
-              <a:rPr kumimoji="1" lang="en-US" altLang="ja-JP" dirty="0" smtClean="0"/>
-            </a:br>
-            <a:r>
-              <a:rPr lang="en-US" altLang="ja-JP" dirty="0" smtClean="0"/>
-              <a:t>Flood-It</a:t>
-            </a:r>
-            <a:r>
-              <a:rPr lang="ja-JP" altLang="en-US" dirty="0" smtClean="0"/>
-              <a:t>の</a:t>
-            </a:r>
-            <a:r>
-              <a:rPr lang="en-US" altLang="ja-JP" dirty="0" smtClean="0"/>
-              <a:t>AI</a:t>
-            </a:r>
-            <a:r>
-              <a:rPr lang="ja-JP" altLang="en-US" dirty="0" smtClean="0"/>
-              <a:t>に関する</a:t>
-            </a:r>
-            <a:r>
-              <a:rPr lang="en-US" altLang="ja-JP" dirty="0" smtClean="0"/>
-              <a:t/>
-            </a:r>
-            <a:br>
-              <a:rPr lang="en-US" altLang="ja-JP" dirty="0" smtClean="0"/>
-            </a:br>
-            <a:r>
-              <a:rPr lang="ja-JP" altLang="en-US" dirty="0"/>
-              <a:t>研究</a:t>
-            </a:r>
-            <a:endParaRPr kumimoji="1" lang="ja-JP" altLang="en-US" dirty="0"/>
-          </a:p>
-        </p:txBody>
-      </p:sp>
-      <p:sp>
-        <p:nvSpPr>
-          <p:cNvPr id="3" name="サブタイトル 2"/>
-          <p:cNvSpPr>
-            <a:spLocks noGrp="1"/>
-          </p:cNvSpPr>
-          <p:nvPr>
-            <p:ph type="subTitle" idx="1"/>
-          </p:nvPr>
-        </p:nvSpPr>
-        <p:spPr/>
-        <p:txBody>
-          <a:bodyPr/>
-          <a:lstStyle/>
-          <a:p>
-            <a:endParaRPr kumimoji="1" lang="en-US" altLang="ja-JP" dirty="0" smtClean="0"/>
-          </a:p>
-          <a:p>
-            <a:r>
-              <a:rPr kumimoji="1" lang="ja-JP" altLang="en-US" dirty="0" smtClean="0"/>
-              <a:t>周・伊藤研究室　学部４年　小田将也</a:t>
-            </a:r>
-            <a:endParaRPr kumimoji="1" lang="ja-JP" altLang="en-US" dirty="0"/>
-          </a:p>
-        </p:txBody>
-      </p:sp>
-      <p:sp>
-        <p:nvSpPr>
-          <p:cNvPr id="4" name="スライド番号プレースホルダー 3"/>
-          <p:cNvSpPr>
-            <a:spLocks noGrp="1"/>
-          </p:cNvSpPr>
-          <p:nvPr>
-            <p:ph type="sldNum" sz="quarter" idx="12"/>
-          </p:nvPr>
-        </p:nvSpPr>
-        <p:spPr/>
-        <p:txBody>
-          <a:bodyPr/>
-          <a:lstStyle/>
-          <a:p>
-            <a:fld id="{E736F2BC-E947-47BA-BE39-953A2F8183BB}" type="slidenum">
-              <a:rPr kumimoji="1" lang="ja-JP" altLang="en-US" smtClean="0"/>
-              <a:t>6</a:t>
-            </a:fld>
-            <a:endParaRPr kumimoji="1" lang="ja-JP" altLang="en-US"/>
-          </a:p>
-        </p:txBody>
-      </p:sp>
-      <p:sp>
-        <p:nvSpPr>
-          <p:cNvPr id="5" name="正方形/長方形 4"/>
-          <p:cNvSpPr/>
-          <p:nvPr/>
-        </p:nvSpPr>
-        <p:spPr>
-          <a:xfrm>
-            <a:off x="867747" y="1716833"/>
-            <a:ext cx="4814596" cy="167951"/>
-          </a:xfrm>
-          <a:prstGeom prst="rect">
-            <a:avLst/>
-          </a:prstGeom>
-        </p:spPr>
-        <p:style>
-          <a:lnRef idx="1">
-            <a:schemeClr val="accent2"/>
-          </a:lnRef>
-          <a:fillRef idx="3">
-            <a:schemeClr val="accent2"/>
-          </a:fillRef>
-          <a:effectRef idx="2">
-            <a:schemeClr val="accent2"/>
-          </a:effectRef>
-          <a:fontRef idx="minor">
-            <a:schemeClr val="lt1"/>
-          </a:fontRef>
-        </p:style>
-        <p:txBody>
-          <a:bodyPr rtlCol="0" anchor="ctr"/>
-          <a:lstStyle/>
-          <a:p>
-            <a:pPr algn="ctr"/>
-            <a:endParaRPr kumimoji="1" lang="ja-JP" altLang="en-US"/>
-          </a:p>
-        </p:txBody>
-      </p:sp>
-    </p:spTree>
-    <p:extLst>
-      <p:ext uri="{BB962C8B-B14F-4D97-AF65-F5344CB8AC3E}">
-        <p14:creationId xmlns:p14="http://schemas.microsoft.com/office/powerpoint/2010/main" val="1908424015"/>
-      </p:ext>
-    </p:extLst>
-  </p:cSld>
-  <p:clrMapOvr>
-    <a:masterClrMapping/>
-  </p:clrMapOvr>
-  <p:timing>
-    <p:tnLst>
-      <p:par>
-        <p:cTn id="1" dur="indefinite" restart="never" nodeType="tmRoot">
-          <p:childTnLst>
-            <p:seq concurrent="1" nextAc="seek">
-              <p:cTn id="2" dur="indefinite" nodeType="mainSeq">
-                <p:childTnLst>
-                  <p:par>
-                    <p:cTn id="3" fill="hold">
-                      <p:stCondLst>
-                        <p:cond delay="indefinite"/>
-                      </p:stCondLst>
-                      <p:childTnLst>
-                        <p:par>
-                          <p:cTn id="4" fill="hold">
-                            <p:stCondLst>
-                              <p:cond delay="0"/>
-                            </p:stCondLst>
-                            <p:childTnLst>
-                              <p:par>
-                                <p:cTn id="5" presetID="22" presetClass="entr" presetSubtype="8" fill="hold" grpId="0" nodeType="clickEffect">
-                                  <p:stCondLst>
-                                    <p:cond delay="0"/>
-                                  </p:stCondLst>
-                                  <p:childTnLst>
-                                    <p:set>
-                                      <p:cBhvr>
-                                        <p:cTn id="6" dur="1" fill="hold">
-                                          <p:stCondLst>
-                                            <p:cond delay="0"/>
-                                          </p:stCondLst>
-                                        </p:cTn>
-                                        <p:tgtEl>
-                                          <p:spTgt spid="5"/>
-                                        </p:tgtEl>
-                                        <p:attrNameLst>
-                                          <p:attrName>style.visibility</p:attrName>
-                                        </p:attrNameLst>
-                                      </p:cBhvr>
-                                      <p:to>
-                                        <p:strVal val="visible"/>
-                                      </p:to>
-                                    </p:set>
-                                    <p:animEffect transition="in" filter="wipe(left)">
-                                      <p:cBhvr>
-                                        <p:cTn id="7" dur="500"/>
-                                        <p:tgtEl>
-                                          <p:spTgt spid="5"/>
-                                        </p:tgtEl>
-                                      </p:cBhvr>
-                                    </p:animEffect>
-                                  </p:childTnLst>
-                                </p:cTn>
-                              </p:par>
-                            </p:childTnLst>
-                          </p:cTn>
-                        </p:par>
-                      </p:childTnLst>
-                    </p:cTn>
-                  </p:par>
-                </p:childTnLst>
-              </p:cTn>
-              <p:prevCondLst>
-                <p:cond evt="onPrev" delay="0">
-                  <p:tgtEl>
-                    <p:sldTgt/>
-                  </p:tgtEl>
-                </p:cond>
-              </p:prevCondLst>
-              <p:nextCondLst>
-                <p:cond evt="onNext" delay="0">
-                  <p:tgtEl>
-                    <p:sldTgt/>
-                  </p:tgtEl>
-                </p:cond>
-              </p:nextCondLst>
-            </p:seq>
-          </p:childTnLst>
-        </p:cTn>
-      </p:par>
-    </p:tnLst>
-    <p:bldLst>
-      <p:bldP spid="5" grpId="0" animBg="1"/>
-    </p:bldLst>
-  </p:timing>
-</p:sld>
-</file>
-
-<file path=ppt/slides/slide7.xml><?xml version="1.0" encoding="utf-8"?>
+<file path=ppt/slides/slide10.xml><?xml version="1.0" encoding="utf-8"?>
 <p:sld xmlns:a="http://schemas.openxmlformats.org/drawingml/2006/main" xmlns:r="http://schemas.openxmlformats.org/officeDocument/2006/relationships" xmlns:p="http://schemas.openxmlformats.org/presentationml/2006/main">
   <p:cSld>
     <p:spTree>
@@ -6731,11 +4642,7 @@
             </a:r>
             <a:r>
               <a:rPr kumimoji="1" lang="ja-JP" altLang="en-US" dirty="0" smtClean="0"/>
-              <a:t>ゲーム</a:t>
-            </a:r>
-            <a:r>
-              <a:rPr kumimoji="1" lang="ja-JP" altLang="en-US" dirty="0" smtClean="0"/>
-              <a:t>においては</a:t>
+              <a:t>ゲームにおいては</a:t>
             </a:r>
             <a:r>
               <a:rPr kumimoji="1" lang="en-US" altLang="ja-JP" dirty="0" smtClean="0"/>
@@ -6765,7 +4672,7 @@
             <a:fld id="{06866E33-5310-403C-85EB-90D9101399C4}" type="slidenum">
               <a:rPr lang="ja-JP" altLang="en-US" smtClean="0"/>
               <a:pPr/>
-              <a:t>7</a:t>
+              <a:t>10</a:t>
             </a:fld>
             <a:endParaRPr lang="ja-JP" altLang="en-US" dirty="0"/>
           </a:p>
@@ -6787,13 +4694,13 @@
           </a:prstGeom>
         </p:spPr>
         <p:style>
-          <a:lnRef idx="1">
+          <a:lnRef idx="2">
             <a:schemeClr val="accent4"/>
           </a:lnRef>
-          <a:fillRef idx="2">
-            <a:schemeClr val="accent4"/>
+          <a:fillRef idx="1">
+            <a:schemeClr val="lt1"/>
           </a:fillRef>
-          <a:effectRef idx="1">
+          <a:effectRef idx="0">
             <a:schemeClr val="accent4"/>
           </a:effectRef>
           <a:fontRef idx="minor">
@@ -8413,6 +6320,2727 @@
 </p:sld>
 </file>
 
+<file path=ppt/slides/slide11.xml><?xml version="1.0" encoding="utf-8"?>
+<p:sld xmlns:a="http://schemas.openxmlformats.org/drawingml/2006/main" xmlns:r="http://schemas.openxmlformats.org/officeDocument/2006/relationships" xmlns:p="http://schemas.openxmlformats.org/presentationml/2006/main">
+  <p:cSld>
+    <p:spTree>
+      <p:nvGrpSpPr>
+        <p:cNvPr id="1" name=""/>
+        <p:cNvGrpSpPr/>
+        <p:nvPr/>
+      </p:nvGrpSpPr>
+      <p:grpSpPr>
+        <a:xfrm>
+          <a:off x="0" y="0"/>
+          <a:ext cx="0" cy="0"/>
+          <a:chOff x="0" y="0"/>
+          <a:chExt cx="0" cy="0"/>
+        </a:xfrm>
+      </p:grpSpPr>
+      <p:sp>
+        <p:nvSpPr>
+          <p:cNvPr id="2" name="タイトル 1"/>
+          <p:cNvSpPr>
+            <a:spLocks noGrp="1"/>
+          </p:cNvSpPr>
+          <p:nvPr>
+            <p:ph type="title"/>
+          </p:nvPr>
+        </p:nvSpPr>
+        <p:spPr/>
+        <p:txBody>
+          <a:bodyPr/>
+          <a:lstStyle/>
+          <a:p>
+            <a:r>
+              <a:rPr kumimoji="1" lang="ja-JP" altLang="en-US" dirty="0" smtClean="0"/>
+              <a:t>当面の目標</a:t>
+            </a:r>
+            <a:endParaRPr kumimoji="1" lang="ja-JP" altLang="en-US" dirty="0"/>
+          </a:p>
+        </p:txBody>
+      </p:sp>
+      <p:sp>
+        <p:nvSpPr>
+          <p:cNvPr id="3" name="コンテンツ プレースホルダー 2"/>
+          <p:cNvSpPr>
+            <a:spLocks noGrp="1"/>
+          </p:cNvSpPr>
+          <p:nvPr>
+            <p:ph idx="1"/>
+          </p:nvPr>
+        </p:nvSpPr>
+        <p:spPr/>
+        <p:txBody>
+          <a:bodyPr/>
+          <a:lstStyle/>
+          <a:p>
+            <a:pPr marL="457200" indent="-457200">
+              <a:buFont typeface="Arial" panose="020B0604020202020204" pitchFamily="34" charset="0"/>
+              <a:buChar char="•"/>
+            </a:pPr>
+            <a:r>
+              <a:rPr lang="en-US" altLang="ja-JP" dirty="0" smtClean="0"/>
+              <a:t>AI</a:t>
+            </a:r>
+            <a:r>
+              <a:rPr lang="ja-JP" altLang="en-US" dirty="0" smtClean="0"/>
+              <a:t>のプログラム</a:t>
+            </a:r>
+            <a:r>
+              <a:rPr lang="ja-JP" altLang="en-US" dirty="0"/>
+              <a:t>を作る</a:t>
+            </a:r>
+          </a:p>
+          <a:p>
+            <a:pPr marL="457200" indent="-457200">
+              <a:buFont typeface="Arial" panose="020B0604020202020204" pitchFamily="34" charset="0"/>
+              <a:buChar char="•"/>
+            </a:pPr>
+            <a:r>
+              <a:rPr lang="ja-JP" altLang="en-US" dirty="0" smtClean="0"/>
+              <a:t>対戦</a:t>
+            </a:r>
+            <a:r>
+              <a:rPr lang="ja-JP" altLang="en-US" dirty="0"/>
+              <a:t>テスト用プログラムを作る</a:t>
+            </a:r>
+          </a:p>
+          <a:p>
+            <a:pPr marL="457200" indent="-457200">
+              <a:buFont typeface="Arial" panose="020B0604020202020204" pitchFamily="34" charset="0"/>
+              <a:buChar char="•"/>
+            </a:pPr>
+            <a:r>
+              <a:rPr lang="ja-JP" altLang="en-US" dirty="0" smtClean="0"/>
+              <a:t>現在</a:t>
+            </a:r>
+            <a:r>
+              <a:rPr lang="ja-JP" altLang="en-US" dirty="0"/>
+              <a:t>の最強のアルゴリズムと戦わせて勝率を確認する</a:t>
+            </a:r>
+          </a:p>
+          <a:p>
+            <a:pPr marL="457200" indent="-457200">
+              <a:buFont typeface="Arial" panose="020B0604020202020204" pitchFamily="34" charset="0"/>
+              <a:buChar char="•"/>
+            </a:pPr>
+            <a:r>
+              <a:rPr lang="ja-JP" altLang="en-US" dirty="0" smtClean="0"/>
+              <a:t>同じ</a:t>
+            </a:r>
+            <a:r>
+              <a:rPr lang="ja-JP" altLang="en-US" dirty="0"/>
+              <a:t>盤面に対するモンテカルロ法</a:t>
+            </a:r>
+            <a:r>
+              <a:rPr lang="ja-JP" altLang="en-US" dirty="0" smtClean="0"/>
+              <a:t>の</a:t>
+            </a:r>
+            <a:r>
+              <a:rPr lang="en-US" altLang="ja-JP" dirty="0" smtClean="0"/>
+              <a:t>AI</a:t>
+            </a:r>
+            <a:r>
+              <a:rPr lang="ja-JP" altLang="en-US" dirty="0" smtClean="0"/>
+              <a:t>の選択と</a:t>
+            </a:r>
+            <a:r>
+              <a:rPr lang="ja-JP" altLang="en-US" dirty="0"/>
+              <a:t>現在の</a:t>
+            </a:r>
+            <a:r>
+              <a:rPr lang="ja-JP" altLang="en-US" dirty="0" smtClean="0"/>
+              <a:t>最強の</a:t>
+            </a:r>
+            <a:r>
+              <a:rPr lang="en-US" altLang="ja-JP" dirty="0" smtClean="0"/>
+              <a:t>AI</a:t>
+            </a:r>
+            <a:r>
+              <a:rPr lang="ja-JP" altLang="en-US" dirty="0" smtClean="0"/>
+              <a:t>の選択や人間の選択を比較し，モンテカルロ法の選択の特徴を探る</a:t>
+            </a:r>
+            <a:endParaRPr lang="en-US" altLang="ja-JP" dirty="0" smtClean="0"/>
+          </a:p>
+          <a:p>
+            <a:pPr marL="457200" indent="-457200">
+              <a:buFont typeface="Arial" panose="020B0604020202020204" pitchFamily="34" charset="0"/>
+              <a:buChar char="•"/>
+            </a:pPr>
+            <a:r>
+              <a:rPr lang="ja-JP" altLang="en-US" smtClean="0"/>
+              <a:t>モンテカルロ法の改善アルゴリズム</a:t>
+            </a:r>
+            <a:r>
+              <a:rPr lang="ja-JP" altLang="en-US" dirty="0" smtClean="0"/>
+              <a:t>を応用して強くなるか確かめてみる</a:t>
+            </a:r>
+            <a:endParaRPr lang="ja-JP" altLang="en-US" dirty="0"/>
+          </a:p>
+          <a:p>
+            <a:endParaRPr kumimoji="1" lang="en-US" altLang="ja-JP" dirty="0" smtClean="0"/>
+          </a:p>
+        </p:txBody>
+      </p:sp>
+      <p:sp>
+        <p:nvSpPr>
+          <p:cNvPr id="4" name="スライド番号プレースホルダー 3"/>
+          <p:cNvSpPr>
+            <a:spLocks noGrp="1"/>
+          </p:cNvSpPr>
+          <p:nvPr>
+            <p:ph type="sldNum" sz="quarter" idx="4"/>
+          </p:nvPr>
+        </p:nvSpPr>
+        <p:spPr/>
+        <p:txBody>
+          <a:bodyPr/>
+          <a:lstStyle/>
+          <a:p>
+            <a:fld id="{06866E33-5310-403C-85EB-90D9101399C4}" type="slidenum">
+              <a:rPr lang="ja-JP" altLang="en-US" smtClean="0"/>
+              <a:pPr/>
+              <a:t>11</a:t>
+            </a:fld>
+            <a:endParaRPr lang="ja-JP" altLang="en-US" dirty="0"/>
+          </a:p>
+        </p:txBody>
+      </p:sp>
+    </p:spTree>
+    <p:extLst>
+      <p:ext uri="{BB962C8B-B14F-4D97-AF65-F5344CB8AC3E}">
+        <p14:creationId xmlns:p14="http://schemas.microsoft.com/office/powerpoint/2010/main" val="4211724629"/>
+      </p:ext>
+    </p:extLst>
+  </p:cSld>
+  <p:clrMapOvr>
+    <a:masterClrMapping/>
+  </p:clrMapOvr>
+  <p:timing>
+    <p:tnLst>
+      <p:par>
+        <p:cTn id="1" dur="indefinite" restart="never" nodeType="tmRoot"/>
+      </p:par>
+    </p:tnLst>
+  </p:timing>
+</p:sld>
+</file>
+
+<file path=ppt/slides/slide2.xml><?xml version="1.0" encoding="utf-8"?>
+<p:sld xmlns:a="http://schemas.openxmlformats.org/drawingml/2006/main" xmlns:r="http://schemas.openxmlformats.org/officeDocument/2006/relationships" xmlns:p="http://schemas.openxmlformats.org/presentationml/2006/main">
+  <p:cSld>
+    <p:spTree>
+      <p:nvGrpSpPr>
+        <p:cNvPr id="1" name=""/>
+        <p:cNvGrpSpPr/>
+        <p:nvPr/>
+      </p:nvGrpSpPr>
+      <p:grpSpPr>
+        <a:xfrm>
+          <a:off x="0" y="0"/>
+          <a:ext cx="0" cy="0"/>
+          <a:chOff x="0" y="0"/>
+          <a:chExt cx="0" cy="0"/>
+        </a:xfrm>
+      </p:grpSpPr>
+      <p:sp>
+        <p:nvSpPr>
+          <p:cNvPr id="2" name="タイトル 1"/>
+          <p:cNvSpPr>
+            <a:spLocks noGrp="1"/>
+          </p:cNvSpPr>
+          <p:nvPr>
+            <p:ph type="title"/>
+          </p:nvPr>
+        </p:nvSpPr>
+        <p:spPr/>
+        <p:txBody>
+          <a:bodyPr/>
+          <a:lstStyle/>
+          <a:p>
+            <a:r>
+              <a:rPr kumimoji="1" lang="en-US" altLang="ja-JP" dirty="0" smtClean="0"/>
+              <a:t>Flood-It</a:t>
+            </a:r>
+            <a:r>
+              <a:rPr kumimoji="1" lang="ja-JP" altLang="en-US" dirty="0" smtClean="0"/>
+              <a:t>　とは</a:t>
+            </a:r>
+            <a:endParaRPr kumimoji="1" lang="ja-JP" altLang="en-US" dirty="0"/>
+          </a:p>
+        </p:txBody>
+      </p:sp>
+      <mc:AlternateContent xmlns:mc="http://schemas.openxmlformats.org/markup-compatibility/2006" xmlns:a14="http://schemas.microsoft.com/office/drawing/2010/main">
+        <mc:Choice Requires="a14">
+          <p:sp>
+            <p:nvSpPr>
+              <p:cNvPr id="3" name="コンテンツ プレースホルダー 2"/>
+              <p:cNvSpPr>
+                <a:spLocks noGrp="1"/>
+              </p:cNvSpPr>
+              <p:nvPr>
+                <p:ph idx="1"/>
+              </p:nvPr>
+            </p:nvSpPr>
+            <p:spPr/>
+            <p:txBody>
+              <a:bodyPr/>
+              <a:lstStyle/>
+              <a:p>
+                <a:pPr marL="0" indent="0">
+                  <a:buNone/>
+                </a:pPr>
+                <a14:m>
+                  <m:oMath xmlns:m="http://schemas.openxmlformats.org/officeDocument/2006/math">
+                    <m:r>
+                      <a:rPr lang="en-US" altLang="ja-JP" b="0" i="1" smtClean="0">
+                        <a:latin typeface="Cambria Math" panose="02040503050406030204" pitchFamily="18" charset="0"/>
+                      </a:rPr>
+                      <m:t>𝑛</m:t>
+                    </m:r>
+                    <m:r>
+                      <a:rPr lang="en-US" altLang="ja-JP" b="0" i="1" smtClean="0">
+                        <a:latin typeface="Cambria Math" panose="02040503050406030204" pitchFamily="18" charset="0"/>
+                        <a:ea typeface="Cambria Math" panose="02040503050406030204" pitchFamily="18" charset="0"/>
+                      </a:rPr>
+                      <m:t>×</m:t>
+                    </m:r>
+                    <m:r>
+                      <a:rPr lang="en-US" altLang="ja-JP" b="0" i="1" smtClean="0">
+                        <a:latin typeface="Cambria Math" panose="02040503050406030204" pitchFamily="18" charset="0"/>
+                        <a:ea typeface="Cambria Math" panose="02040503050406030204" pitchFamily="18" charset="0"/>
+                      </a:rPr>
+                      <m:t>𝑚</m:t>
+                    </m:r>
+                  </m:oMath>
+                </a14:m>
+                <a:r>
+                  <a:rPr lang="ja-JP" altLang="en-US" dirty="0" smtClean="0"/>
+                  <a:t>のグリッド上で行う一人用のゲーム</a:t>
+                </a:r>
+                <a:endParaRPr lang="en-US" altLang="ja-JP" dirty="0" smtClean="0"/>
+              </a:p>
+              <a:p>
+                <a:pPr marL="0" indent="0">
+                  <a:buNone/>
+                </a:pPr>
+                <a:r>
+                  <a:rPr lang="ja-JP" altLang="en-US" dirty="0" smtClean="0"/>
+                  <a:t>目的：左上のマスと隣接した同じ色のマスの色を</a:t>
+                </a:r>
+                <a:endParaRPr lang="en-US" altLang="ja-JP" dirty="0" smtClean="0"/>
+              </a:p>
+              <a:p>
+                <a:pPr marL="0" indent="0">
+                  <a:buNone/>
+                </a:pPr>
+                <a:r>
+                  <a:rPr lang="ja-JP" altLang="en-US" dirty="0" smtClean="0"/>
+                  <a:t>          変えていくことでグリッドを一色に塗りつぶす．</a:t>
+                </a:r>
+                <a:endParaRPr lang="ja-JP" altLang="en-US" dirty="0"/>
+              </a:p>
+            </p:txBody>
+          </p:sp>
+        </mc:Choice>
+        <mc:Fallback xmlns="">
+          <p:sp>
+            <p:nvSpPr>
+              <p:cNvPr id="3" name="コンテンツ プレースホルダー 2"/>
+              <p:cNvSpPr>
+                <a:spLocks noGrp="1" noRot="1" noChangeAspect="1" noMove="1" noResize="1" noEditPoints="1" noAdjustHandles="1" noChangeArrowheads="1" noChangeShapeType="1" noTextEdit="1"/>
+              </p:cNvSpPr>
+              <p:nvPr>
+                <p:ph idx="1"/>
+              </p:nvPr>
+            </p:nvSpPr>
+            <p:spPr>
+              <a:blipFill rotWithShape="0">
+                <a:blip r:embed="rId3"/>
+                <a:stretch>
+                  <a:fillRect l="-2827" t="-2384" r="-4362"/>
+                </a:stretch>
+              </a:blipFill>
+            </p:spPr>
+            <p:txBody>
+              <a:bodyPr/>
+              <a:lstStyle/>
+              <a:p>
+                <a:r>
+                  <a:rPr lang="ja-JP" altLang="en-US">
+                    <a:noFill/>
+                  </a:rPr>
+                  <a:t> </a:t>
+                </a:r>
+              </a:p>
+            </p:txBody>
+          </p:sp>
+        </mc:Fallback>
+      </mc:AlternateContent>
+      <p:sp>
+        <p:nvSpPr>
+          <p:cNvPr id="4" name="スライド番号プレースホルダー 3"/>
+          <p:cNvSpPr>
+            <a:spLocks noGrp="1"/>
+          </p:cNvSpPr>
+          <p:nvPr>
+            <p:ph type="sldNum" sz="quarter" idx="4"/>
+          </p:nvPr>
+        </p:nvSpPr>
+        <p:spPr/>
+        <p:txBody>
+          <a:bodyPr/>
+          <a:lstStyle/>
+          <a:p>
+            <a:fld id="{06866E33-5310-403C-85EB-90D9101399C4}" type="slidenum">
+              <a:rPr lang="ja-JP" altLang="en-US" smtClean="0"/>
+              <a:pPr/>
+              <a:t>2</a:t>
+            </a:fld>
+            <a:endParaRPr lang="ja-JP" altLang="en-US" dirty="0"/>
+          </a:p>
+        </p:txBody>
+      </p:sp>
+      <p:sp>
+        <p:nvSpPr>
+          <p:cNvPr id="5" name="正方形/長方形 4"/>
+          <p:cNvSpPr/>
+          <p:nvPr/>
+        </p:nvSpPr>
+        <p:spPr>
+          <a:xfrm>
+            <a:off x="401217" y="2575249"/>
+            <a:ext cx="4254760" cy="3928188"/>
+          </a:xfrm>
+          <a:prstGeom prst="rect">
+            <a:avLst/>
+          </a:prstGeom>
+        </p:spPr>
+        <p:style>
+          <a:lnRef idx="2">
+            <a:schemeClr val="accent1">
+              <a:shade val="50000"/>
+            </a:schemeClr>
+          </a:lnRef>
+          <a:fillRef idx="1">
+            <a:schemeClr val="accent1"/>
+          </a:fillRef>
+          <a:effectRef idx="0">
+            <a:schemeClr val="accent1"/>
+          </a:effectRef>
+          <a:fontRef idx="minor">
+            <a:schemeClr val="lt1"/>
+          </a:fontRef>
+        </p:style>
+        <p:txBody>
+          <a:bodyPr rtlCol="0" anchor="ctr"/>
+          <a:lstStyle/>
+          <a:p>
+            <a:pPr algn="ctr"/>
+            <a:r>
+              <a:rPr kumimoji="1" lang="ja-JP" altLang="en-US" dirty="0" smtClean="0"/>
+              <a:t>図とアニメーション</a:t>
+            </a:r>
+            <a:endParaRPr kumimoji="1" lang="ja-JP" altLang="en-US" dirty="0"/>
+          </a:p>
+        </p:txBody>
+      </p:sp>
+    </p:spTree>
+    <p:extLst>
+      <p:ext uri="{BB962C8B-B14F-4D97-AF65-F5344CB8AC3E}">
+        <p14:creationId xmlns:p14="http://schemas.microsoft.com/office/powerpoint/2010/main" val="4196052122"/>
+      </p:ext>
+    </p:extLst>
+  </p:cSld>
+  <p:clrMapOvr>
+    <a:masterClrMapping/>
+  </p:clrMapOvr>
+  <p:timing>
+    <p:tnLst>
+      <p:par>
+        <p:cTn id="1" dur="indefinite" restart="never" nodeType="tmRoot"/>
+      </p:par>
+    </p:tnLst>
+  </p:timing>
+</p:sld>
+</file>
+
+<file path=ppt/slides/slide3.xml><?xml version="1.0" encoding="utf-8"?>
+<p:sld xmlns:a="http://schemas.openxmlformats.org/drawingml/2006/main" xmlns:r="http://schemas.openxmlformats.org/officeDocument/2006/relationships" xmlns:p="http://schemas.openxmlformats.org/presentationml/2006/main">
+  <p:cSld>
+    <p:spTree>
+      <p:nvGrpSpPr>
+        <p:cNvPr id="1" name=""/>
+        <p:cNvGrpSpPr/>
+        <p:nvPr/>
+      </p:nvGrpSpPr>
+      <p:grpSpPr>
+        <a:xfrm>
+          <a:off x="0" y="0"/>
+          <a:ext cx="0" cy="0"/>
+          <a:chOff x="0" y="0"/>
+          <a:chExt cx="0" cy="0"/>
+        </a:xfrm>
+      </p:grpSpPr>
+      <p:sp>
+        <p:nvSpPr>
+          <p:cNvPr id="2" name="タイトル 1"/>
+          <p:cNvSpPr>
+            <a:spLocks noGrp="1"/>
+          </p:cNvSpPr>
+          <p:nvPr>
+            <p:ph type="title"/>
+          </p:nvPr>
+        </p:nvSpPr>
+        <p:spPr/>
+        <p:txBody>
+          <a:bodyPr/>
+          <a:lstStyle/>
+          <a:p>
+            <a:r>
+              <a:rPr kumimoji="1" lang="en-US" altLang="ja-JP" dirty="0" smtClean="0"/>
+              <a:t>Flood</a:t>
+            </a:r>
+            <a:r>
+              <a:rPr lang="en-US" altLang="ja-JP" dirty="0" smtClean="0"/>
+              <a:t>-It</a:t>
+            </a:r>
+            <a:r>
+              <a:rPr lang="ja-JP" altLang="en-US" dirty="0" smtClean="0"/>
+              <a:t>　とは</a:t>
+            </a:r>
+            <a:endParaRPr kumimoji="1" lang="ja-JP" altLang="en-US" dirty="0"/>
+          </a:p>
+        </p:txBody>
+      </p:sp>
+      <p:sp>
+        <p:nvSpPr>
+          <p:cNvPr id="4" name="スライド番号プレースホルダー 3"/>
+          <p:cNvSpPr>
+            <a:spLocks noGrp="1"/>
+          </p:cNvSpPr>
+          <p:nvPr>
+            <p:ph type="sldNum" sz="quarter" idx="4"/>
+          </p:nvPr>
+        </p:nvSpPr>
+        <p:spPr/>
+        <p:txBody>
+          <a:bodyPr/>
+          <a:lstStyle/>
+          <a:p>
+            <a:fld id="{06866E33-5310-403C-85EB-90D9101399C4}" type="slidenum">
+              <a:rPr lang="ja-JP" altLang="en-US" smtClean="0"/>
+              <a:pPr/>
+              <a:t>3</a:t>
+            </a:fld>
+            <a:endParaRPr lang="ja-JP" altLang="en-US" dirty="0"/>
+          </a:p>
+        </p:txBody>
+      </p:sp>
+      <p:sp>
+        <p:nvSpPr>
+          <p:cNvPr id="5" name="正方形/長方形 4"/>
+          <p:cNvSpPr/>
+          <p:nvPr/>
+        </p:nvSpPr>
+        <p:spPr>
+          <a:xfrm>
+            <a:off x="513183" y="1194318"/>
+            <a:ext cx="3489648" cy="3377682"/>
+          </a:xfrm>
+          <a:prstGeom prst="rect">
+            <a:avLst/>
+          </a:prstGeom>
+        </p:spPr>
+        <p:style>
+          <a:lnRef idx="2">
+            <a:schemeClr val="accent1">
+              <a:shade val="50000"/>
+            </a:schemeClr>
+          </a:lnRef>
+          <a:fillRef idx="1">
+            <a:schemeClr val="accent1"/>
+          </a:fillRef>
+          <a:effectRef idx="0">
+            <a:schemeClr val="accent1"/>
+          </a:effectRef>
+          <a:fontRef idx="minor">
+            <a:schemeClr val="lt1"/>
+          </a:fontRef>
+        </p:style>
+        <p:txBody>
+          <a:bodyPr rtlCol="0" anchor="ctr"/>
+          <a:lstStyle/>
+          <a:p>
+            <a:pPr algn="ctr"/>
+            <a:r>
+              <a:rPr kumimoji="1" lang="ja-JP" altLang="en-US" dirty="0" smtClean="0"/>
+              <a:t>図とアニメーション</a:t>
+            </a:r>
+            <a:endParaRPr kumimoji="1" lang="ja-JP" altLang="en-US" dirty="0"/>
+          </a:p>
+        </p:txBody>
+      </p:sp>
+      <p:sp>
+        <p:nvSpPr>
+          <p:cNvPr id="6" name="正方形/長方形 5"/>
+          <p:cNvSpPr/>
+          <p:nvPr/>
+        </p:nvSpPr>
+        <p:spPr>
+          <a:xfrm>
+            <a:off x="4877112" y="1194318"/>
+            <a:ext cx="3489648" cy="3377682"/>
+          </a:xfrm>
+          <a:prstGeom prst="rect">
+            <a:avLst/>
+          </a:prstGeom>
+        </p:spPr>
+        <p:style>
+          <a:lnRef idx="2">
+            <a:schemeClr val="accent1">
+              <a:shade val="50000"/>
+            </a:schemeClr>
+          </a:lnRef>
+          <a:fillRef idx="1">
+            <a:schemeClr val="accent1"/>
+          </a:fillRef>
+          <a:effectRef idx="0">
+            <a:schemeClr val="accent1"/>
+          </a:effectRef>
+          <a:fontRef idx="minor">
+            <a:schemeClr val="lt1"/>
+          </a:fontRef>
+        </p:style>
+        <p:txBody>
+          <a:bodyPr rtlCol="0" anchor="ctr"/>
+          <a:lstStyle/>
+          <a:p>
+            <a:pPr algn="ctr"/>
+            <a:r>
+              <a:rPr kumimoji="1" lang="ja-JP" altLang="en-US" dirty="0" smtClean="0"/>
+              <a:t>図とアニメーション</a:t>
+            </a:r>
+            <a:endParaRPr kumimoji="1" lang="ja-JP" altLang="en-US" dirty="0"/>
+          </a:p>
+        </p:txBody>
+      </p:sp>
+      <p:sp>
+        <p:nvSpPr>
+          <p:cNvPr id="7" name="コンテンツ プレースホルダー 2"/>
+          <p:cNvSpPr>
+            <a:spLocks noGrp="1"/>
+          </p:cNvSpPr>
+          <p:nvPr>
+            <p:ph idx="1"/>
+          </p:nvPr>
+        </p:nvSpPr>
+        <p:spPr>
+          <a:xfrm>
+            <a:off x="822959" y="4655976"/>
+            <a:ext cx="7543801" cy="1213118"/>
+          </a:xfrm>
+        </p:spPr>
+        <p:txBody>
+          <a:bodyPr/>
+          <a:lstStyle/>
+          <a:p>
+            <a:pPr marL="0" indent="0">
+              <a:buNone/>
+            </a:pPr>
+            <a:r>
+              <a:rPr lang="ja-JP" altLang="en-US" dirty="0" smtClean="0"/>
+              <a:t>同じグリッドでも，塗り替え方によって回数が変わる</a:t>
+            </a:r>
+            <a:endParaRPr lang="en-US" altLang="ja-JP" dirty="0" smtClean="0"/>
+          </a:p>
+          <a:p>
+            <a:pPr marL="0" indent="0">
+              <a:buNone/>
+            </a:pPr>
+            <a:r>
+              <a:rPr lang="ja-JP" altLang="en-US" dirty="0"/>
+              <a:t>　</a:t>
+            </a:r>
+            <a:r>
+              <a:rPr lang="ja-JP" altLang="en-US" dirty="0" smtClean="0"/>
+              <a:t>→最小の塗り替え方を求めたい</a:t>
+            </a:r>
+            <a:endParaRPr lang="ja-JP" altLang="en-US" dirty="0"/>
+          </a:p>
+        </p:txBody>
+      </p:sp>
+    </p:spTree>
+    <p:extLst>
+      <p:ext uri="{BB962C8B-B14F-4D97-AF65-F5344CB8AC3E}">
+        <p14:creationId xmlns:p14="http://schemas.microsoft.com/office/powerpoint/2010/main" val="690900129"/>
+      </p:ext>
+    </p:extLst>
+  </p:cSld>
+  <p:clrMapOvr>
+    <a:masterClrMapping/>
+  </p:clrMapOvr>
+</p:sld>
+</file>
+
+<file path=ppt/slides/slide4.xml><?xml version="1.0" encoding="utf-8"?>
+<p:sld xmlns:a="http://schemas.openxmlformats.org/drawingml/2006/main" xmlns:r="http://schemas.openxmlformats.org/officeDocument/2006/relationships" xmlns:p="http://schemas.openxmlformats.org/presentationml/2006/main">
+  <p:cSld>
+    <p:spTree>
+      <p:nvGrpSpPr>
+        <p:cNvPr id="1" name=""/>
+        <p:cNvGrpSpPr/>
+        <p:nvPr/>
+      </p:nvGrpSpPr>
+      <p:grpSpPr>
+        <a:xfrm>
+          <a:off x="0" y="0"/>
+          <a:ext cx="0" cy="0"/>
+          <a:chOff x="0" y="0"/>
+          <a:chExt cx="0" cy="0"/>
+        </a:xfrm>
+      </p:grpSpPr>
+      <p:sp>
+        <p:nvSpPr>
+          <p:cNvPr id="2" name="タイトル 1"/>
+          <p:cNvSpPr>
+            <a:spLocks noGrp="1"/>
+          </p:cNvSpPr>
+          <p:nvPr>
+            <p:ph type="title"/>
+          </p:nvPr>
+        </p:nvSpPr>
+        <p:spPr/>
+        <p:txBody>
+          <a:bodyPr/>
+          <a:lstStyle/>
+          <a:p>
+            <a:r>
+              <a:rPr lang="en-US" altLang="ja-JP" dirty="0"/>
+              <a:t>Flood-It</a:t>
+            </a:r>
+            <a:r>
+              <a:rPr lang="ja-JP" altLang="en-US" dirty="0"/>
+              <a:t>　とは</a:t>
+            </a:r>
+            <a:endParaRPr kumimoji="1" lang="ja-JP" altLang="en-US" dirty="0"/>
+          </a:p>
+        </p:txBody>
+      </p:sp>
+      <p:graphicFrame>
+        <p:nvGraphicFramePr>
+          <p:cNvPr id="5" name="コンテンツ プレースホルダー 4"/>
+          <p:cNvGraphicFramePr>
+            <a:graphicFrameLocks noGrp="1"/>
+          </p:cNvGraphicFramePr>
+          <p:nvPr>
+            <p:ph idx="1"/>
+            <p:extLst>
+              <p:ext uri="{D42A27DB-BD31-4B8C-83A1-F6EECF244321}">
+                <p14:modId xmlns:p14="http://schemas.microsoft.com/office/powerpoint/2010/main" val="118382892"/>
+              </p:ext>
+            </p:extLst>
+          </p:nvPr>
+        </p:nvGraphicFramePr>
+        <p:xfrm>
+          <a:off x="411480" y="1374643"/>
+          <a:ext cx="8366760" cy="4624941"/>
+        </p:xfrm>
+        <a:graphic>
+          <a:graphicData uri="http://schemas.openxmlformats.org/drawingml/2006/table">
+            <a:tbl>
+              <a:tblPr firstRow="1" bandRow="1">
+                <a:tableStyleId>{5C22544A-7EE6-4342-B048-85BDC9FD1C3A}</a:tableStyleId>
+              </a:tblPr>
+              <a:tblGrid>
+                <a:gridCol w="4183380"/>
+                <a:gridCol w="4183380"/>
+              </a:tblGrid>
+              <a:tr h="587818">
+                <a:tc>
+                  <a:txBody>
+                    <a:bodyPr/>
+                    <a:lstStyle/>
+                    <a:p>
+                      <a:pPr algn="ctr"/>
+                      <a:r>
+                        <a:rPr kumimoji="1" lang="ja-JP" altLang="en-US" sz="2800" dirty="0" smtClean="0"/>
+                        <a:t>入力</a:t>
+                      </a:r>
+                      <a:endParaRPr kumimoji="1" lang="ja-JP" altLang="en-US" sz="2800" dirty="0"/>
+                    </a:p>
+                  </a:txBody>
+                  <a:tcPr/>
+                </a:tc>
+                <a:tc>
+                  <a:txBody>
+                    <a:bodyPr/>
+                    <a:lstStyle/>
+                    <a:p>
+                      <a:pPr algn="ctr"/>
+                      <a:r>
+                        <a:rPr kumimoji="1" lang="ja-JP" altLang="en-US" sz="2800" dirty="0" smtClean="0"/>
+                        <a:t>出力</a:t>
+                      </a:r>
+                      <a:endParaRPr kumimoji="1" lang="ja-JP" altLang="en-US" sz="2800" dirty="0"/>
+                    </a:p>
+                  </a:txBody>
+                  <a:tcPr/>
+                </a:tc>
+              </a:tr>
+              <a:tr h="4037123">
+                <a:tc>
+                  <a:txBody>
+                    <a:bodyPr/>
+                    <a:lstStyle/>
+                    <a:p>
+                      <a:pPr algn="ctr"/>
+                      <a:r>
+                        <a:rPr kumimoji="1" lang="ja-JP" altLang="en-US" sz="2800" dirty="0" smtClean="0"/>
+                        <a:t>ある色分けされたグリッド</a:t>
+                      </a:r>
+                      <a:endParaRPr kumimoji="1" lang="ja-JP" altLang="en-US" sz="2800" dirty="0"/>
+                    </a:p>
+                  </a:txBody>
+                  <a:tcPr/>
+                </a:tc>
+                <a:tc>
+                  <a:txBody>
+                    <a:bodyPr/>
+                    <a:lstStyle/>
+                    <a:p>
+                      <a:pPr algn="ctr"/>
+                      <a:r>
+                        <a:rPr kumimoji="1" lang="ja-JP" altLang="en-US" sz="2800" dirty="0" smtClean="0"/>
+                        <a:t>塗りつぶす最小の操作列</a:t>
+                      </a:r>
+                      <a:endParaRPr kumimoji="1" lang="ja-JP" altLang="en-US" sz="2800" dirty="0"/>
+                    </a:p>
+                  </a:txBody>
+                  <a:tcPr/>
+                </a:tc>
+              </a:tr>
+            </a:tbl>
+          </a:graphicData>
+        </a:graphic>
+      </p:graphicFrame>
+      <p:sp>
+        <p:nvSpPr>
+          <p:cNvPr id="4" name="スライド番号プレースホルダー 3"/>
+          <p:cNvSpPr>
+            <a:spLocks noGrp="1"/>
+          </p:cNvSpPr>
+          <p:nvPr>
+            <p:ph type="sldNum" sz="quarter" idx="4"/>
+          </p:nvPr>
+        </p:nvSpPr>
+        <p:spPr/>
+        <p:txBody>
+          <a:bodyPr/>
+          <a:lstStyle/>
+          <a:p>
+            <a:fld id="{06866E33-5310-403C-85EB-90D9101399C4}" type="slidenum">
+              <a:rPr lang="ja-JP" altLang="en-US" smtClean="0"/>
+              <a:pPr/>
+              <a:t>4</a:t>
+            </a:fld>
+            <a:endParaRPr lang="ja-JP" altLang="en-US" dirty="0"/>
+          </a:p>
+        </p:txBody>
+      </p:sp>
+      <p:sp>
+        <p:nvSpPr>
+          <p:cNvPr id="6" name="正方形/長方形 5"/>
+          <p:cNvSpPr/>
+          <p:nvPr/>
+        </p:nvSpPr>
+        <p:spPr>
+          <a:xfrm>
+            <a:off x="1175656" y="3135084"/>
+            <a:ext cx="2360645" cy="2239347"/>
+          </a:xfrm>
+          <a:prstGeom prst="rect">
+            <a:avLst/>
+          </a:prstGeom>
+        </p:spPr>
+        <p:style>
+          <a:lnRef idx="2">
+            <a:schemeClr val="accent1">
+              <a:shade val="50000"/>
+            </a:schemeClr>
+          </a:lnRef>
+          <a:fillRef idx="1">
+            <a:schemeClr val="accent1"/>
+          </a:fillRef>
+          <a:effectRef idx="0">
+            <a:schemeClr val="accent1"/>
+          </a:effectRef>
+          <a:fontRef idx="minor">
+            <a:schemeClr val="lt1"/>
+          </a:fontRef>
+        </p:style>
+        <p:txBody>
+          <a:bodyPr rtlCol="0" anchor="ctr"/>
+          <a:lstStyle/>
+          <a:p>
+            <a:pPr algn="ctr"/>
+            <a:r>
+              <a:rPr kumimoji="1" lang="ja-JP" altLang="en-US" dirty="0" smtClean="0"/>
+              <a:t>盤面の図</a:t>
+            </a:r>
+            <a:endParaRPr kumimoji="1" lang="ja-JP" altLang="en-US" dirty="0"/>
+          </a:p>
+        </p:txBody>
+      </p:sp>
+      <p:sp>
+        <p:nvSpPr>
+          <p:cNvPr id="7" name="正方形/長方形 6"/>
+          <p:cNvSpPr/>
+          <p:nvPr/>
+        </p:nvSpPr>
+        <p:spPr>
+          <a:xfrm>
+            <a:off x="4939005" y="4124131"/>
+            <a:ext cx="780662" cy="774438"/>
+          </a:xfrm>
+          <a:prstGeom prst="rect">
+            <a:avLst/>
+          </a:prstGeom>
+        </p:spPr>
+        <p:style>
+          <a:lnRef idx="2">
+            <a:schemeClr val="accent1">
+              <a:shade val="50000"/>
+            </a:schemeClr>
+          </a:lnRef>
+          <a:fillRef idx="1">
+            <a:schemeClr val="accent1"/>
+          </a:fillRef>
+          <a:effectRef idx="0">
+            <a:schemeClr val="accent1"/>
+          </a:effectRef>
+          <a:fontRef idx="minor">
+            <a:schemeClr val="lt1"/>
+          </a:fontRef>
+        </p:style>
+        <p:txBody>
+          <a:bodyPr rtlCol="0" anchor="ctr"/>
+          <a:lstStyle/>
+          <a:p>
+            <a:pPr algn="ctr"/>
+            <a:r>
+              <a:rPr kumimoji="1" lang="ja-JP" altLang="en-US" dirty="0" smtClean="0"/>
+              <a:t>色</a:t>
+            </a:r>
+            <a:endParaRPr kumimoji="1" lang="ja-JP" altLang="en-US" dirty="0"/>
+          </a:p>
+        </p:txBody>
+      </p:sp>
+      <p:sp>
+        <p:nvSpPr>
+          <p:cNvPr id="8" name="正方形/長方形 7"/>
+          <p:cNvSpPr/>
+          <p:nvPr/>
+        </p:nvSpPr>
+        <p:spPr>
+          <a:xfrm>
+            <a:off x="5903168" y="4124131"/>
+            <a:ext cx="780662" cy="774438"/>
+          </a:xfrm>
+          <a:prstGeom prst="rect">
+            <a:avLst/>
+          </a:prstGeom>
+        </p:spPr>
+        <p:style>
+          <a:lnRef idx="2">
+            <a:schemeClr val="accent1">
+              <a:shade val="50000"/>
+            </a:schemeClr>
+          </a:lnRef>
+          <a:fillRef idx="1">
+            <a:schemeClr val="accent1"/>
+          </a:fillRef>
+          <a:effectRef idx="0">
+            <a:schemeClr val="accent1"/>
+          </a:effectRef>
+          <a:fontRef idx="minor">
+            <a:schemeClr val="lt1"/>
+          </a:fontRef>
+        </p:style>
+        <p:txBody>
+          <a:bodyPr rtlCol="0" anchor="ctr"/>
+          <a:lstStyle/>
+          <a:p>
+            <a:pPr algn="ctr"/>
+            <a:r>
+              <a:rPr kumimoji="1" lang="ja-JP" altLang="en-US" dirty="0" smtClean="0"/>
+              <a:t>色</a:t>
+            </a:r>
+            <a:endParaRPr kumimoji="1" lang="ja-JP" altLang="en-US" dirty="0"/>
+          </a:p>
+        </p:txBody>
+      </p:sp>
+      <p:sp>
+        <p:nvSpPr>
+          <p:cNvPr id="9" name="正方形/長方形 8"/>
+          <p:cNvSpPr/>
+          <p:nvPr/>
+        </p:nvSpPr>
+        <p:spPr>
+          <a:xfrm>
+            <a:off x="6867331" y="4124131"/>
+            <a:ext cx="780662" cy="774438"/>
+          </a:xfrm>
+          <a:prstGeom prst="rect">
+            <a:avLst/>
+          </a:prstGeom>
+        </p:spPr>
+        <p:style>
+          <a:lnRef idx="2">
+            <a:schemeClr val="accent1">
+              <a:shade val="50000"/>
+            </a:schemeClr>
+          </a:lnRef>
+          <a:fillRef idx="1">
+            <a:schemeClr val="accent1"/>
+          </a:fillRef>
+          <a:effectRef idx="0">
+            <a:schemeClr val="accent1"/>
+          </a:effectRef>
+          <a:fontRef idx="minor">
+            <a:schemeClr val="lt1"/>
+          </a:fontRef>
+        </p:style>
+        <p:txBody>
+          <a:bodyPr rtlCol="0" anchor="ctr"/>
+          <a:lstStyle/>
+          <a:p>
+            <a:pPr algn="ctr"/>
+            <a:r>
+              <a:rPr kumimoji="1" lang="ja-JP" altLang="en-US" dirty="0" smtClean="0"/>
+              <a:t>色</a:t>
+            </a:r>
+            <a:endParaRPr kumimoji="1" lang="ja-JP" altLang="en-US" dirty="0"/>
+          </a:p>
+        </p:txBody>
+      </p:sp>
+      <p:sp>
+        <p:nvSpPr>
+          <p:cNvPr id="10" name="正方形/長方形 9"/>
+          <p:cNvSpPr/>
+          <p:nvPr/>
+        </p:nvSpPr>
+        <p:spPr>
+          <a:xfrm>
+            <a:off x="7850779" y="4124131"/>
+            <a:ext cx="780662" cy="774438"/>
+          </a:xfrm>
+          <a:prstGeom prst="rect">
+            <a:avLst/>
+          </a:prstGeom>
+        </p:spPr>
+        <p:style>
+          <a:lnRef idx="2">
+            <a:schemeClr val="accent1">
+              <a:shade val="50000"/>
+            </a:schemeClr>
+          </a:lnRef>
+          <a:fillRef idx="1">
+            <a:schemeClr val="accent1"/>
+          </a:fillRef>
+          <a:effectRef idx="0">
+            <a:schemeClr val="accent1"/>
+          </a:effectRef>
+          <a:fontRef idx="minor">
+            <a:schemeClr val="lt1"/>
+          </a:fontRef>
+        </p:style>
+        <p:txBody>
+          <a:bodyPr rtlCol="0" anchor="ctr"/>
+          <a:lstStyle/>
+          <a:p>
+            <a:pPr algn="ctr"/>
+            <a:r>
+              <a:rPr kumimoji="1" lang="ja-JP" altLang="en-US" dirty="0" smtClean="0"/>
+              <a:t>色</a:t>
+            </a:r>
+            <a:endParaRPr kumimoji="1" lang="ja-JP" altLang="en-US" dirty="0"/>
+          </a:p>
+        </p:txBody>
+      </p:sp>
+      <p:sp>
+        <p:nvSpPr>
+          <p:cNvPr id="11" name="コンテンツ プレースホルダー 2"/>
+          <p:cNvSpPr txBox="1">
+            <a:spLocks/>
+          </p:cNvSpPr>
+          <p:nvPr/>
+        </p:nvSpPr>
+        <p:spPr>
+          <a:xfrm>
+            <a:off x="822959" y="758815"/>
+            <a:ext cx="7543801" cy="5110279"/>
+          </a:xfrm>
+          <a:prstGeom prst="rect">
+            <a:avLst/>
+          </a:prstGeom>
+        </p:spPr>
+        <p:txBody>
+          <a:bodyPr vert="horz" lIns="0" tIns="45720" rIns="0" bIns="45720" rtlCol="0">
+            <a:normAutofit/>
+          </a:bodyPr>
+          <a:lstStyle>
+            <a:lvl1pPr marL="0" indent="0" algn="l" defTabSz="914400" rtl="0" eaLnBrk="1" latinLnBrk="0" hangingPunct="1">
+              <a:lnSpc>
+                <a:spcPct val="90000"/>
+              </a:lnSpc>
+              <a:spcBef>
+                <a:spcPts val="1000"/>
+              </a:spcBef>
+              <a:buFont typeface="Arial" panose="020B0604020202020204" pitchFamily="34" charset="0"/>
+              <a:buNone/>
+              <a:defRPr kumimoji="1" sz="2800" kern="1200">
+                <a:solidFill>
+                  <a:schemeClr val="tx1"/>
+                </a:solidFill>
+                <a:latin typeface="+mn-lt"/>
+                <a:ea typeface="+mn-ea"/>
+                <a:cs typeface="+mn-cs"/>
+              </a:defRPr>
+            </a:lvl1pPr>
+            <a:lvl2pPr marL="457200" indent="0" algn="l" defTabSz="914400" rtl="0" eaLnBrk="1" latinLnBrk="0" hangingPunct="1">
+              <a:lnSpc>
+                <a:spcPct val="90000"/>
+              </a:lnSpc>
+              <a:spcBef>
+                <a:spcPts val="500"/>
+              </a:spcBef>
+              <a:buFont typeface="Arial" panose="020B0604020202020204" pitchFamily="34" charset="0"/>
+              <a:buNone/>
+              <a:defRPr kumimoji="1" sz="2400" kern="1200">
+                <a:solidFill>
+                  <a:schemeClr val="tx1"/>
+                </a:solidFill>
+                <a:latin typeface="+mn-lt"/>
+                <a:ea typeface="+mn-ea"/>
+                <a:cs typeface="+mn-cs"/>
+              </a:defRPr>
+            </a:lvl2pPr>
+            <a:lvl3pPr marL="914400" indent="0" algn="l" defTabSz="914400" rtl="0" eaLnBrk="1" latinLnBrk="0" hangingPunct="1">
+              <a:lnSpc>
+                <a:spcPct val="90000"/>
+              </a:lnSpc>
+              <a:spcBef>
+                <a:spcPts val="500"/>
+              </a:spcBef>
+              <a:buFont typeface="Arial" panose="020B0604020202020204" pitchFamily="34" charset="0"/>
+              <a:buNone/>
+              <a:defRPr kumimoji="1" sz="2000" kern="1200">
+                <a:solidFill>
+                  <a:schemeClr val="tx1"/>
+                </a:solidFill>
+                <a:latin typeface="+mn-lt"/>
+                <a:ea typeface="+mn-ea"/>
+                <a:cs typeface="+mn-cs"/>
+              </a:defRPr>
+            </a:lvl3pPr>
+            <a:lvl4pPr marL="1371600" indent="0" algn="l" defTabSz="914400" rtl="0" eaLnBrk="1" latinLnBrk="0" hangingPunct="1">
+              <a:lnSpc>
+                <a:spcPct val="90000"/>
+              </a:lnSpc>
+              <a:spcBef>
+                <a:spcPts val="500"/>
+              </a:spcBef>
+              <a:buFont typeface="Arial" panose="020B0604020202020204" pitchFamily="34" charset="0"/>
+              <a:buNone/>
+              <a:defRPr kumimoji="1" sz="1800" kern="1200">
+                <a:solidFill>
+                  <a:schemeClr val="tx1"/>
+                </a:solidFill>
+                <a:latin typeface="+mn-lt"/>
+                <a:ea typeface="+mn-ea"/>
+                <a:cs typeface="+mn-cs"/>
+              </a:defRPr>
+            </a:lvl4pPr>
+            <a:lvl5pPr marL="1828800" indent="0" algn="l" defTabSz="914400" rtl="0" eaLnBrk="1" latinLnBrk="0" hangingPunct="1">
+              <a:lnSpc>
+                <a:spcPct val="90000"/>
+              </a:lnSpc>
+              <a:spcBef>
+                <a:spcPts val="500"/>
+              </a:spcBef>
+              <a:buFont typeface="Arial" panose="020B0604020202020204" pitchFamily="34" charset="0"/>
+              <a:buNone/>
+              <a:defRPr kumimoji="1" sz="1800" kern="1200">
+                <a:solidFill>
+                  <a:schemeClr val="tx1"/>
+                </a:solidFill>
+                <a:latin typeface="+mn-lt"/>
+                <a:ea typeface="+mn-ea"/>
+                <a:cs typeface="+mn-cs"/>
+              </a:defRPr>
+            </a:lvl5pPr>
+            <a:lvl6pPr marL="2514600" indent="-228600" algn="l" defTabSz="914400" rtl="0" eaLnBrk="1" latinLnBrk="0" hangingPunct="1">
+              <a:lnSpc>
+                <a:spcPct val="90000"/>
+              </a:lnSpc>
+              <a:spcBef>
+                <a:spcPts val="500"/>
+              </a:spcBef>
+              <a:buFont typeface="Arial" panose="020B0604020202020204" pitchFamily="34" charset="0"/>
+              <a:buChar char="•"/>
+              <a:defRPr kumimoji="1" sz="1800" kern="1200">
+                <a:solidFill>
+                  <a:schemeClr val="tx1"/>
+                </a:solidFill>
+                <a:latin typeface="+mn-lt"/>
+                <a:ea typeface="+mn-ea"/>
+                <a:cs typeface="+mn-cs"/>
+              </a:defRPr>
+            </a:lvl6pPr>
+            <a:lvl7pPr marL="2971800" indent="-228600" algn="l" defTabSz="914400" rtl="0" eaLnBrk="1" latinLnBrk="0" hangingPunct="1">
+              <a:lnSpc>
+                <a:spcPct val="90000"/>
+              </a:lnSpc>
+              <a:spcBef>
+                <a:spcPts val="500"/>
+              </a:spcBef>
+              <a:buFont typeface="Arial" panose="020B0604020202020204" pitchFamily="34" charset="0"/>
+              <a:buChar char="•"/>
+              <a:defRPr kumimoji="1" sz="1800" kern="1200">
+                <a:solidFill>
+                  <a:schemeClr val="tx1"/>
+                </a:solidFill>
+                <a:latin typeface="+mn-lt"/>
+                <a:ea typeface="+mn-ea"/>
+                <a:cs typeface="+mn-cs"/>
+              </a:defRPr>
+            </a:lvl7pPr>
+            <a:lvl8pPr marL="3429000" indent="-228600" algn="l" defTabSz="914400" rtl="0" eaLnBrk="1" latinLnBrk="0" hangingPunct="1">
+              <a:lnSpc>
+                <a:spcPct val="90000"/>
+              </a:lnSpc>
+              <a:spcBef>
+                <a:spcPts val="500"/>
+              </a:spcBef>
+              <a:buFont typeface="Arial" panose="020B0604020202020204" pitchFamily="34" charset="0"/>
+              <a:buChar char="•"/>
+              <a:defRPr kumimoji="1" sz="1800" kern="1200">
+                <a:solidFill>
+                  <a:schemeClr val="tx1"/>
+                </a:solidFill>
+                <a:latin typeface="+mn-lt"/>
+                <a:ea typeface="+mn-ea"/>
+                <a:cs typeface="+mn-cs"/>
+              </a:defRPr>
+            </a:lvl8pPr>
+            <a:lvl9pPr marL="3886200" indent="-228600" algn="l" defTabSz="914400" rtl="0" eaLnBrk="1" latinLnBrk="0" hangingPunct="1">
+              <a:lnSpc>
+                <a:spcPct val="90000"/>
+              </a:lnSpc>
+              <a:spcBef>
+                <a:spcPts val="500"/>
+              </a:spcBef>
+              <a:buFont typeface="Arial" panose="020B0604020202020204" pitchFamily="34" charset="0"/>
+              <a:buChar char="•"/>
+              <a:defRPr kumimoji="1" sz="1800" kern="1200">
+                <a:solidFill>
+                  <a:schemeClr val="tx1"/>
+                </a:solidFill>
+                <a:latin typeface="+mn-lt"/>
+                <a:ea typeface="+mn-ea"/>
+                <a:cs typeface="+mn-cs"/>
+              </a:defRPr>
+            </a:lvl9pPr>
+          </a:lstStyle>
+          <a:p>
+            <a:r>
+              <a:rPr lang="ja-JP" altLang="en-US" dirty="0" smtClean="0"/>
+              <a:t>以下のように定式化される．</a:t>
+            </a:r>
+            <a:endParaRPr lang="ja-JP" altLang="en-US" dirty="0"/>
+          </a:p>
+        </p:txBody>
+      </p:sp>
+    </p:spTree>
+    <p:extLst>
+      <p:ext uri="{BB962C8B-B14F-4D97-AF65-F5344CB8AC3E}">
+        <p14:creationId xmlns:p14="http://schemas.microsoft.com/office/powerpoint/2010/main" val="324357521"/>
+      </p:ext>
+    </p:extLst>
+  </p:cSld>
+  <p:clrMapOvr>
+    <a:masterClrMapping/>
+  </p:clrMapOvr>
+  <p:timing>
+    <p:tnLst>
+      <p:par>
+        <p:cTn id="1" dur="indefinite" restart="never" nodeType="tmRoot"/>
+      </p:par>
+    </p:tnLst>
+  </p:timing>
+</p:sld>
+</file>
+
+<file path=ppt/slides/slide5.xml><?xml version="1.0" encoding="utf-8"?>
+<p:sld xmlns:a="http://schemas.openxmlformats.org/drawingml/2006/main" xmlns:r="http://schemas.openxmlformats.org/officeDocument/2006/relationships" xmlns:p="http://schemas.openxmlformats.org/presentationml/2006/main">
+  <p:cSld>
+    <p:spTree>
+      <p:nvGrpSpPr>
+        <p:cNvPr id="1" name=""/>
+        <p:cNvGrpSpPr/>
+        <p:nvPr/>
+      </p:nvGrpSpPr>
+      <p:grpSpPr>
+        <a:xfrm>
+          <a:off x="0" y="0"/>
+          <a:ext cx="0" cy="0"/>
+          <a:chOff x="0" y="0"/>
+          <a:chExt cx="0" cy="0"/>
+        </a:xfrm>
+      </p:grpSpPr>
+      <p:sp>
+        <p:nvSpPr>
+          <p:cNvPr id="2" name="タイトル 1"/>
+          <p:cNvSpPr>
+            <a:spLocks noGrp="1"/>
+          </p:cNvSpPr>
+          <p:nvPr>
+            <p:ph type="title"/>
+          </p:nvPr>
+        </p:nvSpPr>
+        <p:spPr/>
+        <p:txBody>
+          <a:bodyPr/>
+          <a:lstStyle/>
+          <a:p>
+            <a:r>
+              <a:rPr lang="ja-JP" altLang="en-US" dirty="0" smtClean="0"/>
+              <a:t>既知の結果</a:t>
+            </a:r>
+            <a:endParaRPr kumimoji="1" lang="ja-JP" altLang="en-US" dirty="0"/>
+          </a:p>
+        </p:txBody>
+      </p:sp>
+      <mc:AlternateContent xmlns:mc="http://schemas.openxmlformats.org/markup-compatibility/2006">
+        <mc:Choice xmlns:a14="http://schemas.microsoft.com/office/drawing/2010/main" Requires="a14">
+          <p:graphicFrame>
+            <p:nvGraphicFramePr>
+              <p:cNvPr id="5" name="コンテンツ プレースホルダー 4"/>
+              <p:cNvGraphicFramePr>
+                <a:graphicFrameLocks noGrp="1"/>
+              </p:cNvGraphicFramePr>
+              <p:nvPr>
+                <p:ph idx="1"/>
+                <p:extLst>
+                  <p:ext uri="{D42A27DB-BD31-4B8C-83A1-F6EECF244321}">
+                    <p14:modId xmlns:p14="http://schemas.microsoft.com/office/powerpoint/2010/main" val="3609926660"/>
+                  </p:ext>
+                </p:extLst>
+              </p:nvPr>
+            </p:nvGraphicFramePr>
+            <p:xfrm>
+              <a:off x="1129469" y="1668034"/>
+              <a:ext cx="6930780" cy="3291840"/>
+            </p:xfrm>
+            <a:graphic>
+              <a:graphicData uri="http://schemas.openxmlformats.org/drawingml/2006/table">
+                <a:tbl>
+                  <a:tblPr firstRow="1" bandRow="1">
+                    <a:tableStyleId>{5C22544A-7EE6-4342-B048-85BDC9FD1C3A}</a:tableStyleId>
+                  </a:tblPr>
+                  <a:tblGrid>
+                    <a:gridCol w="2310260"/>
+                    <a:gridCol w="2310260"/>
+                    <a:gridCol w="2310260"/>
+                  </a:tblGrid>
+                  <a:tr h="370840">
+                    <a:tc>
+                      <a:txBody>
+                        <a:bodyPr/>
+                        <a:lstStyle/>
+                        <a:p>
+                          <a:pPr algn="ctr"/>
+                          <a:r>
+                            <a:rPr kumimoji="1" lang="ja-JP" altLang="en-US" sz="2400" dirty="0" smtClean="0"/>
+                            <a:t>グリッドの大きさ</a:t>
+                          </a:r>
+                          <a:endParaRPr kumimoji="1" lang="ja-JP" altLang="en-US" sz="2400" dirty="0"/>
+                        </a:p>
+                      </a:txBody>
+                      <a:tcPr/>
+                    </a:tc>
+                    <a:tc>
+                      <a:txBody>
+                        <a:bodyPr/>
+                        <a:lstStyle/>
+                        <a:p>
+                          <a:pPr algn="ctr"/>
+                          <a:r>
+                            <a:rPr kumimoji="1" lang="ja-JP" altLang="en-US" sz="2400" dirty="0" smtClean="0"/>
+                            <a:t>色の数</a:t>
+                          </a:r>
+                          <a:endParaRPr kumimoji="1" lang="ja-JP" altLang="en-US" sz="2400" dirty="0"/>
+                        </a:p>
+                      </a:txBody>
+                      <a:tcPr/>
+                    </a:tc>
+                    <a:tc>
+                      <a:txBody>
+                        <a:bodyPr/>
+                        <a:lstStyle/>
+                        <a:p>
+                          <a:pPr algn="ctr"/>
+                          <a:r>
+                            <a:rPr kumimoji="1" lang="ja-JP" altLang="en-US" sz="2400" dirty="0" smtClean="0"/>
+                            <a:t>難しさ</a:t>
+                          </a:r>
+                          <a:endParaRPr kumimoji="1" lang="ja-JP" altLang="en-US" sz="2400" dirty="0"/>
+                        </a:p>
+                      </a:txBody>
+                      <a:tcPr/>
+                    </a:tc>
+                  </a:tr>
+                  <a:tr h="370840">
+                    <a:tc>
+                      <a:txBody>
+                        <a:bodyPr/>
+                        <a:lstStyle/>
+                        <a:p>
+                          <a:pPr algn="ctr"/>
+                          <a14:m>
+                            <m:oMathPara xmlns:m="http://schemas.openxmlformats.org/officeDocument/2006/math">
+                              <m:oMathParaPr>
+                                <m:jc m:val="centerGroup"/>
+                              </m:oMathParaPr>
+                              <m:oMath xmlns:m="http://schemas.openxmlformats.org/officeDocument/2006/math">
+                                <m:r>
+                                  <a:rPr kumimoji="1" lang="en-US" altLang="ja-JP" sz="2800" b="0" i="1" smtClean="0">
+                                    <a:latin typeface="Cambria Math" panose="02040503050406030204" pitchFamily="18" charset="0"/>
+                                  </a:rPr>
+                                  <m:t>𝑛</m:t>
+                                </m:r>
+                                <m:r>
+                                  <a:rPr kumimoji="1" lang="en-US" altLang="ja-JP" sz="2800" b="0" i="1" smtClean="0">
+                                    <a:latin typeface="Cambria Math" panose="02040503050406030204" pitchFamily="18" charset="0"/>
+                                    <a:ea typeface="Cambria Math" panose="02040503050406030204" pitchFamily="18" charset="0"/>
+                                  </a:rPr>
+                                  <m:t>×</m:t>
+                                </m:r>
+                                <m:r>
+                                  <a:rPr kumimoji="1" lang="en-US" altLang="ja-JP" sz="2800" b="0" i="1" smtClean="0">
+                                    <a:latin typeface="Cambria Math" panose="02040503050406030204" pitchFamily="18" charset="0"/>
+                                    <a:ea typeface="Cambria Math" panose="02040503050406030204" pitchFamily="18" charset="0"/>
+                                  </a:rPr>
+                                  <m:t>𝑛</m:t>
+                                </m:r>
+                              </m:oMath>
+                            </m:oMathPara>
+                          </a14:m>
+                          <a:endParaRPr kumimoji="1" lang="ja-JP" altLang="en-US" sz="2800" dirty="0"/>
+                        </a:p>
+                      </a:txBody>
+                      <a:tcPr/>
+                    </a:tc>
+                    <a:tc>
+                      <a:txBody>
+                        <a:bodyPr/>
+                        <a:lstStyle/>
+                        <a:p>
+                          <a:pPr algn="ctr"/>
+                          <a:r>
+                            <a:rPr kumimoji="1" lang="en-US" altLang="ja-JP" sz="2800" dirty="0" smtClean="0"/>
+                            <a:t>3</a:t>
+                          </a:r>
+                          <a:r>
+                            <a:rPr kumimoji="1" lang="ja-JP" altLang="en-US" sz="2800" dirty="0" smtClean="0"/>
+                            <a:t>色以上</a:t>
+                          </a:r>
+                          <a:endParaRPr kumimoji="1" lang="ja-JP" altLang="en-US" sz="2800" dirty="0"/>
+                        </a:p>
+                      </a:txBody>
+                      <a:tcPr/>
+                    </a:tc>
+                    <a:tc>
+                      <a:txBody>
+                        <a:bodyPr/>
+                        <a:lstStyle/>
+                        <a:p>
+                          <a:pPr algn="ctr"/>
+                          <a:r>
+                            <a:rPr kumimoji="1" lang="en-US" altLang="ja-JP" sz="2800" dirty="0" smtClean="0">
+                              <a:solidFill>
+                                <a:srgbClr val="FF0000"/>
+                              </a:solidFill>
+                            </a:rPr>
+                            <a:t>NP</a:t>
+                          </a:r>
+                          <a:r>
+                            <a:rPr kumimoji="1" lang="ja-JP" altLang="en-US" sz="2800" dirty="0" smtClean="0">
+                              <a:solidFill>
+                                <a:srgbClr val="FF0000"/>
+                              </a:solidFill>
+                            </a:rPr>
+                            <a:t>困難</a:t>
+                          </a:r>
+                          <a:endParaRPr kumimoji="1" lang="en-US" altLang="ja-JP" sz="2800" dirty="0" smtClean="0">
+                            <a:solidFill>
+                              <a:srgbClr val="FF0000"/>
+                            </a:solidFill>
+                          </a:endParaRPr>
+                        </a:p>
+                        <a:p>
+                          <a:pPr algn="ctr"/>
+                          <a:r>
+                            <a:rPr kumimoji="1" lang="en-US" altLang="ja-JP" sz="2800" dirty="0" smtClean="0"/>
+                            <a:t>[ACJMS10]</a:t>
+                          </a:r>
+                          <a:endParaRPr kumimoji="1" lang="ja-JP" altLang="en-US" sz="2800" dirty="0"/>
+                        </a:p>
+                      </a:txBody>
+                      <a:tcPr/>
+                    </a:tc>
+                  </a:tr>
+                  <a:tr h="370840">
+                    <a:tc>
+                      <a:txBody>
+                        <a:bodyPr/>
+                        <a:lstStyle/>
+                        <a:p>
+                          <a:pPr algn="ctr"/>
+                          <a14:m>
+                            <m:oMathPara xmlns:m="http://schemas.openxmlformats.org/officeDocument/2006/math">
+                              <m:oMathParaPr>
+                                <m:jc m:val="centerGroup"/>
+                              </m:oMathParaPr>
+                              <m:oMath xmlns:m="http://schemas.openxmlformats.org/officeDocument/2006/math">
+                                <m:r>
+                                  <a:rPr kumimoji="1" lang="en-US" altLang="ja-JP" sz="2800" b="0" i="1" smtClean="0">
+                                    <a:latin typeface="Cambria Math" panose="02040503050406030204" pitchFamily="18" charset="0"/>
+                                  </a:rPr>
+                                  <m:t>3</m:t>
+                                </m:r>
+                                <m:r>
+                                  <a:rPr kumimoji="1" lang="en-US" altLang="ja-JP" sz="2800" b="0" i="1" smtClean="0">
+                                    <a:latin typeface="Cambria Math" panose="02040503050406030204" pitchFamily="18" charset="0"/>
+                                    <a:ea typeface="Cambria Math" panose="02040503050406030204" pitchFamily="18" charset="0"/>
+                                  </a:rPr>
+                                  <m:t>×</m:t>
+                                </m:r>
+                                <m:r>
+                                  <a:rPr kumimoji="1" lang="en-US" altLang="ja-JP" sz="2800" b="0" i="1" smtClean="0">
+                                    <a:latin typeface="Cambria Math" panose="02040503050406030204" pitchFamily="18" charset="0"/>
+                                    <a:ea typeface="Cambria Math" panose="02040503050406030204" pitchFamily="18" charset="0"/>
+                                  </a:rPr>
+                                  <m:t>𝑛</m:t>
+                                </m:r>
+                              </m:oMath>
+                            </m:oMathPara>
+                          </a14:m>
+                          <a:endParaRPr kumimoji="1" lang="ja-JP" altLang="en-US" sz="2800" dirty="0"/>
+                        </a:p>
+                      </a:txBody>
+                      <a:tcPr/>
+                    </a:tc>
+                    <a:tc>
+                      <a:txBody>
+                        <a:bodyPr/>
+                        <a:lstStyle/>
+                        <a:p>
+                          <a:pPr algn="ctr"/>
+                          <a:r>
+                            <a:rPr kumimoji="1" lang="en-US" altLang="ja-JP" sz="2800" dirty="0" smtClean="0"/>
+                            <a:t>4</a:t>
+                          </a:r>
+                          <a:r>
+                            <a:rPr kumimoji="1" lang="ja-JP" altLang="en-US" sz="2800" dirty="0" smtClean="0"/>
+                            <a:t>色以上</a:t>
+                          </a:r>
+                          <a:endParaRPr kumimoji="1" lang="ja-JP" altLang="en-US" sz="2800" dirty="0"/>
+                        </a:p>
+                      </a:txBody>
+                      <a:tcPr/>
+                    </a:tc>
+                    <a:tc>
+                      <a:txBody>
+                        <a:bodyPr/>
+                        <a:lstStyle/>
+                        <a:p>
+                          <a:pPr algn="ctr"/>
+                          <a:r>
+                            <a:rPr kumimoji="1" lang="en-US" altLang="ja-JP" sz="2800" dirty="0" smtClean="0">
+                              <a:solidFill>
+                                <a:srgbClr val="FF0000"/>
+                              </a:solidFill>
+                            </a:rPr>
+                            <a:t>NP</a:t>
+                          </a:r>
+                          <a:r>
+                            <a:rPr kumimoji="1" lang="ja-JP" altLang="en-US" sz="2800" dirty="0" smtClean="0">
+                              <a:solidFill>
+                                <a:srgbClr val="FF0000"/>
+                              </a:solidFill>
+                            </a:rPr>
+                            <a:t>困難</a:t>
+                          </a:r>
+                          <a:endParaRPr kumimoji="1" lang="en-US" altLang="ja-JP" sz="2800" dirty="0" smtClean="0">
+                            <a:solidFill>
+                              <a:srgbClr val="FF0000"/>
+                            </a:solidFill>
+                          </a:endParaRPr>
+                        </a:p>
+                        <a:p>
+                          <a:pPr algn="ctr"/>
+                          <a:r>
+                            <a:rPr kumimoji="1" lang="en-US" altLang="ja-JP" sz="2800" dirty="0" smtClean="0"/>
+                            <a:t>[MS12]</a:t>
+                          </a:r>
+                          <a:endParaRPr kumimoji="1" lang="ja-JP" altLang="en-US" sz="2800" dirty="0"/>
+                        </a:p>
+                      </a:txBody>
+                      <a:tcPr/>
+                    </a:tc>
+                  </a:tr>
+                  <a:tr h="370840">
+                    <a:tc>
+                      <a:txBody>
+                        <a:bodyPr/>
+                        <a:lstStyle/>
+                        <a:p>
+                          <a:pPr algn="ctr"/>
+                          <a14:m>
+                            <m:oMathPara xmlns:m="http://schemas.openxmlformats.org/officeDocument/2006/math">
+                              <m:oMathParaPr>
+                                <m:jc m:val="centerGroup"/>
+                              </m:oMathParaPr>
+                              <m:oMath xmlns:m="http://schemas.openxmlformats.org/officeDocument/2006/math">
+                                <m:r>
+                                  <a:rPr kumimoji="1" lang="en-US" altLang="ja-JP" sz="2800" b="0" i="1" smtClean="0">
+                                    <a:latin typeface="Cambria Math" panose="02040503050406030204" pitchFamily="18" charset="0"/>
+                                  </a:rPr>
+                                  <m:t>2</m:t>
+                                </m:r>
+                                <m:r>
+                                  <a:rPr kumimoji="1" lang="en-US" altLang="ja-JP" sz="2800" b="0" i="1" smtClean="0">
+                                    <a:latin typeface="Cambria Math" panose="02040503050406030204" pitchFamily="18" charset="0"/>
+                                    <a:ea typeface="Cambria Math" panose="02040503050406030204" pitchFamily="18" charset="0"/>
+                                  </a:rPr>
+                                  <m:t>×</m:t>
+                                </m:r>
+                                <m:r>
+                                  <a:rPr kumimoji="1" lang="en-US" altLang="ja-JP" sz="2800" b="0" i="1" smtClean="0">
+                                    <a:latin typeface="Cambria Math" panose="02040503050406030204" pitchFamily="18" charset="0"/>
+                                    <a:ea typeface="Cambria Math" panose="02040503050406030204" pitchFamily="18" charset="0"/>
+                                  </a:rPr>
+                                  <m:t>𝑛</m:t>
+                                </m:r>
+                              </m:oMath>
+                            </m:oMathPara>
+                          </a14:m>
+                          <a:endParaRPr kumimoji="1" lang="ja-JP" altLang="en-US" sz="2800" dirty="0"/>
+                        </a:p>
+                      </a:txBody>
+                      <a:tcPr/>
+                    </a:tc>
+                    <a:tc>
+                      <a:txBody>
+                        <a:bodyPr/>
+                        <a:lstStyle/>
+                        <a:p>
+                          <a:pPr algn="ctr"/>
+                          <a:r>
+                            <a:rPr kumimoji="1" lang="ja-JP" altLang="en-US" sz="2800" dirty="0" smtClean="0"/>
+                            <a:t>制限なし</a:t>
+                          </a:r>
+                          <a:endParaRPr kumimoji="1" lang="ja-JP" altLang="en-US" sz="2800" dirty="0"/>
+                        </a:p>
+                      </a:txBody>
+                      <a:tcPr/>
+                    </a:tc>
+                    <a:tc>
+                      <a:txBody>
+                        <a:bodyPr/>
+                        <a:lstStyle/>
+                        <a:p>
+                          <a:pPr algn="ctr"/>
+                          <a:r>
+                            <a:rPr kumimoji="1" lang="ja-JP" altLang="en-US" sz="2800" dirty="0" smtClean="0">
+                              <a:solidFill>
+                                <a:srgbClr val="00B050"/>
+                              </a:solidFill>
+                            </a:rPr>
+                            <a:t>多項式時間</a:t>
+                          </a:r>
+                          <a:endParaRPr kumimoji="1" lang="en-US" altLang="ja-JP" sz="2800" dirty="0" smtClean="0">
+                            <a:solidFill>
+                              <a:srgbClr val="00B050"/>
+                            </a:solidFill>
+                          </a:endParaRPr>
+                        </a:p>
+                        <a:p>
+                          <a:pPr algn="ctr"/>
+                          <a:r>
+                            <a:rPr kumimoji="1" lang="en-US" altLang="ja-JP" sz="2800" dirty="0" smtClean="0"/>
+                            <a:t>[CJMS12]</a:t>
+                          </a:r>
+                          <a:endParaRPr kumimoji="1" lang="ja-JP" altLang="en-US" sz="2800" dirty="0"/>
+                        </a:p>
+                      </a:txBody>
+                      <a:tcPr/>
+                    </a:tc>
+                  </a:tr>
+                </a:tbl>
+              </a:graphicData>
+            </a:graphic>
+          </p:graphicFrame>
+        </mc:Choice>
+        <mc:Fallback>
+          <p:graphicFrame>
+            <p:nvGraphicFramePr>
+              <p:cNvPr id="5" name="コンテンツ プレースホルダー 4"/>
+              <p:cNvGraphicFramePr>
+                <a:graphicFrameLocks noGrp="1"/>
+              </p:cNvGraphicFramePr>
+              <p:nvPr>
+                <p:ph idx="1"/>
+                <p:extLst>
+                  <p:ext uri="{D42A27DB-BD31-4B8C-83A1-F6EECF244321}">
+                    <p14:modId xmlns:p14="http://schemas.microsoft.com/office/powerpoint/2010/main" val="3609926660"/>
+                  </p:ext>
+                </p:extLst>
+              </p:nvPr>
+            </p:nvGraphicFramePr>
+            <p:xfrm>
+              <a:off x="1129469" y="1668034"/>
+              <a:ext cx="6930780" cy="3291840"/>
+            </p:xfrm>
+            <a:graphic>
+              <a:graphicData uri="http://schemas.openxmlformats.org/drawingml/2006/table">
+                <a:tbl>
+                  <a:tblPr firstRow="1" bandRow="1">
+                    <a:tableStyleId>{5C22544A-7EE6-4342-B048-85BDC9FD1C3A}</a:tableStyleId>
+                  </a:tblPr>
+                  <a:tblGrid>
+                    <a:gridCol w="2310260"/>
+                    <a:gridCol w="2310260"/>
+                    <a:gridCol w="2310260"/>
+                  </a:tblGrid>
+                  <a:tr h="457200">
+                    <a:tc>
+                      <a:txBody>
+                        <a:bodyPr/>
+                        <a:lstStyle/>
+                        <a:p>
+                          <a:pPr algn="ctr"/>
+                          <a:r>
+                            <a:rPr kumimoji="1" lang="ja-JP" altLang="en-US" sz="2400" dirty="0" smtClean="0"/>
+                            <a:t>グリッドの大きさ</a:t>
+                          </a:r>
+                          <a:endParaRPr kumimoji="1" lang="ja-JP" altLang="en-US" sz="2400" dirty="0"/>
+                        </a:p>
+                      </a:txBody>
+                      <a:tcPr/>
+                    </a:tc>
+                    <a:tc>
+                      <a:txBody>
+                        <a:bodyPr/>
+                        <a:lstStyle/>
+                        <a:p>
+                          <a:pPr algn="ctr"/>
+                          <a:r>
+                            <a:rPr kumimoji="1" lang="ja-JP" altLang="en-US" sz="2400" dirty="0" smtClean="0"/>
+                            <a:t>色の数</a:t>
+                          </a:r>
+                          <a:endParaRPr kumimoji="1" lang="ja-JP" altLang="en-US" sz="2400" dirty="0"/>
+                        </a:p>
+                      </a:txBody>
+                      <a:tcPr/>
+                    </a:tc>
+                    <a:tc>
+                      <a:txBody>
+                        <a:bodyPr/>
+                        <a:lstStyle/>
+                        <a:p>
+                          <a:pPr algn="ctr"/>
+                          <a:r>
+                            <a:rPr kumimoji="1" lang="ja-JP" altLang="en-US" sz="2400" dirty="0" smtClean="0"/>
+                            <a:t>難しさ</a:t>
+                          </a:r>
+                          <a:endParaRPr kumimoji="1" lang="ja-JP" altLang="en-US" sz="2400" dirty="0"/>
+                        </a:p>
+                      </a:txBody>
+                      <a:tcPr/>
+                    </a:tc>
+                  </a:tr>
+                  <a:tr h="944880">
+                    <a:tc>
+                      <a:txBody>
+                        <a:bodyPr/>
+                        <a:lstStyle/>
+                        <a:p>
+                          <a:endParaRPr lang="ja-JP"/>
+                        </a:p>
+                      </a:txBody>
+                      <a:tcPr>
+                        <a:blipFill rotWithShape="0">
+                          <a:blip r:embed="rId2"/>
+                          <a:stretch>
+                            <a:fillRect l="-264" t="-54839" r="-201319" b="-218710"/>
+                          </a:stretch>
+                        </a:blipFill>
+                      </a:tcPr>
+                    </a:tc>
+                    <a:tc>
+                      <a:txBody>
+                        <a:bodyPr/>
+                        <a:lstStyle/>
+                        <a:p>
+                          <a:pPr algn="ctr"/>
+                          <a:r>
+                            <a:rPr kumimoji="1" lang="en-US" altLang="ja-JP" sz="2800" dirty="0" smtClean="0"/>
+                            <a:t>3</a:t>
+                          </a:r>
+                          <a:r>
+                            <a:rPr kumimoji="1" lang="ja-JP" altLang="en-US" sz="2800" dirty="0" smtClean="0"/>
+                            <a:t>色以上</a:t>
+                          </a:r>
+                          <a:endParaRPr kumimoji="1" lang="ja-JP" altLang="en-US" sz="2800" dirty="0"/>
+                        </a:p>
+                      </a:txBody>
+                      <a:tcPr/>
+                    </a:tc>
+                    <a:tc>
+                      <a:txBody>
+                        <a:bodyPr/>
+                        <a:lstStyle/>
+                        <a:p>
+                          <a:pPr algn="ctr"/>
+                          <a:r>
+                            <a:rPr kumimoji="1" lang="en-US" altLang="ja-JP" sz="2800" dirty="0" smtClean="0">
+                              <a:solidFill>
+                                <a:srgbClr val="FF0000"/>
+                              </a:solidFill>
+                            </a:rPr>
+                            <a:t>NP</a:t>
+                          </a:r>
+                          <a:r>
+                            <a:rPr kumimoji="1" lang="ja-JP" altLang="en-US" sz="2800" dirty="0" smtClean="0">
+                              <a:solidFill>
+                                <a:srgbClr val="FF0000"/>
+                              </a:solidFill>
+                            </a:rPr>
+                            <a:t>困難</a:t>
+                          </a:r>
+                          <a:endParaRPr kumimoji="1" lang="en-US" altLang="ja-JP" sz="2800" dirty="0" smtClean="0">
+                            <a:solidFill>
+                              <a:srgbClr val="FF0000"/>
+                            </a:solidFill>
+                          </a:endParaRPr>
+                        </a:p>
+                        <a:p>
+                          <a:pPr algn="ctr"/>
+                          <a:r>
+                            <a:rPr kumimoji="1" lang="en-US" altLang="ja-JP" sz="2800" dirty="0" smtClean="0"/>
+                            <a:t>[ACJMS10]</a:t>
+                          </a:r>
+                          <a:endParaRPr kumimoji="1" lang="ja-JP" altLang="en-US" sz="2800" dirty="0"/>
+                        </a:p>
+                      </a:txBody>
+                      <a:tcPr/>
+                    </a:tc>
+                  </a:tr>
+                  <a:tr h="944880">
+                    <a:tc>
+                      <a:txBody>
+                        <a:bodyPr/>
+                        <a:lstStyle/>
+                        <a:p>
+                          <a:endParaRPr lang="ja-JP"/>
+                        </a:p>
+                      </a:txBody>
+                      <a:tcPr>
+                        <a:blipFill rotWithShape="0">
+                          <a:blip r:embed="rId2"/>
+                          <a:stretch>
+                            <a:fillRect l="-264" t="-153846" r="-201319" b="-117308"/>
+                          </a:stretch>
+                        </a:blipFill>
+                      </a:tcPr>
+                    </a:tc>
+                    <a:tc>
+                      <a:txBody>
+                        <a:bodyPr/>
+                        <a:lstStyle/>
+                        <a:p>
+                          <a:pPr algn="ctr"/>
+                          <a:r>
+                            <a:rPr kumimoji="1" lang="en-US" altLang="ja-JP" sz="2800" dirty="0" smtClean="0"/>
+                            <a:t>4</a:t>
+                          </a:r>
+                          <a:r>
+                            <a:rPr kumimoji="1" lang="ja-JP" altLang="en-US" sz="2800" dirty="0" smtClean="0"/>
+                            <a:t>色以上</a:t>
+                          </a:r>
+                          <a:endParaRPr kumimoji="1" lang="ja-JP" altLang="en-US" sz="2800" dirty="0"/>
+                        </a:p>
+                      </a:txBody>
+                      <a:tcPr/>
+                    </a:tc>
+                    <a:tc>
+                      <a:txBody>
+                        <a:bodyPr/>
+                        <a:lstStyle/>
+                        <a:p>
+                          <a:pPr algn="ctr"/>
+                          <a:r>
+                            <a:rPr kumimoji="1" lang="en-US" altLang="ja-JP" sz="2800" dirty="0" smtClean="0">
+                              <a:solidFill>
+                                <a:srgbClr val="FF0000"/>
+                              </a:solidFill>
+                            </a:rPr>
+                            <a:t>NP</a:t>
+                          </a:r>
+                          <a:r>
+                            <a:rPr kumimoji="1" lang="ja-JP" altLang="en-US" sz="2800" dirty="0" smtClean="0">
+                              <a:solidFill>
+                                <a:srgbClr val="FF0000"/>
+                              </a:solidFill>
+                            </a:rPr>
+                            <a:t>困難</a:t>
+                          </a:r>
+                          <a:endParaRPr kumimoji="1" lang="en-US" altLang="ja-JP" sz="2800" dirty="0" smtClean="0">
+                            <a:solidFill>
+                              <a:srgbClr val="FF0000"/>
+                            </a:solidFill>
+                          </a:endParaRPr>
+                        </a:p>
+                        <a:p>
+                          <a:pPr algn="ctr"/>
+                          <a:r>
+                            <a:rPr kumimoji="1" lang="en-US" altLang="ja-JP" sz="2800" dirty="0" smtClean="0"/>
+                            <a:t>[MS12]</a:t>
+                          </a:r>
+                          <a:endParaRPr kumimoji="1" lang="ja-JP" altLang="en-US" sz="2800" dirty="0"/>
+                        </a:p>
+                      </a:txBody>
+                      <a:tcPr/>
+                    </a:tc>
+                  </a:tr>
+                  <a:tr h="944880">
+                    <a:tc>
+                      <a:txBody>
+                        <a:bodyPr/>
+                        <a:lstStyle/>
+                        <a:p>
+                          <a:endParaRPr lang="ja-JP"/>
+                        </a:p>
+                      </a:txBody>
+                      <a:tcPr>
+                        <a:blipFill rotWithShape="0">
+                          <a:blip r:embed="rId2"/>
+                          <a:stretch>
+                            <a:fillRect l="-264" t="-255484" r="-201319" b="-18065"/>
+                          </a:stretch>
+                        </a:blipFill>
+                      </a:tcPr>
+                    </a:tc>
+                    <a:tc>
+                      <a:txBody>
+                        <a:bodyPr/>
+                        <a:lstStyle/>
+                        <a:p>
+                          <a:pPr algn="ctr"/>
+                          <a:r>
+                            <a:rPr kumimoji="1" lang="ja-JP" altLang="en-US" sz="2800" dirty="0" smtClean="0"/>
+                            <a:t>制限なし</a:t>
+                          </a:r>
+                          <a:endParaRPr kumimoji="1" lang="ja-JP" altLang="en-US" sz="2800" dirty="0"/>
+                        </a:p>
+                      </a:txBody>
+                      <a:tcPr/>
+                    </a:tc>
+                    <a:tc>
+                      <a:txBody>
+                        <a:bodyPr/>
+                        <a:lstStyle/>
+                        <a:p>
+                          <a:pPr algn="ctr"/>
+                          <a:r>
+                            <a:rPr kumimoji="1" lang="ja-JP" altLang="en-US" sz="2800" dirty="0" smtClean="0">
+                              <a:solidFill>
+                                <a:srgbClr val="00B050"/>
+                              </a:solidFill>
+                            </a:rPr>
+                            <a:t>多項式時間</a:t>
+                          </a:r>
+                          <a:endParaRPr kumimoji="1" lang="en-US" altLang="ja-JP" sz="2800" dirty="0" smtClean="0">
+                            <a:solidFill>
+                              <a:srgbClr val="00B050"/>
+                            </a:solidFill>
+                          </a:endParaRPr>
+                        </a:p>
+                        <a:p>
+                          <a:pPr algn="ctr"/>
+                          <a:r>
+                            <a:rPr kumimoji="1" lang="en-US" altLang="ja-JP" sz="2800" dirty="0" smtClean="0"/>
+                            <a:t>[CJMS12]</a:t>
+                          </a:r>
+                          <a:endParaRPr kumimoji="1" lang="ja-JP" altLang="en-US" sz="2800" dirty="0"/>
+                        </a:p>
+                      </a:txBody>
+                      <a:tcPr/>
+                    </a:tc>
+                  </a:tr>
+                </a:tbl>
+              </a:graphicData>
+            </a:graphic>
+          </p:graphicFrame>
+        </mc:Fallback>
+      </mc:AlternateContent>
+      <p:sp>
+        <p:nvSpPr>
+          <p:cNvPr id="4" name="スライド番号プレースホルダー 3"/>
+          <p:cNvSpPr>
+            <a:spLocks noGrp="1"/>
+          </p:cNvSpPr>
+          <p:nvPr>
+            <p:ph type="sldNum" sz="quarter" idx="4"/>
+          </p:nvPr>
+        </p:nvSpPr>
+        <p:spPr/>
+        <p:txBody>
+          <a:bodyPr/>
+          <a:lstStyle/>
+          <a:p>
+            <a:fld id="{06866E33-5310-403C-85EB-90D9101399C4}" type="slidenum">
+              <a:rPr lang="ja-JP" altLang="en-US" smtClean="0"/>
+              <a:pPr/>
+              <a:t>5</a:t>
+            </a:fld>
+            <a:endParaRPr lang="ja-JP" altLang="en-US" dirty="0"/>
+          </a:p>
+        </p:txBody>
+      </p:sp>
+      <p:sp>
+        <p:nvSpPr>
+          <p:cNvPr id="6" name="コンテンツ プレースホルダー 2"/>
+          <p:cNvSpPr txBox="1">
+            <a:spLocks/>
+          </p:cNvSpPr>
+          <p:nvPr/>
+        </p:nvSpPr>
+        <p:spPr>
+          <a:xfrm>
+            <a:off x="822959" y="758815"/>
+            <a:ext cx="7543801" cy="5110279"/>
+          </a:xfrm>
+          <a:prstGeom prst="rect">
+            <a:avLst/>
+          </a:prstGeom>
+        </p:spPr>
+        <p:txBody>
+          <a:bodyPr vert="horz" lIns="0" tIns="45720" rIns="0" bIns="45720" rtlCol="0">
+            <a:normAutofit/>
+          </a:bodyPr>
+          <a:lstStyle>
+            <a:lvl1pPr marL="0" indent="0" algn="l" defTabSz="914400" rtl="0" eaLnBrk="1" latinLnBrk="0" hangingPunct="1">
+              <a:lnSpc>
+                <a:spcPct val="90000"/>
+              </a:lnSpc>
+              <a:spcBef>
+                <a:spcPts val="1000"/>
+              </a:spcBef>
+              <a:buFont typeface="Arial" panose="020B0604020202020204" pitchFamily="34" charset="0"/>
+              <a:buNone/>
+              <a:defRPr kumimoji="1" sz="2800" kern="1200">
+                <a:solidFill>
+                  <a:schemeClr val="tx1"/>
+                </a:solidFill>
+                <a:latin typeface="+mn-lt"/>
+                <a:ea typeface="+mn-ea"/>
+                <a:cs typeface="+mn-cs"/>
+              </a:defRPr>
+            </a:lvl1pPr>
+            <a:lvl2pPr marL="457200" indent="0" algn="l" defTabSz="914400" rtl="0" eaLnBrk="1" latinLnBrk="0" hangingPunct="1">
+              <a:lnSpc>
+                <a:spcPct val="90000"/>
+              </a:lnSpc>
+              <a:spcBef>
+                <a:spcPts val="500"/>
+              </a:spcBef>
+              <a:buFont typeface="Arial" panose="020B0604020202020204" pitchFamily="34" charset="0"/>
+              <a:buNone/>
+              <a:defRPr kumimoji="1" sz="2400" kern="1200">
+                <a:solidFill>
+                  <a:schemeClr val="tx1"/>
+                </a:solidFill>
+                <a:latin typeface="+mn-lt"/>
+                <a:ea typeface="+mn-ea"/>
+                <a:cs typeface="+mn-cs"/>
+              </a:defRPr>
+            </a:lvl2pPr>
+            <a:lvl3pPr marL="914400" indent="0" algn="l" defTabSz="914400" rtl="0" eaLnBrk="1" latinLnBrk="0" hangingPunct="1">
+              <a:lnSpc>
+                <a:spcPct val="90000"/>
+              </a:lnSpc>
+              <a:spcBef>
+                <a:spcPts val="500"/>
+              </a:spcBef>
+              <a:buFont typeface="Arial" panose="020B0604020202020204" pitchFamily="34" charset="0"/>
+              <a:buNone/>
+              <a:defRPr kumimoji="1" sz="2000" kern="1200">
+                <a:solidFill>
+                  <a:schemeClr val="tx1"/>
+                </a:solidFill>
+                <a:latin typeface="+mn-lt"/>
+                <a:ea typeface="+mn-ea"/>
+                <a:cs typeface="+mn-cs"/>
+              </a:defRPr>
+            </a:lvl3pPr>
+            <a:lvl4pPr marL="1371600" indent="0" algn="l" defTabSz="914400" rtl="0" eaLnBrk="1" latinLnBrk="0" hangingPunct="1">
+              <a:lnSpc>
+                <a:spcPct val="90000"/>
+              </a:lnSpc>
+              <a:spcBef>
+                <a:spcPts val="500"/>
+              </a:spcBef>
+              <a:buFont typeface="Arial" panose="020B0604020202020204" pitchFamily="34" charset="0"/>
+              <a:buNone/>
+              <a:defRPr kumimoji="1" sz="1800" kern="1200">
+                <a:solidFill>
+                  <a:schemeClr val="tx1"/>
+                </a:solidFill>
+                <a:latin typeface="+mn-lt"/>
+                <a:ea typeface="+mn-ea"/>
+                <a:cs typeface="+mn-cs"/>
+              </a:defRPr>
+            </a:lvl4pPr>
+            <a:lvl5pPr marL="1828800" indent="0" algn="l" defTabSz="914400" rtl="0" eaLnBrk="1" latinLnBrk="0" hangingPunct="1">
+              <a:lnSpc>
+                <a:spcPct val="90000"/>
+              </a:lnSpc>
+              <a:spcBef>
+                <a:spcPts val="500"/>
+              </a:spcBef>
+              <a:buFont typeface="Arial" panose="020B0604020202020204" pitchFamily="34" charset="0"/>
+              <a:buNone/>
+              <a:defRPr kumimoji="1" sz="1800" kern="1200">
+                <a:solidFill>
+                  <a:schemeClr val="tx1"/>
+                </a:solidFill>
+                <a:latin typeface="+mn-lt"/>
+                <a:ea typeface="+mn-ea"/>
+                <a:cs typeface="+mn-cs"/>
+              </a:defRPr>
+            </a:lvl5pPr>
+            <a:lvl6pPr marL="2514600" indent="-228600" algn="l" defTabSz="914400" rtl="0" eaLnBrk="1" latinLnBrk="0" hangingPunct="1">
+              <a:lnSpc>
+                <a:spcPct val="90000"/>
+              </a:lnSpc>
+              <a:spcBef>
+                <a:spcPts val="500"/>
+              </a:spcBef>
+              <a:buFont typeface="Arial" panose="020B0604020202020204" pitchFamily="34" charset="0"/>
+              <a:buChar char="•"/>
+              <a:defRPr kumimoji="1" sz="1800" kern="1200">
+                <a:solidFill>
+                  <a:schemeClr val="tx1"/>
+                </a:solidFill>
+                <a:latin typeface="+mn-lt"/>
+                <a:ea typeface="+mn-ea"/>
+                <a:cs typeface="+mn-cs"/>
+              </a:defRPr>
+            </a:lvl6pPr>
+            <a:lvl7pPr marL="2971800" indent="-228600" algn="l" defTabSz="914400" rtl="0" eaLnBrk="1" latinLnBrk="0" hangingPunct="1">
+              <a:lnSpc>
+                <a:spcPct val="90000"/>
+              </a:lnSpc>
+              <a:spcBef>
+                <a:spcPts val="500"/>
+              </a:spcBef>
+              <a:buFont typeface="Arial" panose="020B0604020202020204" pitchFamily="34" charset="0"/>
+              <a:buChar char="•"/>
+              <a:defRPr kumimoji="1" sz="1800" kern="1200">
+                <a:solidFill>
+                  <a:schemeClr val="tx1"/>
+                </a:solidFill>
+                <a:latin typeface="+mn-lt"/>
+                <a:ea typeface="+mn-ea"/>
+                <a:cs typeface="+mn-cs"/>
+              </a:defRPr>
+            </a:lvl7pPr>
+            <a:lvl8pPr marL="3429000" indent="-228600" algn="l" defTabSz="914400" rtl="0" eaLnBrk="1" latinLnBrk="0" hangingPunct="1">
+              <a:lnSpc>
+                <a:spcPct val="90000"/>
+              </a:lnSpc>
+              <a:spcBef>
+                <a:spcPts val="500"/>
+              </a:spcBef>
+              <a:buFont typeface="Arial" panose="020B0604020202020204" pitchFamily="34" charset="0"/>
+              <a:buChar char="•"/>
+              <a:defRPr kumimoji="1" sz="1800" kern="1200">
+                <a:solidFill>
+                  <a:schemeClr val="tx1"/>
+                </a:solidFill>
+                <a:latin typeface="+mn-lt"/>
+                <a:ea typeface="+mn-ea"/>
+                <a:cs typeface="+mn-cs"/>
+              </a:defRPr>
+            </a:lvl8pPr>
+            <a:lvl9pPr marL="3886200" indent="-228600" algn="l" defTabSz="914400" rtl="0" eaLnBrk="1" latinLnBrk="0" hangingPunct="1">
+              <a:lnSpc>
+                <a:spcPct val="90000"/>
+              </a:lnSpc>
+              <a:spcBef>
+                <a:spcPts val="500"/>
+              </a:spcBef>
+              <a:buFont typeface="Arial" panose="020B0604020202020204" pitchFamily="34" charset="0"/>
+              <a:buChar char="•"/>
+              <a:defRPr kumimoji="1" sz="1800" kern="1200">
+                <a:solidFill>
+                  <a:schemeClr val="tx1"/>
+                </a:solidFill>
+                <a:latin typeface="+mn-lt"/>
+                <a:ea typeface="+mn-ea"/>
+                <a:cs typeface="+mn-cs"/>
+              </a:defRPr>
+            </a:lvl9pPr>
+          </a:lstStyle>
+          <a:p>
+            <a:r>
+              <a:rPr lang="en-US" altLang="ja-JP" dirty="0" smtClean="0"/>
+              <a:t>Flood-It</a:t>
+            </a:r>
+            <a:r>
+              <a:rPr lang="ja-JP" altLang="en-US" dirty="0" smtClean="0"/>
+              <a:t>の</a:t>
+            </a:r>
+            <a:r>
+              <a:rPr lang="ja-JP" altLang="en-US" dirty="0"/>
+              <a:t>最短</a:t>
+            </a:r>
+            <a:r>
+              <a:rPr lang="ja-JP" altLang="en-US" dirty="0" smtClean="0"/>
+              <a:t>の操作列を求める問題においては，以下の困難性が知られている．</a:t>
+            </a:r>
+            <a:endParaRPr lang="en-US" altLang="ja-JP" dirty="0" smtClean="0"/>
+          </a:p>
+        </p:txBody>
+      </p:sp>
+      <p:sp>
+        <p:nvSpPr>
+          <p:cNvPr id="7" name="正方形/長方形 6"/>
+          <p:cNvSpPr/>
+          <p:nvPr/>
+        </p:nvSpPr>
+        <p:spPr>
+          <a:xfrm>
+            <a:off x="3783095" y="5143736"/>
+            <a:ext cx="1623527" cy="1583684"/>
+          </a:xfrm>
+          <a:prstGeom prst="rect">
+            <a:avLst/>
+          </a:prstGeom>
+        </p:spPr>
+        <p:style>
+          <a:lnRef idx="2">
+            <a:schemeClr val="accent1">
+              <a:shade val="50000"/>
+            </a:schemeClr>
+          </a:lnRef>
+          <a:fillRef idx="1">
+            <a:schemeClr val="accent1"/>
+          </a:fillRef>
+          <a:effectRef idx="0">
+            <a:schemeClr val="accent1"/>
+          </a:effectRef>
+          <a:fontRef idx="minor">
+            <a:schemeClr val="lt1"/>
+          </a:fontRef>
+        </p:style>
+        <p:txBody>
+          <a:bodyPr rtlCol="0" anchor="ctr"/>
+          <a:lstStyle/>
+          <a:p>
+            <a:pPr algn="ctr"/>
+            <a:r>
+              <a:rPr kumimoji="1" lang="ja-JP" altLang="en-US" dirty="0" smtClean="0"/>
+              <a:t>図</a:t>
+            </a:r>
+            <a:endParaRPr kumimoji="1" lang="ja-JP" altLang="en-US" dirty="0"/>
+          </a:p>
+        </p:txBody>
+      </p:sp>
+    </p:spTree>
+    <p:extLst>
+      <p:ext uri="{BB962C8B-B14F-4D97-AF65-F5344CB8AC3E}">
+        <p14:creationId xmlns:p14="http://schemas.microsoft.com/office/powerpoint/2010/main" val="3967377496"/>
+      </p:ext>
+    </p:extLst>
+  </p:cSld>
+  <p:clrMapOvr>
+    <a:masterClrMapping/>
+  </p:clrMapOvr>
+  <p:timing>
+    <p:tnLst>
+      <p:par>
+        <p:cTn id="1" dur="indefinite" restart="never" nodeType="tmRoot"/>
+      </p:par>
+    </p:tnLst>
+  </p:timing>
+</p:sld>
+</file>
+
+<file path=ppt/slides/slide6.xml><?xml version="1.0" encoding="utf-8"?>
+<p:sld xmlns:a="http://schemas.openxmlformats.org/drawingml/2006/main" xmlns:r="http://schemas.openxmlformats.org/officeDocument/2006/relationships" xmlns:p="http://schemas.openxmlformats.org/presentationml/2006/main">
+  <p:cSld>
+    <p:spTree>
+      <p:nvGrpSpPr>
+        <p:cNvPr id="1" name=""/>
+        <p:cNvGrpSpPr/>
+        <p:nvPr/>
+      </p:nvGrpSpPr>
+      <p:grpSpPr>
+        <a:xfrm>
+          <a:off x="0" y="0"/>
+          <a:ext cx="0" cy="0"/>
+          <a:chOff x="0" y="0"/>
+          <a:chExt cx="0" cy="0"/>
+        </a:xfrm>
+      </p:grpSpPr>
+      <p:sp>
+        <p:nvSpPr>
+          <p:cNvPr id="2" name="タイトル 1"/>
+          <p:cNvSpPr>
+            <a:spLocks noGrp="1"/>
+          </p:cNvSpPr>
+          <p:nvPr>
+            <p:ph type="title"/>
+          </p:nvPr>
+        </p:nvSpPr>
+        <p:spPr/>
+        <p:txBody>
+          <a:bodyPr/>
+          <a:lstStyle/>
+          <a:p>
+            <a:r>
+              <a:rPr lang="ja-JP" altLang="en-US" dirty="0" smtClean="0"/>
+              <a:t>今回扱うゲーム</a:t>
+            </a:r>
+            <a:endParaRPr kumimoji="1" lang="ja-JP" altLang="en-US" dirty="0"/>
+          </a:p>
+        </p:txBody>
+      </p:sp>
+      <p:sp>
+        <p:nvSpPr>
+          <p:cNvPr id="3" name="コンテンツ プレースホルダー 2"/>
+          <p:cNvSpPr>
+            <a:spLocks noGrp="1"/>
+          </p:cNvSpPr>
+          <p:nvPr>
+            <p:ph idx="1"/>
+          </p:nvPr>
+        </p:nvSpPr>
+        <p:spPr>
+          <a:xfrm>
+            <a:off x="822959" y="758815"/>
+            <a:ext cx="7543801" cy="2098685"/>
+          </a:xfrm>
+        </p:spPr>
+        <p:txBody>
+          <a:bodyPr/>
+          <a:lstStyle/>
+          <a:p>
+            <a:r>
+              <a:rPr lang="en-US" altLang="ja-JP" dirty="0" smtClean="0"/>
+              <a:t>Flood-It</a:t>
+            </a:r>
+            <a:r>
+              <a:rPr lang="ja-JP" altLang="en-US" dirty="0" smtClean="0"/>
+              <a:t>を二人用対戦ゲームにしたもの</a:t>
+            </a:r>
+            <a:endParaRPr lang="en-US" altLang="ja-JP" dirty="0" smtClean="0"/>
+          </a:p>
+          <a:p>
+            <a:r>
+              <a:rPr lang="ja-JP" altLang="en-US" dirty="0"/>
+              <a:t>目的</a:t>
+            </a:r>
+            <a:r>
+              <a:rPr lang="ja-JP" altLang="en-US" dirty="0" smtClean="0"/>
+              <a:t>：交互に自分の</a:t>
+            </a:r>
+            <a:r>
+              <a:rPr lang="ja-JP" altLang="en-US" dirty="0"/>
+              <a:t>マスの色を</a:t>
+            </a:r>
+            <a:r>
+              <a:rPr lang="ja-JP" altLang="en-US" dirty="0" smtClean="0"/>
+              <a:t>変えていくことで</a:t>
+            </a:r>
+            <a:endParaRPr lang="en-US" altLang="ja-JP" dirty="0" smtClean="0"/>
+          </a:p>
+          <a:p>
+            <a:r>
+              <a:rPr lang="ja-JP" altLang="en-US" dirty="0" smtClean="0"/>
+              <a:t>          自分の色の範囲</a:t>
+            </a:r>
+            <a:r>
+              <a:rPr lang="en-US" altLang="ja-JP" dirty="0" smtClean="0"/>
+              <a:t>(</a:t>
+            </a:r>
+            <a:r>
+              <a:rPr lang="ja-JP" altLang="en-US" dirty="0" smtClean="0"/>
+              <a:t>陣地</a:t>
+            </a:r>
+            <a:r>
+              <a:rPr lang="en-US" altLang="ja-JP" dirty="0" smtClean="0"/>
+              <a:t>)</a:t>
+            </a:r>
+            <a:r>
+              <a:rPr lang="ja-JP" altLang="en-US" dirty="0" smtClean="0"/>
+              <a:t>を拡大し，陣地</a:t>
+            </a:r>
+            <a:r>
+              <a:rPr kumimoji="1" lang="ja-JP" altLang="en-US" dirty="0" smtClean="0"/>
+              <a:t>を相</a:t>
+            </a:r>
+            <a:endParaRPr kumimoji="1" lang="en-US" altLang="ja-JP" dirty="0" smtClean="0"/>
+          </a:p>
+          <a:p>
+            <a:r>
+              <a:rPr lang="en-US" altLang="ja-JP" dirty="0"/>
+              <a:t> </a:t>
+            </a:r>
+            <a:r>
+              <a:rPr lang="en-US" altLang="ja-JP" dirty="0" smtClean="0"/>
+              <a:t>        </a:t>
+            </a:r>
+            <a:r>
+              <a:rPr kumimoji="1" lang="ja-JP" altLang="en-US" dirty="0" smtClean="0"/>
+              <a:t> 手より広くする．</a:t>
+            </a:r>
+            <a:endParaRPr kumimoji="1" lang="ja-JP" altLang="en-US" dirty="0"/>
+          </a:p>
+        </p:txBody>
+      </p:sp>
+      <p:sp>
+        <p:nvSpPr>
+          <p:cNvPr id="4" name="スライド番号プレースホルダー 3"/>
+          <p:cNvSpPr>
+            <a:spLocks noGrp="1"/>
+          </p:cNvSpPr>
+          <p:nvPr>
+            <p:ph type="sldNum" sz="quarter" idx="4"/>
+          </p:nvPr>
+        </p:nvSpPr>
+        <p:spPr/>
+        <p:txBody>
+          <a:bodyPr/>
+          <a:lstStyle/>
+          <a:p>
+            <a:fld id="{06866E33-5310-403C-85EB-90D9101399C4}" type="slidenum">
+              <a:rPr lang="ja-JP" altLang="en-US" smtClean="0"/>
+              <a:pPr/>
+              <a:t>6</a:t>
+            </a:fld>
+            <a:endParaRPr lang="ja-JP" altLang="en-US" dirty="0"/>
+          </a:p>
+        </p:txBody>
+      </p:sp>
+      <p:sp>
+        <p:nvSpPr>
+          <p:cNvPr id="5" name="正方形/長方形 4"/>
+          <p:cNvSpPr/>
+          <p:nvPr/>
+        </p:nvSpPr>
+        <p:spPr>
+          <a:xfrm>
+            <a:off x="1099457" y="3099513"/>
+            <a:ext cx="3340359" cy="3209730"/>
+          </a:xfrm>
+          <a:prstGeom prst="rect">
+            <a:avLst/>
+          </a:prstGeom>
+        </p:spPr>
+        <p:style>
+          <a:lnRef idx="2">
+            <a:schemeClr val="accent1">
+              <a:shade val="50000"/>
+            </a:schemeClr>
+          </a:lnRef>
+          <a:fillRef idx="1">
+            <a:schemeClr val="accent1"/>
+          </a:fillRef>
+          <a:effectRef idx="0">
+            <a:schemeClr val="accent1"/>
+          </a:effectRef>
+          <a:fontRef idx="minor">
+            <a:schemeClr val="lt1"/>
+          </a:fontRef>
+        </p:style>
+        <p:txBody>
+          <a:bodyPr rtlCol="0" anchor="ctr"/>
+          <a:lstStyle/>
+          <a:p>
+            <a:pPr algn="ctr"/>
+            <a:r>
+              <a:rPr kumimoji="1" lang="ja-JP" altLang="en-US" dirty="0" smtClean="0"/>
+              <a:t>図とアニメーション</a:t>
+            </a:r>
+            <a:endParaRPr kumimoji="1" lang="ja-JP" altLang="en-US" dirty="0"/>
+          </a:p>
+        </p:txBody>
+      </p:sp>
+      <p:sp>
+        <p:nvSpPr>
+          <p:cNvPr id="6" name="テキスト ボックス 5"/>
+          <p:cNvSpPr txBox="1"/>
+          <p:nvPr/>
+        </p:nvSpPr>
+        <p:spPr>
+          <a:xfrm>
+            <a:off x="4594859" y="4879910"/>
+            <a:ext cx="4219425" cy="369332"/>
+          </a:xfrm>
+          <a:prstGeom prst="rect">
+            <a:avLst/>
+          </a:prstGeom>
+          <a:noFill/>
+        </p:spPr>
+        <p:txBody>
+          <a:bodyPr wrap="none" rtlCol="0">
+            <a:spAutoFit/>
+          </a:bodyPr>
+          <a:lstStyle/>
+          <a:p>
+            <a:r>
+              <a:rPr kumimoji="1" lang="en-US" altLang="ja-JP" dirty="0" smtClean="0"/>
+              <a:t>※</a:t>
+            </a:r>
+            <a:r>
+              <a:rPr kumimoji="1" lang="ja-JP" altLang="en-US" dirty="0" smtClean="0"/>
+              <a:t>ただし相手の色に変えることはできない</a:t>
+            </a:r>
+            <a:endParaRPr kumimoji="1" lang="ja-JP" altLang="en-US" dirty="0"/>
+          </a:p>
+        </p:txBody>
+      </p:sp>
+    </p:spTree>
+    <p:extLst>
+      <p:ext uri="{BB962C8B-B14F-4D97-AF65-F5344CB8AC3E}">
+        <p14:creationId xmlns:p14="http://schemas.microsoft.com/office/powerpoint/2010/main" val="1433285079"/>
+      </p:ext>
+    </p:extLst>
+  </p:cSld>
+  <p:clrMapOvr>
+    <a:masterClrMapping/>
+  </p:clrMapOvr>
+  <p:timing>
+    <p:tnLst>
+      <p:par>
+        <p:cTn id="1" dur="indefinite" restart="never" nodeType="tmRoot"/>
+      </p:par>
+    </p:tnLst>
+  </p:timing>
+</p:sld>
+</file>
+
+<file path=ppt/slides/slide7.xml><?xml version="1.0" encoding="utf-8"?>
+<p:sld xmlns:a="http://schemas.openxmlformats.org/drawingml/2006/main" xmlns:r="http://schemas.openxmlformats.org/officeDocument/2006/relationships" xmlns:p="http://schemas.openxmlformats.org/presentationml/2006/main">
+  <p:cSld>
+    <p:spTree>
+      <p:nvGrpSpPr>
+        <p:cNvPr id="1" name=""/>
+        <p:cNvGrpSpPr/>
+        <p:nvPr/>
+      </p:nvGrpSpPr>
+      <p:grpSpPr>
+        <a:xfrm>
+          <a:off x="0" y="0"/>
+          <a:ext cx="0" cy="0"/>
+          <a:chOff x="0" y="0"/>
+          <a:chExt cx="0" cy="0"/>
+        </a:xfrm>
+      </p:grpSpPr>
+      <p:sp>
+        <p:nvSpPr>
+          <p:cNvPr id="2" name="タイトル 1"/>
+          <p:cNvSpPr>
+            <a:spLocks noGrp="1"/>
+          </p:cNvSpPr>
+          <p:nvPr>
+            <p:ph type="title"/>
+          </p:nvPr>
+        </p:nvSpPr>
+        <p:spPr/>
+        <p:txBody>
+          <a:bodyPr/>
+          <a:lstStyle/>
+          <a:p>
+            <a:r>
+              <a:rPr kumimoji="1" lang="ja-JP" altLang="en-US" dirty="0" smtClean="0"/>
+              <a:t>考えられる戦略</a:t>
+            </a:r>
+            <a:endParaRPr kumimoji="1" lang="ja-JP" altLang="en-US" dirty="0"/>
+          </a:p>
+        </p:txBody>
+      </p:sp>
+      <p:sp>
+        <p:nvSpPr>
+          <p:cNvPr id="3" name="コンテンツ プレースホルダー 2"/>
+          <p:cNvSpPr>
+            <a:spLocks noGrp="1"/>
+          </p:cNvSpPr>
+          <p:nvPr>
+            <p:ph idx="1"/>
+          </p:nvPr>
+        </p:nvSpPr>
+        <p:spPr/>
+        <p:txBody>
+          <a:bodyPr/>
+          <a:lstStyle/>
+          <a:p>
+            <a:r>
+              <a:rPr lang="ja-JP" altLang="en-US" dirty="0" smtClean="0"/>
+              <a:t>多く塗りつぶした方の勝ち</a:t>
+            </a:r>
+            <a:endParaRPr lang="en-US" altLang="ja-JP" dirty="0" smtClean="0"/>
+          </a:p>
+          <a:p>
+            <a:r>
+              <a:rPr lang="ja-JP" altLang="en-US" dirty="0" smtClean="0"/>
+              <a:t>　→一人でやる場合の最短の手を求める</a:t>
+            </a:r>
+            <a:endParaRPr lang="en-US" altLang="ja-JP" dirty="0" smtClean="0"/>
+          </a:p>
+          <a:p>
+            <a:endParaRPr lang="en-US" altLang="ja-JP" dirty="0" smtClean="0"/>
+          </a:p>
+          <a:p>
+            <a:r>
+              <a:rPr lang="ja-JP" altLang="en-US" dirty="0" smtClean="0"/>
+              <a:t>自分の色には相手は変更することができない</a:t>
+            </a:r>
+            <a:endParaRPr lang="en-US" altLang="ja-JP" dirty="0" smtClean="0"/>
+          </a:p>
+          <a:p>
+            <a:r>
+              <a:rPr lang="ja-JP" altLang="en-US" dirty="0" smtClean="0"/>
+              <a:t>　→相手の次の良い手を阻止するような色に自分の色を変更して相手の邪魔をする</a:t>
+            </a:r>
+            <a:endParaRPr kumimoji="1" lang="en-US" altLang="ja-JP" dirty="0" smtClean="0"/>
+          </a:p>
+          <a:p>
+            <a:endParaRPr kumimoji="1" lang="en-US" altLang="ja-JP" dirty="0" smtClean="0"/>
+          </a:p>
+          <a:p>
+            <a:r>
+              <a:rPr kumimoji="1" lang="ja-JP" altLang="en-US" dirty="0" smtClean="0"/>
+              <a:t>このように囲んでしまえば相手にとられなくなる</a:t>
+            </a:r>
+            <a:endParaRPr kumimoji="1" lang="en-US" altLang="ja-JP" dirty="0" smtClean="0"/>
+          </a:p>
+          <a:p>
+            <a:r>
+              <a:rPr kumimoji="1" lang="ja-JP" altLang="en-US" dirty="0" smtClean="0"/>
+              <a:t>　→塗りつぶすよりも囲むことを狙う</a:t>
+            </a:r>
+            <a:endParaRPr kumimoji="1" lang="en-US" altLang="ja-JP" dirty="0" smtClean="0"/>
+          </a:p>
+          <a:p>
+            <a:endParaRPr lang="en-US" altLang="ja-JP" dirty="0"/>
+          </a:p>
+          <a:p>
+            <a:endParaRPr lang="en-US" altLang="ja-JP" dirty="0"/>
+          </a:p>
+          <a:p>
+            <a:endParaRPr kumimoji="1" lang="ja-JP" altLang="en-US" dirty="0"/>
+          </a:p>
+        </p:txBody>
+      </p:sp>
+      <p:sp>
+        <p:nvSpPr>
+          <p:cNvPr id="4" name="スライド番号プレースホルダー 3"/>
+          <p:cNvSpPr>
+            <a:spLocks noGrp="1"/>
+          </p:cNvSpPr>
+          <p:nvPr>
+            <p:ph type="sldNum" sz="quarter" idx="4"/>
+          </p:nvPr>
+        </p:nvSpPr>
+        <p:spPr/>
+        <p:txBody>
+          <a:bodyPr/>
+          <a:lstStyle/>
+          <a:p>
+            <a:fld id="{06866E33-5310-403C-85EB-90D9101399C4}" type="slidenum">
+              <a:rPr lang="ja-JP" altLang="en-US" smtClean="0"/>
+              <a:pPr/>
+              <a:t>7</a:t>
+            </a:fld>
+            <a:endParaRPr lang="ja-JP" altLang="en-US" dirty="0"/>
+          </a:p>
+        </p:txBody>
+      </p:sp>
+      <p:sp>
+        <p:nvSpPr>
+          <p:cNvPr id="5" name="正方形/長方形 4"/>
+          <p:cNvSpPr/>
+          <p:nvPr/>
+        </p:nvSpPr>
+        <p:spPr>
+          <a:xfrm>
+            <a:off x="6570617" y="4693298"/>
+            <a:ext cx="2209490" cy="2071396"/>
+          </a:xfrm>
+          <a:prstGeom prst="rect">
+            <a:avLst/>
+          </a:prstGeom>
+        </p:spPr>
+        <p:style>
+          <a:lnRef idx="2">
+            <a:schemeClr val="accent1">
+              <a:shade val="50000"/>
+            </a:schemeClr>
+          </a:lnRef>
+          <a:fillRef idx="1">
+            <a:schemeClr val="accent1"/>
+          </a:fillRef>
+          <a:effectRef idx="0">
+            <a:schemeClr val="accent1"/>
+          </a:effectRef>
+          <a:fontRef idx="minor">
+            <a:schemeClr val="lt1"/>
+          </a:fontRef>
+        </p:style>
+        <p:txBody>
+          <a:bodyPr rtlCol="0" anchor="ctr"/>
+          <a:lstStyle/>
+          <a:p>
+            <a:pPr algn="ctr"/>
+            <a:r>
+              <a:rPr kumimoji="1" lang="ja-JP" altLang="en-US" dirty="0" smtClean="0"/>
+              <a:t>盤面の図</a:t>
+            </a:r>
+            <a:endParaRPr kumimoji="1" lang="ja-JP" altLang="en-US" dirty="0"/>
+          </a:p>
+        </p:txBody>
+      </p:sp>
+    </p:spTree>
+    <p:extLst>
+      <p:ext uri="{BB962C8B-B14F-4D97-AF65-F5344CB8AC3E}">
+        <p14:creationId xmlns:p14="http://schemas.microsoft.com/office/powerpoint/2010/main" val="3200717160"/>
+      </p:ext>
+    </p:extLst>
+  </p:cSld>
+  <p:clrMapOvr>
+    <a:masterClrMapping/>
+  </p:clrMapOvr>
+</p:sld>
+</file>
+
 <file path=ppt/slides/slide8.xml><?xml version="1.0" encoding="utf-8"?>
 <p:sld xmlns:a="http://schemas.openxmlformats.org/drawingml/2006/main" xmlns:r="http://schemas.openxmlformats.org/officeDocument/2006/relationships" xmlns:p="http://schemas.openxmlformats.org/presentationml/2006/main">
   <p:cSld>
@@ -8447,7 +9075,11 @@
           <a:p>
             <a:r>
               <a:rPr kumimoji="1" lang="ja-JP" altLang="en-US" dirty="0" smtClean="0"/>
-              <a:t>当面の目標</a:t>
+              <a:t>現在の</a:t>
+            </a:r>
+            <a:r>
+              <a:rPr kumimoji="1" lang="en-US" altLang="ja-JP" dirty="0" smtClean="0"/>
+              <a:t>AI</a:t>
             </a:r>
             <a:endParaRPr kumimoji="1" lang="ja-JP" altLang="en-US" dirty="0"/>
           </a:p>
@@ -8468,131 +9100,7 @@
           <a:bodyPr/>
           <a:lstStyle/>
           <a:p>
-            <a:pPr marL="457200" indent="-457200">
-              <a:buFont typeface="Arial" panose="020B0604020202020204" pitchFamily="34" charset="0"/>
-              <a:buChar char="•"/>
-            </a:pPr>
-            <a:r>
-              <a:rPr lang="ja-JP" altLang="en-US" dirty="0" smtClean="0"/>
-              <a:t>プログラム</a:t>
-            </a:r>
-            <a:r>
-              <a:rPr lang="ja-JP" altLang="en-US" dirty="0"/>
-              <a:t>を作る</a:t>
-            </a:r>
-          </a:p>
-          <a:p>
-            <a:pPr marL="457200" indent="-457200">
-              <a:buFont typeface="Arial" panose="020B0604020202020204" pitchFamily="34" charset="0"/>
-              <a:buChar char="•"/>
-            </a:pPr>
-            <a:r>
-              <a:rPr lang="ja-JP" altLang="en-US" dirty="0" smtClean="0"/>
-              <a:t>対戦</a:t>
-            </a:r>
-            <a:r>
-              <a:rPr lang="ja-JP" altLang="en-US" dirty="0"/>
-              <a:t>テスト用プログラムを作る</a:t>
-            </a:r>
-          </a:p>
-          <a:p>
-            <a:pPr marL="457200" indent="-457200">
-              <a:buFont typeface="Arial" panose="020B0604020202020204" pitchFamily="34" charset="0"/>
-              <a:buChar char="•"/>
-            </a:pPr>
-            <a:r>
-              <a:rPr lang="ja-JP" altLang="en-US" dirty="0" smtClean="0"/>
-              <a:t>現在</a:t>
-            </a:r>
-            <a:r>
-              <a:rPr lang="ja-JP" altLang="en-US" dirty="0"/>
-              <a:t>の最強のアルゴリズムと戦わせて勝率を確認する</a:t>
-            </a:r>
-          </a:p>
-          <a:p>
-            <a:pPr marL="457200" indent="-457200">
-              <a:buFont typeface="Arial" panose="020B0604020202020204" pitchFamily="34" charset="0"/>
-              <a:buChar char="•"/>
-            </a:pPr>
-            <a:r>
-              <a:rPr lang="ja-JP" altLang="en-US" dirty="0" smtClean="0"/>
-              <a:t>同じ</a:t>
-            </a:r>
-            <a:r>
-              <a:rPr lang="ja-JP" altLang="en-US" dirty="0"/>
-              <a:t>盤面に対するモンテカルロ法</a:t>
-            </a:r>
-            <a:r>
-              <a:rPr lang="ja-JP" altLang="en-US" dirty="0" smtClean="0"/>
-              <a:t>の</a:t>
-            </a:r>
-            <a:r>
-              <a:rPr lang="en-US" altLang="ja-JP" dirty="0" smtClean="0"/>
-              <a:t>AI</a:t>
-            </a:r>
-            <a:r>
-              <a:rPr lang="ja-JP" altLang="en-US" dirty="0" err="1" smtClean="0"/>
-              <a:t>のと</a:t>
-            </a:r>
-            <a:r>
-              <a:rPr lang="ja-JP" altLang="en-US" dirty="0"/>
-              <a:t>現在の</a:t>
-            </a:r>
-            <a:r>
-              <a:rPr lang="ja-JP" altLang="en-US" dirty="0" smtClean="0"/>
-              <a:t>最強</a:t>
-            </a:r>
-            <a:r>
-              <a:rPr lang="ja-JP" altLang="en-US" dirty="0" smtClean="0"/>
-              <a:t>の</a:t>
-            </a:r>
-            <a:r>
-              <a:rPr lang="en-US" altLang="ja-JP" dirty="0" smtClean="0"/>
-              <a:t>AI</a:t>
-            </a:r>
-            <a:r>
-              <a:rPr lang="ja-JP" altLang="en-US" dirty="0" smtClean="0"/>
-              <a:t>の</a:t>
-            </a:r>
-            <a:r>
-              <a:rPr lang="ja-JP" altLang="en-US" dirty="0" smtClean="0"/>
-              <a:t>選択</a:t>
-            </a:r>
-            <a:r>
-              <a:rPr lang="ja-JP" altLang="en-US" dirty="0" smtClean="0"/>
-              <a:t>や人間の選択を</a:t>
-            </a:r>
-            <a:r>
-              <a:rPr lang="ja-JP" altLang="en-US" dirty="0" smtClean="0"/>
-              <a:t>比較し，モンテカルロ</a:t>
-            </a:r>
-            <a:r>
-              <a:rPr lang="ja-JP" altLang="en-US" dirty="0" smtClean="0"/>
-              <a:t>法の選択の</a:t>
-            </a:r>
-            <a:r>
-              <a:rPr lang="ja-JP" altLang="en-US" dirty="0" smtClean="0"/>
-              <a:t>特徴を</a:t>
-            </a:r>
-            <a:r>
-              <a:rPr lang="ja-JP" altLang="en-US" dirty="0" smtClean="0"/>
-              <a:t>探る</a:t>
-            </a:r>
-            <a:endParaRPr lang="en-US" altLang="ja-JP" dirty="0" smtClean="0"/>
-          </a:p>
-          <a:p>
-            <a:pPr marL="457200" indent="-457200">
-              <a:buFont typeface="Arial" panose="020B0604020202020204" pitchFamily="34" charset="0"/>
-              <a:buChar char="•"/>
-            </a:pPr>
-            <a:r>
-              <a:rPr lang="ja-JP" altLang="en-US" dirty="0" smtClean="0"/>
-              <a:t>多腕バンディットのアルゴリズムを応用して強くなるか確かめてみる</a:t>
-            </a:r>
-            <a:endParaRPr lang="ja-JP" altLang="en-US" dirty="0"/>
-          </a:p>
-          <a:p>
-            <a:endParaRPr kumimoji="1" lang="en-US" altLang="ja-JP" dirty="0" smtClean="0"/>
+            <a:endParaRPr kumimoji="1" lang="ja-JP" altLang="en-US"/>
           </a:p>
         </p:txBody>
       </p:sp>
@@ -8623,20 +9131,129 @@
     </p:spTree>
     <p:extLst>
       <p:ext uri="{BB962C8B-B14F-4D97-AF65-F5344CB8AC3E}">
-        <p14:creationId xmlns:p14="http://schemas.microsoft.com/office/powerpoint/2010/main" val="4211724629"/>
+        <p14:creationId xmlns:p14="http://schemas.microsoft.com/office/powerpoint/2010/main" val="2467681313"/>
       </p:ext>
     </p:extLst>
   </p:cSld>
   <p:clrMapOvr>
     <a:masterClrMapping/>
   </p:clrMapOvr>
-  <p:timing>
-    <p:tnLst>
-      <p:par>
-        <p:cTn id="1" dur="indefinite" restart="never" nodeType="tmRoot"/>
-      </p:par>
-    </p:tnLst>
-  </p:timing>
+</p:sld>
+</file>
+
+<file path=ppt/slides/slide9.xml><?xml version="1.0" encoding="utf-8"?>
+<p:sld xmlns:a="http://schemas.openxmlformats.org/drawingml/2006/main" xmlns:r="http://schemas.openxmlformats.org/officeDocument/2006/relationships" xmlns:p="http://schemas.openxmlformats.org/presentationml/2006/main">
+  <p:cSld>
+    <p:spTree>
+      <p:nvGrpSpPr>
+        <p:cNvPr id="1" name=""/>
+        <p:cNvGrpSpPr/>
+        <p:nvPr/>
+      </p:nvGrpSpPr>
+      <p:grpSpPr>
+        <a:xfrm>
+          <a:off x="0" y="0"/>
+          <a:ext cx="0" cy="0"/>
+          <a:chOff x="0" y="0"/>
+          <a:chExt cx="0" cy="0"/>
+        </a:xfrm>
+      </p:grpSpPr>
+      <p:sp>
+        <p:nvSpPr>
+          <p:cNvPr id="2" name="タイトル 1"/>
+          <p:cNvSpPr>
+            <a:spLocks noGrp="1"/>
+          </p:cNvSpPr>
+          <p:nvPr>
+            <p:ph type="title"/>
+          </p:nvPr>
+        </p:nvSpPr>
+        <p:spPr/>
+        <p:txBody>
+          <a:bodyPr/>
+          <a:lstStyle/>
+          <a:p>
+            <a:r>
+              <a:rPr kumimoji="1" lang="ja-JP" altLang="en-US" dirty="0" smtClean="0"/>
+              <a:t>今回の試み</a:t>
+            </a:r>
+            <a:endParaRPr kumimoji="1" lang="ja-JP" altLang="en-US" dirty="0"/>
+          </a:p>
+        </p:txBody>
+      </p:sp>
+      <p:sp>
+        <p:nvSpPr>
+          <p:cNvPr id="3" name="コンテンツ プレースホルダー 2"/>
+          <p:cNvSpPr>
+            <a:spLocks noGrp="1"/>
+          </p:cNvSpPr>
+          <p:nvPr>
+            <p:ph idx="1"/>
+          </p:nvPr>
+        </p:nvSpPr>
+        <p:spPr/>
+        <p:txBody>
+          <a:bodyPr/>
+          <a:lstStyle/>
+          <a:p>
+            <a:endParaRPr kumimoji="1" lang="en-US" altLang="ja-JP" sz="6000" dirty="0" smtClean="0">
+              <a:latin typeface="HGP明朝B" panose="02020800000000000000" pitchFamily="18" charset="-128"/>
+              <a:ea typeface="HGP明朝B" panose="02020800000000000000" pitchFamily="18" charset="-128"/>
+            </a:endParaRPr>
+          </a:p>
+          <a:p>
+            <a:r>
+              <a:rPr lang="ja-JP" altLang="en-US" sz="6000" dirty="0" smtClean="0"/>
+              <a:t>モンテカルロ法</a:t>
+            </a:r>
+            <a:endParaRPr lang="en-US" altLang="ja-JP" sz="6000" dirty="0" smtClean="0"/>
+          </a:p>
+          <a:p>
+            <a:endParaRPr lang="en-US" altLang="ja-JP" sz="6000" dirty="0"/>
+          </a:p>
+          <a:p>
+            <a:r>
+              <a:rPr kumimoji="1" lang="ja-JP" altLang="en-US" dirty="0" smtClean="0"/>
+              <a:t>を使う</a:t>
+            </a:r>
+            <a:endParaRPr kumimoji="1" lang="ja-JP" altLang="en-US" dirty="0"/>
+          </a:p>
+        </p:txBody>
+      </p:sp>
+      <p:sp>
+        <p:nvSpPr>
+          <p:cNvPr id="4" name="スライド番号プレースホルダー 3"/>
+          <p:cNvSpPr>
+            <a:spLocks noGrp="1"/>
+          </p:cNvSpPr>
+          <p:nvPr>
+            <p:ph type="sldNum" sz="quarter" idx="4"/>
+          </p:nvPr>
+        </p:nvSpPr>
+        <p:spPr/>
+        <p:txBody>
+          <a:bodyPr/>
+          <a:lstStyle/>
+          <a:p>
+            <a:fld id="{06866E33-5310-403C-85EB-90D9101399C4}" type="slidenum">
+              <a:rPr lang="ja-JP" altLang="en-US" smtClean="0"/>
+              <a:pPr/>
+              <a:t>9</a:t>
+            </a:fld>
+            <a:endParaRPr lang="ja-JP" altLang="en-US" dirty="0"/>
+          </a:p>
+        </p:txBody>
+      </p:sp>
+    </p:spTree>
+    <p:extLst>
+      <p:ext uri="{BB962C8B-B14F-4D97-AF65-F5344CB8AC3E}">
+        <p14:creationId xmlns:p14="http://schemas.microsoft.com/office/powerpoint/2010/main" val="2840742842"/>
+      </p:ext>
+    </p:extLst>
+  </p:cSld>
+  <p:clrMapOvr>
+    <a:masterClrMapping/>
+  </p:clrMapOvr>
 </p:sld>
 </file>
 

--- a/中間発表.pptx
+++ b/中間発表.pptx
@@ -207,7 +207,7 @@
           <a:p>
             <a:fld id="{374788A5-3B01-435B-A23C-A845A191AE97}" type="datetimeFigureOut">
               <a:rPr kumimoji="1" lang="ja-JP" altLang="en-US" smtClean="0"/>
-              <a:t>2018/10/31</a:t>
+              <a:t>2018/11/1</a:t>
             </a:fld>
             <a:endParaRPr kumimoji="1" lang="ja-JP" altLang="en-US"/>
           </a:p>
@@ -6300,6 +6300,66 @@
           </a:p>
         </p:txBody>
       </p:sp>
+      <p:sp>
+        <p:nvSpPr>
+          <p:cNvPr id="45" name="正方形/長方形 44"/>
+          <p:cNvSpPr/>
+          <p:nvPr/>
+        </p:nvSpPr>
+        <p:spPr>
+          <a:xfrm>
+            <a:off x="5777508" y="3494176"/>
+            <a:ext cx="2974605" cy="2897096"/>
+          </a:xfrm>
+          <a:prstGeom prst="rect">
+            <a:avLst/>
+          </a:prstGeom>
+        </p:spPr>
+        <p:style>
+          <a:lnRef idx="2">
+            <a:schemeClr val="accent1">
+              <a:shade val="50000"/>
+            </a:schemeClr>
+          </a:lnRef>
+          <a:fillRef idx="1">
+            <a:schemeClr val="accent1"/>
+          </a:fillRef>
+          <a:effectRef idx="0">
+            <a:schemeClr val="accent1"/>
+          </a:effectRef>
+          <a:fontRef idx="minor">
+            <a:schemeClr val="lt1"/>
+          </a:fontRef>
+        </p:style>
+        <p:txBody>
+          <a:bodyPr rtlCol="0" anchor="ctr"/>
+          <a:lstStyle/>
+          <a:p>
+            <a:pPr algn="ctr"/>
+            <a:r>
+              <a:rPr kumimoji="1" lang="ja-JP" altLang="en-US" dirty="0" smtClean="0"/>
+              <a:t>盤面の</a:t>
+            </a:r>
+            <a:r>
+              <a:rPr kumimoji="1" lang="ja-JP" altLang="en-US" dirty="0" smtClean="0"/>
+              <a:t>図</a:t>
+            </a:r>
+            <a:endParaRPr kumimoji="1" lang="en-US" altLang="ja-JP" dirty="0" smtClean="0"/>
+          </a:p>
+          <a:p>
+            <a:pPr algn="ctr"/>
+            <a:r>
+              <a:rPr lang="ja-JP" altLang="en-US" dirty="0"/>
+              <a:t>選択</a:t>
+            </a:r>
+            <a:r>
+              <a:rPr lang="ja-JP" altLang="en-US" dirty="0" smtClean="0"/>
+              <a:t>した色によって変える</a:t>
+            </a:r>
+            <a:endParaRPr kumimoji="1" lang="ja-JP" altLang="en-US" dirty="0"/>
+          </a:p>
+        </p:txBody>
+      </p:sp>
     </p:spTree>
     <p:extLst>
       <p:ext uri="{BB962C8B-B14F-4D97-AF65-F5344CB8AC3E}">
@@ -6375,11 +6435,34 @@
           <a:bodyPr/>
           <a:lstStyle/>
           <a:p>
+            <a:r>
+              <a:rPr lang="en-US" altLang="ja-JP" dirty="0" smtClean="0"/>
+              <a:t>Flood-It</a:t>
+            </a:r>
+            <a:r>
+              <a:rPr lang="ja-JP" altLang="en-US" dirty="0" smtClean="0"/>
+              <a:t>の</a:t>
+            </a:r>
+            <a:r>
+              <a:rPr lang="en-US" altLang="ja-JP" dirty="0" smtClean="0"/>
+              <a:t>AI</a:t>
+            </a:r>
+            <a:r>
+              <a:rPr lang="ja-JP" altLang="en-US" dirty="0" smtClean="0"/>
+              <a:t>の作成</a:t>
+            </a:r>
+            <a:endParaRPr lang="en-US" altLang="ja-JP" dirty="0" smtClean="0"/>
+          </a:p>
+          <a:p>
             <a:pPr marL="457200" indent="-457200">
               <a:buFont typeface="Arial" panose="020B0604020202020204" pitchFamily="34" charset="0"/>
               <a:buChar char="•"/>
             </a:pPr>
             <a:r>
+              <a:rPr lang="ja-JP" altLang="en-US" dirty="0" smtClean="0"/>
+              <a:t>モンテカルロ法の</a:t>
+            </a:r>
+            <a:r>
               <a:rPr lang="en-US" altLang="ja-JP" dirty="0" smtClean="0"/>
               <a:t>AI</a:t>
             </a:r>
@@ -6417,8 +6500,24 @@
             </a:r>
             <a:r>
               <a:rPr lang="ja-JP" altLang="en-US" dirty="0"/>
-              <a:t>の最強のアルゴリズムと戦わせて勝率を確認する</a:t>
-            </a:r>
+              <a:t>の最強のアルゴリズムと戦わせて勝率を確認</a:t>
+            </a:r>
+            <a:r>
+              <a:rPr lang="ja-JP" altLang="en-US" dirty="0" smtClean="0"/>
+              <a:t>する</a:t>
+            </a:r>
+            <a:endParaRPr lang="en-US" altLang="ja-JP" dirty="0" smtClean="0"/>
+          </a:p>
+          <a:p>
+            <a:r>
+              <a:rPr lang="en-US" altLang="ja-JP" dirty="0" smtClean="0"/>
+              <a:t>AI</a:t>
+            </a:r>
+            <a:r>
+              <a:rPr lang="ja-JP" altLang="en-US" dirty="0" smtClean="0"/>
+              <a:t>の強化</a:t>
+            </a:r>
+            <a:endParaRPr lang="ja-JP" altLang="en-US" dirty="0"/>
           </a:p>
           <a:p>
             <a:pPr marL="457200" indent="-457200">
@@ -6469,12 +6568,8 @@
               <a:buChar char="•"/>
             </a:pPr>
             <a:r>
-              <a:rPr lang="ja-JP" altLang="en-US" smtClean="0"/>
-              <a:t>モンテカルロ法の改善アルゴリズム</a:t>
-            </a:r>
-            <a:r>
               <a:rPr lang="ja-JP" altLang="en-US" dirty="0" smtClean="0"/>
-              <a:t>を応用して強くなるか確かめてみる</a:t>
+              <a:t>モンテカルロ法の改善アルゴリズムを応用して強くなるか確かめてみる</a:t>
             </a:r>
             <a:endParaRPr lang="ja-JP" altLang="en-US" dirty="0"/>
           </a:p>
@@ -7201,7 +7296,7 @@
         </p:nvSpPr>
         <p:spPr>
           <a:xfrm>
-            <a:off x="4939005" y="4124131"/>
+            <a:off x="4808376" y="4124131"/>
             <a:ext cx="780662" cy="774438"/>
           </a:xfrm>
           <a:prstGeom prst="rect">
@@ -7245,7 +7340,7 @@
         </p:nvSpPr>
         <p:spPr>
           <a:xfrm>
-            <a:off x="5903168" y="4124131"/>
+            <a:off x="5772539" y="4124131"/>
             <a:ext cx="780662" cy="774438"/>
           </a:xfrm>
           <a:prstGeom prst="rect">
@@ -7289,7 +7384,7 @@
         </p:nvSpPr>
         <p:spPr>
           <a:xfrm>
-            <a:off x="6867331" y="4124131"/>
+            <a:off x="6736702" y="4124131"/>
             <a:ext cx="780662" cy="774438"/>
           </a:xfrm>
           <a:prstGeom prst="rect">
@@ -7333,7 +7428,7 @@
         </p:nvSpPr>
         <p:spPr>
           <a:xfrm>
-            <a:off x="7850779" y="4124131"/>
+            <a:off x="7720150" y="4124131"/>
             <a:ext cx="780662" cy="774438"/>
           </a:xfrm>
           <a:prstGeom prst="rect">
@@ -7557,7 +7652,15 @@
           <a:p>
             <a:r>
               <a:rPr lang="ja-JP" altLang="en-US" dirty="0" smtClean="0"/>
-              <a:t>以下のように定式化される．</a:t>
+              <a:t>以下の</a:t>
+            </a:r>
+            <a:r>
+              <a:rPr lang="ja-JP" altLang="en-US" dirty="0" smtClean="0"/>
+              <a:t>よう</a:t>
+            </a:r>
+            <a:r>
+              <a:rPr lang="ja-JP" altLang="en-US" dirty="0" smtClean="0"/>
+              <a:t>な問題として考えられる．</a:t>
             </a:r>
             <a:endParaRPr lang="ja-JP" altLang="en-US" dirty="0"/>
           </a:p>
@@ -7623,8 +7726,8 @@
           </a:p>
         </p:txBody>
       </p:sp>
-      <mc:AlternateContent xmlns:mc="http://schemas.openxmlformats.org/markup-compatibility/2006">
-        <mc:Choice xmlns:a14="http://schemas.microsoft.com/office/drawing/2010/main" Requires="a14">
+      <mc:AlternateContent xmlns:mc="http://schemas.openxmlformats.org/markup-compatibility/2006" xmlns:a14="http://schemas.microsoft.com/office/drawing/2010/main">
+        <mc:Choice Requires="a14">
           <p:graphicFrame>
             <p:nvGraphicFramePr>
               <p:cNvPr id="5" name="コンテンツ プレースホルダー 4"/>
@@ -7995,7 +8098,7 @@
             </a:graphic>
           </p:graphicFrame>
         </mc:Choice>
-        <mc:Fallback>
+        <mc:Fallback xmlns="">
           <p:graphicFrame>
             <p:nvGraphicFramePr>
               <p:cNvPr id="5" name="コンテンツ プレースホルダー 4"/>
@@ -9100,7 +9203,55 @@
           <a:bodyPr/>
           <a:lstStyle/>
           <a:p>
-            <a:endParaRPr kumimoji="1" lang="ja-JP" altLang="en-US"/>
+            <a:pPr marL="457200" indent="-457200">
+              <a:buFont typeface="Arial" panose="020B0604020202020204" pitchFamily="34" charset="0"/>
+              <a:buChar char="•"/>
+            </a:pPr>
+            <a:r>
+              <a:rPr lang="ja-JP" altLang="en-US" dirty="0"/>
+              <a:t>自分</a:t>
+            </a:r>
+            <a:r>
+              <a:rPr lang="ja-JP" altLang="en-US" dirty="0" smtClean="0"/>
+              <a:t>の色が一番広くなる選択をする</a:t>
+            </a:r>
+            <a:endParaRPr lang="en-US" altLang="ja-JP" dirty="0" smtClean="0"/>
+          </a:p>
+          <a:p>
+            <a:pPr marL="457200" indent="-457200">
+              <a:buFont typeface="Arial" panose="020B0604020202020204" pitchFamily="34" charset="0"/>
+              <a:buChar char="•"/>
+            </a:pPr>
+            <a:endParaRPr kumimoji="1" lang="en-US" altLang="ja-JP" dirty="0"/>
+          </a:p>
+          <a:p>
+            <a:pPr marL="457200" indent="-457200">
+              <a:buFont typeface="Arial" panose="020B0604020202020204" pitchFamily="34" charset="0"/>
+              <a:buChar char="•"/>
+            </a:pPr>
+            <a:r>
+              <a:rPr lang="ja-JP" altLang="en-US" dirty="0" smtClean="0"/>
+              <a:t>相手の陣地を囲むような選択をする</a:t>
+            </a:r>
+            <a:endParaRPr lang="en-US" altLang="ja-JP" dirty="0" smtClean="0"/>
+          </a:p>
+          <a:p>
+            <a:pPr marL="457200" indent="-457200">
+              <a:buFont typeface="Arial" panose="020B0604020202020204" pitchFamily="34" charset="0"/>
+              <a:buChar char="•"/>
+            </a:pPr>
+            <a:endParaRPr kumimoji="1" lang="en-US" altLang="ja-JP" dirty="0"/>
+          </a:p>
+          <a:p>
+            <a:pPr marL="457200" indent="-457200">
+              <a:buFont typeface="Arial" panose="020B0604020202020204" pitchFamily="34" charset="0"/>
+              <a:buChar char="•"/>
+            </a:pPr>
+            <a:r>
+              <a:rPr kumimoji="1" lang="ja-JP" altLang="en-US" dirty="0" smtClean="0"/>
+              <a:t>自分が取れそうな範囲を拡大するような選択をする</a:t>
+            </a:r>
+            <a:endParaRPr kumimoji="1" lang="ja-JP" altLang="en-US" dirty="0"/>
           </a:p>
         </p:txBody>
       </p:sp>

--- a/中間発表.pptx
+++ b/中間発表.pptx
@@ -5,7 +5,7 @@
     <p:sldMasterId id="2147483768" r:id="rId1"/>
   </p:sldMasterIdLst>
   <p:notesMasterIdLst>
-    <p:notesMasterId r:id="rId13"/>
+    <p:notesMasterId r:id="rId15"/>
   </p:notesMasterIdLst>
   <p:sldIdLst>
     <p:sldId id="256" r:id="rId2"/>
@@ -18,7 +18,9 @@
     <p:sldId id="269" r:id="rId9"/>
     <p:sldId id="270" r:id="rId10"/>
     <p:sldId id="262" r:id="rId11"/>
-    <p:sldId id="266" r:id="rId12"/>
+    <p:sldId id="272" r:id="rId12"/>
+    <p:sldId id="271" r:id="rId13"/>
+    <p:sldId id="266" r:id="rId14"/>
   </p:sldIdLst>
   <p:sldSz cx="9144000" cy="6858000" type="screen4x3"/>
   <p:notesSz cx="6858000" cy="9144000"/>
@@ -1041,6 +1043,126 @@
     <p:extLst>
       <p:ext uri="{BB962C8B-B14F-4D97-AF65-F5344CB8AC3E}">
         <p14:creationId xmlns:p14="http://schemas.microsoft.com/office/powerpoint/2010/main" val="1250968295"/>
+      </p:ext>
+    </p:extLst>
+  </p:cSld>
+  <p:clrMapOvr>
+    <a:masterClrMapping/>
+  </p:clrMapOvr>
+</p:notes>
+</file>
+
+<file path=ppt/notesSlides/notesSlide7.xml><?xml version="1.0" encoding="utf-8"?>
+<p:notes xmlns:a="http://schemas.openxmlformats.org/drawingml/2006/main" xmlns:r="http://schemas.openxmlformats.org/officeDocument/2006/relationships" xmlns:p="http://schemas.openxmlformats.org/presentationml/2006/main">
+  <p:cSld>
+    <p:spTree>
+      <p:nvGrpSpPr>
+        <p:cNvPr id="1" name=""/>
+        <p:cNvGrpSpPr/>
+        <p:nvPr/>
+      </p:nvGrpSpPr>
+      <p:grpSpPr>
+        <a:xfrm>
+          <a:off x="0" y="0"/>
+          <a:ext cx="0" cy="0"/>
+          <a:chOff x="0" y="0"/>
+          <a:chExt cx="0" cy="0"/>
+        </a:xfrm>
+      </p:grpSpPr>
+      <p:sp>
+        <p:nvSpPr>
+          <p:cNvPr id="2" name="スライド イメージ プレースホルダー 1"/>
+          <p:cNvSpPr>
+            <a:spLocks noGrp="1" noRot="1" noChangeAspect="1"/>
+          </p:cNvSpPr>
+          <p:nvPr>
+            <p:ph type="sldImg"/>
+          </p:nvPr>
+        </p:nvSpPr>
+        <p:spPr/>
+      </p:sp>
+      <p:sp>
+        <p:nvSpPr>
+          <p:cNvPr id="3" name="ノート プレースホルダー 2"/>
+          <p:cNvSpPr>
+            <a:spLocks noGrp="1"/>
+          </p:cNvSpPr>
+          <p:nvPr>
+            <p:ph type="body" idx="1"/>
+          </p:nvPr>
+        </p:nvSpPr>
+        <p:spPr/>
+        <p:txBody>
+          <a:bodyPr/>
+          <a:lstStyle/>
+          <a:p>
+            <a:r>
+              <a:rPr kumimoji="1" lang="ja-JP" altLang="en-US" dirty="0" smtClean="0"/>
+              <a:t>丸</a:t>
+            </a:r>
+            <a:r>
+              <a:rPr kumimoji="1" lang="ja-JP" altLang="en-US" dirty="0" err="1" smtClean="0"/>
+              <a:t>ばつ</a:t>
+            </a:r>
+            <a:r>
+              <a:rPr kumimoji="1" lang="ja-JP" altLang="en-US" dirty="0" smtClean="0"/>
+              <a:t>追加していく</a:t>
+            </a:r>
+            <a:endParaRPr kumimoji="1" lang="en-US" altLang="ja-JP" dirty="0" smtClean="0"/>
+          </a:p>
+          <a:p>
+            <a:r>
+              <a:rPr kumimoji="1" lang="ja-JP" altLang="en-US" dirty="0" smtClean="0"/>
+              <a:t>しかし増えすぎると計算時間がかかる</a:t>
+            </a:r>
+            <a:endParaRPr kumimoji="1" lang="en-US" altLang="ja-JP" dirty="0" smtClean="0"/>
+          </a:p>
+          <a:p>
+            <a:r>
+              <a:rPr kumimoji="1" lang="ja-JP" altLang="en-US" dirty="0" smtClean="0"/>
+              <a:t>→定数時間で効率よく試したい</a:t>
+            </a:r>
+            <a:endParaRPr kumimoji="1" lang="en-US" altLang="ja-JP" dirty="0" smtClean="0"/>
+          </a:p>
+          <a:p>
+            <a:r>
+              <a:rPr kumimoji="1" lang="ja-JP" altLang="en-US" dirty="0" smtClean="0"/>
+              <a:t>→</a:t>
+            </a:r>
+            <a:r>
+              <a:rPr kumimoji="1" lang="en-US" altLang="ja-JP" dirty="0" smtClean="0"/>
+              <a:t>UCB1</a:t>
+            </a:r>
+          </a:p>
+        </p:txBody>
+      </p:sp>
+      <p:sp>
+        <p:nvSpPr>
+          <p:cNvPr id="4" name="スライド番号プレースホルダー 3"/>
+          <p:cNvSpPr>
+            <a:spLocks noGrp="1"/>
+          </p:cNvSpPr>
+          <p:nvPr>
+            <p:ph type="sldNum" sz="quarter" idx="10"/>
+          </p:nvPr>
+        </p:nvSpPr>
+        <p:spPr/>
+        <p:txBody>
+          <a:bodyPr/>
+          <a:lstStyle/>
+          <a:p>
+            <a:fld id="{DB27B9D3-8F54-487C-BCF6-0FEDF67B0644}" type="slidenum">
+              <a:rPr kumimoji="1" lang="ja-JP" altLang="en-US" smtClean="0"/>
+              <a:t>11</a:t>
+            </a:fld>
+            <a:endParaRPr kumimoji="1" lang="ja-JP" altLang="en-US"/>
+          </a:p>
+        </p:txBody>
+      </p:sp>
+    </p:spTree>
+    <p:extLst>
+      <p:ext uri="{BB962C8B-B14F-4D97-AF65-F5344CB8AC3E}">
+        <p14:creationId xmlns:p14="http://schemas.microsoft.com/office/powerpoint/2010/main" val="2448050591"/>
       </p:ext>
     </p:extLst>
   </p:cSld>
@@ -5271,7 +5393,7 @@
         </p:nvSpPr>
         <p:spPr>
           <a:xfrm>
-            <a:off x="4003556" y="3705608"/>
+            <a:off x="4115941" y="3728810"/>
             <a:ext cx="1415772" cy="461665"/>
           </a:xfrm>
           <a:prstGeom prst="rect">
@@ -6338,11 +6460,7 @@
             <a:pPr algn="ctr"/>
             <a:r>
               <a:rPr kumimoji="1" lang="ja-JP" altLang="en-US" dirty="0" smtClean="0"/>
-              <a:t>盤面の</a:t>
-            </a:r>
-            <a:r>
-              <a:rPr kumimoji="1" lang="ja-JP" altLang="en-US" dirty="0" smtClean="0"/>
-              <a:t>図</a:t>
+              <a:t>盤面の図</a:t>
             </a:r>
             <a:endParaRPr kumimoji="1" lang="en-US" altLang="ja-JP" dirty="0" smtClean="0"/>
           </a:p>
@@ -6357,6 +6475,230 @@
               <a:t>した色によって変える</a:t>
             </a:r>
             <a:endParaRPr kumimoji="1" lang="ja-JP" altLang="en-US" dirty="0"/>
+          </a:p>
+        </p:txBody>
+      </p:sp>
+      <p:sp>
+        <p:nvSpPr>
+          <p:cNvPr id="5" name="角丸四角形 4"/>
+          <p:cNvSpPr/>
+          <p:nvPr/>
+        </p:nvSpPr>
+        <p:spPr>
+          <a:xfrm>
+            <a:off x="330477" y="3708837"/>
+            <a:ext cx="1714393" cy="501610"/>
+          </a:xfrm>
+          <a:prstGeom prst="roundRect">
+            <a:avLst/>
+          </a:prstGeom>
+          <a:noFill/>
+          <a:ln w="57150">
+            <a:solidFill>
+              <a:srgbClr val="0070C0"/>
+            </a:solidFill>
+            <a:prstDash val="sysDash"/>
+          </a:ln>
+          <a:effectLst/>
+          <a:scene3d>
+            <a:camera prst="orthographicFront">
+              <a:rot lat="0" lon="0" rev="0"/>
+            </a:camera>
+            <a:lightRig rig="twoPt" dir="t">
+              <a:rot lat="0" lon="0" rev="4800000"/>
+            </a:lightRig>
+          </a:scene3d>
+          <a:sp3d prstMaterial="matte"/>
+        </p:spPr>
+        <p:style>
+          <a:lnRef idx="1">
+            <a:schemeClr val="accent5"/>
+          </a:lnRef>
+          <a:fillRef idx="3">
+            <a:schemeClr val="accent5"/>
+          </a:fillRef>
+          <a:effectRef idx="2">
+            <a:schemeClr val="accent5"/>
+          </a:effectRef>
+          <a:fontRef idx="minor">
+            <a:schemeClr val="lt1"/>
+          </a:fontRef>
+        </p:style>
+        <p:txBody>
+          <a:bodyPr rtlCol="0" anchor="ctr"/>
+          <a:lstStyle/>
+          <a:p>
+            <a:pPr algn="ctr"/>
+            <a:endParaRPr kumimoji="1" lang="ja-JP" altLang="en-US"/>
+          </a:p>
+        </p:txBody>
+      </p:sp>
+      <p:sp>
+        <p:nvSpPr>
+          <p:cNvPr id="46" name="角丸四角形 45"/>
+          <p:cNvSpPr/>
+          <p:nvPr/>
+        </p:nvSpPr>
+        <p:spPr>
+          <a:xfrm>
+            <a:off x="2458539" y="3718072"/>
+            <a:ext cx="1714393" cy="501610"/>
+          </a:xfrm>
+          <a:prstGeom prst="roundRect">
+            <a:avLst/>
+          </a:prstGeom>
+          <a:noFill/>
+          <a:ln w="57150">
+            <a:solidFill>
+              <a:srgbClr val="FF0000"/>
+            </a:solidFill>
+            <a:prstDash val="sysDash"/>
+          </a:ln>
+          <a:effectLst/>
+          <a:scene3d>
+            <a:camera prst="orthographicFront">
+              <a:rot lat="0" lon="0" rev="0"/>
+            </a:camera>
+            <a:lightRig rig="twoPt" dir="t">
+              <a:rot lat="0" lon="0" rev="4800000"/>
+            </a:lightRig>
+          </a:scene3d>
+          <a:sp3d prstMaterial="matte"/>
+        </p:spPr>
+        <p:style>
+          <a:lnRef idx="1">
+            <a:schemeClr val="accent5"/>
+          </a:lnRef>
+          <a:fillRef idx="3">
+            <a:schemeClr val="accent5"/>
+          </a:fillRef>
+          <a:effectRef idx="2">
+            <a:schemeClr val="accent5"/>
+          </a:effectRef>
+          <a:fontRef idx="minor">
+            <a:schemeClr val="lt1"/>
+          </a:fontRef>
+        </p:style>
+        <p:txBody>
+          <a:bodyPr rtlCol="0" anchor="ctr"/>
+          <a:lstStyle/>
+          <a:p>
+            <a:pPr algn="ctr"/>
+            <a:endParaRPr kumimoji="1" lang="ja-JP" altLang="en-US"/>
+          </a:p>
+        </p:txBody>
+      </p:sp>
+      <p:sp>
+        <p:nvSpPr>
+          <p:cNvPr id="8" name="角丸四角形吹き出し 7"/>
+          <p:cNvSpPr/>
+          <p:nvPr/>
+        </p:nvSpPr>
+        <p:spPr>
+          <a:xfrm>
+            <a:off x="473135" y="3128662"/>
+            <a:ext cx="1247220" cy="461665"/>
+          </a:xfrm>
+          <a:prstGeom prst="wedgeRoundRectCallout">
+            <a:avLst/>
+          </a:prstGeom>
+          <a:noFill/>
+        </p:spPr>
+        <p:style>
+          <a:lnRef idx="2">
+            <a:schemeClr val="dk1"/>
+          </a:lnRef>
+          <a:fillRef idx="1">
+            <a:schemeClr val="lt1"/>
+          </a:fillRef>
+          <a:effectRef idx="0">
+            <a:schemeClr val="dk1"/>
+          </a:effectRef>
+          <a:fontRef idx="minor">
+            <a:schemeClr val="dk1"/>
+          </a:fontRef>
+        </p:style>
+        <p:txBody>
+          <a:bodyPr rtlCol="0" anchor="ctr"/>
+          <a:lstStyle/>
+          <a:p>
+            <a:pPr algn="ctr"/>
+            <a:r>
+              <a:rPr kumimoji="1" lang="ja-JP" altLang="en-US" dirty="0" smtClean="0"/>
+              <a:t>勝率：</a:t>
+            </a:r>
+            <a:r>
+              <a:rPr kumimoji="1" lang="ja-JP" altLang="en-US" dirty="0" smtClean="0">
+                <a:solidFill>
+                  <a:srgbClr val="0070C0"/>
+                </a:solidFill>
+              </a:rPr>
+              <a:t>低</a:t>
+            </a:r>
+            <a:endParaRPr kumimoji="1" lang="ja-JP" altLang="en-US" dirty="0">
+              <a:solidFill>
+                <a:srgbClr val="0070C0"/>
+              </a:solidFill>
+            </a:endParaRPr>
+          </a:p>
+        </p:txBody>
+      </p:sp>
+      <p:sp>
+        <p:nvSpPr>
+          <p:cNvPr id="47" name="角丸四角形吹き出し 46"/>
+          <p:cNvSpPr/>
+          <p:nvPr/>
+        </p:nvSpPr>
+        <p:spPr>
+          <a:xfrm>
+            <a:off x="4162110" y="3172649"/>
+            <a:ext cx="1247220" cy="461665"/>
+          </a:xfrm>
+          <a:prstGeom prst="wedgeRoundRectCallout">
+            <a:avLst>
+              <a:gd name="adj1" fmla="val -53002"/>
+              <a:gd name="adj2" fmla="val 60479"/>
+              <a:gd name="adj3" fmla="val 16667"/>
+            </a:avLst>
+          </a:prstGeom>
+          <a:noFill/>
+        </p:spPr>
+        <p:style>
+          <a:lnRef idx="2">
+            <a:schemeClr val="dk1"/>
+          </a:lnRef>
+          <a:fillRef idx="1">
+            <a:schemeClr val="lt1"/>
+          </a:fillRef>
+          <a:effectRef idx="0">
+            <a:schemeClr val="dk1"/>
+          </a:effectRef>
+          <a:fontRef idx="minor">
+            <a:schemeClr val="dk1"/>
+          </a:fontRef>
+        </p:style>
+        <p:txBody>
+          <a:bodyPr rtlCol="0" anchor="ctr"/>
+          <a:lstStyle/>
+          <a:p>
+            <a:pPr algn="ctr"/>
+            <a:r>
+              <a:rPr kumimoji="1" lang="ja-JP" altLang="en-US" dirty="0" smtClean="0"/>
+              <a:t>勝率：</a:t>
+            </a:r>
+            <a:r>
+              <a:rPr kumimoji="1" lang="ja-JP" altLang="en-US" dirty="0" smtClean="0">
+                <a:solidFill>
+                  <a:srgbClr val="FF0000"/>
+                </a:solidFill>
+              </a:rPr>
+              <a:t>高</a:t>
+            </a:r>
+            <a:endParaRPr kumimoji="1" lang="ja-JP" altLang="en-US" dirty="0">
+              <a:solidFill>
+                <a:srgbClr val="FF0000"/>
+              </a:solidFill>
+            </a:endParaRPr>
           </a:p>
         </p:txBody>
       </p:sp>
@@ -6373,9 +6715,141 @@
   <p:timing>
     <p:tnLst>
       <p:par>
-        <p:cTn id="1" dur="indefinite" restart="never" nodeType="tmRoot"/>
+        <p:cTn id="1" dur="indefinite" restart="never" nodeType="tmRoot">
+          <p:childTnLst>
+            <p:seq concurrent="1" nextAc="seek">
+              <p:cTn id="2" dur="indefinite" nodeType="mainSeq">
+                <p:childTnLst>
+                  <p:par>
+                    <p:cTn id="3" fill="hold">
+                      <p:stCondLst>
+                        <p:cond delay="indefinite"/>
+                      </p:stCondLst>
+                      <p:childTnLst>
+                        <p:par>
+                          <p:cTn id="4" fill="hold">
+                            <p:stCondLst>
+                              <p:cond delay="0"/>
+                            </p:stCondLst>
+                            <p:childTnLst>
+                              <p:par>
+                                <p:cTn id="5" presetID="22" presetClass="entr" presetSubtype="1" fill="hold" nodeType="clickEffect">
+                                  <p:stCondLst>
+                                    <p:cond delay="0"/>
+                                  </p:stCondLst>
+                                  <p:childTnLst>
+                                    <p:set>
+                                      <p:cBhvr>
+                                        <p:cTn id="6" dur="1" fill="hold">
+                                          <p:stCondLst>
+                                            <p:cond delay="0"/>
+                                          </p:stCondLst>
+                                        </p:cTn>
+                                        <p:tgtEl>
+                                          <p:spTgt spid="15"/>
+                                        </p:tgtEl>
+                                        <p:attrNameLst>
+                                          <p:attrName>style.visibility</p:attrName>
+                                        </p:attrNameLst>
+                                      </p:cBhvr>
+                                      <p:to>
+                                        <p:strVal val="visible"/>
+                                      </p:to>
+                                    </p:set>
+                                    <p:animEffect transition="in" filter="wipe(up)">
+                                      <p:cBhvr>
+                                        <p:cTn id="7" dur="500"/>
+                                        <p:tgtEl>
+                                          <p:spTgt spid="15"/>
+                                        </p:tgtEl>
+                                      </p:cBhvr>
+                                    </p:animEffect>
+                                  </p:childTnLst>
+                                </p:cTn>
+                              </p:par>
+                            </p:childTnLst>
+                          </p:cTn>
+                        </p:par>
+                      </p:childTnLst>
+                    </p:cTn>
+                  </p:par>
+                  <p:par>
+                    <p:cTn id="8" fill="hold">
+                      <p:stCondLst>
+                        <p:cond delay="indefinite"/>
+                      </p:stCondLst>
+                      <p:childTnLst>
+                        <p:par>
+                          <p:cTn id="9" fill="hold">
+                            <p:stCondLst>
+                              <p:cond delay="0"/>
+                            </p:stCondLst>
+                            <p:childTnLst>
+                              <p:par>
+                                <p:cTn id="10" presetID="16" presetClass="entr" presetSubtype="21" fill="hold" grpId="0" nodeType="clickEffect">
+                                  <p:stCondLst>
+                                    <p:cond delay="0"/>
+                                  </p:stCondLst>
+                                  <p:childTnLst>
+                                    <p:set>
+                                      <p:cBhvr>
+                                        <p:cTn id="11" dur="1" fill="hold">
+                                          <p:stCondLst>
+                                            <p:cond delay="0"/>
+                                          </p:stCondLst>
+                                        </p:cTn>
+                                        <p:tgtEl>
+                                          <p:spTgt spid="31"/>
+                                        </p:tgtEl>
+                                        <p:attrNameLst>
+                                          <p:attrName>style.visibility</p:attrName>
+                                        </p:attrNameLst>
+                                      </p:cBhvr>
+                                      <p:to>
+                                        <p:strVal val="visible"/>
+                                      </p:to>
+                                    </p:set>
+                                    <p:animEffect transition="in" filter="barn(inVertical)">
+                                      <p:cBhvr>
+                                        <p:cTn id="12" dur="500"/>
+                                        <p:tgtEl>
+                                          <p:spTgt spid="31"/>
+                                        </p:tgtEl>
+                                      </p:cBhvr>
+                                    </p:animEffect>
+                                  </p:childTnLst>
+                                </p:cTn>
+                              </p:par>
+                            </p:childTnLst>
+                          </p:cTn>
+                        </p:par>
+                      </p:childTnLst>
+                    </p:cTn>
+                  </p:par>
+                </p:childTnLst>
+              </p:cTn>
+              <p:prevCondLst>
+                <p:cond evt="onPrev" delay="0">
+                  <p:tgtEl>
+                    <p:sldTgt/>
+                  </p:tgtEl>
+                </p:cond>
+              </p:prevCondLst>
+              <p:nextCondLst>
+                <p:cond evt="onNext" delay="0">
+                  <p:tgtEl>
+                    <p:sldTgt/>
+                  </p:tgtEl>
+                </p:cond>
+              </p:nextCondLst>
+            </p:seq>
+          </p:childTnLst>
+        </p:cTn>
       </p:par>
     </p:tnLst>
+    <p:bldLst>
+      <p:bldP spid="31" grpId="0" animBg="1"/>
+    </p:bldLst>
   </p:timing>
 </p:sld>
 </file>
@@ -6414,7 +6888,7 @@
           <a:p>
             <a:r>
               <a:rPr kumimoji="1" lang="ja-JP" altLang="en-US" dirty="0" smtClean="0"/>
-              <a:t>当面の目標</a:t>
+              <a:t>改善案</a:t>
             </a:r>
             <a:endParaRPr kumimoji="1" lang="ja-JP" altLang="en-US" dirty="0"/>
           </a:p>
@@ -6436,145 +6910,13 @@
           <a:lstStyle/>
           <a:p>
             <a:r>
-              <a:rPr lang="en-US" altLang="ja-JP" dirty="0" smtClean="0"/>
-              <a:t>Flood-It</a:t>
-            </a:r>
-            <a:r>
-              <a:rPr lang="ja-JP" altLang="en-US" dirty="0" smtClean="0"/>
-              <a:t>の</a:t>
-            </a:r>
-            <a:r>
-              <a:rPr lang="en-US" altLang="ja-JP" dirty="0" smtClean="0"/>
-              <a:t>AI</a:t>
-            </a:r>
-            <a:r>
-              <a:rPr lang="ja-JP" altLang="en-US" dirty="0" smtClean="0"/>
-              <a:t>の作成</a:t>
-            </a:r>
-            <a:endParaRPr lang="en-US" altLang="ja-JP" dirty="0" smtClean="0"/>
-          </a:p>
-          <a:p>
-            <a:pPr marL="457200" indent="-457200">
-              <a:buFont typeface="Arial" panose="020B0604020202020204" pitchFamily="34" charset="0"/>
-              <a:buChar char="•"/>
-            </a:pPr>
-            <a:r>
-              <a:rPr lang="ja-JP" altLang="en-US" dirty="0" smtClean="0"/>
-              <a:t>モンテカルロ法の</a:t>
-            </a:r>
-            <a:r>
-              <a:rPr lang="en-US" altLang="ja-JP" dirty="0" smtClean="0"/>
-              <a:t>AI</a:t>
-            </a:r>
-            <a:r>
-              <a:rPr lang="ja-JP" altLang="en-US" dirty="0" smtClean="0"/>
-              <a:t>のプログラム</a:t>
-            </a:r>
-            <a:r>
-              <a:rPr lang="ja-JP" altLang="en-US" dirty="0"/>
-              <a:t>を作る</a:t>
-            </a:r>
-          </a:p>
-          <a:p>
-            <a:pPr marL="457200" indent="-457200">
-              <a:buFont typeface="Arial" panose="020B0604020202020204" pitchFamily="34" charset="0"/>
-              <a:buChar char="•"/>
-            </a:pPr>
-            <a:r>
-              <a:rPr lang="ja-JP" altLang="en-US" dirty="0" smtClean="0"/>
-              <a:t>対戦</a:t>
-            </a:r>
-            <a:r>
-              <a:rPr lang="ja-JP" altLang="en-US" dirty="0"/>
-              <a:t>テスト用プログラムを作る</a:t>
-            </a:r>
-          </a:p>
-          <a:p>
-            <a:pPr marL="457200" indent="-457200">
-              <a:buFont typeface="Arial" panose="020B0604020202020204" pitchFamily="34" charset="0"/>
-              <a:buChar char="•"/>
-            </a:pPr>
-            <a:r>
-              <a:rPr lang="ja-JP" altLang="en-US" dirty="0" smtClean="0"/>
-              <a:t>現在</a:t>
-            </a:r>
-            <a:r>
-              <a:rPr lang="ja-JP" altLang="en-US" dirty="0"/>
-              <a:t>の最強のアルゴリズムと戦わせて勝率を確認</a:t>
-            </a:r>
-            <a:r>
-              <a:rPr lang="ja-JP" altLang="en-US" dirty="0" smtClean="0"/>
-              <a:t>する</a:t>
-            </a:r>
-            <a:endParaRPr lang="en-US" altLang="ja-JP" dirty="0" smtClean="0"/>
-          </a:p>
-          <a:p>
-            <a:r>
-              <a:rPr lang="en-US" altLang="ja-JP" dirty="0" smtClean="0"/>
-              <a:t>AI</a:t>
-            </a:r>
-            <a:r>
-              <a:rPr lang="ja-JP" altLang="en-US" dirty="0" smtClean="0"/>
-              <a:t>の強化</a:t>
-            </a:r>
-            <a:endParaRPr lang="ja-JP" altLang="en-US" dirty="0"/>
-          </a:p>
-          <a:p>
-            <a:pPr marL="457200" indent="-457200">
-              <a:buFont typeface="Arial" panose="020B0604020202020204" pitchFamily="34" charset="0"/>
-              <a:buChar char="•"/>
-            </a:pPr>
-            <a:r>
-              <a:rPr lang="ja-JP" altLang="en-US" dirty="0" smtClean="0"/>
-              <a:t>同じ</a:t>
-            </a:r>
-            <a:r>
-              <a:rPr lang="ja-JP" altLang="en-US" dirty="0"/>
-              <a:t>盤面に対するモンテカルロ法</a:t>
-            </a:r>
-            <a:r>
-              <a:rPr lang="ja-JP" altLang="en-US" dirty="0" smtClean="0"/>
-              <a:t>の</a:t>
-            </a:r>
-            <a:r>
-              <a:rPr lang="en-US" altLang="ja-JP" dirty="0" smtClean="0"/>
-              <a:t>AI</a:t>
-            </a:r>
-            <a:r>
-              <a:rPr lang="ja-JP" altLang="en-US" dirty="0" smtClean="0"/>
-              <a:t>の選択と</a:t>
-            </a:r>
-            <a:r>
-              <a:rPr lang="ja-JP" altLang="en-US" dirty="0"/>
-              <a:t>現在の</a:t>
-            </a:r>
-            <a:r>
-              <a:rPr lang="ja-JP" altLang="en-US" dirty="0" smtClean="0"/>
-              <a:t>最強の</a:t>
-            </a:r>
-            <a:r>
-              <a:rPr lang="en-US" altLang="ja-JP" dirty="0" smtClean="0"/>
-              <a:t>AI</a:t>
-            </a:r>
-            <a:r>
-              <a:rPr lang="ja-JP" altLang="en-US" dirty="0" smtClean="0"/>
-              <a:t>の選択や人間の選択を比較し，モンテカルロ法の選択の特徴を探る</a:t>
-            </a:r>
-            <a:endParaRPr lang="en-US" altLang="ja-JP" dirty="0" smtClean="0"/>
-          </a:p>
-          <a:p>
-            <a:pPr marL="457200" indent="-457200">
-              <a:buFont typeface="Arial" panose="020B0604020202020204" pitchFamily="34" charset="0"/>
-              <a:buChar char="•"/>
-            </a:pPr>
-            <a:r>
-              <a:rPr lang="ja-JP" altLang="en-US" dirty="0" smtClean="0"/>
-              <a:t>モンテカルロ法の改善アルゴリズムを応用して強くなるか確かめてみる</a:t>
-            </a:r>
-            <a:endParaRPr lang="ja-JP" altLang="en-US" dirty="0"/>
-          </a:p>
-          <a:p>
+              <a:rPr kumimoji="1" lang="ja-JP" altLang="en-US" dirty="0" smtClean="0"/>
+              <a:t>ゲーム終了まで試す回数は多い方が良い</a:t>
+            </a:r>
             <a:endParaRPr kumimoji="1" lang="en-US" altLang="ja-JP" dirty="0" smtClean="0"/>
+          </a:p>
+          <a:p>
+            <a:endParaRPr kumimoji="1" lang="ja-JP" altLang="en-US" dirty="0"/>
           </a:p>
         </p:txBody>
       </p:sp>
@@ -6597,6 +6939,2255 @@
               <a:rPr lang="ja-JP" altLang="en-US" smtClean="0"/>
               <a:pPr/>
               <a:t>11</a:t>
+            </a:fld>
+            <a:endParaRPr lang="ja-JP" altLang="en-US" dirty="0"/>
+          </a:p>
+        </p:txBody>
+      </p:sp>
+      <p:sp>
+        <p:nvSpPr>
+          <p:cNvPr id="5" name="二等辺三角形 4"/>
+          <p:cNvSpPr/>
+          <p:nvPr/>
+        </p:nvSpPr>
+        <p:spPr>
+          <a:xfrm>
+            <a:off x="82518" y="4067644"/>
+            <a:ext cx="1060704" cy="2323631"/>
+          </a:xfrm>
+          <a:prstGeom prst="triangle">
+            <a:avLst/>
+          </a:prstGeom>
+        </p:spPr>
+        <p:style>
+          <a:lnRef idx="1">
+            <a:schemeClr val="accent3"/>
+          </a:lnRef>
+          <a:fillRef idx="2">
+            <a:schemeClr val="accent3"/>
+          </a:fillRef>
+          <a:effectRef idx="1">
+            <a:schemeClr val="accent3"/>
+          </a:effectRef>
+          <a:fontRef idx="minor">
+            <a:schemeClr val="dk1"/>
+          </a:fontRef>
+        </p:style>
+        <p:txBody>
+          <a:bodyPr rtlCol="0" anchor="ctr"/>
+          <a:lstStyle/>
+          <a:p>
+            <a:pPr algn="ctr"/>
+            <a:endParaRPr kumimoji="1" lang="ja-JP" altLang="en-US"/>
+          </a:p>
+        </p:txBody>
+      </p:sp>
+      <p:sp>
+        <p:nvSpPr>
+          <p:cNvPr id="6" name="円/楕円 5"/>
+          <p:cNvSpPr/>
+          <p:nvPr/>
+        </p:nvSpPr>
+        <p:spPr>
+          <a:xfrm>
+            <a:off x="2132844" y="3300331"/>
+            <a:ext cx="216000" cy="216000"/>
+          </a:xfrm>
+          <a:prstGeom prst="ellipse">
+            <a:avLst/>
+          </a:prstGeom>
+          <a:solidFill>
+            <a:schemeClr val="tx1"/>
+          </a:solidFill>
+          <a:ln>
+            <a:solidFill>
+              <a:schemeClr val="tx1"/>
+            </a:solidFill>
+          </a:ln>
+        </p:spPr>
+        <p:style>
+          <a:lnRef idx="1">
+            <a:schemeClr val="accent2"/>
+          </a:lnRef>
+          <a:fillRef idx="3">
+            <a:schemeClr val="accent2"/>
+          </a:fillRef>
+          <a:effectRef idx="2">
+            <a:schemeClr val="accent2"/>
+          </a:effectRef>
+          <a:fontRef idx="minor">
+            <a:schemeClr val="lt1"/>
+          </a:fontRef>
+        </p:style>
+        <p:txBody>
+          <a:bodyPr rtlCol="0" anchor="ctr"/>
+          <a:lstStyle/>
+          <a:p>
+            <a:pPr algn="ctr"/>
+            <a:endParaRPr kumimoji="1" lang="ja-JP" altLang="en-US"/>
+          </a:p>
+        </p:txBody>
+      </p:sp>
+      <p:cxnSp>
+        <p:nvCxnSpPr>
+          <p:cNvPr id="7" name="直線コネクタ 6"/>
+          <p:cNvCxnSpPr>
+            <a:stCxn id="12" idx="1"/>
+            <a:endCxn id="6" idx="4"/>
+          </p:cNvCxnSpPr>
+          <p:nvPr/>
+        </p:nvCxnSpPr>
+        <p:spPr>
+          <a:xfrm flipH="1" flipV="1">
+            <a:off x="2240844" y="3516331"/>
+            <a:ext cx="1581726" cy="366945"/>
+          </a:xfrm>
+          <a:prstGeom prst="line">
+            <a:avLst/>
+          </a:prstGeom>
+          <a:effectLst/>
+          <a:scene3d>
+            <a:camera prst="orthographicFront">
+              <a:rot lat="0" lon="0" rev="0"/>
+            </a:camera>
+            <a:lightRig rig="twoPt" dir="t">
+              <a:rot lat="0" lon="0" rev="4800000"/>
+            </a:lightRig>
+          </a:scene3d>
+          <a:sp3d prstMaterial="matte"/>
+        </p:spPr>
+        <p:style>
+          <a:lnRef idx="3">
+            <a:schemeClr val="dk1"/>
+          </a:lnRef>
+          <a:fillRef idx="0">
+            <a:schemeClr val="dk1"/>
+          </a:fillRef>
+          <a:effectRef idx="2">
+            <a:schemeClr val="dk1"/>
+          </a:effectRef>
+          <a:fontRef idx="minor">
+            <a:schemeClr val="tx1"/>
+          </a:fontRef>
+        </p:style>
+      </p:cxnSp>
+      <p:cxnSp>
+        <p:nvCxnSpPr>
+          <p:cNvPr id="8" name="直線コネクタ 7"/>
+          <p:cNvCxnSpPr>
+            <a:stCxn id="6" idx="4"/>
+            <a:endCxn id="15" idx="0"/>
+          </p:cNvCxnSpPr>
+          <p:nvPr/>
+        </p:nvCxnSpPr>
+        <p:spPr>
+          <a:xfrm flipH="1">
+            <a:off x="612870" y="3516331"/>
+            <a:ext cx="1627974" cy="335313"/>
+          </a:xfrm>
+          <a:prstGeom prst="line">
+            <a:avLst/>
+          </a:prstGeom>
+          <a:effectLst/>
+          <a:scene3d>
+            <a:camera prst="orthographicFront">
+              <a:rot lat="0" lon="0" rev="0"/>
+            </a:camera>
+            <a:lightRig rig="twoPt" dir="t">
+              <a:rot lat="0" lon="0" rev="4800000"/>
+            </a:lightRig>
+          </a:scene3d>
+          <a:sp3d prstMaterial="matte"/>
+        </p:spPr>
+        <p:style>
+          <a:lnRef idx="3">
+            <a:schemeClr val="dk1"/>
+          </a:lnRef>
+          <a:fillRef idx="0">
+            <a:schemeClr val="dk1"/>
+          </a:fillRef>
+          <a:effectRef idx="2">
+            <a:schemeClr val="dk1"/>
+          </a:effectRef>
+          <a:fontRef idx="minor">
+            <a:schemeClr val="tx1"/>
+          </a:fontRef>
+        </p:style>
+      </p:cxnSp>
+      <p:cxnSp>
+        <p:nvCxnSpPr>
+          <p:cNvPr id="9" name="直線コネクタ 8"/>
+          <p:cNvCxnSpPr>
+            <a:stCxn id="13" idx="0"/>
+            <a:endCxn id="6" idx="4"/>
+          </p:cNvCxnSpPr>
+          <p:nvPr/>
+        </p:nvCxnSpPr>
+        <p:spPr>
+          <a:xfrm flipH="1" flipV="1">
+            <a:off x="2240844" y="3516331"/>
+            <a:ext cx="553222" cy="335310"/>
+          </a:xfrm>
+          <a:prstGeom prst="line">
+            <a:avLst/>
+          </a:prstGeom>
+          <a:effectLst/>
+          <a:scene3d>
+            <a:camera prst="orthographicFront">
+              <a:rot lat="0" lon="0" rev="0"/>
+            </a:camera>
+            <a:lightRig rig="twoPt" dir="t">
+              <a:rot lat="0" lon="0" rev="4800000"/>
+            </a:lightRig>
+          </a:scene3d>
+          <a:sp3d prstMaterial="matte"/>
+        </p:spPr>
+        <p:style>
+          <a:lnRef idx="3">
+            <a:schemeClr val="dk1"/>
+          </a:lnRef>
+          <a:fillRef idx="0">
+            <a:schemeClr val="dk1"/>
+          </a:fillRef>
+          <a:effectRef idx="2">
+            <a:schemeClr val="dk1"/>
+          </a:effectRef>
+          <a:fontRef idx="minor">
+            <a:schemeClr val="tx1"/>
+          </a:fontRef>
+        </p:style>
+      </p:cxnSp>
+      <p:cxnSp>
+        <p:nvCxnSpPr>
+          <p:cNvPr id="10" name="直線コネクタ 9"/>
+          <p:cNvCxnSpPr>
+            <a:stCxn id="14" idx="0"/>
+            <a:endCxn id="6" idx="4"/>
+          </p:cNvCxnSpPr>
+          <p:nvPr/>
+        </p:nvCxnSpPr>
+        <p:spPr>
+          <a:xfrm flipV="1">
+            <a:off x="1732629" y="3516331"/>
+            <a:ext cx="508215" cy="335311"/>
+          </a:xfrm>
+          <a:prstGeom prst="line">
+            <a:avLst/>
+          </a:prstGeom>
+          <a:effectLst/>
+          <a:scene3d>
+            <a:camera prst="orthographicFront">
+              <a:rot lat="0" lon="0" rev="0"/>
+            </a:camera>
+            <a:lightRig rig="twoPt" dir="t">
+              <a:rot lat="0" lon="0" rev="4800000"/>
+            </a:lightRig>
+          </a:scene3d>
+          <a:sp3d prstMaterial="matte"/>
+        </p:spPr>
+        <p:style>
+          <a:lnRef idx="3">
+            <a:schemeClr val="dk1"/>
+          </a:lnRef>
+          <a:fillRef idx="0">
+            <a:schemeClr val="dk1"/>
+          </a:fillRef>
+          <a:effectRef idx="2">
+            <a:schemeClr val="dk1"/>
+          </a:effectRef>
+          <a:fontRef idx="minor">
+            <a:schemeClr val="tx1"/>
+          </a:fontRef>
+        </p:style>
+      </p:cxnSp>
+      <p:sp>
+        <p:nvSpPr>
+          <p:cNvPr id="11" name="テキスト ボックス 10"/>
+          <p:cNvSpPr txBox="1"/>
+          <p:nvPr/>
+        </p:nvSpPr>
+        <p:spPr>
+          <a:xfrm>
+            <a:off x="2380579" y="3174961"/>
+            <a:ext cx="1723549" cy="461665"/>
+          </a:xfrm>
+          <a:prstGeom prst="rect">
+            <a:avLst/>
+          </a:prstGeom>
+          <a:noFill/>
+        </p:spPr>
+        <p:txBody>
+          <a:bodyPr wrap="none" rtlCol="0">
+            <a:spAutoFit/>
+          </a:bodyPr>
+          <a:lstStyle/>
+          <a:p>
+            <a:r>
+              <a:rPr kumimoji="1" lang="ja-JP" altLang="en-US" sz="2400" dirty="0" smtClean="0"/>
+              <a:t>現在の盤面</a:t>
+            </a:r>
+            <a:endParaRPr kumimoji="1" lang="ja-JP" altLang="en-US" sz="2400" dirty="0"/>
+          </a:p>
+        </p:txBody>
+      </p:sp>
+      <p:sp>
+        <p:nvSpPr>
+          <p:cNvPr id="12" name="円/楕円 11"/>
+          <p:cNvSpPr/>
+          <p:nvPr/>
+        </p:nvSpPr>
+        <p:spPr>
+          <a:xfrm>
+            <a:off x="3790938" y="3851644"/>
+            <a:ext cx="216000" cy="216000"/>
+          </a:xfrm>
+          <a:prstGeom prst="ellipse">
+            <a:avLst/>
+          </a:prstGeom>
+          <a:ln/>
+        </p:spPr>
+        <p:style>
+          <a:lnRef idx="1">
+            <a:schemeClr val="accent6"/>
+          </a:lnRef>
+          <a:fillRef idx="3">
+            <a:schemeClr val="accent6"/>
+          </a:fillRef>
+          <a:effectRef idx="2">
+            <a:schemeClr val="accent6"/>
+          </a:effectRef>
+          <a:fontRef idx="minor">
+            <a:schemeClr val="lt1"/>
+          </a:fontRef>
+        </p:style>
+        <p:txBody>
+          <a:bodyPr rtlCol="0" anchor="ctr"/>
+          <a:lstStyle/>
+          <a:p>
+            <a:pPr algn="ctr"/>
+            <a:endParaRPr kumimoji="1" lang="ja-JP" altLang="en-US">
+              <a:ln>
+                <a:solidFill>
+                  <a:sysClr val="windowText" lastClr="000000"/>
+                </a:solidFill>
+              </a:ln>
+            </a:endParaRPr>
+          </a:p>
+        </p:txBody>
+      </p:sp>
+      <p:sp>
+        <p:nvSpPr>
+          <p:cNvPr id="13" name="円/楕円 12"/>
+          <p:cNvSpPr/>
+          <p:nvPr/>
+        </p:nvSpPr>
+        <p:spPr>
+          <a:xfrm>
+            <a:off x="2686066" y="3851641"/>
+            <a:ext cx="216000" cy="216000"/>
+          </a:xfrm>
+          <a:prstGeom prst="ellipse">
+            <a:avLst/>
+          </a:prstGeom>
+          <a:ln/>
+        </p:spPr>
+        <p:style>
+          <a:lnRef idx="1">
+            <a:schemeClr val="accent5"/>
+          </a:lnRef>
+          <a:fillRef idx="3">
+            <a:schemeClr val="accent5"/>
+          </a:fillRef>
+          <a:effectRef idx="2">
+            <a:schemeClr val="accent5"/>
+          </a:effectRef>
+          <a:fontRef idx="minor">
+            <a:schemeClr val="lt1"/>
+          </a:fontRef>
+        </p:style>
+        <p:txBody>
+          <a:bodyPr rtlCol="0" anchor="ctr"/>
+          <a:lstStyle/>
+          <a:p>
+            <a:pPr algn="ctr"/>
+            <a:endParaRPr kumimoji="1" lang="ja-JP" altLang="en-US">
+              <a:ln>
+                <a:solidFill>
+                  <a:sysClr val="windowText" lastClr="000000"/>
+                </a:solidFill>
+              </a:ln>
+            </a:endParaRPr>
+          </a:p>
+        </p:txBody>
+      </p:sp>
+      <p:sp>
+        <p:nvSpPr>
+          <p:cNvPr id="14" name="円/楕円 13"/>
+          <p:cNvSpPr/>
+          <p:nvPr/>
+        </p:nvSpPr>
+        <p:spPr>
+          <a:xfrm>
+            <a:off x="1624629" y="3851642"/>
+            <a:ext cx="216000" cy="216000"/>
+          </a:xfrm>
+          <a:prstGeom prst="ellipse">
+            <a:avLst/>
+          </a:prstGeom>
+          <a:ln/>
+        </p:spPr>
+        <p:style>
+          <a:lnRef idx="1">
+            <a:schemeClr val="accent4"/>
+          </a:lnRef>
+          <a:fillRef idx="3">
+            <a:schemeClr val="accent4"/>
+          </a:fillRef>
+          <a:effectRef idx="2">
+            <a:schemeClr val="accent4"/>
+          </a:effectRef>
+          <a:fontRef idx="minor">
+            <a:schemeClr val="lt1"/>
+          </a:fontRef>
+        </p:style>
+        <p:txBody>
+          <a:bodyPr rtlCol="0" anchor="ctr"/>
+          <a:lstStyle/>
+          <a:p>
+            <a:pPr algn="ctr"/>
+            <a:endParaRPr kumimoji="1" lang="ja-JP" altLang="en-US">
+              <a:ln>
+                <a:solidFill>
+                  <a:sysClr val="windowText" lastClr="000000"/>
+                </a:solidFill>
+              </a:ln>
+            </a:endParaRPr>
+          </a:p>
+        </p:txBody>
+      </p:sp>
+      <p:sp>
+        <p:nvSpPr>
+          <p:cNvPr id="15" name="円/楕円 14"/>
+          <p:cNvSpPr/>
+          <p:nvPr/>
+        </p:nvSpPr>
+        <p:spPr>
+          <a:xfrm>
+            <a:off x="504870" y="3851644"/>
+            <a:ext cx="216000" cy="216000"/>
+          </a:xfrm>
+          <a:prstGeom prst="ellipse">
+            <a:avLst/>
+          </a:prstGeom>
+          <a:ln/>
+        </p:spPr>
+        <p:style>
+          <a:lnRef idx="1">
+            <a:schemeClr val="accent2"/>
+          </a:lnRef>
+          <a:fillRef idx="3">
+            <a:schemeClr val="accent2"/>
+          </a:fillRef>
+          <a:effectRef idx="2">
+            <a:schemeClr val="accent2"/>
+          </a:effectRef>
+          <a:fontRef idx="minor">
+            <a:schemeClr val="lt1"/>
+          </a:fontRef>
+        </p:style>
+        <p:txBody>
+          <a:bodyPr rtlCol="0" anchor="ctr"/>
+          <a:lstStyle/>
+          <a:p>
+            <a:pPr algn="ctr"/>
+            <a:endParaRPr kumimoji="1" lang="ja-JP" altLang="en-US">
+              <a:ln>
+                <a:solidFill>
+                  <a:sysClr val="windowText" lastClr="000000"/>
+                </a:solidFill>
+              </a:ln>
+            </a:endParaRPr>
+          </a:p>
+        </p:txBody>
+      </p:sp>
+      <p:sp>
+        <p:nvSpPr>
+          <p:cNvPr id="16" name="二等辺三角形 15"/>
+          <p:cNvSpPr/>
+          <p:nvPr/>
+        </p:nvSpPr>
+        <p:spPr>
+          <a:xfrm>
+            <a:off x="1188252" y="4067642"/>
+            <a:ext cx="1060704" cy="2323631"/>
+          </a:xfrm>
+          <a:prstGeom prst="triangle">
+            <a:avLst/>
+          </a:prstGeom>
+        </p:spPr>
+        <p:style>
+          <a:lnRef idx="1">
+            <a:schemeClr val="accent3"/>
+          </a:lnRef>
+          <a:fillRef idx="2">
+            <a:schemeClr val="accent3"/>
+          </a:fillRef>
+          <a:effectRef idx="1">
+            <a:schemeClr val="accent3"/>
+          </a:effectRef>
+          <a:fontRef idx="minor">
+            <a:schemeClr val="dk1"/>
+          </a:fontRef>
+        </p:style>
+        <p:txBody>
+          <a:bodyPr rtlCol="0" anchor="ctr"/>
+          <a:lstStyle/>
+          <a:p>
+            <a:pPr algn="ctr"/>
+            <a:endParaRPr kumimoji="1" lang="ja-JP" altLang="en-US"/>
+          </a:p>
+        </p:txBody>
+      </p:sp>
+      <p:sp>
+        <p:nvSpPr>
+          <p:cNvPr id="17" name="二等辺三角形 16"/>
+          <p:cNvSpPr/>
+          <p:nvPr/>
+        </p:nvSpPr>
+        <p:spPr>
+          <a:xfrm>
+            <a:off x="2263458" y="4067641"/>
+            <a:ext cx="1060704" cy="2323631"/>
+          </a:xfrm>
+          <a:prstGeom prst="triangle">
+            <a:avLst/>
+          </a:prstGeom>
+        </p:spPr>
+        <p:style>
+          <a:lnRef idx="1">
+            <a:schemeClr val="accent3"/>
+          </a:lnRef>
+          <a:fillRef idx="2">
+            <a:schemeClr val="accent3"/>
+          </a:fillRef>
+          <a:effectRef idx="1">
+            <a:schemeClr val="accent3"/>
+          </a:effectRef>
+          <a:fontRef idx="minor">
+            <a:schemeClr val="dk1"/>
+          </a:fontRef>
+        </p:style>
+        <p:txBody>
+          <a:bodyPr rtlCol="0" anchor="ctr"/>
+          <a:lstStyle/>
+          <a:p>
+            <a:pPr algn="ctr"/>
+            <a:endParaRPr kumimoji="1" lang="ja-JP" altLang="en-US"/>
+          </a:p>
+        </p:txBody>
+      </p:sp>
+      <p:sp>
+        <p:nvSpPr>
+          <p:cNvPr id="18" name="二等辺三角形 17"/>
+          <p:cNvSpPr/>
+          <p:nvPr/>
+        </p:nvSpPr>
+        <p:spPr>
+          <a:xfrm>
+            <a:off x="3366828" y="4067641"/>
+            <a:ext cx="1060704" cy="2323631"/>
+          </a:xfrm>
+          <a:prstGeom prst="triangle">
+            <a:avLst/>
+          </a:prstGeom>
+        </p:spPr>
+        <p:style>
+          <a:lnRef idx="1">
+            <a:schemeClr val="accent3"/>
+          </a:lnRef>
+          <a:fillRef idx="2">
+            <a:schemeClr val="accent3"/>
+          </a:fillRef>
+          <a:effectRef idx="1">
+            <a:schemeClr val="accent3"/>
+          </a:effectRef>
+          <a:fontRef idx="minor">
+            <a:schemeClr val="dk1"/>
+          </a:fontRef>
+        </p:style>
+        <p:txBody>
+          <a:bodyPr rtlCol="0" anchor="ctr"/>
+          <a:lstStyle/>
+          <a:p>
+            <a:pPr algn="ctr"/>
+            <a:endParaRPr kumimoji="1" lang="ja-JP" altLang="en-US"/>
+          </a:p>
+        </p:txBody>
+      </p:sp>
+      <p:sp>
+        <p:nvSpPr>
+          <p:cNvPr id="19" name="テキスト ボックス 18"/>
+          <p:cNvSpPr txBox="1"/>
+          <p:nvPr/>
+        </p:nvSpPr>
+        <p:spPr>
+          <a:xfrm>
+            <a:off x="4115941" y="3728810"/>
+            <a:ext cx="1415772" cy="461665"/>
+          </a:xfrm>
+          <a:prstGeom prst="rect">
+            <a:avLst/>
+          </a:prstGeom>
+          <a:noFill/>
+        </p:spPr>
+        <p:txBody>
+          <a:bodyPr wrap="none" rtlCol="0">
+            <a:spAutoFit/>
+          </a:bodyPr>
+          <a:lstStyle/>
+          <a:p>
+            <a:r>
+              <a:rPr kumimoji="1" lang="ja-JP" altLang="en-US" sz="2400" dirty="0" smtClean="0"/>
+              <a:t>次の選択</a:t>
+            </a:r>
+            <a:endParaRPr kumimoji="1" lang="ja-JP" altLang="en-US" sz="2400" dirty="0"/>
+          </a:p>
+        </p:txBody>
+      </p:sp>
+      <p:sp>
+        <p:nvSpPr>
+          <p:cNvPr id="20" name="円/楕円 19"/>
+          <p:cNvSpPr/>
+          <p:nvPr/>
+        </p:nvSpPr>
+        <p:spPr>
+          <a:xfrm>
+            <a:off x="3618572" y="6252472"/>
+            <a:ext cx="216000" cy="216000"/>
+          </a:xfrm>
+          <a:prstGeom prst="ellipse">
+            <a:avLst/>
+          </a:prstGeom>
+          <a:noFill/>
+          <a:ln w="57150">
+            <a:solidFill>
+              <a:srgbClr val="FF0000"/>
+            </a:solidFill>
+          </a:ln>
+          <a:effectLst>
+            <a:outerShdw blurRad="57785" dist="33020" dir="3180000" algn="ctr">
+              <a:srgbClr val="000000">
+                <a:alpha val="30000"/>
+              </a:srgbClr>
+            </a:outerShdw>
+          </a:effectLst>
+          <a:scene3d>
+            <a:camera prst="orthographicFront">
+              <a:rot lat="0" lon="0" rev="0"/>
+            </a:camera>
+            <a:lightRig rig="brightRoom" dir="t">
+              <a:rot lat="0" lon="0" rev="600000"/>
+            </a:lightRig>
+          </a:scene3d>
+          <a:sp3d prstMaterial="metal">
+            <a:bevelT w="38100" h="57150" prst="angle"/>
+          </a:sp3d>
+        </p:spPr>
+        <p:style>
+          <a:lnRef idx="2">
+            <a:schemeClr val="accent1">
+              <a:shade val="50000"/>
+            </a:schemeClr>
+          </a:lnRef>
+          <a:fillRef idx="1">
+            <a:schemeClr val="accent1"/>
+          </a:fillRef>
+          <a:effectRef idx="0">
+            <a:schemeClr val="accent1"/>
+          </a:effectRef>
+          <a:fontRef idx="minor">
+            <a:schemeClr val="lt1"/>
+          </a:fontRef>
+        </p:style>
+        <p:txBody>
+          <a:bodyPr rtlCol="0" anchor="ctr"/>
+          <a:lstStyle/>
+          <a:p>
+            <a:pPr algn="ctr"/>
+            <a:endParaRPr kumimoji="1" lang="ja-JP" altLang="en-US"/>
+          </a:p>
+        </p:txBody>
+      </p:sp>
+      <p:sp>
+        <p:nvSpPr>
+          <p:cNvPr id="21" name="乗算記号 20"/>
+          <p:cNvSpPr/>
+          <p:nvPr/>
+        </p:nvSpPr>
+        <p:spPr>
+          <a:xfrm>
+            <a:off x="3304816" y="6198472"/>
+            <a:ext cx="324000" cy="324000"/>
+          </a:xfrm>
+          <a:prstGeom prst="mathMultiply">
+            <a:avLst/>
+          </a:prstGeom>
+        </p:spPr>
+        <p:style>
+          <a:lnRef idx="2">
+            <a:schemeClr val="dk1">
+              <a:shade val="50000"/>
+            </a:schemeClr>
+          </a:lnRef>
+          <a:fillRef idx="1">
+            <a:schemeClr val="dk1"/>
+          </a:fillRef>
+          <a:effectRef idx="0">
+            <a:schemeClr val="dk1"/>
+          </a:effectRef>
+          <a:fontRef idx="minor">
+            <a:schemeClr val="lt1"/>
+          </a:fontRef>
+        </p:style>
+        <p:txBody>
+          <a:bodyPr rtlCol="0" anchor="ctr"/>
+          <a:lstStyle/>
+          <a:p>
+            <a:pPr algn="ctr"/>
+            <a:endParaRPr kumimoji="1" lang="ja-JP" altLang="en-US"/>
+          </a:p>
+        </p:txBody>
+      </p:sp>
+      <p:sp>
+        <p:nvSpPr>
+          <p:cNvPr id="22" name="円/楕円 21"/>
+          <p:cNvSpPr/>
+          <p:nvPr/>
+        </p:nvSpPr>
+        <p:spPr>
+          <a:xfrm>
+            <a:off x="3937439" y="6249872"/>
+            <a:ext cx="216000" cy="216000"/>
+          </a:xfrm>
+          <a:prstGeom prst="ellipse">
+            <a:avLst/>
+          </a:prstGeom>
+          <a:noFill/>
+          <a:ln w="57150">
+            <a:solidFill>
+              <a:srgbClr val="FF0000"/>
+            </a:solidFill>
+          </a:ln>
+          <a:effectLst>
+            <a:outerShdw blurRad="57785" dist="33020" dir="3180000" algn="ctr">
+              <a:srgbClr val="000000">
+                <a:alpha val="30000"/>
+              </a:srgbClr>
+            </a:outerShdw>
+          </a:effectLst>
+          <a:scene3d>
+            <a:camera prst="orthographicFront">
+              <a:rot lat="0" lon="0" rev="0"/>
+            </a:camera>
+            <a:lightRig rig="brightRoom" dir="t">
+              <a:rot lat="0" lon="0" rev="600000"/>
+            </a:lightRig>
+          </a:scene3d>
+          <a:sp3d prstMaterial="metal">
+            <a:bevelT w="38100" h="57150" prst="angle"/>
+          </a:sp3d>
+        </p:spPr>
+        <p:style>
+          <a:lnRef idx="2">
+            <a:schemeClr val="accent1">
+              <a:shade val="50000"/>
+            </a:schemeClr>
+          </a:lnRef>
+          <a:fillRef idx="1">
+            <a:schemeClr val="accent1"/>
+          </a:fillRef>
+          <a:effectRef idx="0">
+            <a:schemeClr val="accent1"/>
+          </a:effectRef>
+          <a:fontRef idx="minor">
+            <a:schemeClr val="lt1"/>
+          </a:fontRef>
+        </p:style>
+        <p:txBody>
+          <a:bodyPr rtlCol="0" anchor="ctr"/>
+          <a:lstStyle/>
+          <a:p>
+            <a:pPr algn="ctr"/>
+            <a:endParaRPr kumimoji="1" lang="ja-JP" altLang="en-US"/>
+          </a:p>
+        </p:txBody>
+      </p:sp>
+      <p:sp>
+        <p:nvSpPr>
+          <p:cNvPr id="23" name="円/楕円 22"/>
+          <p:cNvSpPr/>
+          <p:nvPr/>
+        </p:nvSpPr>
+        <p:spPr>
+          <a:xfrm>
+            <a:off x="4256306" y="6249872"/>
+            <a:ext cx="216000" cy="216000"/>
+          </a:xfrm>
+          <a:prstGeom prst="ellipse">
+            <a:avLst/>
+          </a:prstGeom>
+          <a:noFill/>
+          <a:ln w="57150">
+            <a:solidFill>
+              <a:srgbClr val="FF0000"/>
+            </a:solidFill>
+          </a:ln>
+          <a:effectLst>
+            <a:outerShdw blurRad="57785" dist="33020" dir="3180000" algn="ctr">
+              <a:srgbClr val="000000">
+                <a:alpha val="30000"/>
+              </a:srgbClr>
+            </a:outerShdw>
+          </a:effectLst>
+          <a:scene3d>
+            <a:camera prst="orthographicFront">
+              <a:rot lat="0" lon="0" rev="0"/>
+            </a:camera>
+            <a:lightRig rig="brightRoom" dir="t">
+              <a:rot lat="0" lon="0" rev="600000"/>
+            </a:lightRig>
+          </a:scene3d>
+          <a:sp3d prstMaterial="metal">
+            <a:bevelT w="38100" h="57150" prst="angle"/>
+          </a:sp3d>
+        </p:spPr>
+        <p:style>
+          <a:lnRef idx="2">
+            <a:schemeClr val="accent1">
+              <a:shade val="50000"/>
+            </a:schemeClr>
+          </a:lnRef>
+          <a:fillRef idx="1">
+            <a:schemeClr val="accent1"/>
+          </a:fillRef>
+          <a:effectRef idx="0">
+            <a:schemeClr val="accent1"/>
+          </a:effectRef>
+          <a:fontRef idx="minor">
+            <a:schemeClr val="lt1"/>
+          </a:fontRef>
+        </p:style>
+        <p:txBody>
+          <a:bodyPr rtlCol="0" anchor="ctr"/>
+          <a:lstStyle/>
+          <a:p>
+            <a:pPr algn="ctr"/>
+            <a:endParaRPr kumimoji="1" lang="ja-JP" altLang="en-US"/>
+          </a:p>
+        </p:txBody>
+      </p:sp>
+      <p:sp>
+        <p:nvSpPr>
+          <p:cNvPr id="24" name="円/楕円 23"/>
+          <p:cNvSpPr/>
+          <p:nvPr/>
+        </p:nvSpPr>
+        <p:spPr>
+          <a:xfrm>
+            <a:off x="2573070" y="6245063"/>
+            <a:ext cx="216000" cy="216000"/>
+          </a:xfrm>
+          <a:prstGeom prst="ellipse">
+            <a:avLst/>
+          </a:prstGeom>
+          <a:noFill/>
+          <a:ln w="57150">
+            <a:solidFill>
+              <a:srgbClr val="FF0000"/>
+            </a:solidFill>
+          </a:ln>
+          <a:effectLst>
+            <a:outerShdw blurRad="57785" dist="33020" dir="3180000" algn="ctr">
+              <a:srgbClr val="000000">
+                <a:alpha val="30000"/>
+              </a:srgbClr>
+            </a:outerShdw>
+          </a:effectLst>
+          <a:scene3d>
+            <a:camera prst="orthographicFront">
+              <a:rot lat="0" lon="0" rev="0"/>
+            </a:camera>
+            <a:lightRig rig="brightRoom" dir="t">
+              <a:rot lat="0" lon="0" rev="600000"/>
+            </a:lightRig>
+          </a:scene3d>
+          <a:sp3d prstMaterial="metal">
+            <a:bevelT w="38100" h="57150" prst="angle"/>
+          </a:sp3d>
+        </p:spPr>
+        <p:style>
+          <a:lnRef idx="2">
+            <a:schemeClr val="accent1">
+              <a:shade val="50000"/>
+            </a:schemeClr>
+          </a:lnRef>
+          <a:fillRef idx="1">
+            <a:schemeClr val="accent1"/>
+          </a:fillRef>
+          <a:effectRef idx="0">
+            <a:schemeClr val="accent1"/>
+          </a:effectRef>
+          <a:fontRef idx="minor">
+            <a:schemeClr val="lt1"/>
+          </a:fontRef>
+        </p:style>
+        <p:txBody>
+          <a:bodyPr rtlCol="0" anchor="ctr"/>
+          <a:lstStyle/>
+          <a:p>
+            <a:pPr algn="ctr"/>
+            <a:endParaRPr kumimoji="1" lang="ja-JP" altLang="en-US"/>
+          </a:p>
+        </p:txBody>
+      </p:sp>
+      <p:sp>
+        <p:nvSpPr>
+          <p:cNvPr id="25" name="円/楕円 24"/>
+          <p:cNvSpPr/>
+          <p:nvPr/>
+        </p:nvSpPr>
+        <p:spPr>
+          <a:xfrm>
+            <a:off x="2301455" y="6248269"/>
+            <a:ext cx="216000" cy="216000"/>
+          </a:xfrm>
+          <a:prstGeom prst="ellipse">
+            <a:avLst/>
+          </a:prstGeom>
+          <a:noFill/>
+          <a:ln w="57150">
+            <a:solidFill>
+              <a:srgbClr val="FF0000"/>
+            </a:solidFill>
+          </a:ln>
+          <a:effectLst>
+            <a:outerShdw blurRad="57785" dist="33020" dir="3180000" algn="ctr">
+              <a:srgbClr val="000000">
+                <a:alpha val="30000"/>
+              </a:srgbClr>
+            </a:outerShdw>
+          </a:effectLst>
+          <a:scene3d>
+            <a:camera prst="orthographicFront">
+              <a:rot lat="0" lon="0" rev="0"/>
+            </a:camera>
+            <a:lightRig rig="brightRoom" dir="t">
+              <a:rot lat="0" lon="0" rev="600000"/>
+            </a:lightRig>
+          </a:scene3d>
+          <a:sp3d prstMaterial="metal">
+            <a:bevelT w="38100" h="57150" prst="angle"/>
+          </a:sp3d>
+        </p:spPr>
+        <p:style>
+          <a:lnRef idx="2">
+            <a:schemeClr val="accent1">
+              <a:shade val="50000"/>
+            </a:schemeClr>
+          </a:lnRef>
+          <a:fillRef idx="1">
+            <a:schemeClr val="accent1"/>
+          </a:fillRef>
+          <a:effectRef idx="0">
+            <a:schemeClr val="accent1"/>
+          </a:effectRef>
+          <a:fontRef idx="minor">
+            <a:schemeClr val="lt1"/>
+          </a:fontRef>
+        </p:style>
+        <p:txBody>
+          <a:bodyPr rtlCol="0" anchor="ctr"/>
+          <a:lstStyle/>
+          <a:p>
+            <a:pPr algn="ctr"/>
+            <a:endParaRPr kumimoji="1" lang="ja-JP" altLang="en-US"/>
+          </a:p>
+        </p:txBody>
+      </p:sp>
+      <p:sp>
+        <p:nvSpPr>
+          <p:cNvPr id="26" name="円/楕円 25"/>
+          <p:cNvSpPr/>
+          <p:nvPr/>
+        </p:nvSpPr>
+        <p:spPr>
+          <a:xfrm>
+            <a:off x="2844685" y="6251382"/>
+            <a:ext cx="216000" cy="216000"/>
+          </a:xfrm>
+          <a:prstGeom prst="ellipse">
+            <a:avLst/>
+          </a:prstGeom>
+          <a:noFill/>
+          <a:ln w="57150">
+            <a:solidFill>
+              <a:srgbClr val="FF0000"/>
+            </a:solidFill>
+          </a:ln>
+          <a:effectLst>
+            <a:outerShdw blurRad="57785" dist="33020" dir="3180000" algn="ctr">
+              <a:srgbClr val="000000">
+                <a:alpha val="30000"/>
+              </a:srgbClr>
+            </a:outerShdw>
+          </a:effectLst>
+          <a:scene3d>
+            <a:camera prst="orthographicFront">
+              <a:rot lat="0" lon="0" rev="0"/>
+            </a:camera>
+            <a:lightRig rig="brightRoom" dir="t">
+              <a:rot lat="0" lon="0" rev="600000"/>
+            </a:lightRig>
+          </a:scene3d>
+          <a:sp3d prstMaterial="metal">
+            <a:bevelT w="38100" h="57150" prst="angle"/>
+          </a:sp3d>
+        </p:spPr>
+        <p:style>
+          <a:lnRef idx="2">
+            <a:schemeClr val="accent1">
+              <a:shade val="50000"/>
+            </a:schemeClr>
+          </a:lnRef>
+          <a:fillRef idx="1">
+            <a:schemeClr val="accent1"/>
+          </a:fillRef>
+          <a:effectRef idx="0">
+            <a:schemeClr val="accent1"/>
+          </a:effectRef>
+          <a:fontRef idx="minor">
+            <a:schemeClr val="lt1"/>
+          </a:fontRef>
+        </p:style>
+        <p:txBody>
+          <a:bodyPr rtlCol="0" anchor="ctr"/>
+          <a:lstStyle/>
+          <a:p>
+            <a:pPr algn="ctr"/>
+            <a:endParaRPr kumimoji="1" lang="ja-JP" altLang="en-US"/>
+          </a:p>
+        </p:txBody>
+      </p:sp>
+      <p:sp>
+        <p:nvSpPr>
+          <p:cNvPr id="27" name="円/楕円 26"/>
+          <p:cNvSpPr/>
+          <p:nvPr/>
+        </p:nvSpPr>
+        <p:spPr>
+          <a:xfrm>
+            <a:off x="3104194" y="6255585"/>
+            <a:ext cx="216000" cy="216000"/>
+          </a:xfrm>
+          <a:prstGeom prst="ellipse">
+            <a:avLst/>
+          </a:prstGeom>
+          <a:noFill/>
+          <a:ln w="57150">
+            <a:solidFill>
+              <a:srgbClr val="FF0000"/>
+            </a:solidFill>
+          </a:ln>
+          <a:effectLst>
+            <a:outerShdw blurRad="57785" dist="33020" dir="3180000" algn="ctr">
+              <a:srgbClr val="000000">
+                <a:alpha val="30000"/>
+              </a:srgbClr>
+            </a:outerShdw>
+          </a:effectLst>
+          <a:scene3d>
+            <a:camera prst="orthographicFront">
+              <a:rot lat="0" lon="0" rev="0"/>
+            </a:camera>
+            <a:lightRig rig="brightRoom" dir="t">
+              <a:rot lat="0" lon="0" rev="600000"/>
+            </a:lightRig>
+          </a:scene3d>
+          <a:sp3d prstMaterial="metal">
+            <a:bevelT w="38100" h="57150" prst="angle"/>
+          </a:sp3d>
+        </p:spPr>
+        <p:style>
+          <a:lnRef idx="2">
+            <a:schemeClr val="accent1">
+              <a:shade val="50000"/>
+            </a:schemeClr>
+          </a:lnRef>
+          <a:fillRef idx="1">
+            <a:schemeClr val="accent1"/>
+          </a:fillRef>
+          <a:effectRef idx="0">
+            <a:schemeClr val="accent1"/>
+          </a:effectRef>
+          <a:fontRef idx="minor">
+            <a:schemeClr val="lt1"/>
+          </a:fontRef>
+        </p:style>
+        <p:txBody>
+          <a:bodyPr rtlCol="0" anchor="ctr"/>
+          <a:lstStyle/>
+          <a:p>
+            <a:pPr algn="ctr"/>
+            <a:endParaRPr kumimoji="1" lang="ja-JP" altLang="en-US"/>
+          </a:p>
+        </p:txBody>
+      </p:sp>
+      <p:sp>
+        <p:nvSpPr>
+          <p:cNvPr id="28" name="乗算記号 27"/>
+          <p:cNvSpPr/>
+          <p:nvPr/>
+        </p:nvSpPr>
+        <p:spPr>
+          <a:xfrm>
+            <a:off x="848031" y="6172228"/>
+            <a:ext cx="324000" cy="324000"/>
+          </a:xfrm>
+          <a:prstGeom prst="mathMultiply">
+            <a:avLst/>
+          </a:prstGeom>
+        </p:spPr>
+        <p:style>
+          <a:lnRef idx="2">
+            <a:schemeClr val="dk1">
+              <a:shade val="50000"/>
+            </a:schemeClr>
+          </a:lnRef>
+          <a:fillRef idx="1">
+            <a:schemeClr val="dk1"/>
+          </a:fillRef>
+          <a:effectRef idx="0">
+            <a:schemeClr val="dk1"/>
+          </a:effectRef>
+          <a:fontRef idx="minor">
+            <a:schemeClr val="lt1"/>
+          </a:fontRef>
+        </p:style>
+        <p:txBody>
+          <a:bodyPr rtlCol="0" anchor="ctr"/>
+          <a:lstStyle/>
+          <a:p>
+            <a:pPr algn="ctr"/>
+            <a:endParaRPr kumimoji="1" lang="ja-JP" altLang="en-US"/>
+          </a:p>
+        </p:txBody>
+      </p:sp>
+      <p:sp>
+        <p:nvSpPr>
+          <p:cNvPr id="29" name="乗算記号 28"/>
+          <p:cNvSpPr/>
+          <p:nvPr/>
+        </p:nvSpPr>
+        <p:spPr>
+          <a:xfrm>
+            <a:off x="65536" y="6172228"/>
+            <a:ext cx="324000" cy="324000"/>
+          </a:xfrm>
+          <a:prstGeom prst="mathMultiply">
+            <a:avLst/>
+          </a:prstGeom>
+        </p:spPr>
+        <p:style>
+          <a:lnRef idx="2">
+            <a:schemeClr val="dk1">
+              <a:shade val="50000"/>
+            </a:schemeClr>
+          </a:lnRef>
+          <a:fillRef idx="1">
+            <a:schemeClr val="dk1"/>
+          </a:fillRef>
+          <a:effectRef idx="0">
+            <a:schemeClr val="dk1"/>
+          </a:effectRef>
+          <a:fontRef idx="minor">
+            <a:schemeClr val="lt1"/>
+          </a:fontRef>
+        </p:style>
+        <p:txBody>
+          <a:bodyPr rtlCol="0" anchor="ctr"/>
+          <a:lstStyle/>
+          <a:p>
+            <a:pPr algn="ctr"/>
+            <a:endParaRPr kumimoji="1" lang="ja-JP" altLang="en-US"/>
+          </a:p>
+        </p:txBody>
+      </p:sp>
+      <p:sp>
+        <p:nvSpPr>
+          <p:cNvPr id="30" name="乗算記号 29"/>
+          <p:cNvSpPr/>
+          <p:nvPr/>
+        </p:nvSpPr>
+        <p:spPr>
+          <a:xfrm>
+            <a:off x="1197852" y="6172228"/>
+            <a:ext cx="324000" cy="324000"/>
+          </a:xfrm>
+          <a:prstGeom prst="mathMultiply">
+            <a:avLst/>
+          </a:prstGeom>
+        </p:spPr>
+        <p:style>
+          <a:lnRef idx="2">
+            <a:schemeClr val="dk1">
+              <a:shade val="50000"/>
+            </a:schemeClr>
+          </a:lnRef>
+          <a:fillRef idx="1">
+            <a:schemeClr val="dk1"/>
+          </a:fillRef>
+          <a:effectRef idx="0">
+            <a:schemeClr val="dk1"/>
+          </a:effectRef>
+          <a:fontRef idx="minor">
+            <a:schemeClr val="lt1"/>
+          </a:fontRef>
+        </p:style>
+        <p:txBody>
+          <a:bodyPr rtlCol="0" anchor="ctr"/>
+          <a:lstStyle/>
+          <a:p>
+            <a:pPr algn="ctr"/>
+            <a:endParaRPr kumimoji="1" lang="ja-JP" altLang="en-US"/>
+          </a:p>
+        </p:txBody>
+      </p:sp>
+      <p:sp>
+        <p:nvSpPr>
+          <p:cNvPr id="31" name="乗算記号 30"/>
+          <p:cNvSpPr/>
+          <p:nvPr/>
+        </p:nvSpPr>
+        <p:spPr>
+          <a:xfrm>
+            <a:off x="323409" y="6172228"/>
+            <a:ext cx="324000" cy="324000"/>
+          </a:xfrm>
+          <a:prstGeom prst="mathMultiply">
+            <a:avLst/>
+          </a:prstGeom>
+        </p:spPr>
+        <p:style>
+          <a:lnRef idx="2">
+            <a:schemeClr val="dk1">
+              <a:shade val="50000"/>
+            </a:schemeClr>
+          </a:lnRef>
+          <a:fillRef idx="1">
+            <a:schemeClr val="dk1"/>
+          </a:fillRef>
+          <a:effectRef idx="0">
+            <a:schemeClr val="dk1"/>
+          </a:effectRef>
+          <a:fontRef idx="minor">
+            <a:schemeClr val="lt1"/>
+          </a:fontRef>
+        </p:style>
+        <p:txBody>
+          <a:bodyPr rtlCol="0" anchor="ctr"/>
+          <a:lstStyle/>
+          <a:p>
+            <a:pPr algn="ctr"/>
+            <a:endParaRPr kumimoji="1" lang="ja-JP" altLang="en-US"/>
+          </a:p>
+        </p:txBody>
+      </p:sp>
+      <p:sp>
+        <p:nvSpPr>
+          <p:cNvPr id="32" name="乗算記号 31"/>
+          <p:cNvSpPr/>
+          <p:nvPr/>
+        </p:nvSpPr>
+        <p:spPr>
+          <a:xfrm>
+            <a:off x="1458346" y="6172228"/>
+            <a:ext cx="324000" cy="324000"/>
+          </a:xfrm>
+          <a:prstGeom prst="mathMultiply">
+            <a:avLst/>
+          </a:prstGeom>
+        </p:spPr>
+        <p:style>
+          <a:lnRef idx="2">
+            <a:schemeClr val="dk1">
+              <a:shade val="50000"/>
+            </a:schemeClr>
+          </a:lnRef>
+          <a:fillRef idx="1">
+            <a:schemeClr val="dk1"/>
+          </a:fillRef>
+          <a:effectRef idx="0">
+            <a:schemeClr val="dk1"/>
+          </a:effectRef>
+          <a:fontRef idx="minor">
+            <a:schemeClr val="lt1"/>
+          </a:fontRef>
+        </p:style>
+        <p:txBody>
+          <a:bodyPr rtlCol="0" anchor="ctr"/>
+          <a:lstStyle/>
+          <a:p>
+            <a:pPr algn="ctr"/>
+            <a:endParaRPr kumimoji="1" lang="ja-JP" altLang="en-US"/>
+          </a:p>
+        </p:txBody>
+      </p:sp>
+      <p:sp>
+        <p:nvSpPr>
+          <p:cNvPr id="33" name="乗算記号 32"/>
+          <p:cNvSpPr/>
+          <p:nvPr/>
+        </p:nvSpPr>
+        <p:spPr>
+          <a:xfrm>
+            <a:off x="1713802" y="6172228"/>
+            <a:ext cx="324000" cy="324000"/>
+          </a:xfrm>
+          <a:prstGeom prst="mathMultiply">
+            <a:avLst/>
+          </a:prstGeom>
+        </p:spPr>
+        <p:style>
+          <a:lnRef idx="2">
+            <a:schemeClr val="dk1">
+              <a:shade val="50000"/>
+            </a:schemeClr>
+          </a:lnRef>
+          <a:fillRef idx="1">
+            <a:schemeClr val="dk1"/>
+          </a:fillRef>
+          <a:effectRef idx="0">
+            <a:schemeClr val="dk1"/>
+          </a:effectRef>
+          <a:fontRef idx="minor">
+            <a:schemeClr val="lt1"/>
+          </a:fontRef>
+        </p:style>
+        <p:txBody>
+          <a:bodyPr rtlCol="0" anchor="ctr"/>
+          <a:lstStyle/>
+          <a:p>
+            <a:pPr algn="ctr"/>
+            <a:endParaRPr kumimoji="1" lang="ja-JP" altLang="en-US"/>
+          </a:p>
+        </p:txBody>
+      </p:sp>
+      <p:sp>
+        <p:nvSpPr>
+          <p:cNvPr id="34" name="乗算記号 33"/>
+          <p:cNvSpPr/>
+          <p:nvPr/>
+        </p:nvSpPr>
+        <p:spPr>
+          <a:xfrm>
+            <a:off x="1981607" y="6172228"/>
+            <a:ext cx="324000" cy="324000"/>
+          </a:xfrm>
+          <a:prstGeom prst="mathMultiply">
+            <a:avLst/>
+          </a:prstGeom>
+        </p:spPr>
+        <p:style>
+          <a:lnRef idx="2">
+            <a:schemeClr val="dk1">
+              <a:shade val="50000"/>
+            </a:schemeClr>
+          </a:lnRef>
+          <a:fillRef idx="1">
+            <a:schemeClr val="dk1"/>
+          </a:fillRef>
+          <a:effectRef idx="0">
+            <a:schemeClr val="dk1"/>
+          </a:effectRef>
+          <a:fontRef idx="minor">
+            <a:schemeClr val="lt1"/>
+          </a:fontRef>
+        </p:style>
+        <p:txBody>
+          <a:bodyPr rtlCol="0" anchor="ctr"/>
+          <a:lstStyle/>
+          <a:p>
+            <a:pPr algn="ctr"/>
+            <a:endParaRPr kumimoji="1" lang="ja-JP" altLang="en-US"/>
+          </a:p>
+        </p:txBody>
+      </p:sp>
+      <p:sp>
+        <p:nvSpPr>
+          <p:cNvPr id="35" name="円/楕円 34"/>
+          <p:cNvSpPr/>
+          <p:nvPr/>
+        </p:nvSpPr>
+        <p:spPr>
+          <a:xfrm>
+            <a:off x="634742" y="6226228"/>
+            <a:ext cx="216000" cy="216000"/>
+          </a:xfrm>
+          <a:prstGeom prst="ellipse">
+            <a:avLst/>
+          </a:prstGeom>
+          <a:noFill/>
+          <a:ln w="57150">
+            <a:solidFill>
+              <a:srgbClr val="FF0000"/>
+            </a:solidFill>
+          </a:ln>
+          <a:effectLst>
+            <a:outerShdw blurRad="57785" dist="33020" dir="3180000" algn="ctr">
+              <a:srgbClr val="000000">
+                <a:alpha val="30000"/>
+              </a:srgbClr>
+            </a:outerShdw>
+          </a:effectLst>
+          <a:scene3d>
+            <a:camera prst="orthographicFront">
+              <a:rot lat="0" lon="0" rev="0"/>
+            </a:camera>
+            <a:lightRig rig="brightRoom" dir="t">
+              <a:rot lat="0" lon="0" rev="600000"/>
+            </a:lightRig>
+          </a:scene3d>
+          <a:sp3d prstMaterial="metal">
+            <a:bevelT w="38100" h="57150" prst="angle"/>
+          </a:sp3d>
+        </p:spPr>
+        <p:style>
+          <a:lnRef idx="2">
+            <a:schemeClr val="accent1">
+              <a:shade val="50000"/>
+            </a:schemeClr>
+          </a:lnRef>
+          <a:fillRef idx="1">
+            <a:schemeClr val="accent1"/>
+          </a:fillRef>
+          <a:effectRef idx="0">
+            <a:schemeClr val="accent1"/>
+          </a:effectRef>
+          <a:fontRef idx="minor">
+            <a:schemeClr val="lt1"/>
+          </a:fontRef>
+        </p:style>
+        <p:txBody>
+          <a:bodyPr rtlCol="0" anchor="ctr"/>
+          <a:lstStyle/>
+          <a:p>
+            <a:pPr algn="ctr"/>
+            <a:endParaRPr kumimoji="1" lang="ja-JP" altLang="en-US"/>
+          </a:p>
+        </p:txBody>
+      </p:sp>
+      <p:sp>
+        <p:nvSpPr>
+          <p:cNvPr id="36" name="テキスト ボックス 35"/>
+          <p:cNvSpPr txBox="1"/>
+          <p:nvPr/>
+        </p:nvSpPr>
+        <p:spPr>
+          <a:xfrm>
+            <a:off x="1110516" y="6442228"/>
+            <a:ext cx="1694695" cy="461665"/>
+          </a:xfrm>
+          <a:prstGeom prst="rect">
+            <a:avLst/>
+          </a:prstGeom>
+          <a:noFill/>
+        </p:spPr>
+        <p:txBody>
+          <a:bodyPr wrap="none" rtlCol="0">
+            <a:spAutoFit/>
+          </a:bodyPr>
+          <a:lstStyle/>
+          <a:p>
+            <a:r>
+              <a:rPr kumimoji="1" lang="ja-JP" altLang="en-US" sz="2400" dirty="0" smtClean="0"/>
+              <a:t>ゲーム終了</a:t>
+            </a:r>
+            <a:endParaRPr kumimoji="1" lang="ja-JP" altLang="en-US" sz="2400" dirty="0"/>
+          </a:p>
+        </p:txBody>
+      </p:sp>
+      <p:sp>
+        <p:nvSpPr>
+          <p:cNvPr id="37" name="円/楕円 36"/>
+          <p:cNvSpPr/>
+          <p:nvPr/>
+        </p:nvSpPr>
+        <p:spPr>
+          <a:xfrm>
+            <a:off x="4643532" y="5128344"/>
+            <a:ext cx="216000" cy="216000"/>
+          </a:xfrm>
+          <a:prstGeom prst="ellipse">
+            <a:avLst/>
+          </a:prstGeom>
+          <a:noFill/>
+          <a:ln w="57150">
+            <a:solidFill>
+              <a:srgbClr val="FF0000"/>
+            </a:solidFill>
+          </a:ln>
+          <a:effectLst>
+            <a:outerShdw blurRad="57785" dist="33020" dir="3180000" algn="ctr">
+              <a:srgbClr val="000000">
+                <a:alpha val="30000"/>
+              </a:srgbClr>
+            </a:outerShdw>
+          </a:effectLst>
+          <a:scene3d>
+            <a:camera prst="orthographicFront">
+              <a:rot lat="0" lon="0" rev="0"/>
+            </a:camera>
+            <a:lightRig rig="brightRoom" dir="t">
+              <a:rot lat="0" lon="0" rev="600000"/>
+            </a:lightRig>
+          </a:scene3d>
+          <a:sp3d prstMaterial="metal">
+            <a:bevelT w="38100" h="57150" prst="angle"/>
+          </a:sp3d>
+        </p:spPr>
+        <p:style>
+          <a:lnRef idx="2">
+            <a:schemeClr val="accent1">
+              <a:shade val="50000"/>
+            </a:schemeClr>
+          </a:lnRef>
+          <a:fillRef idx="1">
+            <a:schemeClr val="accent1"/>
+          </a:fillRef>
+          <a:effectRef idx="0">
+            <a:schemeClr val="accent1"/>
+          </a:effectRef>
+          <a:fontRef idx="minor">
+            <a:schemeClr val="lt1"/>
+          </a:fontRef>
+        </p:style>
+        <p:txBody>
+          <a:bodyPr rtlCol="0" anchor="ctr"/>
+          <a:lstStyle/>
+          <a:p>
+            <a:pPr algn="ctr"/>
+            <a:endParaRPr kumimoji="1" lang="ja-JP" altLang="en-US"/>
+          </a:p>
+        </p:txBody>
+      </p:sp>
+      <p:sp>
+        <p:nvSpPr>
+          <p:cNvPr id="38" name="乗算記号 37"/>
+          <p:cNvSpPr/>
+          <p:nvPr/>
+        </p:nvSpPr>
+        <p:spPr>
+          <a:xfrm>
+            <a:off x="4594859" y="5357069"/>
+            <a:ext cx="324000" cy="324000"/>
+          </a:xfrm>
+          <a:prstGeom prst="mathMultiply">
+            <a:avLst/>
+          </a:prstGeom>
+        </p:spPr>
+        <p:style>
+          <a:lnRef idx="2">
+            <a:schemeClr val="dk1">
+              <a:shade val="50000"/>
+            </a:schemeClr>
+          </a:lnRef>
+          <a:fillRef idx="1">
+            <a:schemeClr val="dk1"/>
+          </a:fillRef>
+          <a:effectRef idx="0">
+            <a:schemeClr val="dk1"/>
+          </a:effectRef>
+          <a:fontRef idx="minor">
+            <a:schemeClr val="lt1"/>
+          </a:fontRef>
+        </p:style>
+        <p:txBody>
+          <a:bodyPr rtlCol="0" anchor="ctr"/>
+          <a:lstStyle/>
+          <a:p>
+            <a:pPr algn="ctr"/>
+            <a:endParaRPr kumimoji="1" lang="ja-JP" altLang="en-US"/>
+          </a:p>
+        </p:txBody>
+      </p:sp>
+      <p:sp>
+        <p:nvSpPr>
+          <p:cNvPr id="39" name="テキスト ボックス 38"/>
+          <p:cNvSpPr txBox="1"/>
+          <p:nvPr/>
+        </p:nvSpPr>
+        <p:spPr>
+          <a:xfrm>
+            <a:off x="4869430" y="5033904"/>
+            <a:ext cx="633507" cy="646331"/>
+          </a:xfrm>
+          <a:prstGeom prst="rect">
+            <a:avLst/>
+          </a:prstGeom>
+          <a:noFill/>
+        </p:spPr>
+        <p:txBody>
+          <a:bodyPr wrap="none" rtlCol="0">
+            <a:spAutoFit/>
+          </a:bodyPr>
+          <a:lstStyle/>
+          <a:p>
+            <a:r>
+              <a:rPr kumimoji="1" lang="ja-JP" altLang="en-US" dirty="0" smtClean="0"/>
+              <a:t>勝ち</a:t>
+            </a:r>
+            <a:endParaRPr kumimoji="1" lang="en-US" altLang="ja-JP" dirty="0" smtClean="0"/>
+          </a:p>
+          <a:p>
+            <a:r>
+              <a:rPr lang="ja-JP" altLang="en-US" dirty="0"/>
+              <a:t>負</a:t>
+            </a:r>
+            <a:r>
+              <a:rPr lang="ja-JP" altLang="en-US" dirty="0" smtClean="0"/>
+              <a:t>け</a:t>
+            </a:r>
+            <a:endParaRPr kumimoji="1" lang="ja-JP" altLang="en-US" dirty="0"/>
+          </a:p>
+        </p:txBody>
+      </p:sp>
+      <p:sp>
+        <p:nvSpPr>
+          <p:cNvPr id="40" name="角丸四角形 39"/>
+          <p:cNvSpPr/>
+          <p:nvPr/>
+        </p:nvSpPr>
+        <p:spPr>
+          <a:xfrm>
+            <a:off x="330477" y="3708837"/>
+            <a:ext cx="1714393" cy="501610"/>
+          </a:xfrm>
+          <a:prstGeom prst="roundRect">
+            <a:avLst/>
+          </a:prstGeom>
+          <a:noFill/>
+          <a:ln w="57150">
+            <a:solidFill>
+              <a:srgbClr val="0070C0"/>
+            </a:solidFill>
+            <a:prstDash val="sysDash"/>
+          </a:ln>
+          <a:effectLst/>
+          <a:scene3d>
+            <a:camera prst="orthographicFront">
+              <a:rot lat="0" lon="0" rev="0"/>
+            </a:camera>
+            <a:lightRig rig="twoPt" dir="t">
+              <a:rot lat="0" lon="0" rev="4800000"/>
+            </a:lightRig>
+          </a:scene3d>
+          <a:sp3d prstMaterial="matte"/>
+        </p:spPr>
+        <p:style>
+          <a:lnRef idx="1">
+            <a:schemeClr val="accent5"/>
+          </a:lnRef>
+          <a:fillRef idx="3">
+            <a:schemeClr val="accent5"/>
+          </a:fillRef>
+          <a:effectRef idx="2">
+            <a:schemeClr val="accent5"/>
+          </a:effectRef>
+          <a:fontRef idx="minor">
+            <a:schemeClr val="lt1"/>
+          </a:fontRef>
+        </p:style>
+        <p:txBody>
+          <a:bodyPr rtlCol="0" anchor="ctr"/>
+          <a:lstStyle/>
+          <a:p>
+            <a:pPr algn="ctr"/>
+            <a:endParaRPr kumimoji="1" lang="ja-JP" altLang="en-US"/>
+          </a:p>
+        </p:txBody>
+      </p:sp>
+      <p:sp>
+        <p:nvSpPr>
+          <p:cNvPr id="41" name="角丸四角形 40"/>
+          <p:cNvSpPr/>
+          <p:nvPr/>
+        </p:nvSpPr>
+        <p:spPr>
+          <a:xfrm>
+            <a:off x="2458539" y="3718072"/>
+            <a:ext cx="1714393" cy="501610"/>
+          </a:xfrm>
+          <a:prstGeom prst="roundRect">
+            <a:avLst/>
+          </a:prstGeom>
+          <a:noFill/>
+          <a:ln w="57150">
+            <a:solidFill>
+              <a:srgbClr val="FF0000"/>
+            </a:solidFill>
+            <a:prstDash val="sysDash"/>
+          </a:ln>
+          <a:effectLst/>
+          <a:scene3d>
+            <a:camera prst="orthographicFront">
+              <a:rot lat="0" lon="0" rev="0"/>
+            </a:camera>
+            <a:lightRig rig="twoPt" dir="t">
+              <a:rot lat="0" lon="0" rev="4800000"/>
+            </a:lightRig>
+          </a:scene3d>
+          <a:sp3d prstMaterial="matte"/>
+        </p:spPr>
+        <p:style>
+          <a:lnRef idx="1">
+            <a:schemeClr val="accent5"/>
+          </a:lnRef>
+          <a:fillRef idx="3">
+            <a:schemeClr val="accent5"/>
+          </a:fillRef>
+          <a:effectRef idx="2">
+            <a:schemeClr val="accent5"/>
+          </a:effectRef>
+          <a:fontRef idx="minor">
+            <a:schemeClr val="lt1"/>
+          </a:fontRef>
+        </p:style>
+        <p:txBody>
+          <a:bodyPr rtlCol="0" anchor="ctr"/>
+          <a:lstStyle/>
+          <a:p>
+            <a:pPr algn="ctr"/>
+            <a:endParaRPr kumimoji="1" lang="ja-JP" altLang="en-US"/>
+          </a:p>
+        </p:txBody>
+      </p:sp>
+      <p:sp>
+        <p:nvSpPr>
+          <p:cNvPr id="42" name="角丸四角形吹き出し 41"/>
+          <p:cNvSpPr/>
+          <p:nvPr/>
+        </p:nvSpPr>
+        <p:spPr>
+          <a:xfrm>
+            <a:off x="473135" y="3128662"/>
+            <a:ext cx="1247220" cy="461665"/>
+          </a:xfrm>
+          <a:prstGeom prst="wedgeRoundRectCallout">
+            <a:avLst/>
+          </a:prstGeom>
+          <a:noFill/>
+        </p:spPr>
+        <p:style>
+          <a:lnRef idx="2">
+            <a:schemeClr val="dk1"/>
+          </a:lnRef>
+          <a:fillRef idx="1">
+            <a:schemeClr val="lt1"/>
+          </a:fillRef>
+          <a:effectRef idx="0">
+            <a:schemeClr val="dk1"/>
+          </a:effectRef>
+          <a:fontRef idx="minor">
+            <a:schemeClr val="dk1"/>
+          </a:fontRef>
+        </p:style>
+        <p:txBody>
+          <a:bodyPr rtlCol="0" anchor="ctr"/>
+          <a:lstStyle/>
+          <a:p>
+            <a:pPr algn="ctr"/>
+            <a:r>
+              <a:rPr kumimoji="1" lang="ja-JP" altLang="en-US" dirty="0" smtClean="0"/>
+              <a:t>勝率：</a:t>
+            </a:r>
+            <a:r>
+              <a:rPr kumimoji="1" lang="ja-JP" altLang="en-US" dirty="0" smtClean="0">
+                <a:solidFill>
+                  <a:srgbClr val="0070C0"/>
+                </a:solidFill>
+              </a:rPr>
+              <a:t>低</a:t>
+            </a:r>
+            <a:endParaRPr kumimoji="1" lang="ja-JP" altLang="en-US" dirty="0">
+              <a:solidFill>
+                <a:srgbClr val="0070C0"/>
+              </a:solidFill>
+            </a:endParaRPr>
+          </a:p>
+        </p:txBody>
+      </p:sp>
+      <p:sp>
+        <p:nvSpPr>
+          <p:cNvPr id="43" name="角丸四角形吹き出し 42"/>
+          <p:cNvSpPr/>
+          <p:nvPr/>
+        </p:nvSpPr>
+        <p:spPr>
+          <a:xfrm>
+            <a:off x="4162110" y="3172649"/>
+            <a:ext cx="1247220" cy="461665"/>
+          </a:xfrm>
+          <a:prstGeom prst="wedgeRoundRectCallout">
+            <a:avLst>
+              <a:gd name="adj1" fmla="val -53002"/>
+              <a:gd name="adj2" fmla="val 60479"/>
+              <a:gd name="adj3" fmla="val 16667"/>
+            </a:avLst>
+          </a:prstGeom>
+          <a:noFill/>
+        </p:spPr>
+        <p:style>
+          <a:lnRef idx="2">
+            <a:schemeClr val="dk1"/>
+          </a:lnRef>
+          <a:fillRef idx="1">
+            <a:schemeClr val="lt1"/>
+          </a:fillRef>
+          <a:effectRef idx="0">
+            <a:schemeClr val="dk1"/>
+          </a:effectRef>
+          <a:fontRef idx="minor">
+            <a:schemeClr val="dk1"/>
+          </a:fontRef>
+        </p:style>
+        <p:txBody>
+          <a:bodyPr rtlCol="0" anchor="ctr"/>
+          <a:lstStyle/>
+          <a:p>
+            <a:pPr algn="ctr"/>
+            <a:r>
+              <a:rPr kumimoji="1" lang="ja-JP" altLang="en-US" dirty="0" smtClean="0"/>
+              <a:t>勝率：</a:t>
+            </a:r>
+            <a:r>
+              <a:rPr kumimoji="1" lang="ja-JP" altLang="en-US" dirty="0" smtClean="0">
+                <a:solidFill>
+                  <a:srgbClr val="FF0000"/>
+                </a:solidFill>
+              </a:rPr>
+              <a:t>高</a:t>
+            </a:r>
+            <a:endParaRPr kumimoji="1" lang="ja-JP" altLang="en-US" dirty="0">
+              <a:solidFill>
+                <a:srgbClr val="FF0000"/>
+              </a:solidFill>
+            </a:endParaRPr>
+          </a:p>
+        </p:txBody>
+      </p:sp>
+    </p:spTree>
+    <p:extLst>
+      <p:ext uri="{BB962C8B-B14F-4D97-AF65-F5344CB8AC3E}">
+        <p14:creationId xmlns:p14="http://schemas.microsoft.com/office/powerpoint/2010/main" val="3954799543"/>
+      </p:ext>
+    </p:extLst>
+  </p:cSld>
+  <p:clrMapOvr>
+    <a:masterClrMapping/>
+  </p:clrMapOvr>
+  <p:timing>
+    <p:tnLst>
+      <p:par>
+        <p:cTn id="1" dur="indefinite" restart="never" nodeType="tmRoot"/>
+      </p:par>
+    </p:tnLst>
+  </p:timing>
+</p:sld>
+</file>
+
+<file path=ppt/slides/slide12.xml><?xml version="1.0" encoding="utf-8"?>
+<p:sld xmlns:a="http://schemas.openxmlformats.org/drawingml/2006/main" xmlns:r="http://schemas.openxmlformats.org/officeDocument/2006/relationships" xmlns:p="http://schemas.openxmlformats.org/presentationml/2006/main">
+  <p:cSld>
+    <p:spTree>
+      <p:nvGrpSpPr>
+        <p:cNvPr id="1" name=""/>
+        <p:cNvGrpSpPr/>
+        <p:nvPr/>
+      </p:nvGrpSpPr>
+      <p:grpSpPr>
+        <a:xfrm>
+          <a:off x="0" y="0"/>
+          <a:ext cx="0" cy="0"/>
+          <a:chOff x="0" y="0"/>
+          <a:chExt cx="0" cy="0"/>
+        </a:xfrm>
+      </p:grpSpPr>
+      <p:sp>
+        <p:nvSpPr>
+          <p:cNvPr id="2" name="タイトル 1"/>
+          <p:cNvSpPr>
+            <a:spLocks noGrp="1"/>
+          </p:cNvSpPr>
+          <p:nvPr>
+            <p:ph type="title"/>
+          </p:nvPr>
+        </p:nvSpPr>
+        <p:spPr/>
+        <p:txBody>
+          <a:bodyPr/>
+          <a:lstStyle/>
+          <a:p>
+            <a:r>
+              <a:rPr kumimoji="1" lang="ja-JP" altLang="en-US" dirty="0" smtClean="0"/>
+              <a:t>モンテカルロ法の利点</a:t>
+            </a:r>
+            <a:endParaRPr kumimoji="1" lang="ja-JP" altLang="en-US" dirty="0"/>
+          </a:p>
+        </p:txBody>
+      </p:sp>
+      <p:sp>
+        <p:nvSpPr>
+          <p:cNvPr id="3" name="コンテンツ プレースホルダー 2"/>
+          <p:cNvSpPr>
+            <a:spLocks noGrp="1"/>
+          </p:cNvSpPr>
+          <p:nvPr>
+            <p:ph idx="1"/>
+          </p:nvPr>
+        </p:nvSpPr>
+        <p:spPr/>
+        <p:txBody>
+          <a:bodyPr/>
+          <a:lstStyle/>
+          <a:p>
+            <a:r>
+              <a:rPr lang="ja-JP" altLang="en-US" dirty="0" smtClean="0"/>
+              <a:t>評価関数が必要ない→汎用性が高い</a:t>
+            </a:r>
+            <a:endParaRPr lang="en-US" altLang="ja-JP" dirty="0" smtClean="0"/>
+          </a:p>
+          <a:p>
+            <a:r>
+              <a:rPr lang="ja-JP" altLang="en-US" dirty="0" smtClean="0"/>
+              <a:t>囲碁ではすでにモンテカルロ法を利用した</a:t>
+            </a:r>
+            <a:r>
+              <a:rPr lang="en-US" altLang="ja-JP" dirty="0" smtClean="0"/>
+              <a:t>AI</a:t>
+            </a:r>
+            <a:r>
+              <a:rPr lang="ja-JP" altLang="en-US" dirty="0" smtClean="0"/>
+              <a:t>が結果を出している</a:t>
+            </a:r>
+            <a:endParaRPr kumimoji="1" lang="ja-JP" altLang="en-US" dirty="0"/>
+          </a:p>
+        </p:txBody>
+      </p:sp>
+      <p:sp>
+        <p:nvSpPr>
+          <p:cNvPr id="4" name="スライド番号プレースホルダー 3"/>
+          <p:cNvSpPr>
+            <a:spLocks noGrp="1"/>
+          </p:cNvSpPr>
+          <p:nvPr>
+            <p:ph type="sldNum" sz="quarter" idx="4"/>
+          </p:nvPr>
+        </p:nvSpPr>
+        <p:spPr/>
+        <p:txBody>
+          <a:bodyPr/>
+          <a:lstStyle/>
+          <a:p>
+            <a:fld id="{06866E33-5310-403C-85EB-90D9101399C4}" type="slidenum">
+              <a:rPr lang="ja-JP" altLang="en-US" smtClean="0"/>
+              <a:pPr/>
+              <a:t>12</a:t>
+            </a:fld>
+            <a:endParaRPr lang="ja-JP" altLang="en-US" dirty="0"/>
+          </a:p>
+        </p:txBody>
+      </p:sp>
+    </p:spTree>
+    <p:extLst>
+      <p:ext uri="{BB962C8B-B14F-4D97-AF65-F5344CB8AC3E}">
+        <p14:creationId xmlns:p14="http://schemas.microsoft.com/office/powerpoint/2010/main" val="372051123"/>
+      </p:ext>
+    </p:extLst>
+  </p:cSld>
+  <p:clrMapOvr>
+    <a:masterClrMapping/>
+  </p:clrMapOvr>
+  <p:timing>
+    <p:tnLst>
+      <p:par>
+        <p:cTn id="1" dur="indefinite" restart="never" nodeType="tmRoot"/>
+      </p:par>
+    </p:tnLst>
+  </p:timing>
+</p:sld>
+</file>
+
+<file path=ppt/slides/slide13.xml><?xml version="1.0" encoding="utf-8"?>
+<p:sld xmlns:a="http://schemas.openxmlformats.org/drawingml/2006/main" xmlns:r="http://schemas.openxmlformats.org/officeDocument/2006/relationships" xmlns:p="http://schemas.openxmlformats.org/presentationml/2006/main">
+  <p:cSld>
+    <p:spTree>
+      <p:nvGrpSpPr>
+        <p:cNvPr id="1" name=""/>
+        <p:cNvGrpSpPr/>
+        <p:nvPr/>
+      </p:nvGrpSpPr>
+      <p:grpSpPr>
+        <a:xfrm>
+          <a:off x="0" y="0"/>
+          <a:ext cx="0" cy="0"/>
+          <a:chOff x="0" y="0"/>
+          <a:chExt cx="0" cy="0"/>
+        </a:xfrm>
+      </p:grpSpPr>
+      <p:sp>
+        <p:nvSpPr>
+          <p:cNvPr id="2" name="タイトル 1"/>
+          <p:cNvSpPr>
+            <a:spLocks noGrp="1"/>
+          </p:cNvSpPr>
+          <p:nvPr>
+            <p:ph type="title"/>
+          </p:nvPr>
+        </p:nvSpPr>
+        <p:spPr/>
+        <p:txBody>
+          <a:bodyPr/>
+          <a:lstStyle/>
+          <a:p>
+            <a:r>
+              <a:rPr kumimoji="1" lang="ja-JP" altLang="en-US" dirty="0" smtClean="0"/>
+              <a:t>当面の目標</a:t>
+            </a:r>
+            <a:endParaRPr kumimoji="1" lang="ja-JP" altLang="en-US" dirty="0"/>
+          </a:p>
+        </p:txBody>
+      </p:sp>
+      <p:sp>
+        <p:nvSpPr>
+          <p:cNvPr id="3" name="コンテンツ プレースホルダー 2"/>
+          <p:cNvSpPr>
+            <a:spLocks noGrp="1"/>
+          </p:cNvSpPr>
+          <p:nvPr>
+            <p:ph idx="1"/>
+          </p:nvPr>
+        </p:nvSpPr>
+        <p:spPr/>
+        <p:txBody>
+          <a:bodyPr/>
+          <a:lstStyle/>
+          <a:p>
+            <a:r>
+              <a:rPr lang="en-US" altLang="ja-JP" dirty="0" smtClean="0">
+                <a:solidFill>
+                  <a:srgbClr val="FF0000"/>
+                </a:solidFill>
+              </a:rPr>
+              <a:t>Flood-It</a:t>
+            </a:r>
+            <a:r>
+              <a:rPr lang="ja-JP" altLang="en-US" dirty="0" smtClean="0">
+                <a:solidFill>
+                  <a:srgbClr val="FF0000"/>
+                </a:solidFill>
+              </a:rPr>
+              <a:t>の</a:t>
+            </a:r>
+            <a:r>
+              <a:rPr lang="en-US" altLang="ja-JP" dirty="0" smtClean="0">
+                <a:solidFill>
+                  <a:srgbClr val="FF0000"/>
+                </a:solidFill>
+              </a:rPr>
+              <a:t>AI</a:t>
+            </a:r>
+            <a:r>
+              <a:rPr lang="ja-JP" altLang="en-US" dirty="0" smtClean="0">
+                <a:solidFill>
+                  <a:srgbClr val="FF0000"/>
+                </a:solidFill>
+              </a:rPr>
+              <a:t>の作成</a:t>
+            </a:r>
+            <a:endParaRPr lang="en-US" altLang="ja-JP" dirty="0" smtClean="0">
+              <a:solidFill>
+                <a:srgbClr val="FF0000"/>
+              </a:solidFill>
+            </a:endParaRPr>
+          </a:p>
+          <a:p>
+            <a:pPr marL="457200" indent="-457200">
+              <a:buFont typeface="Arial" panose="020B0604020202020204" pitchFamily="34" charset="0"/>
+              <a:buChar char="•"/>
+            </a:pPr>
+            <a:r>
+              <a:rPr lang="ja-JP" altLang="en-US" dirty="0" smtClean="0"/>
+              <a:t>モンテカルロ法の</a:t>
+            </a:r>
+            <a:r>
+              <a:rPr lang="en-US" altLang="ja-JP" dirty="0" smtClean="0"/>
+              <a:t>AI</a:t>
+            </a:r>
+            <a:r>
+              <a:rPr lang="ja-JP" altLang="en-US" dirty="0" smtClean="0"/>
+              <a:t>のプログラム</a:t>
+            </a:r>
+            <a:r>
+              <a:rPr lang="ja-JP" altLang="en-US" dirty="0"/>
+              <a:t>を作る</a:t>
+            </a:r>
+          </a:p>
+          <a:p>
+            <a:pPr marL="457200" indent="-457200">
+              <a:buFont typeface="Arial" panose="020B0604020202020204" pitchFamily="34" charset="0"/>
+              <a:buChar char="•"/>
+            </a:pPr>
+            <a:r>
+              <a:rPr lang="ja-JP" altLang="en-US" dirty="0" smtClean="0"/>
+              <a:t>対戦</a:t>
+            </a:r>
+            <a:r>
+              <a:rPr lang="ja-JP" altLang="en-US" dirty="0"/>
+              <a:t>テスト用プログラムを作る</a:t>
+            </a:r>
+          </a:p>
+          <a:p>
+            <a:pPr marL="457200" indent="-457200">
+              <a:buFont typeface="Arial" panose="020B0604020202020204" pitchFamily="34" charset="0"/>
+              <a:buChar char="•"/>
+            </a:pPr>
+            <a:r>
+              <a:rPr lang="ja-JP" altLang="en-US" dirty="0" smtClean="0"/>
+              <a:t>現在</a:t>
+            </a:r>
+            <a:r>
+              <a:rPr lang="ja-JP" altLang="en-US" dirty="0"/>
+              <a:t>の最強のアルゴリズムと戦わせて勝率を確認</a:t>
+            </a:r>
+            <a:r>
+              <a:rPr lang="ja-JP" altLang="en-US" dirty="0" smtClean="0"/>
+              <a:t>する</a:t>
+            </a:r>
+            <a:endParaRPr lang="en-US" altLang="ja-JP" dirty="0" smtClean="0"/>
+          </a:p>
+          <a:p>
+            <a:r>
+              <a:rPr lang="en-US" altLang="ja-JP" dirty="0" smtClean="0">
+                <a:solidFill>
+                  <a:srgbClr val="FF0000"/>
+                </a:solidFill>
+              </a:rPr>
+              <a:t>AI</a:t>
+            </a:r>
+            <a:r>
+              <a:rPr lang="ja-JP" altLang="en-US" dirty="0" smtClean="0">
+                <a:solidFill>
+                  <a:srgbClr val="FF0000"/>
+                </a:solidFill>
+              </a:rPr>
+              <a:t>の強化</a:t>
+            </a:r>
+            <a:endParaRPr lang="ja-JP" altLang="en-US" dirty="0">
+              <a:solidFill>
+                <a:srgbClr val="FF0000"/>
+              </a:solidFill>
+            </a:endParaRPr>
+          </a:p>
+          <a:p>
+            <a:pPr marL="457200" indent="-457200">
+              <a:buFont typeface="Arial" panose="020B0604020202020204" pitchFamily="34" charset="0"/>
+              <a:buChar char="•"/>
+            </a:pPr>
+            <a:r>
+              <a:rPr lang="ja-JP" altLang="en-US" dirty="0" smtClean="0"/>
+              <a:t>同じ</a:t>
+            </a:r>
+            <a:r>
+              <a:rPr lang="ja-JP" altLang="en-US" dirty="0"/>
+              <a:t>盤面に対するモンテカルロ法</a:t>
+            </a:r>
+            <a:r>
+              <a:rPr lang="ja-JP" altLang="en-US" dirty="0" smtClean="0"/>
+              <a:t>の</a:t>
+            </a:r>
+            <a:r>
+              <a:rPr lang="en-US" altLang="ja-JP" dirty="0" smtClean="0"/>
+              <a:t>AI</a:t>
+            </a:r>
+            <a:r>
+              <a:rPr lang="ja-JP" altLang="en-US" dirty="0" smtClean="0"/>
+              <a:t>の選択と</a:t>
+            </a:r>
+            <a:r>
+              <a:rPr lang="ja-JP" altLang="en-US" dirty="0"/>
+              <a:t>現在の</a:t>
+            </a:r>
+            <a:r>
+              <a:rPr lang="ja-JP" altLang="en-US" dirty="0" smtClean="0"/>
+              <a:t>最強の</a:t>
+            </a:r>
+            <a:r>
+              <a:rPr lang="en-US" altLang="ja-JP" dirty="0" smtClean="0"/>
+              <a:t>AI</a:t>
+            </a:r>
+            <a:r>
+              <a:rPr lang="ja-JP" altLang="en-US" dirty="0" smtClean="0"/>
+              <a:t>の選択や人間の選択を比較し，モンテカルロ法の選択の特徴を探る</a:t>
+            </a:r>
+            <a:endParaRPr lang="en-US" altLang="ja-JP" dirty="0" smtClean="0"/>
+          </a:p>
+          <a:p>
+            <a:pPr marL="457200" indent="-457200">
+              <a:buFont typeface="Arial" panose="020B0604020202020204" pitchFamily="34" charset="0"/>
+              <a:buChar char="•"/>
+            </a:pPr>
+            <a:r>
+              <a:rPr lang="ja-JP" altLang="en-US" dirty="0" smtClean="0"/>
+              <a:t>モンテカルロ法の改善アルゴリズムを応用して強くなるか確かめて</a:t>
+            </a:r>
+            <a:r>
+              <a:rPr lang="ja-JP" altLang="en-US" dirty="0" smtClean="0"/>
+              <a:t>みる</a:t>
+            </a:r>
+            <a:endParaRPr lang="en-US" altLang="ja-JP" dirty="0"/>
+          </a:p>
+          <a:p>
+            <a:pPr marL="457200" indent="-457200">
+              <a:buFont typeface="Arial" panose="020B0604020202020204" pitchFamily="34" charset="0"/>
+              <a:buChar char="•"/>
+            </a:pPr>
+            <a:r>
+              <a:rPr lang="ja-JP" altLang="en-US" dirty="0" smtClean="0"/>
+              <a:t>報酬における勝率と陣地の広さのバランスを調整する</a:t>
+            </a:r>
+            <a:endParaRPr lang="ja-JP" altLang="en-US" dirty="0"/>
+          </a:p>
+        </p:txBody>
+      </p:sp>
+      <p:sp>
+        <p:nvSpPr>
+          <p:cNvPr id="4" name="スライド番号プレースホルダー 3"/>
+          <p:cNvSpPr>
+            <a:spLocks noGrp="1"/>
+          </p:cNvSpPr>
+          <p:nvPr>
+            <p:ph type="sldNum" sz="quarter" idx="4"/>
+          </p:nvPr>
+        </p:nvSpPr>
+        <p:spPr/>
+        <p:txBody>
+          <a:bodyPr/>
+          <a:lstStyle/>
+          <a:p>
+            <a:fld id="{06866E33-5310-403C-85EB-90D9101399C4}" type="slidenum">
+              <a:rPr lang="ja-JP" altLang="en-US" smtClean="0"/>
+              <a:pPr/>
+              <a:t>13</a:t>
             </a:fld>
             <a:endParaRPr lang="ja-JP" altLang="en-US" dirty="0"/>
           </a:p>
@@ -7076,6 +9667,13 @@
   <p:clrMapOvr>
     <a:masterClrMapping/>
   </p:clrMapOvr>
+  <p:timing>
+    <p:tnLst>
+      <p:par>
+        <p:cTn id="1" dur="indefinite" restart="never" nodeType="tmRoot"/>
+      </p:par>
+    </p:tnLst>
+  </p:timing>
 </p:sld>
 </file>
 
@@ -7652,15 +10250,7 @@
           <a:p>
             <a:r>
               <a:rPr lang="ja-JP" altLang="en-US" dirty="0" smtClean="0"/>
-              <a:t>以下の</a:t>
-            </a:r>
-            <a:r>
-              <a:rPr lang="ja-JP" altLang="en-US" dirty="0" smtClean="0"/>
-              <a:t>よう</a:t>
-            </a:r>
-            <a:r>
-              <a:rPr lang="ja-JP" altLang="en-US" dirty="0" smtClean="0"/>
-              <a:t>な問題として考えられる．</a:t>
+              <a:t>以下のような問題として考えられる．</a:t>
             </a:r>
             <a:endParaRPr lang="ja-JP" altLang="en-US" dirty="0"/>
           </a:p>
@@ -9141,6 +11731,13 @@
   <p:clrMapOvr>
     <a:masterClrMapping/>
   </p:clrMapOvr>
+  <p:timing>
+    <p:tnLst>
+      <p:par>
+        <p:cTn id="1" dur="indefinite" restart="never" nodeType="tmRoot"/>
+      </p:par>
+    </p:tnLst>
+  </p:timing>
 </p:sld>
 </file>
 
@@ -9198,7 +11795,12 @@
             <p:ph idx="1"/>
           </p:nvPr>
         </p:nvSpPr>
-        <p:spPr/>
+        <p:spPr>
+          <a:xfrm>
+            <a:off x="822959" y="3415004"/>
+            <a:ext cx="7543801" cy="1810278"/>
+          </a:xfrm>
+        </p:spPr>
         <p:txBody>
           <a:bodyPr/>
           <a:lstStyle/>
@@ -9213,15 +11815,31 @@
             </a:r>
             <a:r>
               <a:rPr lang="ja-JP" altLang="en-US" dirty="0" smtClean="0"/>
-              <a:t>の色が一番広くなる選択をする</a:t>
-            </a:r>
-            <a:endParaRPr lang="en-US" altLang="ja-JP" dirty="0" smtClean="0"/>
+              <a:t>の陣地が一番多くなる</a:t>
+            </a:r>
+            <a:r>
+              <a:rPr lang="ja-JP" altLang="en-US" dirty="0" smtClean="0"/>
+              <a:t>選択を</a:t>
+            </a:r>
+            <a:r>
+              <a:rPr lang="ja-JP" altLang="en-US" dirty="0" smtClean="0"/>
+              <a:t>する</a:t>
+            </a:r>
+            <a:endParaRPr kumimoji="1" lang="en-US" altLang="ja-JP" dirty="0"/>
           </a:p>
           <a:p>
             <a:pPr marL="457200" indent="-457200">
               <a:buFont typeface="Arial" panose="020B0604020202020204" pitchFamily="34" charset="0"/>
               <a:buChar char="•"/>
             </a:pPr>
+            <a:r>
+              <a:rPr lang="ja-JP" altLang="en-US" dirty="0" smtClean="0"/>
+              <a:t>相手の陣地を囲むような選択を</a:t>
+            </a:r>
+            <a:r>
+              <a:rPr lang="ja-JP" altLang="en-US" dirty="0" smtClean="0"/>
+              <a:t>する</a:t>
+            </a:r>
             <a:endParaRPr kumimoji="1" lang="en-US" altLang="ja-JP" dirty="0"/>
           </a:p>
           <a:p>
@@ -9230,26 +11848,16 @@
               <a:buChar char="•"/>
             </a:pPr>
             <a:r>
-              <a:rPr lang="ja-JP" altLang="en-US" dirty="0" smtClean="0"/>
-              <a:t>相手の陣地を囲むような選択をする</a:t>
-            </a:r>
-            <a:endParaRPr lang="en-US" altLang="ja-JP" dirty="0" smtClean="0"/>
-          </a:p>
-          <a:p>
-            <a:pPr marL="457200" indent="-457200">
-              <a:buFont typeface="Arial" panose="020B0604020202020204" pitchFamily="34" charset="0"/>
-              <a:buChar char="•"/>
-            </a:pPr>
-            <a:endParaRPr kumimoji="1" lang="en-US" altLang="ja-JP" dirty="0"/>
-          </a:p>
-          <a:p>
-            <a:pPr marL="457200" indent="-457200">
-              <a:buFont typeface="Arial" panose="020B0604020202020204" pitchFamily="34" charset="0"/>
-              <a:buChar char="•"/>
-            </a:pPr>
-            <a:r>
               <a:rPr kumimoji="1" lang="ja-JP" altLang="en-US" dirty="0" smtClean="0"/>
-              <a:t>自分が取れそうな範囲を拡大するような選択をする</a:t>
+              <a:t>自分</a:t>
+            </a:r>
+            <a:r>
+              <a:rPr kumimoji="1" lang="ja-JP" altLang="en-US" dirty="0" smtClean="0"/>
+              <a:t>が将来取れそう</a:t>
+            </a:r>
+            <a:r>
+              <a:rPr kumimoji="1" lang="ja-JP" altLang="en-US" dirty="0" smtClean="0"/>
+              <a:t>な範囲を拡大するような選択をする</a:t>
             </a:r>
             <a:endParaRPr kumimoji="1" lang="ja-JP" altLang="en-US" dirty="0"/>
           </a:p>
@@ -9276,6 +11884,2214 @@
               <a:t>8</a:t>
             </a:fld>
             <a:endParaRPr lang="ja-JP" altLang="en-US" dirty="0"/>
+          </a:p>
+        </p:txBody>
+      </p:sp>
+      <p:sp>
+        <p:nvSpPr>
+          <p:cNvPr id="5" name="円/楕円 4"/>
+          <p:cNvSpPr/>
+          <p:nvPr/>
+        </p:nvSpPr>
+        <p:spPr>
+          <a:xfrm>
+            <a:off x="4239741" y="1693345"/>
+            <a:ext cx="216000" cy="216000"/>
+          </a:xfrm>
+          <a:prstGeom prst="ellipse">
+            <a:avLst/>
+          </a:prstGeom>
+          <a:solidFill>
+            <a:schemeClr val="tx1"/>
+          </a:solidFill>
+          <a:ln>
+            <a:solidFill>
+              <a:schemeClr val="tx1"/>
+            </a:solidFill>
+          </a:ln>
+        </p:spPr>
+        <p:style>
+          <a:lnRef idx="1">
+            <a:schemeClr val="accent2"/>
+          </a:lnRef>
+          <a:fillRef idx="3">
+            <a:schemeClr val="accent2"/>
+          </a:fillRef>
+          <a:effectRef idx="2">
+            <a:schemeClr val="accent2"/>
+          </a:effectRef>
+          <a:fontRef idx="minor">
+            <a:schemeClr val="lt1"/>
+          </a:fontRef>
+        </p:style>
+        <p:txBody>
+          <a:bodyPr rtlCol="0" anchor="ctr"/>
+          <a:lstStyle/>
+          <a:p>
+            <a:pPr algn="ctr"/>
+            <a:endParaRPr kumimoji="1" lang="ja-JP" altLang="en-US"/>
+          </a:p>
+        </p:txBody>
+      </p:sp>
+      <p:cxnSp>
+        <p:nvCxnSpPr>
+          <p:cNvPr id="6" name="直線コネクタ 5"/>
+          <p:cNvCxnSpPr>
+            <a:stCxn id="11" idx="1"/>
+            <a:endCxn id="5" idx="4"/>
+          </p:cNvCxnSpPr>
+          <p:nvPr/>
+        </p:nvCxnSpPr>
+        <p:spPr>
+          <a:xfrm flipH="1" flipV="1">
+            <a:off x="4347741" y="1909345"/>
+            <a:ext cx="2602697" cy="313176"/>
+          </a:xfrm>
+          <a:prstGeom prst="line">
+            <a:avLst/>
+          </a:prstGeom>
+          <a:effectLst/>
+          <a:scene3d>
+            <a:camera prst="orthographicFront">
+              <a:rot lat="0" lon="0" rev="0"/>
+            </a:camera>
+            <a:lightRig rig="twoPt" dir="t">
+              <a:rot lat="0" lon="0" rev="4800000"/>
+            </a:lightRig>
+          </a:scene3d>
+          <a:sp3d prstMaterial="matte"/>
+        </p:spPr>
+        <p:style>
+          <a:lnRef idx="3">
+            <a:schemeClr val="dk1"/>
+          </a:lnRef>
+          <a:fillRef idx="0">
+            <a:schemeClr val="dk1"/>
+          </a:fillRef>
+          <a:effectRef idx="2">
+            <a:schemeClr val="dk1"/>
+          </a:effectRef>
+          <a:fontRef idx="minor">
+            <a:schemeClr val="tx1"/>
+          </a:fontRef>
+        </p:style>
+      </p:cxnSp>
+      <p:cxnSp>
+        <p:nvCxnSpPr>
+          <p:cNvPr id="7" name="直線コネクタ 6"/>
+          <p:cNvCxnSpPr>
+            <a:stCxn id="5" idx="4"/>
+            <a:endCxn id="14" idx="0"/>
+          </p:cNvCxnSpPr>
+          <p:nvPr/>
+        </p:nvCxnSpPr>
+        <p:spPr>
+          <a:xfrm flipH="1">
+            <a:off x="1664144" y="1909345"/>
+            <a:ext cx="2683597" cy="281544"/>
+          </a:xfrm>
+          <a:prstGeom prst="line">
+            <a:avLst/>
+          </a:prstGeom>
+          <a:effectLst/>
+          <a:scene3d>
+            <a:camera prst="orthographicFront">
+              <a:rot lat="0" lon="0" rev="0"/>
+            </a:camera>
+            <a:lightRig rig="twoPt" dir="t">
+              <a:rot lat="0" lon="0" rev="4800000"/>
+            </a:lightRig>
+          </a:scene3d>
+          <a:sp3d prstMaterial="matte"/>
+        </p:spPr>
+        <p:style>
+          <a:lnRef idx="3">
+            <a:schemeClr val="dk1"/>
+          </a:lnRef>
+          <a:fillRef idx="0">
+            <a:schemeClr val="dk1"/>
+          </a:fillRef>
+          <a:effectRef idx="2">
+            <a:schemeClr val="dk1"/>
+          </a:effectRef>
+          <a:fontRef idx="minor">
+            <a:schemeClr val="tx1"/>
+          </a:fontRef>
+        </p:style>
+      </p:cxnSp>
+      <p:cxnSp>
+        <p:nvCxnSpPr>
+          <p:cNvPr id="8" name="直線コネクタ 7"/>
+          <p:cNvCxnSpPr>
+            <a:stCxn id="12" idx="0"/>
+            <a:endCxn id="5" idx="4"/>
+          </p:cNvCxnSpPr>
+          <p:nvPr/>
+        </p:nvCxnSpPr>
+        <p:spPr>
+          <a:xfrm flipH="1" flipV="1">
+            <a:off x="4347741" y="1909345"/>
+            <a:ext cx="948681" cy="281544"/>
+          </a:xfrm>
+          <a:prstGeom prst="line">
+            <a:avLst/>
+          </a:prstGeom>
+          <a:effectLst/>
+          <a:scene3d>
+            <a:camera prst="orthographicFront">
+              <a:rot lat="0" lon="0" rev="0"/>
+            </a:camera>
+            <a:lightRig rig="twoPt" dir="t">
+              <a:rot lat="0" lon="0" rev="4800000"/>
+            </a:lightRig>
+          </a:scene3d>
+          <a:sp3d prstMaterial="matte"/>
+        </p:spPr>
+        <p:style>
+          <a:lnRef idx="3">
+            <a:schemeClr val="dk1"/>
+          </a:lnRef>
+          <a:fillRef idx="0">
+            <a:schemeClr val="dk1"/>
+          </a:fillRef>
+          <a:effectRef idx="2">
+            <a:schemeClr val="dk1"/>
+          </a:effectRef>
+          <a:fontRef idx="minor">
+            <a:schemeClr val="tx1"/>
+          </a:fontRef>
+        </p:style>
+      </p:cxnSp>
+      <p:cxnSp>
+        <p:nvCxnSpPr>
+          <p:cNvPr id="9" name="直線コネクタ 8"/>
+          <p:cNvCxnSpPr>
+            <a:stCxn id="13" idx="0"/>
+            <a:endCxn id="5" idx="4"/>
+          </p:cNvCxnSpPr>
+          <p:nvPr/>
+        </p:nvCxnSpPr>
+        <p:spPr>
+          <a:xfrm flipV="1">
+            <a:off x="3463128" y="1909345"/>
+            <a:ext cx="884613" cy="281544"/>
+          </a:xfrm>
+          <a:prstGeom prst="line">
+            <a:avLst/>
+          </a:prstGeom>
+          <a:effectLst/>
+          <a:scene3d>
+            <a:camera prst="orthographicFront">
+              <a:rot lat="0" lon="0" rev="0"/>
+            </a:camera>
+            <a:lightRig rig="twoPt" dir="t">
+              <a:rot lat="0" lon="0" rev="4800000"/>
+            </a:lightRig>
+          </a:scene3d>
+          <a:sp3d prstMaterial="matte"/>
+        </p:spPr>
+        <p:style>
+          <a:lnRef idx="3">
+            <a:schemeClr val="dk1"/>
+          </a:lnRef>
+          <a:fillRef idx="0">
+            <a:schemeClr val="dk1"/>
+          </a:fillRef>
+          <a:effectRef idx="2">
+            <a:schemeClr val="dk1"/>
+          </a:effectRef>
+          <a:fontRef idx="minor">
+            <a:schemeClr val="tx1"/>
+          </a:fontRef>
+        </p:style>
+      </p:cxnSp>
+      <p:sp>
+        <p:nvSpPr>
+          <p:cNvPr id="11" name="円/楕円 10"/>
+          <p:cNvSpPr/>
+          <p:nvPr/>
+        </p:nvSpPr>
+        <p:spPr>
+          <a:xfrm>
+            <a:off x="6918806" y="2190889"/>
+            <a:ext cx="216000" cy="216000"/>
+          </a:xfrm>
+          <a:prstGeom prst="ellipse">
+            <a:avLst/>
+          </a:prstGeom>
+          <a:ln/>
+        </p:spPr>
+        <p:style>
+          <a:lnRef idx="1">
+            <a:schemeClr val="accent6"/>
+          </a:lnRef>
+          <a:fillRef idx="3">
+            <a:schemeClr val="accent6"/>
+          </a:fillRef>
+          <a:effectRef idx="2">
+            <a:schemeClr val="accent6"/>
+          </a:effectRef>
+          <a:fontRef idx="minor">
+            <a:schemeClr val="lt1"/>
+          </a:fontRef>
+        </p:style>
+        <p:txBody>
+          <a:bodyPr rtlCol="0" anchor="ctr"/>
+          <a:lstStyle/>
+          <a:p>
+            <a:pPr algn="ctr"/>
+            <a:endParaRPr kumimoji="1" lang="ja-JP" altLang="en-US">
+              <a:ln>
+                <a:solidFill>
+                  <a:sysClr val="windowText" lastClr="000000"/>
+                </a:solidFill>
+              </a:ln>
+            </a:endParaRPr>
+          </a:p>
+        </p:txBody>
+      </p:sp>
+      <p:sp>
+        <p:nvSpPr>
+          <p:cNvPr id="12" name="円/楕円 11"/>
+          <p:cNvSpPr/>
+          <p:nvPr/>
+        </p:nvSpPr>
+        <p:spPr>
+          <a:xfrm>
+            <a:off x="5188422" y="2190889"/>
+            <a:ext cx="216000" cy="216000"/>
+          </a:xfrm>
+          <a:prstGeom prst="ellipse">
+            <a:avLst/>
+          </a:prstGeom>
+          <a:ln/>
+        </p:spPr>
+        <p:style>
+          <a:lnRef idx="1">
+            <a:schemeClr val="accent5"/>
+          </a:lnRef>
+          <a:fillRef idx="3">
+            <a:schemeClr val="accent5"/>
+          </a:fillRef>
+          <a:effectRef idx="2">
+            <a:schemeClr val="accent5"/>
+          </a:effectRef>
+          <a:fontRef idx="minor">
+            <a:schemeClr val="lt1"/>
+          </a:fontRef>
+        </p:style>
+        <p:txBody>
+          <a:bodyPr rtlCol="0" anchor="ctr"/>
+          <a:lstStyle/>
+          <a:p>
+            <a:pPr algn="ctr"/>
+            <a:endParaRPr kumimoji="1" lang="ja-JP" altLang="en-US">
+              <a:ln>
+                <a:solidFill>
+                  <a:sysClr val="windowText" lastClr="000000"/>
+                </a:solidFill>
+              </a:ln>
+            </a:endParaRPr>
+          </a:p>
+        </p:txBody>
+      </p:sp>
+      <p:sp>
+        <p:nvSpPr>
+          <p:cNvPr id="13" name="円/楕円 12"/>
+          <p:cNvSpPr/>
+          <p:nvPr/>
+        </p:nvSpPr>
+        <p:spPr>
+          <a:xfrm>
+            <a:off x="3355128" y="2190889"/>
+            <a:ext cx="216000" cy="216000"/>
+          </a:xfrm>
+          <a:prstGeom prst="ellipse">
+            <a:avLst/>
+          </a:prstGeom>
+          <a:ln/>
+        </p:spPr>
+        <p:style>
+          <a:lnRef idx="1">
+            <a:schemeClr val="accent4"/>
+          </a:lnRef>
+          <a:fillRef idx="3">
+            <a:schemeClr val="accent4"/>
+          </a:fillRef>
+          <a:effectRef idx="2">
+            <a:schemeClr val="accent4"/>
+          </a:effectRef>
+          <a:fontRef idx="minor">
+            <a:schemeClr val="lt1"/>
+          </a:fontRef>
+        </p:style>
+        <p:txBody>
+          <a:bodyPr rtlCol="0" anchor="ctr"/>
+          <a:lstStyle/>
+          <a:p>
+            <a:pPr algn="ctr"/>
+            <a:endParaRPr kumimoji="1" lang="ja-JP" altLang="en-US">
+              <a:ln>
+                <a:solidFill>
+                  <a:sysClr val="windowText" lastClr="000000"/>
+                </a:solidFill>
+              </a:ln>
+            </a:endParaRPr>
+          </a:p>
+        </p:txBody>
+      </p:sp>
+      <p:sp>
+        <p:nvSpPr>
+          <p:cNvPr id="14" name="円/楕円 13"/>
+          <p:cNvSpPr/>
+          <p:nvPr/>
+        </p:nvSpPr>
+        <p:spPr>
+          <a:xfrm>
+            <a:off x="1556144" y="2190889"/>
+            <a:ext cx="216000" cy="216000"/>
+          </a:xfrm>
+          <a:prstGeom prst="ellipse">
+            <a:avLst/>
+          </a:prstGeom>
+          <a:ln/>
+        </p:spPr>
+        <p:style>
+          <a:lnRef idx="1">
+            <a:schemeClr val="accent2"/>
+          </a:lnRef>
+          <a:fillRef idx="3">
+            <a:schemeClr val="accent2"/>
+          </a:fillRef>
+          <a:effectRef idx="2">
+            <a:schemeClr val="accent2"/>
+          </a:effectRef>
+          <a:fontRef idx="minor">
+            <a:schemeClr val="lt1"/>
+          </a:fontRef>
+        </p:style>
+        <p:txBody>
+          <a:bodyPr rtlCol="0" anchor="ctr"/>
+          <a:lstStyle/>
+          <a:p>
+            <a:pPr algn="ctr"/>
+            <a:endParaRPr kumimoji="1" lang="ja-JP" altLang="en-US">
+              <a:ln>
+                <a:solidFill>
+                  <a:sysClr val="windowText" lastClr="000000"/>
+                </a:solidFill>
+              </a:ln>
+            </a:endParaRPr>
+          </a:p>
+        </p:txBody>
+      </p:sp>
+      <p:cxnSp>
+        <p:nvCxnSpPr>
+          <p:cNvPr id="16" name="直線コネクタ 15"/>
+          <p:cNvCxnSpPr>
+            <a:stCxn id="14" idx="4"/>
+            <a:endCxn id="38" idx="0"/>
+          </p:cNvCxnSpPr>
+          <p:nvPr/>
+        </p:nvCxnSpPr>
+        <p:spPr>
+          <a:xfrm flipH="1">
+            <a:off x="1015160" y="2406889"/>
+            <a:ext cx="648984" cy="154957"/>
+          </a:xfrm>
+          <a:prstGeom prst="line">
+            <a:avLst/>
+          </a:prstGeom>
+          <a:effectLst/>
+          <a:scene3d>
+            <a:camera prst="orthographicFront">
+              <a:rot lat="0" lon="0" rev="0"/>
+            </a:camera>
+            <a:lightRig rig="twoPt" dir="t">
+              <a:rot lat="0" lon="0" rev="4800000"/>
+            </a:lightRig>
+          </a:scene3d>
+          <a:sp3d prstMaterial="matte"/>
+        </p:spPr>
+        <p:style>
+          <a:lnRef idx="3">
+            <a:schemeClr val="dk1"/>
+          </a:lnRef>
+          <a:fillRef idx="0">
+            <a:schemeClr val="dk1"/>
+          </a:fillRef>
+          <a:effectRef idx="2">
+            <a:schemeClr val="dk1"/>
+          </a:effectRef>
+          <a:fontRef idx="minor">
+            <a:schemeClr val="tx1"/>
+          </a:fontRef>
+        </p:style>
+      </p:cxnSp>
+      <p:cxnSp>
+        <p:nvCxnSpPr>
+          <p:cNvPr id="18" name="直線コネクタ 17"/>
+          <p:cNvCxnSpPr>
+            <a:stCxn id="14" idx="4"/>
+            <a:endCxn id="37" idx="0"/>
+          </p:cNvCxnSpPr>
+          <p:nvPr/>
+        </p:nvCxnSpPr>
+        <p:spPr>
+          <a:xfrm flipH="1">
+            <a:off x="1438180" y="2406889"/>
+            <a:ext cx="225964" cy="154957"/>
+          </a:xfrm>
+          <a:prstGeom prst="line">
+            <a:avLst/>
+          </a:prstGeom>
+          <a:effectLst/>
+          <a:scene3d>
+            <a:camera prst="orthographicFront">
+              <a:rot lat="0" lon="0" rev="0"/>
+            </a:camera>
+            <a:lightRig rig="twoPt" dir="t">
+              <a:rot lat="0" lon="0" rev="4800000"/>
+            </a:lightRig>
+          </a:scene3d>
+          <a:sp3d prstMaterial="matte"/>
+        </p:spPr>
+        <p:style>
+          <a:lnRef idx="3">
+            <a:schemeClr val="dk1"/>
+          </a:lnRef>
+          <a:fillRef idx="0">
+            <a:schemeClr val="dk1"/>
+          </a:fillRef>
+          <a:effectRef idx="2">
+            <a:schemeClr val="dk1"/>
+          </a:effectRef>
+          <a:fontRef idx="minor">
+            <a:schemeClr val="tx1"/>
+          </a:fontRef>
+        </p:style>
+      </p:cxnSp>
+      <p:cxnSp>
+        <p:nvCxnSpPr>
+          <p:cNvPr id="20" name="直線コネクタ 19"/>
+          <p:cNvCxnSpPr>
+            <a:stCxn id="14" idx="4"/>
+            <a:endCxn id="36" idx="0"/>
+          </p:cNvCxnSpPr>
+          <p:nvPr/>
+        </p:nvCxnSpPr>
+        <p:spPr>
+          <a:xfrm>
+            <a:off x="1664144" y="2406889"/>
+            <a:ext cx="184293" cy="154957"/>
+          </a:xfrm>
+          <a:prstGeom prst="line">
+            <a:avLst/>
+          </a:prstGeom>
+          <a:effectLst/>
+          <a:scene3d>
+            <a:camera prst="orthographicFront">
+              <a:rot lat="0" lon="0" rev="0"/>
+            </a:camera>
+            <a:lightRig rig="twoPt" dir="t">
+              <a:rot lat="0" lon="0" rev="4800000"/>
+            </a:lightRig>
+          </a:scene3d>
+          <a:sp3d prstMaterial="matte"/>
+        </p:spPr>
+        <p:style>
+          <a:lnRef idx="3">
+            <a:schemeClr val="dk1"/>
+          </a:lnRef>
+          <a:fillRef idx="0">
+            <a:schemeClr val="dk1"/>
+          </a:fillRef>
+          <a:effectRef idx="2">
+            <a:schemeClr val="dk1"/>
+          </a:effectRef>
+          <a:fontRef idx="minor">
+            <a:schemeClr val="tx1"/>
+          </a:fontRef>
+        </p:style>
+      </p:cxnSp>
+      <p:cxnSp>
+        <p:nvCxnSpPr>
+          <p:cNvPr id="23" name="直線コネクタ 22"/>
+          <p:cNvCxnSpPr>
+            <a:stCxn id="14" idx="4"/>
+            <a:endCxn id="35" idx="0"/>
+          </p:cNvCxnSpPr>
+          <p:nvPr/>
+        </p:nvCxnSpPr>
+        <p:spPr>
+          <a:xfrm>
+            <a:off x="1664144" y="2406889"/>
+            <a:ext cx="620811" cy="154957"/>
+          </a:xfrm>
+          <a:prstGeom prst="line">
+            <a:avLst/>
+          </a:prstGeom>
+          <a:effectLst/>
+          <a:scene3d>
+            <a:camera prst="orthographicFront">
+              <a:rot lat="0" lon="0" rev="0"/>
+            </a:camera>
+            <a:lightRig rig="twoPt" dir="t">
+              <a:rot lat="0" lon="0" rev="4800000"/>
+            </a:lightRig>
+          </a:scene3d>
+          <a:sp3d prstMaterial="matte"/>
+        </p:spPr>
+        <p:style>
+          <a:lnRef idx="3">
+            <a:schemeClr val="dk1"/>
+          </a:lnRef>
+          <a:fillRef idx="0">
+            <a:schemeClr val="dk1"/>
+          </a:fillRef>
+          <a:effectRef idx="2">
+            <a:schemeClr val="dk1"/>
+          </a:effectRef>
+          <a:fontRef idx="minor">
+            <a:schemeClr val="tx1"/>
+          </a:fontRef>
+        </p:style>
+      </p:cxnSp>
+      <p:sp>
+        <p:nvSpPr>
+          <p:cNvPr id="35" name="円/楕円 34"/>
+          <p:cNvSpPr/>
+          <p:nvPr/>
+        </p:nvSpPr>
+        <p:spPr>
+          <a:xfrm>
+            <a:off x="2176955" y="2561846"/>
+            <a:ext cx="216000" cy="216000"/>
+          </a:xfrm>
+          <a:prstGeom prst="ellipse">
+            <a:avLst/>
+          </a:prstGeom>
+          <a:solidFill>
+            <a:schemeClr val="bg1"/>
+          </a:solidFill>
+          <a:ln>
+            <a:solidFill>
+              <a:schemeClr val="tx1">
+                <a:lumMod val="95000"/>
+                <a:lumOff val="5000"/>
+              </a:schemeClr>
+            </a:solidFill>
+          </a:ln>
+        </p:spPr>
+        <p:style>
+          <a:lnRef idx="1">
+            <a:schemeClr val="accent4"/>
+          </a:lnRef>
+          <a:fillRef idx="3">
+            <a:schemeClr val="accent4"/>
+          </a:fillRef>
+          <a:effectRef idx="2">
+            <a:schemeClr val="accent4"/>
+          </a:effectRef>
+          <a:fontRef idx="minor">
+            <a:schemeClr val="lt1"/>
+          </a:fontRef>
+        </p:style>
+        <p:txBody>
+          <a:bodyPr rtlCol="0" anchor="ctr"/>
+          <a:lstStyle/>
+          <a:p>
+            <a:pPr algn="ctr"/>
+            <a:endParaRPr kumimoji="1" lang="ja-JP" altLang="en-US">
+              <a:ln>
+                <a:solidFill>
+                  <a:sysClr val="windowText" lastClr="000000"/>
+                </a:solidFill>
+              </a:ln>
+            </a:endParaRPr>
+          </a:p>
+        </p:txBody>
+      </p:sp>
+      <p:sp>
+        <p:nvSpPr>
+          <p:cNvPr id="36" name="円/楕円 35"/>
+          <p:cNvSpPr/>
+          <p:nvPr/>
+        </p:nvSpPr>
+        <p:spPr>
+          <a:xfrm>
+            <a:off x="1740437" y="2561846"/>
+            <a:ext cx="216000" cy="216000"/>
+          </a:xfrm>
+          <a:prstGeom prst="ellipse">
+            <a:avLst/>
+          </a:prstGeom>
+          <a:solidFill>
+            <a:schemeClr val="bg1"/>
+          </a:solidFill>
+          <a:ln>
+            <a:solidFill>
+              <a:schemeClr val="tx1">
+                <a:lumMod val="95000"/>
+                <a:lumOff val="5000"/>
+              </a:schemeClr>
+            </a:solidFill>
+          </a:ln>
+        </p:spPr>
+        <p:style>
+          <a:lnRef idx="1">
+            <a:schemeClr val="accent4"/>
+          </a:lnRef>
+          <a:fillRef idx="3">
+            <a:schemeClr val="accent4"/>
+          </a:fillRef>
+          <a:effectRef idx="2">
+            <a:schemeClr val="accent4"/>
+          </a:effectRef>
+          <a:fontRef idx="minor">
+            <a:schemeClr val="lt1"/>
+          </a:fontRef>
+        </p:style>
+        <p:txBody>
+          <a:bodyPr rtlCol="0" anchor="ctr"/>
+          <a:lstStyle/>
+          <a:p>
+            <a:pPr algn="ctr"/>
+            <a:endParaRPr kumimoji="1" lang="ja-JP" altLang="en-US">
+              <a:ln>
+                <a:solidFill>
+                  <a:sysClr val="windowText" lastClr="000000"/>
+                </a:solidFill>
+              </a:ln>
+            </a:endParaRPr>
+          </a:p>
+        </p:txBody>
+      </p:sp>
+      <p:sp>
+        <p:nvSpPr>
+          <p:cNvPr id="37" name="円/楕円 36"/>
+          <p:cNvSpPr/>
+          <p:nvPr/>
+        </p:nvSpPr>
+        <p:spPr>
+          <a:xfrm>
+            <a:off x="1330180" y="2561846"/>
+            <a:ext cx="216000" cy="216000"/>
+          </a:xfrm>
+          <a:prstGeom prst="ellipse">
+            <a:avLst/>
+          </a:prstGeom>
+          <a:solidFill>
+            <a:schemeClr val="bg1"/>
+          </a:solidFill>
+          <a:ln>
+            <a:solidFill>
+              <a:schemeClr val="tx1">
+                <a:lumMod val="95000"/>
+                <a:lumOff val="5000"/>
+              </a:schemeClr>
+            </a:solidFill>
+          </a:ln>
+        </p:spPr>
+        <p:style>
+          <a:lnRef idx="1">
+            <a:schemeClr val="accent4"/>
+          </a:lnRef>
+          <a:fillRef idx="3">
+            <a:schemeClr val="accent4"/>
+          </a:fillRef>
+          <a:effectRef idx="2">
+            <a:schemeClr val="accent4"/>
+          </a:effectRef>
+          <a:fontRef idx="minor">
+            <a:schemeClr val="lt1"/>
+          </a:fontRef>
+        </p:style>
+        <p:txBody>
+          <a:bodyPr rtlCol="0" anchor="ctr"/>
+          <a:lstStyle/>
+          <a:p>
+            <a:pPr algn="ctr"/>
+            <a:endParaRPr kumimoji="1" lang="ja-JP" altLang="en-US">
+              <a:ln>
+                <a:solidFill>
+                  <a:sysClr val="windowText" lastClr="000000"/>
+                </a:solidFill>
+              </a:ln>
+            </a:endParaRPr>
+          </a:p>
+        </p:txBody>
+      </p:sp>
+      <p:sp>
+        <p:nvSpPr>
+          <p:cNvPr id="38" name="円/楕円 37"/>
+          <p:cNvSpPr/>
+          <p:nvPr/>
+        </p:nvSpPr>
+        <p:spPr>
+          <a:xfrm>
+            <a:off x="907160" y="2561846"/>
+            <a:ext cx="216000" cy="216000"/>
+          </a:xfrm>
+          <a:prstGeom prst="ellipse">
+            <a:avLst/>
+          </a:prstGeom>
+          <a:solidFill>
+            <a:schemeClr val="bg1"/>
+          </a:solidFill>
+          <a:ln>
+            <a:solidFill>
+              <a:schemeClr val="tx1">
+                <a:lumMod val="95000"/>
+                <a:lumOff val="5000"/>
+              </a:schemeClr>
+            </a:solidFill>
+          </a:ln>
+        </p:spPr>
+        <p:style>
+          <a:lnRef idx="1">
+            <a:schemeClr val="accent4"/>
+          </a:lnRef>
+          <a:fillRef idx="3">
+            <a:schemeClr val="accent4"/>
+          </a:fillRef>
+          <a:effectRef idx="2">
+            <a:schemeClr val="accent4"/>
+          </a:effectRef>
+          <a:fontRef idx="minor">
+            <a:schemeClr val="lt1"/>
+          </a:fontRef>
+        </p:style>
+        <p:txBody>
+          <a:bodyPr rtlCol="0" anchor="ctr"/>
+          <a:lstStyle/>
+          <a:p>
+            <a:pPr algn="ctr"/>
+            <a:endParaRPr kumimoji="1" lang="ja-JP" altLang="en-US">
+              <a:ln>
+                <a:solidFill>
+                  <a:sysClr val="windowText" lastClr="000000"/>
+                </a:solidFill>
+              </a:ln>
+            </a:endParaRPr>
+          </a:p>
+        </p:txBody>
+      </p:sp>
+      <p:cxnSp>
+        <p:nvCxnSpPr>
+          <p:cNvPr id="43" name="直線コネクタ 42"/>
+          <p:cNvCxnSpPr>
+            <a:stCxn id="13" idx="4"/>
+            <a:endCxn id="50" idx="0"/>
+          </p:cNvCxnSpPr>
+          <p:nvPr/>
+        </p:nvCxnSpPr>
+        <p:spPr>
+          <a:xfrm flipH="1">
+            <a:off x="2826993" y="2406889"/>
+            <a:ext cx="636135" cy="175993"/>
+          </a:xfrm>
+          <a:prstGeom prst="line">
+            <a:avLst/>
+          </a:prstGeom>
+          <a:effectLst/>
+          <a:scene3d>
+            <a:camera prst="orthographicFront">
+              <a:rot lat="0" lon="0" rev="0"/>
+            </a:camera>
+            <a:lightRig rig="twoPt" dir="t">
+              <a:rot lat="0" lon="0" rev="4800000"/>
+            </a:lightRig>
+          </a:scene3d>
+          <a:sp3d prstMaterial="matte"/>
+        </p:spPr>
+        <p:style>
+          <a:lnRef idx="3">
+            <a:schemeClr val="dk1"/>
+          </a:lnRef>
+          <a:fillRef idx="0">
+            <a:schemeClr val="dk1"/>
+          </a:fillRef>
+          <a:effectRef idx="2">
+            <a:schemeClr val="dk1"/>
+          </a:effectRef>
+          <a:fontRef idx="minor">
+            <a:schemeClr val="tx1"/>
+          </a:fontRef>
+        </p:style>
+      </p:cxnSp>
+      <p:cxnSp>
+        <p:nvCxnSpPr>
+          <p:cNvPr id="44" name="直線コネクタ 43"/>
+          <p:cNvCxnSpPr>
+            <a:stCxn id="13" idx="4"/>
+            <a:endCxn id="49" idx="0"/>
+          </p:cNvCxnSpPr>
+          <p:nvPr/>
+        </p:nvCxnSpPr>
+        <p:spPr>
+          <a:xfrm flipH="1">
+            <a:off x="3250013" y="2406889"/>
+            <a:ext cx="213115" cy="175993"/>
+          </a:xfrm>
+          <a:prstGeom prst="line">
+            <a:avLst/>
+          </a:prstGeom>
+          <a:effectLst/>
+          <a:scene3d>
+            <a:camera prst="orthographicFront">
+              <a:rot lat="0" lon="0" rev="0"/>
+            </a:camera>
+            <a:lightRig rig="twoPt" dir="t">
+              <a:rot lat="0" lon="0" rev="4800000"/>
+            </a:lightRig>
+          </a:scene3d>
+          <a:sp3d prstMaterial="matte"/>
+        </p:spPr>
+        <p:style>
+          <a:lnRef idx="3">
+            <a:schemeClr val="dk1"/>
+          </a:lnRef>
+          <a:fillRef idx="0">
+            <a:schemeClr val="dk1"/>
+          </a:fillRef>
+          <a:effectRef idx="2">
+            <a:schemeClr val="dk1"/>
+          </a:effectRef>
+          <a:fontRef idx="minor">
+            <a:schemeClr val="tx1"/>
+          </a:fontRef>
+        </p:style>
+      </p:cxnSp>
+      <p:cxnSp>
+        <p:nvCxnSpPr>
+          <p:cNvPr id="45" name="直線コネクタ 44"/>
+          <p:cNvCxnSpPr>
+            <a:stCxn id="13" idx="4"/>
+            <a:endCxn id="48" idx="0"/>
+          </p:cNvCxnSpPr>
+          <p:nvPr/>
+        </p:nvCxnSpPr>
+        <p:spPr>
+          <a:xfrm>
+            <a:off x="3463128" y="2406889"/>
+            <a:ext cx="197142" cy="175993"/>
+          </a:xfrm>
+          <a:prstGeom prst="line">
+            <a:avLst/>
+          </a:prstGeom>
+          <a:effectLst/>
+          <a:scene3d>
+            <a:camera prst="orthographicFront">
+              <a:rot lat="0" lon="0" rev="0"/>
+            </a:camera>
+            <a:lightRig rig="twoPt" dir="t">
+              <a:rot lat="0" lon="0" rev="4800000"/>
+            </a:lightRig>
+          </a:scene3d>
+          <a:sp3d prstMaterial="matte"/>
+        </p:spPr>
+        <p:style>
+          <a:lnRef idx="3">
+            <a:schemeClr val="dk1"/>
+          </a:lnRef>
+          <a:fillRef idx="0">
+            <a:schemeClr val="dk1"/>
+          </a:fillRef>
+          <a:effectRef idx="2">
+            <a:schemeClr val="dk1"/>
+          </a:effectRef>
+          <a:fontRef idx="minor">
+            <a:schemeClr val="tx1"/>
+          </a:fontRef>
+        </p:style>
+      </p:cxnSp>
+      <p:cxnSp>
+        <p:nvCxnSpPr>
+          <p:cNvPr id="46" name="直線コネクタ 45"/>
+          <p:cNvCxnSpPr>
+            <a:stCxn id="13" idx="4"/>
+            <a:endCxn id="47" idx="0"/>
+          </p:cNvCxnSpPr>
+          <p:nvPr/>
+        </p:nvCxnSpPr>
+        <p:spPr>
+          <a:xfrm>
+            <a:off x="3463128" y="2406889"/>
+            <a:ext cx="633660" cy="175993"/>
+          </a:xfrm>
+          <a:prstGeom prst="line">
+            <a:avLst/>
+          </a:prstGeom>
+          <a:effectLst/>
+          <a:scene3d>
+            <a:camera prst="orthographicFront">
+              <a:rot lat="0" lon="0" rev="0"/>
+            </a:camera>
+            <a:lightRig rig="twoPt" dir="t">
+              <a:rot lat="0" lon="0" rev="4800000"/>
+            </a:lightRig>
+          </a:scene3d>
+          <a:sp3d prstMaterial="matte"/>
+        </p:spPr>
+        <p:style>
+          <a:lnRef idx="3">
+            <a:schemeClr val="dk1"/>
+          </a:lnRef>
+          <a:fillRef idx="0">
+            <a:schemeClr val="dk1"/>
+          </a:fillRef>
+          <a:effectRef idx="2">
+            <a:schemeClr val="dk1"/>
+          </a:effectRef>
+          <a:fontRef idx="minor">
+            <a:schemeClr val="tx1"/>
+          </a:fontRef>
+        </p:style>
+      </p:cxnSp>
+      <p:sp>
+        <p:nvSpPr>
+          <p:cNvPr id="47" name="円/楕円 46"/>
+          <p:cNvSpPr/>
+          <p:nvPr/>
+        </p:nvSpPr>
+        <p:spPr>
+          <a:xfrm>
+            <a:off x="3988788" y="2582882"/>
+            <a:ext cx="216000" cy="216000"/>
+          </a:xfrm>
+          <a:prstGeom prst="ellipse">
+            <a:avLst/>
+          </a:prstGeom>
+          <a:solidFill>
+            <a:schemeClr val="bg1"/>
+          </a:solidFill>
+          <a:ln>
+            <a:solidFill>
+              <a:schemeClr val="tx1">
+                <a:lumMod val="95000"/>
+                <a:lumOff val="5000"/>
+              </a:schemeClr>
+            </a:solidFill>
+          </a:ln>
+        </p:spPr>
+        <p:style>
+          <a:lnRef idx="1">
+            <a:schemeClr val="accent4"/>
+          </a:lnRef>
+          <a:fillRef idx="3">
+            <a:schemeClr val="accent4"/>
+          </a:fillRef>
+          <a:effectRef idx="2">
+            <a:schemeClr val="accent4"/>
+          </a:effectRef>
+          <a:fontRef idx="minor">
+            <a:schemeClr val="lt1"/>
+          </a:fontRef>
+        </p:style>
+        <p:txBody>
+          <a:bodyPr rtlCol="0" anchor="ctr"/>
+          <a:lstStyle/>
+          <a:p>
+            <a:pPr algn="ctr"/>
+            <a:endParaRPr kumimoji="1" lang="ja-JP" altLang="en-US">
+              <a:ln>
+                <a:solidFill>
+                  <a:sysClr val="windowText" lastClr="000000"/>
+                </a:solidFill>
+              </a:ln>
+            </a:endParaRPr>
+          </a:p>
+        </p:txBody>
+      </p:sp>
+      <p:sp>
+        <p:nvSpPr>
+          <p:cNvPr id="48" name="円/楕円 47"/>
+          <p:cNvSpPr/>
+          <p:nvPr/>
+        </p:nvSpPr>
+        <p:spPr>
+          <a:xfrm>
+            <a:off x="3552270" y="2582882"/>
+            <a:ext cx="216000" cy="216000"/>
+          </a:xfrm>
+          <a:prstGeom prst="ellipse">
+            <a:avLst/>
+          </a:prstGeom>
+          <a:solidFill>
+            <a:schemeClr val="bg1"/>
+          </a:solidFill>
+          <a:ln>
+            <a:solidFill>
+              <a:schemeClr val="tx1">
+                <a:lumMod val="95000"/>
+                <a:lumOff val="5000"/>
+              </a:schemeClr>
+            </a:solidFill>
+          </a:ln>
+        </p:spPr>
+        <p:style>
+          <a:lnRef idx="1">
+            <a:schemeClr val="accent4"/>
+          </a:lnRef>
+          <a:fillRef idx="3">
+            <a:schemeClr val="accent4"/>
+          </a:fillRef>
+          <a:effectRef idx="2">
+            <a:schemeClr val="accent4"/>
+          </a:effectRef>
+          <a:fontRef idx="minor">
+            <a:schemeClr val="lt1"/>
+          </a:fontRef>
+        </p:style>
+        <p:txBody>
+          <a:bodyPr rtlCol="0" anchor="ctr"/>
+          <a:lstStyle/>
+          <a:p>
+            <a:pPr algn="ctr"/>
+            <a:endParaRPr kumimoji="1" lang="ja-JP" altLang="en-US">
+              <a:ln>
+                <a:solidFill>
+                  <a:sysClr val="windowText" lastClr="000000"/>
+                </a:solidFill>
+              </a:ln>
+            </a:endParaRPr>
+          </a:p>
+        </p:txBody>
+      </p:sp>
+      <p:sp>
+        <p:nvSpPr>
+          <p:cNvPr id="49" name="円/楕円 48"/>
+          <p:cNvSpPr/>
+          <p:nvPr/>
+        </p:nvSpPr>
+        <p:spPr>
+          <a:xfrm>
+            <a:off x="3142013" y="2582882"/>
+            <a:ext cx="216000" cy="216000"/>
+          </a:xfrm>
+          <a:prstGeom prst="ellipse">
+            <a:avLst/>
+          </a:prstGeom>
+          <a:solidFill>
+            <a:schemeClr val="bg1"/>
+          </a:solidFill>
+          <a:ln>
+            <a:solidFill>
+              <a:schemeClr val="tx1">
+                <a:lumMod val="95000"/>
+                <a:lumOff val="5000"/>
+              </a:schemeClr>
+            </a:solidFill>
+          </a:ln>
+        </p:spPr>
+        <p:style>
+          <a:lnRef idx="1">
+            <a:schemeClr val="accent4"/>
+          </a:lnRef>
+          <a:fillRef idx="3">
+            <a:schemeClr val="accent4"/>
+          </a:fillRef>
+          <a:effectRef idx="2">
+            <a:schemeClr val="accent4"/>
+          </a:effectRef>
+          <a:fontRef idx="minor">
+            <a:schemeClr val="lt1"/>
+          </a:fontRef>
+        </p:style>
+        <p:txBody>
+          <a:bodyPr rtlCol="0" anchor="ctr"/>
+          <a:lstStyle/>
+          <a:p>
+            <a:pPr algn="ctr"/>
+            <a:endParaRPr kumimoji="1" lang="ja-JP" altLang="en-US">
+              <a:ln>
+                <a:solidFill>
+                  <a:sysClr val="windowText" lastClr="000000"/>
+                </a:solidFill>
+              </a:ln>
+            </a:endParaRPr>
+          </a:p>
+        </p:txBody>
+      </p:sp>
+      <p:sp>
+        <p:nvSpPr>
+          <p:cNvPr id="50" name="円/楕円 49"/>
+          <p:cNvSpPr/>
+          <p:nvPr/>
+        </p:nvSpPr>
+        <p:spPr>
+          <a:xfrm>
+            <a:off x="2718993" y="2582882"/>
+            <a:ext cx="216000" cy="216000"/>
+          </a:xfrm>
+          <a:prstGeom prst="ellipse">
+            <a:avLst/>
+          </a:prstGeom>
+          <a:solidFill>
+            <a:schemeClr val="bg1"/>
+          </a:solidFill>
+          <a:ln>
+            <a:solidFill>
+              <a:schemeClr val="tx1">
+                <a:lumMod val="95000"/>
+                <a:lumOff val="5000"/>
+              </a:schemeClr>
+            </a:solidFill>
+          </a:ln>
+        </p:spPr>
+        <p:style>
+          <a:lnRef idx="1">
+            <a:schemeClr val="accent4"/>
+          </a:lnRef>
+          <a:fillRef idx="3">
+            <a:schemeClr val="accent4"/>
+          </a:fillRef>
+          <a:effectRef idx="2">
+            <a:schemeClr val="accent4"/>
+          </a:effectRef>
+          <a:fontRef idx="minor">
+            <a:schemeClr val="lt1"/>
+          </a:fontRef>
+        </p:style>
+        <p:txBody>
+          <a:bodyPr rtlCol="0" anchor="ctr"/>
+          <a:lstStyle/>
+          <a:p>
+            <a:pPr algn="ctr"/>
+            <a:endParaRPr kumimoji="1" lang="ja-JP" altLang="en-US">
+              <a:ln>
+                <a:solidFill>
+                  <a:sysClr val="windowText" lastClr="000000"/>
+                </a:solidFill>
+              </a:ln>
+            </a:endParaRPr>
+          </a:p>
+        </p:txBody>
+      </p:sp>
+      <p:cxnSp>
+        <p:nvCxnSpPr>
+          <p:cNvPr id="56" name="直線コネクタ 55"/>
+          <p:cNvCxnSpPr>
+            <a:stCxn id="12" idx="4"/>
+            <a:endCxn id="63" idx="0"/>
+          </p:cNvCxnSpPr>
+          <p:nvPr/>
+        </p:nvCxnSpPr>
+        <p:spPr>
+          <a:xfrm flipH="1">
+            <a:off x="4653234" y="2406889"/>
+            <a:ext cx="643188" cy="153225"/>
+          </a:xfrm>
+          <a:prstGeom prst="line">
+            <a:avLst/>
+          </a:prstGeom>
+          <a:effectLst/>
+          <a:scene3d>
+            <a:camera prst="orthographicFront">
+              <a:rot lat="0" lon="0" rev="0"/>
+            </a:camera>
+            <a:lightRig rig="twoPt" dir="t">
+              <a:rot lat="0" lon="0" rev="4800000"/>
+            </a:lightRig>
+          </a:scene3d>
+          <a:sp3d prstMaterial="matte"/>
+        </p:spPr>
+        <p:style>
+          <a:lnRef idx="3">
+            <a:schemeClr val="dk1"/>
+          </a:lnRef>
+          <a:fillRef idx="0">
+            <a:schemeClr val="dk1"/>
+          </a:fillRef>
+          <a:effectRef idx="2">
+            <a:schemeClr val="dk1"/>
+          </a:effectRef>
+          <a:fontRef idx="minor">
+            <a:schemeClr val="tx1"/>
+          </a:fontRef>
+        </p:style>
+      </p:cxnSp>
+      <p:cxnSp>
+        <p:nvCxnSpPr>
+          <p:cNvPr id="57" name="直線コネクタ 56"/>
+          <p:cNvCxnSpPr>
+            <a:stCxn id="12" idx="4"/>
+            <a:endCxn id="62" idx="0"/>
+          </p:cNvCxnSpPr>
+          <p:nvPr/>
+        </p:nvCxnSpPr>
+        <p:spPr>
+          <a:xfrm flipH="1">
+            <a:off x="5076254" y="2406889"/>
+            <a:ext cx="220168" cy="153225"/>
+          </a:xfrm>
+          <a:prstGeom prst="line">
+            <a:avLst/>
+          </a:prstGeom>
+          <a:effectLst/>
+          <a:scene3d>
+            <a:camera prst="orthographicFront">
+              <a:rot lat="0" lon="0" rev="0"/>
+            </a:camera>
+            <a:lightRig rig="twoPt" dir="t">
+              <a:rot lat="0" lon="0" rev="4800000"/>
+            </a:lightRig>
+          </a:scene3d>
+          <a:sp3d prstMaterial="matte"/>
+        </p:spPr>
+        <p:style>
+          <a:lnRef idx="3">
+            <a:schemeClr val="dk1"/>
+          </a:lnRef>
+          <a:fillRef idx="0">
+            <a:schemeClr val="dk1"/>
+          </a:fillRef>
+          <a:effectRef idx="2">
+            <a:schemeClr val="dk1"/>
+          </a:effectRef>
+          <a:fontRef idx="minor">
+            <a:schemeClr val="tx1"/>
+          </a:fontRef>
+        </p:style>
+      </p:cxnSp>
+      <p:cxnSp>
+        <p:nvCxnSpPr>
+          <p:cNvPr id="58" name="直線コネクタ 57"/>
+          <p:cNvCxnSpPr>
+            <a:stCxn id="12" idx="4"/>
+            <a:endCxn id="61" idx="0"/>
+          </p:cNvCxnSpPr>
+          <p:nvPr/>
+        </p:nvCxnSpPr>
+        <p:spPr>
+          <a:xfrm>
+            <a:off x="5296422" y="2406889"/>
+            <a:ext cx="190089" cy="153225"/>
+          </a:xfrm>
+          <a:prstGeom prst="line">
+            <a:avLst/>
+          </a:prstGeom>
+          <a:effectLst/>
+          <a:scene3d>
+            <a:camera prst="orthographicFront">
+              <a:rot lat="0" lon="0" rev="0"/>
+            </a:camera>
+            <a:lightRig rig="twoPt" dir="t">
+              <a:rot lat="0" lon="0" rev="4800000"/>
+            </a:lightRig>
+          </a:scene3d>
+          <a:sp3d prstMaterial="matte"/>
+        </p:spPr>
+        <p:style>
+          <a:lnRef idx="3">
+            <a:schemeClr val="dk1"/>
+          </a:lnRef>
+          <a:fillRef idx="0">
+            <a:schemeClr val="dk1"/>
+          </a:fillRef>
+          <a:effectRef idx="2">
+            <a:schemeClr val="dk1"/>
+          </a:effectRef>
+          <a:fontRef idx="minor">
+            <a:schemeClr val="tx1"/>
+          </a:fontRef>
+        </p:style>
+      </p:cxnSp>
+      <p:cxnSp>
+        <p:nvCxnSpPr>
+          <p:cNvPr id="59" name="直線コネクタ 58"/>
+          <p:cNvCxnSpPr>
+            <a:stCxn id="12" idx="4"/>
+            <a:endCxn id="60" idx="0"/>
+          </p:cNvCxnSpPr>
+          <p:nvPr/>
+        </p:nvCxnSpPr>
+        <p:spPr>
+          <a:xfrm>
+            <a:off x="5296422" y="2406889"/>
+            <a:ext cx="626607" cy="153225"/>
+          </a:xfrm>
+          <a:prstGeom prst="line">
+            <a:avLst/>
+          </a:prstGeom>
+          <a:effectLst/>
+          <a:scene3d>
+            <a:camera prst="orthographicFront">
+              <a:rot lat="0" lon="0" rev="0"/>
+            </a:camera>
+            <a:lightRig rig="twoPt" dir="t">
+              <a:rot lat="0" lon="0" rev="4800000"/>
+            </a:lightRig>
+          </a:scene3d>
+          <a:sp3d prstMaterial="matte"/>
+        </p:spPr>
+        <p:style>
+          <a:lnRef idx="3">
+            <a:schemeClr val="dk1"/>
+          </a:lnRef>
+          <a:fillRef idx="0">
+            <a:schemeClr val="dk1"/>
+          </a:fillRef>
+          <a:effectRef idx="2">
+            <a:schemeClr val="dk1"/>
+          </a:effectRef>
+          <a:fontRef idx="minor">
+            <a:schemeClr val="tx1"/>
+          </a:fontRef>
+        </p:style>
+      </p:cxnSp>
+      <p:sp>
+        <p:nvSpPr>
+          <p:cNvPr id="60" name="円/楕円 59"/>
+          <p:cNvSpPr/>
+          <p:nvPr/>
+        </p:nvSpPr>
+        <p:spPr>
+          <a:xfrm>
+            <a:off x="5815029" y="2560114"/>
+            <a:ext cx="216000" cy="216000"/>
+          </a:xfrm>
+          <a:prstGeom prst="ellipse">
+            <a:avLst/>
+          </a:prstGeom>
+          <a:solidFill>
+            <a:schemeClr val="bg1"/>
+          </a:solidFill>
+          <a:ln>
+            <a:solidFill>
+              <a:schemeClr val="tx1">
+                <a:lumMod val="95000"/>
+                <a:lumOff val="5000"/>
+              </a:schemeClr>
+            </a:solidFill>
+          </a:ln>
+        </p:spPr>
+        <p:style>
+          <a:lnRef idx="1">
+            <a:schemeClr val="accent4"/>
+          </a:lnRef>
+          <a:fillRef idx="3">
+            <a:schemeClr val="accent4"/>
+          </a:fillRef>
+          <a:effectRef idx="2">
+            <a:schemeClr val="accent4"/>
+          </a:effectRef>
+          <a:fontRef idx="minor">
+            <a:schemeClr val="lt1"/>
+          </a:fontRef>
+        </p:style>
+        <p:txBody>
+          <a:bodyPr rtlCol="0" anchor="ctr"/>
+          <a:lstStyle/>
+          <a:p>
+            <a:pPr algn="ctr"/>
+            <a:endParaRPr kumimoji="1" lang="ja-JP" altLang="en-US">
+              <a:ln>
+                <a:solidFill>
+                  <a:sysClr val="windowText" lastClr="000000"/>
+                </a:solidFill>
+              </a:ln>
+            </a:endParaRPr>
+          </a:p>
+        </p:txBody>
+      </p:sp>
+      <p:sp>
+        <p:nvSpPr>
+          <p:cNvPr id="61" name="円/楕円 60"/>
+          <p:cNvSpPr/>
+          <p:nvPr/>
+        </p:nvSpPr>
+        <p:spPr>
+          <a:xfrm>
+            <a:off x="5378511" y="2560114"/>
+            <a:ext cx="216000" cy="216000"/>
+          </a:xfrm>
+          <a:prstGeom prst="ellipse">
+            <a:avLst/>
+          </a:prstGeom>
+          <a:solidFill>
+            <a:schemeClr val="bg1"/>
+          </a:solidFill>
+          <a:ln>
+            <a:solidFill>
+              <a:schemeClr val="tx1">
+                <a:lumMod val="95000"/>
+                <a:lumOff val="5000"/>
+              </a:schemeClr>
+            </a:solidFill>
+          </a:ln>
+        </p:spPr>
+        <p:style>
+          <a:lnRef idx="1">
+            <a:schemeClr val="accent4"/>
+          </a:lnRef>
+          <a:fillRef idx="3">
+            <a:schemeClr val="accent4"/>
+          </a:fillRef>
+          <a:effectRef idx="2">
+            <a:schemeClr val="accent4"/>
+          </a:effectRef>
+          <a:fontRef idx="minor">
+            <a:schemeClr val="lt1"/>
+          </a:fontRef>
+        </p:style>
+        <p:txBody>
+          <a:bodyPr rtlCol="0" anchor="ctr"/>
+          <a:lstStyle/>
+          <a:p>
+            <a:pPr algn="ctr"/>
+            <a:endParaRPr kumimoji="1" lang="ja-JP" altLang="en-US">
+              <a:ln>
+                <a:solidFill>
+                  <a:sysClr val="windowText" lastClr="000000"/>
+                </a:solidFill>
+              </a:ln>
+            </a:endParaRPr>
+          </a:p>
+        </p:txBody>
+      </p:sp>
+      <p:sp>
+        <p:nvSpPr>
+          <p:cNvPr id="62" name="円/楕円 61"/>
+          <p:cNvSpPr/>
+          <p:nvPr/>
+        </p:nvSpPr>
+        <p:spPr>
+          <a:xfrm>
+            <a:off x="4968254" y="2560114"/>
+            <a:ext cx="216000" cy="216000"/>
+          </a:xfrm>
+          <a:prstGeom prst="ellipse">
+            <a:avLst/>
+          </a:prstGeom>
+          <a:solidFill>
+            <a:schemeClr val="bg1"/>
+          </a:solidFill>
+          <a:ln>
+            <a:solidFill>
+              <a:schemeClr val="tx1">
+                <a:lumMod val="95000"/>
+                <a:lumOff val="5000"/>
+              </a:schemeClr>
+            </a:solidFill>
+          </a:ln>
+        </p:spPr>
+        <p:style>
+          <a:lnRef idx="1">
+            <a:schemeClr val="accent4"/>
+          </a:lnRef>
+          <a:fillRef idx="3">
+            <a:schemeClr val="accent4"/>
+          </a:fillRef>
+          <a:effectRef idx="2">
+            <a:schemeClr val="accent4"/>
+          </a:effectRef>
+          <a:fontRef idx="minor">
+            <a:schemeClr val="lt1"/>
+          </a:fontRef>
+        </p:style>
+        <p:txBody>
+          <a:bodyPr rtlCol="0" anchor="ctr"/>
+          <a:lstStyle/>
+          <a:p>
+            <a:pPr algn="ctr"/>
+            <a:endParaRPr kumimoji="1" lang="ja-JP" altLang="en-US">
+              <a:ln>
+                <a:solidFill>
+                  <a:sysClr val="windowText" lastClr="000000"/>
+                </a:solidFill>
+              </a:ln>
+            </a:endParaRPr>
+          </a:p>
+        </p:txBody>
+      </p:sp>
+      <p:sp>
+        <p:nvSpPr>
+          <p:cNvPr id="63" name="円/楕円 62"/>
+          <p:cNvSpPr/>
+          <p:nvPr/>
+        </p:nvSpPr>
+        <p:spPr>
+          <a:xfrm>
+            <a:off x="4545234" y="2560114"/>
+            <a:ext cx="216000" cy="216000"/>
+          </a:xfrm>
+          <a:prstGeom prst="ellipse">
+            <a:avLst/>
+          </a:prstGeom>
+          <a:solidFill>
+            <a:schemeClr val="bg1"/>
+          </a:solidFill>
+          <a:ln>
+            <a:solidFill>
+              <a:schemeClr val="tx1">
+                <a:lumMod val="95000"/>
+                <a:lumOff val="5000"/>
+              </a:schemeClr>
+            </a:solidFill>
+          </a:ln>
+        </p:spPr>
+        <p:style>
+          <a:lnRef idx="1">
+            <a:schemeClr val="accent4"/>
+          </a:lnRef>
+          <a:fillRef idx="3">
+            <a:schemeClr val="accent4"/>
+          </a:fillRef>
+          <a:effectRef idx="2">
+            <a:schemeClr val="accent4"/>
+          </a:effectRef>
+          <a:fontRef idx="minor">
+            <a:schemeClr val="lt1"/>
+          </a:fontRef>
+        </p:style>
+        <p:txBody>
+          <a:bodyPr rtlCol="0" anchor="ctr"/>
+          <a:lstStyle/>
+          <a:p>
+            <a:pPr algn="ctr"/>
+            <a:endParaRPr kumimoji="1" lang="ja-JP" altLang="en-US">
+              <a:ln>
+                <a:solidFill>
+                  <a:sysClr val="windowText" lastClr="000000"/>
+                </a:solidFill>
+              </a:ln>
+            </a:endParaRPr>
+          </a:p>
+        </p:txBody>
+      </p:sp>
+      <p:cxnSp>
+        <p:nvCxnSpPr>
+          <p:cNvPr id="97" name="直線コネクタ 96"/>
+          <p:cNvCxnSpPr>
+            <a:stCxn id="11" idx="4"/>
+            <a:endCxn id="104" idx="0"/>
+          </p:cNvCxnSpPr>
+          <p:nvPr/>
+        </p:nvCxnSpPr>
+        <p:spPr>
+          <a:xfrm flipH="1">
+            <a:off x="6371475" y="2406889"/>
+            <a:ext cx="655331" cy="159942"/>
+          </a:xfrm>
+          <a:prstGeom prst="line">
+            <a:avLst/>
+          </a:prstGeom>
+          <a:effectLst/>
+          <a:scene3d>
+            <a:camera prst="orthographicFront">
+              <a:rot lat="0" lon="0" rev="0"/>
+            </a:camera>
+            <a:lightRig rig="twoPt" dir="t">
+              <a:rot lat="0" lon="0" rev="4800000"/>
+            </a:lightRig>
+          </a:scene3d>
+          <a:sp3d prstMaterial="matte"/>
+        </p:spPr>
+        <p:style>
+          <a:lnRef idx="3">
+            <a:schemeClr val="dk1"/>
+          </a:lnRef>
+          <a:fillRef idx="0">
+            <a:schemeClr val="dk1"/>
+          </a:fillRef>
+          <a:effectRef idx="2">
+            <a:schemeClr val="dk1"/>
+          </a:effectRef>
+          <a:fontRef idx="minor">
+            <a:schemeClr val="tx1"/>
+          </a:fontRef>
+        </p:style>
+      </p:cxnSp>
+      <p:cxnSp>
+        <p:nvCxnSpPr>
+          <p:cNvPr id="98" name="直線コネクタ 97"/>
+          <p:cNvCxnSpPr>
+            <a:stCxn id="11" idx="4"/>
+            <a:endCxn id="103" idx="0"/>
+          </p:cNvCxnSpPr>
+          <p:nvPr/>
+        </p:nvCxnSpPr>
+        <p:spPr>
+          <a:xfrm flipH="1">
+            <a:off x="6794495" y="2406889"/>
+            <a:ext cx="232311" cy="159942"/>
+          </a:xfrm>
+          <a:prstGeom prst="line">
+            <a:avLst/>
+          </a:prstGeom>
+          <a:effectLst/>
+          <a:scene3d>
+            <a:camera prst="orthographicFront">
+              <a:rot lat="0" lon="0" rev="0"/>
+            </a:camera>
+            <a:lightRig rig="twoPt" dir="t">
+              <a:rot lat="0" lon="0" rev="4800000"/>
+            </a:lightRig>
+          </a:scene3d>
+          <a:sp3d prstMaterial="matte"/>
+        </p:spPr>
+        <p:style>
+          <a:lnRef idx="3">
+            <a:schemeClr val="dk1"/>
+          </a:lnRef>
+          <a:fillRef idx="0">
+            <a:schemeClr val="dk1"/>
+          </a:fillRef>
+          <a:effectRef idx="2">
+            <a:schemeClr val="dk1"/>
+          </a:effectRef>
+          <a:fontRef idx="minor">
+            <a:schemeClr val="tx1"/>
+          </a:fontRef>
+        </p:style>
+      </p:cxnSp>
+      <p:cxnSp>
+        <p:nvCxnSpPr>
+          <p:cNvPr id="99" name="直線コネクタ 98"/>
+          <p:cNvCxnSpPr>
+            <a:stCxn id="11" idx="4"/>
+            <a:endCxn id="102" idx="0"/>
+          </p:cNvCxnSpPr>
+          <p:nvPr/>
+        </p:nvCxnSpPr>
+        <p:spPr>
+          <a:xfrm>
+            <a:off x="7026806" y="2406889"/>
+            <a:ext cx="177946" cy="159942"/>
+          </a:xfrm>
+          <a:prstGeom prst="line">
+            <a:avLst/>
+          </a:prstGeom>
+          <a:effectLst/>
+          <a:scene3d>
+            <a:camera prst="orthographicFront">
+              <a:rot lat="0" lon="0" rev="0"/>
+            </a:camera>
+            <a:lightRig rig="twoPt" dir="t">
+              <a:rot lat="0" lon="0" rev="4800000"/>
+            </a:lightRig>
+          </a:scene3d>
+          <a:sp3d prstMaterial="matte"/>
+        </p:spPr>
+        <p:style>
+          <a:lnRef idx="3">
+            <a:schemeClr val="dk1"/>
+          </a:lnRef>
+          <a:fillRef idx="0">
+            <a:schemeClr val="dk1"/>
+          </a:fillRef>
+          <a:effectRef idx="2">
+            <a:schemeClr val="dk1"/>
+          </a:effectRef>
+          <a:fontRef idx="minor">
+            <a:schemeClr val="tx1"/>
+          </a:fontRef>
+        </p:style>
+      </p:cxnSp>
+      <p:cxnSp>
+        <p:nvCxnSpPr>
+          <p:cNvPr id="100" name="直線コネクタ 99"/>
+          <p:cNvCxnSpPr>
+            <a:stCxn id="11" idx="4"/>
+            <a:endCxn id="101" idx="0"/>
+          </p:cNvCxnSpPr>
+          <p:nvPr/>
+        </p:nvCxnSpPr>
+        <p:spPr>
+          <a:xfrm>
+            <a:off x="7026806" y="2406889"/>
+            <a:ext cx="614464" cy="159942"/>
+          </a:xfrm>
+          <a:prstGeom prst="line">
+            <a:avLst/>
+          </a:prstGeom>
+          <a:effectLst/>
+          <a:scene3d>
+            <a:camera prst="orthographicFront">
+              <a:rot lat="0" lon="0" rev="0"/>
+            </a:camera>
+            <a:lightRig rig="twoPt" dir="t">
+              <a:rot lat="0" lon="0" rev="4800000"/>
+            </a:lightRig>
+          </a:scene3d>
+          <a:sp3d prstMaterial="matte"/>
+        </p:spPr>
+        <p:style>
+          <a:lnRef idx="3">
+            <a:schemeClr val="dk1"/>
+          </a:lnRef>
+          <a:fillRef idx="0">
+            <a:schemeClr val="dk1"/>
+          </a:fillRef>
+          <a:effectRef idx="2">
+            <a:schemeClr val="dk1"/>
+          </a:effectRef>
+          <a:fontRef idx="minor">
+            <a:schemeClr val="tx1"/>
+          </a:fontRef>
+        </p:style>
+      </p:cxnSp>
+      <p:sp>
+        <p:nvSpPr>
+          <p:cNvPr id="101" name="円/楕円 100"/>
+          <p:cNvSpPr/>
+          <p:nvPr/>
+        </p:nvSpPr>
+        <p:spPr>
+          <a:xfrm>
+            <a:off x="7533270" y="2566831"/>
+            <a:ext cx="216000" cy="216000"/>
+          </a:xfrm>
+          <a:prstGeom prst="ellipse">
+            <a:avLst/>
+          </a:prstGeom>
+          <a:solidFill>
+            <a:schemeClr val="bg1"/>
+          </a:solidFill>
+          <a:ln>
+            <a:solidFill>
+              <a:schemeClr val="tx1">
+                <a:lumMod val="95000"/>
+                <a:lumOff val="5000"/>
+              </a:schemeClr>
+            </a:solidFill>
+          </a:ln>
+        </p:spPr>
+        <p:style>
+          <a:lnRef idx="1">
+            <a:schemeClr val="accent4"/>
+          </a:lnRef>
+          <a:fillRef idx="3">
+            <a:schemeClr val="accent4"/>
+          </a:fillRef>
+          <a:effectRef idx="2">
+            <a:schemeClr val="accent4"/>
+          </a:effectRef>
+          <a:fontRef idx="minor">
+            <a:schemeClr val="lt1"/>
+          </a:fontRef>
+        </p:style>
+        <p:txBody>
+          <a:bodyPr rtlCol="0" anchor="ctr"/>
+          <a:lstStyle/>
+          <a:p>
+            <a:pPr algn="ctr"/>
+            <a:endParaRPr kumimoji="1" lang="ja-JP" altLang="en-US">
+              <a:ln>
+                <a:solidFill>
+                  <a:sysClr val="windowText" lastClr="000000"/>
+                </a:solidFill>
+              </a:ln>
+            </a:endParaRPr>
+          </a:p>
+        </p:txBody>
+      </p:sp>
+      <p:sp>
+        <p:nvSpPr>
+          <p:cNvPr id="102" name="円/楕円 101"/>
+          <p:cNvSpPr/>
+          <p:nvPr/>
+        </p:nvSpPr>
+        <p:spPr>
+          <a:xfrm>
+            <a:off x="7096752" y="2566831"/>
+            <a:ext cx="216000" cy="216000"/>
+          </a:xfrm>
+          <a:prstGeom prst="ellipse">
+            <a:avLst/>
+          </a:prstGeom>
+          <a:solidFill>
+            <a:schemeClr val="bg1"/>
+          </a:solidFill>
+          <a:ln>
+            <a:solidFill>
+              <a:schemeClr val="tx1">
+                <a:lumMod val="95000"/>
+                <a:lumOff val="5000"/>
+              </a:schemeClr>
+            </a:solidFill>
+          </a:ln>
+        </p:spPr>
+        <p:style>
+          <a:lnRef idx="1">
+            <a:schemeClr val="accent4"/>
+          </a:lnRef>
+          <a:fillRef idx="3">
+            <a:schemeClr val="accent4"/>
+          </a:fillRef>
+          <a:effectRef idx="2">
+            <a:schemeClr val="accent4"/>
+          </a:effectRef>
+          <a:fontRef idx="minor">
+            <a:schemeClr val="lt1"/>
+          </a:fontRef>
+        </p:style>
+        <p:txBody>
+          <a:bodyPr rtlCol="0" anchor="ctr"/>
+          <a:lstStyle/>
+          <a:p>
+            <a:pPr algn="ctr"/>
+            <a:endParaRPr kumimoji="1" lang="ja-JP" altLang="en-US">
+              <a:ln>
+                <a:solidFill>
+                  <a:sysClr val="windowText" lastClr="000000"/>
+                </a:solidFill>
+              </a:ln>
+            </a:endParaRPr>
+          </a:p>
+        </p:txBody>
+      </p:sp>
+      <p:sp>
+        <p:nvSpPr>
+          <p:cNvPr id="103" name="円/楕円 102"/>
+          <p:cNvSpPr/>
+          <p:nvPr/>
+        </p:nvSpPr>
+        <p:spPr>
+          <a:xfrm>
+            <a:off x="6686495" y="2566831"/>
+            <a:ext cx="216000" cy="216000"/>
+          </a:xfrm>
+          <a:prstGeom prst="ellipse">
+            <a:avLst/>
+          </a:prstGeom>
+          <a:solidFill>
+            <a:schemeClr val="bg1"/>
+          </a:solidFill>
+          <a:ln>
+            <a:solidFill>
+              <a:schemeClr val="tx1">
+                <a:lumMod val="95000"/>
+                <a:lumOff val="5000"/>
+              </a:schemeClr>
+            </a:solidFill>
+          </a:ln>
+        </p:spPr>
+        <p:style>
+          <a:lnRef idx="1">
+            <a:schemeClr val="accent4"/>
+          </a:lnRef>
+          <a:fillRef idx="3">
+            <a:schemeClr val="accent4"/>
+          </a:fillRef>
+          <a:effectRef idx="2">
+            <a:schemeClr val="accent4"/>
+          </a:effectRef>
+          <a:fontRef idx="minor">
+            <a:schemeClr val="lt1"/>
+          </a:fontRef>
+        </p:style>
+        <p:txBody>
+          <a:bodyPr rtlCol="0" anchor="ctr"/>
+          <a:lstStyle/>
+          <a:p>
+            <a:pPr algn="ctr"/>
+            <a:endParaRPr kumimoji="1" lang="ja-JP" altLang="en-US">
+              <a:ln>
+                <a:solidFill>
+                  <a:sysClr val="windowText" lastClr="000000"/>
+                </a:solidFill>
+              </a:ln>
+            </a:endParaRPr>
+          </a:p>
+        </p:txBody>
+      </p:sp>
+      <p:sp>
+        <p:nvSpPr>
+          <p:cNvPr id="104" name="円/楕円 103"/>
+          <p:cNvSpPr/>
+          <p:nvPr/>
+        </p:nvSpPr>
+        <p:spPr>
+          <a:xfrm>
+            <a:off x="6263475" y="2566831"/>
+            <a:ext cx="216000" cy="216000"/>
+          </a:xfrm>
+          <a:prstGeom prst="ellipse">
+            <a:avLst/>
+          </a:prstGeom>
+          <a:solidFill>
+            <a:schemeClr val="bg1"/>
+          </a:solidFill>
+          <a:ln>
+            <a:solidFill>
+              <a:schemeClr val="tx1">
+                <a:lumMod val="95000"/>
+                <a:lumOff val="5000"/>
+              </a:schemeClr>
+            </a:solidFill>
+          </a:ln>
+        </p:spPr>
+        <p:style>
+          <a:lnRef idx="1">
+            <a:schemeClr val="accent4"/>
+          </a:lnRef>
+          <a:fillRef idx="3">
+            <a:schemeClr val="accent4"/>
+          </a:fillRef>
+          <a:effectRef idx="2">
+            <a:schemeClr val="accent4"/>
+          </a:effectRef>
+          <a:fontRef idx="minor">
+            <a:schemeClr val="lt1"/>
+          </a:fontRef>
+        </p:style>
+        <p:txBody>
+          <a:bodyPr rtlCol="0" anchor="ctr"/>
+          <a:lstStyle/>
+          <a:p>
+            <a:pPr algn="ctr"/>
+            <a:endParaRPr kumimoji="1" lang="ja-JP" altLang="en-US">
+              <a:ln>
+                <a:solidFill>
+                  <a:sysClr val="windowText" lastClr="000000"/>
+                </a:solidFill>
+              </a:ln>
+            </a:endParaRPr>
+          </a:p>
+        </p:txBody>
+      </p:sp>
+      <p:sp>
+        <p:nvSpPr>
+          <p:cNvPr id="127" name="コンテンツ プレースホルダー 2"/>
+          <p:cNvSpPr txBox="1">
+            <a:spLocks/>
+          </p:cNvSpPr>
+          <p:nvPr/>
+        </p:nvSpPr>
+        <p:spPr>
+          <a:xfrm>
+            <a:off x="822959" y="742250"/>
+            <a:ext cx="7543801" cy="559102"/>
+          </a:xfrm>
+          <a:prstGeom prst="rect">
+            <a:avLst/>
+          </a:prstGeom>
+        </p:spPr>
+        <p:txBody>
+          <a:bodyPr vert="horz" lIns="0" tIns="45720" rIns="0" bIns="45720" rtlCol="0">
+            <a:normAutofit/>
+          </a:bodyPr>
+          <a:lstStyle>
+            <a:lvl1pPr marL="0" indent="0" algn="l" defTabSz="914400" rtl="0" eaLnBrk="1" latinLnBrk="0" hangingPunct="1">
+              <a:lnSpc>
+                <a:spcPct val="90000"/>
+              </a:lnSpc>
+              <a:spcBef>
+                <a:spcPts val="1000"/>
+              </a:spcBef>
+              <a:buFont typeface="Arial" panose="020B0604020202020204" pitchFamily="34" charset="0"/>
+              <a:buNone/>
+              <a:defRPr kumimoji="1" sz="2800" kern="1200">
+                <a:solidFill>
+                  <a:schemeClr val="tx1"/>
+                </a:solidFill>
+                <a:latin typeface="+mn-lt"/>
+                <a:ea typeface="+mn-ea"/>
+                <a:cs typeface="+mn-cs"/>
+              </a:defRPr>
+            </a:lvl1pPr>
+            <a:lvl2pPr marL="457200" indent="0" algn="l" defTabSz="914400" rtl="0" eaLnBrk="1" latinLnBrk="0" hangingPunct="1">
+              <a:lnSpc>
+                <a:spcPct val="90000"/>
+              </a:lnSpc>
+              <a:spcBef>
+                <a:spcPts val="500"/>
+              </a:spcBef>
+              <a:buFont typeface="Arial" panose="020B0604020202020204" pitchFamily="34" charset="0"/>
+              <a:buNone/>
+              <a:defRPr kumimoji="1" sz="2400" kern="1200">
+                <a:solidFill>
+                  <a:schemeClr val="tx1"/>
+                </a:solidFill>
+                <a:latin typeface="+mn-lt"/>
+                <a:ea typeface="+mn-ea"/>
+                <a:cs typeface="+mn-cs"/>
+              </a:defRPr>
+            </a:lvl2pPr>
+            <a:lvl3pPr marL="914400" indent="0" algn="l" defTabSz="914400" rtl="0" eaLnBrk="1" latinLnBrk="0" hangingPunct="1">
+              <a:lnSpc>
+                <a:spcPct val="90000"/>
+              </a:lnSpc>
+              <a:spcBef>
+                <a:spcPts val="500"/>
+              </a:spcBef>
+              <a:buFont typeface="Arial" panose="020B0604020202020204" pitchFamily="34" charset="0"/>
+              <a:buNone/>
+              <a:defRPr kumimoji="1" sz="2000" kern="1200">
+                <a:solidFill>
+                  <a:schemeClr val="tx1"/>
+                </a:solidFill>
+                <a:latin typeface="+mn-lt"/>
+                <a:ea typeface="+mn-ea"/>
+                <a:cs typeface="+mn-cs"/>
+              </a:defRPr>
+            </a:lvl3pPr>
+            <a:lvl4pPr marL="1371600" indent="0" algn="l" defTabSz="914400" rtl="0" eaLnBrk="1" latinLnBrk="0" hangingPunct="1">
+              <a:lnSpc>
+                <a:spcPct val="90000"/>
+              </a:lnSpc>
+              <a:spcBef>
+                <a:spcPts val="500"/>
+              </a:spcBef>
+              <a:buFont typeface="Arial" panose="020B0604020202020204" pitchFamily="34" charset="0"/>
+              <a:buNone/>
+              <a:defRPr kumimoji="1" sz="1800" kern="1200">
+                <a:solidFill>
+                  <a:schemeClr val="tx1"/>
+                </a:solidFill>
+                <a:latin typeface="+mn-lt"/>
+                <a:ea typeface="+mn-ea"/>
+                <a:cs typeface="+mn-cs"/>
+              </a:defRPr>
+            </a:lvl4pPr>
+            <a:lvl5pPr marL="1828800" indent="0" algn="l" defTabSz="914400" rtl="0" eaLnBrk="1" latinLnBrk="0" hangingPunct="1">
+              <a:lnSpc>
+                <a:spcPct val="90000"/>
+              </a:lnSpc>
+              <a:spcBef>
+                <a:spcPts val="500"/>
+              </a:spcBef>
+              <a:buFont typeface="Arial" panose="020B0604020202020204" pitchFamily="34" charset="0"/>
+              <a:buNone/>
+              <a:defRPr kumimoji="1" sz="1800" kern="1200">
+                <a:solidFill>
+                  <a:schemeClr val="tx1"/>
+                </a:solidFill>
+                <a:latin typeface="+mn-lt"/>
+                <a:ea typeface="+mn-ea"/>
+                <a:cs typeface="+mn-cs"/>
+              </a:defRPr>
+            </a:lvl5pPr>
+            <a:lvl6pPr marL="2514600" indent="-228600" algn="l" defTabSz="914400" rtl="0" eaLnBrk="1" latinLnBrk="0" hangingPunct="1">
+              <a:lnSpc>
+                <a:spcPct val="90000"/>
+              </a:lnSpc>
+              <a:spcBef>
+                <a:spcPts val="500"/>
+              </a:spcBef>
+              <a:buFont typeface="Arial" panose="020B0604020202020204" pitchFamily="34" charset="0"/>
+              <a:buChar char="•"/>
+              <a:defRPr kumimoji="1" sz="1800" kern="1200">
+                <a:solidFill>
+                  <a:schemeClr val="tx1"/>
+                </a:solidFill>
+                <a:latin typeface="+mn-lt"/>
+                <a:ea typeface="+mn-ea"/>
+                <a:cs typeface="+mn-cs"/>
+              </a:defRPr>
+            </a:lvl6pPr>
+            <a:lvl7pPr marL="2971800" indent="-228600" algn="l" defTabSz="914400" rtl="0" eaLnBrk="1" latinLnBrk="0" hangingPunct="1">
+              <a:lnSpc>
+                <a:spcPct val="90000"/>
+              </a:lnSpc>
+              <a:spcBef>
+                <a:spcPts val="500"/>
+              </a:spcBef>
+              <a:buFont typeface="Arial" panose="020B0604020202020204" pitchFamily="34" charset="0"/>
+              <a:buChar char="•"/>
+              <a:defRPr kumimoji="1" sz="1800" kern="1200">
+                <a:solidFill>
+                  <a:schemeClr val="tx1"/>
+                </a:solidFill>
+                <a:latin typeface="+mn-lt"/>
+                <a:ea typeface="+mn-ea"/>
+                <a:cs typeface="+mn-cs"/>
+              </a:defRPr>
+            </a:lvl7pPr>
+            <a:lvl8pPr marL="3429000" indent="-228600" algn="l" defTabSz="914400" rtl="0" eaLnBrk="1" latinLnBrk="0" hangingPunct="1">
+              <a:lnSpc>
+                <a:spcPct val="90000"/>
+              </a:lnSpc>
+              <a:spcBef>
+                <a:spcPts val="500"/>
+              </a:spcBef>
+              <a:buFont typeface="Arial" panose="020B0604020202020204" pitchFamily="34" charset="0"/>
+              <a:buChar char="•"/>
+              <a:defRPr kumimoji="1" sz="1800" kern="1200">
+                <a:solidFill>
+                  <a:schemeClr val="tx1"/>
+                </a:solidFill>
+                <a:latin typeface="+mn-lt"/>
+                <a:ea typeface="+mn-ea"/>
+                <a:cs typeface="+mn-cs"/>
+              </a:defRPr>
+            </a:lvl8pPr>
+            <a:lvl9pPr marL="3886200" indent="-228600" algn="l" defTabSz="914400" rtl="0" eaLnBrk="1" latinLnBrk="0" hangingPunct="1">
+              <a:lnSpc>
+                <a:spcPct val="90000"/>
+              </a:lnSpc>
+              <a:spcBef>
+                <a:spcPts val="500"/>
+              </a:spcBef>
+              <a:buFont typeface="Arial" panose="020B0604020202020204" pitchFamily="34" charset="0"/>
+              <a:buChar char="•"/>
+              <a:defRPr kumimoji="1" sz="1800" kern="1200">
+                <a:solidFill>
+                  <a:schemeClr val="tx1"/>
+                </a:solidFill>
+                <a:latin typeface="+mn-lt"/>
+                <a:ea typeface="+mn-ea"/>
+                <a:cs typeface="+mn-cs"/>
+              </a:defRPr>
+            </a:lvl9pPr>
+          </a:lstStyle>
+          <a:p>
+            <a:r>
+              <a:rPr lang="ja-JP" altLang="en-US" dirty="0" smtClean="0"/>
+              <a:t>それぞれの選択の数手先まで手を進める</a:t>
+            </a:r>
+            <a:endParaRPr lang="ja-JP" altLang="en-US" dirty="0"/>
+          </a:p>
+        </p:txBody>
+      </p:sp>
+      <p:sp>
+        <p:nvSpPr>
+          <p:cNvPr id="131" name="角丸四角形吹き出し 130"/>
+          <p:cNvSpPr/>
+          <p:nvPr/>
+        </p:nvSpPr>
+        <p:spPr>
+          <a:xfrm>
+            <a:off x="2270022" y="5562323"/>
+            <a:ext cx="3468305" cy="1035698"/>
+          </a:xfrm>
+          <a:prstGeom prst="wedgeRoundRectCallout">
+            <a:avLst>
+              <a:gd name="adj1" fmla="val -28051"/>
+              <a:gd name="adj2" fmla="val -70833"/>
+              <a:gd name="adj3" fmla="val 16667"/>
+            </a:avLst>
+          </a:prstGeom>
+        </p:spPr>
+        <p:style>
+          <a:lnRef idx="2">
+            <a:schemeClr val="accent1">
+              <a:shade val="50000"/>
+            </a:schemeClr>
+          </a:lnRef>
+          <a:fillRef idx="1">
+            <a:schemeClr val="accent1"/>
+          </a:fillRef>
+          <a:effectRef idx="0">
+            <a:schemeClr val="accent1"/>
+          </a:effectRef>
+          <a:fontRef idx="minor">
+            <a:schemeClr val="lt1"/>
+          </a:fontRef>
+        </p:style>
+        <p:txBody>
+          <a:bodyPr rtlCol="0" anchor="ctr"/>
+          <a:lstStyle/>
+          <a:p>
+            <a:pPr algn="ctr"/>
+            <a:r>
+              <a:rPr kumimoji="1" lang="ja-JP" altLang="en-US" sz="2800" dirty="0" smtClean="0"/>
+              <a:t>本当にこの基準が良いのかわからない</a:t>
+            </a:r>
+            <a:endParaRPr kumimoji="1" lang="ja-JP" altLang="en-US" sz="2800" dirty="0"/>
           </a:p>
         </p:txBody>
       </p:sp>
@@ -9289,6 +14105,145 @@
   <p:clrMapOvr>
     <a:masterClrMapping/>
   </p:clrMapOvr>
+  <p:timing>
+    <p:tnLst>
+      <p:par>
+        <p:cTn id="1" dur="indefinite" restart="never" nodeType="tmRoot">
+          <p:childTnLst>
+            <p:seq concurrent="1" nextAc="seek">
+              <p:cTn id="2" dur="indefinite" nodeType="mainSeq">
+                <p:childTnLst>
+                  <p:par>
+                    <p:cTn id="3" fill="hold">
+                      <p:stCondLst>
+                        <p:cond delay="indefinite"/>
+                      </p:stCondLst>
+                      <p:childTnLst>
+                        <p:par>
+                          <p:cTn id="4" fill="hold">
+                            <p:stCondLst>
+                              <p:cond delay="0"/>
+                            </p:stCondLst>
+                            <p:childTnLst>
+                              <p:par>
+                                <p:cTn id="5" presetID="22" presetClass="entr" presetSubtype="1" fill="hold" nodeType="clickEffect">
+                                  <p:stCondLst>
+                                    <p:cond delay="0"/>
+                                  </p:stCondLst>
+                                  <p:childTnLst>
+                                    <p:set>
+                                      <p:cBhvr>
+                                        <p:cTn id="6" dur="1" fill="hold">
+                                          <p:stCondLst>
+                                            <p:cond delay="0"/>
+                                          </p:stCondLst>
+                                        </p:cTn>
+                                        <p:tgtEl>
+                                          <p:spTgt spid="7"/>
+                                        </p:tgtEl>
+                                        <p:attrNameLst>
+                                          <p:attrName>style.visibility</p:attrName>
+                                        </p:attrNameLst>
+                                      </p:cBhvr>
+                                      <p:to>
+                                        <p:strVal val="visible"/>
+                                      </p:to>
+                                    </p:set>
+                                    <p:animEffect transition="in" filter="wipe(up)">
+                                      <p:cBhvr>
+                                        <p:cTn id="7" dur="500"/>
+                                        <p:tgtEl>
+                                          <p:spTgt spid="7"/>
+                                        </p:tgtEl>
+                                      </p:cBhvr>
+                                    </p:animEffect>
+                                  </p:childTnLst>
+                                </p:cTn>
+                              </p:par>
+                            </p:childTnLst>
+                          </p:cTn>
+                        </p:par>
+                      </p:childTnLst>
+                    </p:cTn>
+                  </p:par>
+                  <p:par>
+                    <p:cTn id="8" fill="hold">
+                      <p:stCondLst>
+                        <p:cond delay="indefinite"/>
+                      </p:stCondLst>
+                      <p:childTnLst>
+                        <p:par>
+                          <p:cTn id="9" fill="hold">
+                            <p:stCondLst>
+                              <p:cond delay="0"/>
+                            </p:stCondLst>
+                            <p:childTnLst>
+                              <p:par>
+                                <p:cTn id="10" presetID="16" presetClass="entr" presetSubtype="21" fill="hold" grpId="0" nodeType="clickEffect">
+                                  <p:stCondLst>
+                                    <p:cond delay="0"/>
+                                  </p:stCondLst>
+                                  <p:childTnLst>
+                                    <p:set>
+                                      <p:cBhvr>
+                                        <p:cTn id="11" dur="1" fill="hold">
+                                          <p:stCondLst>
+                                            <p:cond delay="0"/>
+                                          </p:stCondLst>
+                                        </p:cTn>
+                                        <p:tgtEl>
+                                          <p:spTgt spid="14"/>
+                                        </p:tgtEl>
+                                        <p:attrNameLst>
+                                          <p:attrName>style.visibility</p:attrName>
+                                        </p:attrNameLst>
+                                      </p:cBhvr>
+                                      <p:to>
+                                        <p:strVal val="visible"/>
+                                      </p:to>
+                                    </p:set>
+                                    <p:animEffect transition="in" filter="barn(inVertical)">
+                                      <p:cBhvr>
+                                        <p:cTn id="12" dur="500"/>
+                                        <p:tgtEl>
+                                          <p:spTgt spid="14"/>
+                                        </p:tgtEl>
+                                      </p:cBhvr>
+                                    </p:animEffect>
+                                  </p:childTnLst>
+                                </p:cTn>
+                              </p:par>
+                            </p:childTnLst>
+                          </p:cTn>
+                        </p:par>
+                      </p:childTnLst>
+                    </p:cTn>
+                  </p:par>
+                </p:childTnLst>
+              </p:cTn>
+              <p:prevCondLst>
+                <p:cond evt="onPrev" delay="0">
+                  <p:tgtEl>
+                    <p:sldTgt/>
+                  </p:tgtEl>
+                </p:cond>
+              </p:prevCondLst>
+              <p:nextCondLst>
+                <p:cond evt="onNext" delay="0">
+                  <p:tgtEl>
+                    <p:sldTgt/>
+                  </p:tgtEl>
+                </p:cond>
+              </p:nextCondLst>
+            </p:seq>
+          </p:childTnLst>
+        </p:cTn>
+      </p:par>
+    </p:tnLst>
+    <p:bldLst>
+      <p:bldP spid="14" grpId="0" animBg="1"/>
+    </p:bldLst>
+  </p:timing>
 </p:sld>
 </file>
 
@@ -9405,6 +14360,13 @@
   <p:clrMapOvr>
     <a:masterClrMapping/>
   </p:clrMapOvr>
+  <p:timing>
+    <p:tnLst>
+      <p:par>
+        <p:cTn id="1" dur="indefinite" restart="never" nodeType="tmRoot"/>
+      </p:par>
+    </p:tnLst>
+  </p:timing>
 </p:sld>
 </file>
 

--- a/中間発表.pptx
+++ b/中間発表.pptx
@@ -5105,7 +5105,21 @@
           <a:prstGeom prst="ellipse">
             <a:avLst/>
           </a:prstGeom>
-          <a:ln/>
+          <a:ln>
+            <a:solidFill>
+              <a:schemeClr val="tx1"/>
+            </a:solidFill>
+          </a:ln>
+          <a:effectLst/>
+          <a:scene3d>
+            <a:camera prst="orthographicFront">
+              <a:rot lat="0" lon="0" rev="0"/>
+            </a:camera>
+            <a:lightRig rig="twoPt" dir="t">
+              <a:rot lat="0" lon="0" rev="4800000"/>
+            </a:lightRig>
+          </a:scene3d>
+          <a:sp3d prstMaterial="matte"/>
         </p:spPr>
         <p:style>
           <a:lnRef idx="1">
@@ -5150,7 +5164,24 @@
           <a:prstGeom prst="ellipse">
             <a:avLst/>
           </a:prstGeom>
-          <a:ln/>
+          <a:solidFill>
+            <a:schemeClr val="accent1"/>
+          </a:solidFill>
+          <a:ln>
+            <a:solidFill>
+              <a:schemeClr val="tx1"/>
+            </a:solidFill>
+          </a:ln>
+          <a:effectLst/>
+          <a:scene3d>
+            <a:camera prst="orthographicFront">
+              <a:rot lat="0" lon="0" rev="0"/>
+            </a:camera>
+            <a:lightRig rig="twoPt" dir="t">
+              <a:rot lat="0" lon="0" rev="4800000"/>
+            </a:lightRig>
+          </a:scene3d>
+          <a:sp3d prstMaterial="matte"/>
         </p:spPr>
         <p:style>
           <a:lnRef idx="1">
@@ -5195,7 +5226,24 @@
           <a:prstGeom prst="ellipse">
             <a:avLst/>
           </a:prstGeom>
-          <a:ln/>
+          <a:solidFill>
+            <a:srgbClr val="FFFF00"/>
+          </a:solidFill>
+          <a:ln>
+            <a:solidFill>
+              <a:schemeClr val="tx1"/>
+            </a:solidFill>
+          </a:ln>
+          <a:effectLst/>
+          <a:scene3d>
+            <a:camera prst="orthographicFront">
+              <a:rot lat="0" lon="0" rev="0"/>
+            </a:camera>
+            <a:lightRig rig="twoPt" dir="t">
+              <a:rot lat="0" lon="0" rev="4800000"/>
+            </a:lightRig>
+          </a:scene3d>
+          <a:sp3d prstMaterial="matte"/>
         </p:spPr>
         <p:style>
           <a:lnRef idx="1">
@@ -5240,7 +5288,24 @@
           <a:prstGeom prst="ellipse">
             <a:avLst/>
           </a:prstGeom>
-          <a:ln/>
+          <a:solidFill>
+            <a:schemeClr val="accent2"/>
+          </a:solidFill>
+          <a:ln>
+            <a:solidFill>
+              <a:schemeClr val="tx1"/>
+            </a:solidFill>
+          </a:ln>
+          <a:effectLst/>
+          <a:scene3d>
+            <a:camera prst="orthographicFront">
+              <a:rot lat="0" lon="0" rev="0"/>
+            </a:camera>
+            <a:lightRig rig="twoPt" dir="t">
+              <a:rot lat="0" lon="0" rev="4800000"/>
+            </a:lightRig>
+          </a:scene3d>
+          <a:sp3d prstMaterial="matte"/>
         </p:spPr>
         <p:style>
           <a:lnRef idx="1">
@@ -6715,141 +6780,9 @@
   <p:timing>
     <p:tnLst>
       <p:par>
-        <p:cTn id="1" dur="indefinite" restart="never" nodeType="tmRoot">
-          <p:childTnLst>
-            <p:seq concurrent="1" nextAc="seek">
-              <p:cTn id="2" dur="indefinite" nodeType="mainSeq">
-                <p:childTnLst>
-                  <p:par>
-                    <p:cTn id="3" fill="hold">
-                      <p:stCondLst>
-                        <p:cond delay="indefinite"/>
-                      </p:stCondLst>
-                      <p:childTnLst>
-                        <p:par>
-                          <p:cTn id="4" fill="hold">
-                            <p:stCondLst>
-                              <p:cond delay="0"/>
-                            </p:stCondLst>
-                            <p:childTnLst>
-                              <p:par>
-                                <p:cTn id="5" presetID="22" presetClass="entr" presetSubtype="1" fill="hold" nodeType="clickEffect">
-                                  <p:stCondLst>
-                                    <p:cond delay="0"/>
-                                  </p:stCondLst>
-                                  <p:childTnLst>
-                                    <p:set>
-                                      <p:cBhvr>
-                                        <p:cTn id="6" dur="1" fill="hold">
-                                          <p:stCondLst>
-                                            <p:cond delay="0"/>
-                                          </p:stCondLst>
-                                        </p:cTn>
-                                        <p:tgtEl>
-                                          <p:spTgt spid="15"/>
-                                        </p:tgtEl>
-                                        <p:attrNameLst>
-                                          <p:attrName>style.visibility</p:attrName>
-                                        </p:attrNameLst>
-                                      </p:cBhvr>
-                                      <p:to>
-                                        <p:strVal val="visible"/>
-                                      </p:to>
-                                    </p:set>
-                                    <p:animEffect transition="in" filter="wipe(up)">
-                                      <p:cBhvr>
-                                        <p:cTn id="7" dur="500"/>
-                                        <p:tgtEl>
-                                          <p:spTgt spid="15"/>
-                                        </p:tgtEl>
-                                      </p:cBhvr>
-                                    </p:animEffect>
-                                  </p:childTnLst>
-                                </p:cTn>
-                              </p:par>
-                            </p:childTnLst>
-                          </p:cTn>
-                        </p:par>
-                      </p:childTnLst>
-                    </p:cTn>
-                  </p:par>
-                  <p:par>
-                    <p:cTn id="8" fill="hold">
-                      <p:stCondLst>
-                        <p:cond delay="indefinite"/>
-                      </p:stCondLst>
-                      <p:childTnLst>
-                        <p:par>
-                          <p:cTn id="9" fill="hold">
-                            <p:stCondLst>
-                              <p:cond delay="0"/>
-                            </p:stCondLst>
-                            <p:childTnLst>
-                              <p:par>
-                                <p:cTn id="10" presetID="16" presetClass="entr" presetSubtype="21" fill="hold" grpId="0" nodeType="clickEffect">
-                                  <p:stCondLst>
-                                    <p:cond delay="0"/>
-                                  </p:stCondLst>
-                                  <p:childTnLst>
-                                    <p:set>
-                                      <p:cBhvr>
-                                        <p:cTn id="11" dur="1" fill="hold">
-                                          <p:stCondLst>
-                                            <p:cond delay="0"/>
-                                          </p:stCondLst>
-                                        </p:cTn>
-                                        <p:tgtEl>
-                                          <p:spTgt spid="31"/>
-                                        </p:tgtEl>
-                                        <p:attrNameLst>
-                                          <p:attrName>style.visibility</p:attrName>
-                                        </p:attrNameLst>
-                                      </p:cBhvr>
-                                      <p:to>
-                                        <p:strVal val="visible"/>
-                                      </p:to>
-                                    </p:set>
-                                    <p:animEffect transition="in" filter="barn(inVertical)">
-                                      <p:cBhvr>
-                                        <p:cTn id="12" dur="500"/>
-                                        <p:tgtEl>
-                                          <p:spTgt spid="31"/>
-                                        </p:tgtEl>
-                                      </p:cBhvr>
-                                    </p:animEffect>
-                                  </p:childTnLst>
-                                </p:cTn>
-                              </p:par>
-                            </p:childTnLst>
-                          </p:cTn>
-                        </p:par>
-                      </p:childTnLst>
-                    </p:cTn>
-                  </p:par>
-                </p:childTnLst>
-              </p:cTn>
-              <p:prevCondLst>
-                <p:cond evt="onPrev" delay="0">
-                  <p:tgtEl>
-                    <p:sldTgt/>
-                  </p:tgtEl>
-                </p:cond>
-              </p:prevCondLst>
-              <p:nextCondLst>
-                <p:cond evt="onNext" delay="0">
-                  <p:tgtEl>
-                    <p:sldTgt/>
-                  </p:tgtEl>
-                </p:cond>
-              </p:nextCondLst>
-            </p:seq>
-          </p:childTnLst>
-        </p:cTn>
+        <p:cTn id="1" dur="indefinite" restart="never" nodeType="tmRoot"/>
       </p:par>
     </p:tnLst>
-    <p:bldLst>
-      <p:bldP spid="31" grpId="0" animBg="1"/>
-    </p:bldLst>
   </p:timing>
 </p:sld>
 </file>
@@ -7244,7 +7177,21 @@
           <a:prstGeom prst="ellipse">
             <a:avLst/>
           </a:prstGeom>
-          <a:ln/>
+          <a:ln>
+            <a:solidFill>
+              <a:schemeClr val="tx1"/>
+            </a:solidFill>
+          </a:ln>
+          <a:effectLst/>
+          <a:scene3d>
+            <a:camera prst="orthographicFront">
+              <a:rot lat="0" lon="0" rev="0"/>
+            </a:camera>
+            <a:lightRig rig="twoPt" dir="t">
+              <a:rot lat="0" lon="0" rev="4800000"/>
+            </a:lightRig>
+          </a:scene3d>
+          <a:sp3d prstMaterial="matte"/>
         </p:spPr>
         <p:style>
           <a:lnRef idx="1">
@@ -7289,7 +7236,24 @@
           <a:prstGeom prst="ellipse">
             <a:avLst/>
           </a:prstGeom>
-          <a:ln/>
+          <a:solidFill>
+            <a:schemeClr val="accent1"/>
+          </a:solidFill>
+          <a:ln>
+            <a:solidFill>
+              <a:schemeClr val="tx1"/>
+            </a:solidFill>
+          </a:ln>
+          <a:effectLst/>
+          <a:scene3d>
+            <a:camera prst="orthographicFront">
+              <a:rot lat="0" lon="0" rev="0"/>
+            </a:camera>
+            <a:lightRig rig="twoPt" dir="t">
+              <a:rot lat="0" lon="0" rev="4800000"/>
+            </a:lightRig>
+          </a:scene3d>
+          <a:sp3d prstMaterial="matte"/>
         </p:spPr>
         <p:style>
           <a:lnRef idx="1">
@@ -7334,7 +7298,24 @@
           <a:prstGeom prst="ellipse">
             <a:avLst/>
           </a:prstGeom>
-          <a:ln/>
+          <a:solidFill>
+            <a:srgbClr val="FFFF00"/>
+          </a:solidFill>
+          <a:ln>
+            <a:solidFill>
+              <a:schemeClr val="tx1"/>
+            </a:solidFill>
+          </a:ln>
+          <a:effectLst/>
+          <a:scene3d>
+            <a:camera prst="orthographicFront">
+              <a:rot lat="0" lon="0" rev="0"/>
+            </a:camera>
+            <a:lightRig rig="twoPt" dir="t">
+              <a:rot lat="0" lon="0" rev="4800000"/>
+            </a:lightRig>
+          </a:scene3d>
+          <a:sp3d prstMaterial="matte"/>
         </p:spPr>
         <p:style>
           <a:lnRef idx="1">
@@ -7379,7 +7360,24 @@
           <a:prstGeom prst="ellipse">
             <a:avLst/>
           </a:prstGeom>
-          <a:ln/>
+          <a:solidFill>
+            <a:schemeClr val="accent2"/>
+          </a:solidFill>
+          <a:ln>
+            <a:solidFill>
+              <a:schemeClr val="tx1"/>
+            </a:solidFill>
+          </a:ln>
+          <a:effectLst/>
+          <a:scene3d>
+            <a:camera prst="orthographicFront">
+              <a:rot lat="0" lon="0" rev="0"/>
+            </a:camera>
+            <a:lightRig rig="twoPt" dir="t">
+              <a:rot lat="0" lon="0" rev="4800000"/>
+            </a:lightRig>
+          </a:scene3d>
+          <a:sp3d prstMaterial="matte"/>
         </p:spPr>
         <p:style>
           <a:lnRef idx="1">
@@ -9148,11 +9146,7 @@
             </a:pPr>
             <a:r>
               <a:rPr lang="ja-JP" altLang="en-US" dirty="0" smtClean="0"/>
-              <a:t>モンテカルロ法の改善アルゴリズムを応用して強くなるか確かめて</a:t>
-            </a:r>
-            <a:r>
-              <a:rPr lang="ja-JP" altLang="en-US" dirty="0" smtClean="0"/>
-              <a:t>みる</a:t>
+              <a:t>モンテカルロ法の改善アルゴリズムを応用して強くなるか確かめてみる</a:t>
             </a:r>
             <a:endParaRPr lang="en-US" altLang="ja-JP" dirty="0"/>
           </a:p>
@@ -9396,8 +9390,52 @@
         </p:nvSpPr>
         <p:spPr>
           <a:xfrm>
-            <a:off x="401217" y="2575249"/>
-            <a:ext cx="4254760" cy="3928188"/>
+            <a:off x="274859" y="2286000"/>
+            <a:ext cx="4320000" cy="4320000"/>
+          </a:xfrm>
+          <a:prstGeom prst="rect">
+            <a:avLst/>
+          </a:prstGeom>
+        </p:spPr>
+        <p:style>
+          <a:lnRef idx="2">
+            <a:schemeClr val="accent1">
+              <a:shade val="50000"/>
+            </a:schemeClr>
+          </a:lnRef>
+          <a:fillRef idx="1">
+            <a:schemeClr val="accent1"/>
+          </a:fillRef>
+          <a:effectRef idx="0">
+            <a:schemeClr val="accent1"/>
+          </a:effectRef>
+          <a:fontRef idx="minor">
+            <a:schemeClr val="lt1"/>
+          </a:fontRef>
+        </p:style>
+        <p:txBody>
+          <a:bodyPr rtlCol="0" anchor="ctr"/>
+          <a:lstStyle/>
+          <a:p>
+            <a:pPr algn="ctr"/>
+            <a:r>
+              <a:rPr kumimoji="1" lang="ja-JP" altLang="en-US" dirty="0" smtClean="0"/>
+              <a:t>図とアニメーション</a:t>
+            </a:r>
+            <a:endParaRPr kumimoji="1" lang="ja-JP" altLang="en-US" dirty="0"/>
+          </a:p>
+        </p:txBody>
+      </p:sp>
+      <p:sp>
+        <p:nvSpPr>
+          <p:cNvPr id="6" name="正方形/長方形 5"/>
+          <p:cNvSpPr/>
+          <p:nvPr/>
+        </p:nvSpPr>
+        <p:spPr>
+          <a:xfrm>
+            <a:off x="274859" y="2286000"/>
+            <a:ext cx="1440000" cy="1440000"/>
           </a:xfrm>
           <a:prstGeom prst="rect">
             <a:avLst/>
@@ -11450,12 +11488,15 @@
         </p:nvSpPr>
         <p:spPr>
           <a:xfrm>
-            <a:off x="1099457" y="3099513"/>
-            <a:ext cx="3340359" cy="3209730"/>
+            <a:off x="567609" y="2857500"/>
+            <a:ext cx="3600000" cy="3600000"/>
           </a:xfrm>
           <a:prstGeom prst="rect">
             <a:avLst/>
           </a:prstGeom>
+          <a:ln>
+            <a:noFill/>
+          </a:ln>
         </p:spPr>
         <p:style>
           <a:lnRef idx="2">
@@ -11516,6 +11557,1138 @@
               <a:rPr kumimoji="1" lang="ja-JP" altLang="en-US" dirty="0" smtClean="0"/>
               <a:t>ただし相手の色に変えることはできない</a:t>
             </a:r>
+            <a:endParaRPr kumimoji="1" lang="ja-JP" altLang="en-US" dirty="0"/>
+          </a:p>
+        </p:txBody>
+      </p:sp>
+      <p:sp>
+        <p:nvSpPr>
+          <p:cNvPr id="7" name="正方形/長方形 6"/>
+          <p:cNvSpPr/>
+          <p:nvPr/>
+        </p:nvSpPr>
+        <p:spPr>
+          <a:xfrm>
+            <a:off x="567609" y="2857500"/>
+            <a:ext cx="720000" cy="720000"/>
+          </a:xfrm>
+          <a:prstGeom prst="rect">
+            <a:avLst/>
+          </a:prstGeom>
+          <a:solidFill>
+            <a:srgbClr val="7030A0"/>
+          </a:solidFill>
+          <a:ln>
+            <a:noFill/>
+          </a:ln>
+        </p:spPr>
+        <p:style>
+          <a:lnRef idx="2">
+            <a:schemeClr val="accent1">
+              <a:shade val="50000"/>
+            </a:schemeClr>
+          </a:lnRef>
+          <a:fillRef idx="1">
+            <a:schemeClr val="accent1"/>
+          </a:fillRef>
+          <a:effectRef idx="0">
+            <a:schemeClr val="accent1"/>
+          </a:effectRef>
+          <a:fontRef idx="minor">
+            <a:schemeClr val="lt1"/>
+          </a:fontRef>
+        </p:style>
+        <p:txBody>
+          <a:bodyPr rtlCol="0" anchor="ctr"/>
+          <a:lstStyle/>
+          <a:p>
+            <a:pPr algn="ctr"/>
+            <a:endParaRPr kumimoji="1" lang="ja-JP" altLang="en-US" dirty="0"/>
+          </a:p>
+        </p:txBody>
+      </p:sp>
+      <p:sp>
+        <p:nvSpPr>
+          <p:cNvPr id="8" name="正方形/長方形 7"/>
+          <p:cNvSpPr/>
+          <p:nvPr/>
+        </p:nvSpPr>
+        <p:spPr>
+          <a:xfrm>
+            <a:off x="1287609" y="2857500"/>
+            <a:ext cx="720000" cy="720000"/>
+          </a:xfrm>
+          <a:prstGeom prst="rect">
+            <a:avLst/>
+          </a:prstGeom>
+          <a:solidFill>
+            <a:schemeClr val="accent1"/>
+          </a:solidFill>
+          <a:ln>
+            <a:noFill/>
+          </a:ln>
+        </p:spPr>
+        <p:style>
+          <a:lnRef idx="2">
+            <a:schemeClr val="accent1">
+              <a:shade val="50000"/>
+            </a:schemeClr>
+          </a:lnRef>
+          <a:fillRef idx="1">
+            <a:schemeClr val="accent1"/>
+          </a:fillRef>
+          <a:effectRef idx="0">
+            <a:schemeClr val="accent1"/>
+          </a:effectRef>
+          <a:fontRef idx="minor">
+            <a:schemeClr val="lt1"/>
+          </a:fontRef>
+        </p:style>
+        <p:txBody>
+          <a:bodyPr rtlCol="0" anchor="ctr"/>
+          <a:lstStyle/>
+          <a:p>
+            <a:pPr algn="ctr"/>
+            <a:endParaRPr kumimoji="1" lang="ja-JP" altLang="en-US" dirty="0"/>
+          </a:p>
+        </p:txBody>
+      </p:sp>
+      <p:sp>
+        <p:nvSpPr>
+          <p:cNvPr id="11" name="正方形/長方形 10"/>
+          <p:cNvSpPr/>
+          <p:nvPr/>
+        </p:nvSpPr>
+        <p:spPr>
+          <a:xfrm>
+            <a:off x="3447609" y="2857500"/>
+            <a:ext cx="720000" cy="720000"/>
+          </a:xfrm>
+          <a:prstGeom prst="rect">
+            <a:avLst/>
+          </a:prstGeom>
+          <a:solidFill>
+            <a:srgbClr val="FFFF00"/>
+          </a:solidFill>
+          <a:ln>
+            <a:noFill/>
+          </a:ln>
+        </p:spPr>
+        <p:style>
+          <a:lnRef idx="2">
+            <a:schemeClr val="accent1">
+              <a:shade val="50000"/>
+            </a:schemeClr>
+          </a:lnRef>
+          <a:fillRef idx="1">
+            <a:schemeClr val="accent1"/>
+          </a:fillRef>
+          <a:effectRef idx="0">
+            <a:schemeClr val="accent1"/>
+          </a:effectRef>
+          <a:fontRef idx="minor">
+            <a:schemeClr val="lt1"/>
+          </a:fontRef>
+        </p:style>
+        <p:txBody>
+          <a:bodyPr rtlCol="0" anchor="ctr"/>
+          <a:lstStyle/>
+          <a:p>
+            <a:pPr algn="ctr"/>
+            <a:endParaRPr kumimoji="1" lang="ja-JP" altLang="en-US" dirty="0"/>
+          </a:p>
+        </p:txBody>
+      </p:sp>
+      <p:sp>
+        <p:nvSpPr>
+          <p:cNvPr id="12" name="正方形/長方形 11"/>
+          <p:cNvSpPr/>
+          <p:nvPr/>
+        </p:nvSpPr>
+        <p:spPr>
+          <a:xfrm>
+            <a:off x="2727609" y="2857500"/>
+            <a:ext cx="720000" cy="720000"/>
+          </a:xfrm>
+          <a:prstGeom prst="rect">
+            <a:avLst/>
+          </a:prstGeom>
+          <a:solidFill>
+            <a:srgbClr val="FF0000"/>
+          </a:solidFill>
+          <a:ln>
+            <a:noFill/>
+          </a:ln>
+        </p:spPr>
+        <p:style>
+          <a:lnRef idx="2">
+            <a:schemeClr val="accent1">
+              <a:shade val="50000"/>
+            </a:schemeClr>
+          </a:lnRef>
+          <a:fillRef idx="1">
+            <a:schemeClr val="accent1"/>
+          </a:fillRef>
+          <a:effectRef idx="0">
+            <a:schemeClr val="accent1"/>
+          </a:effectRef>
+          <a:fontRef idx="minor">
+            <a:schemeClr val="lt1"/>
+          </a:fontRef>
+        </p:style>
+        <p:txBody>
+          <a:bodyPr rtlCol="0" anchor="ctr"/>
+          <a:lstStyle/>
+          <a:p>
+            <a:pPr algn="ctr"/>
+            <a:endParaRPr kumimoji="1" lang="ja-JP" altLang="en-US" dirty="0"/>
+          </a:p>
+        </p:txBody>
+      </p:sp>
+      <p:sp>
+        <p:nvSpPr>
+          <p:cNvPr id="13" name="正方形/長方形 12"/>
+          <p:cNvSpPr/>
+          <p:nvPr/>
+        </p:nvSpPr>
+        <p:spPr>
+          <a:xfrm>
+            <a:off x="2007609" y="2857500"/>
+            <a:ext cx="720000" cy="720000"/>
+          </a:xfrm>
+          <a:prstGeom prst="rect">
+            <a:avLst/>
+          </a:prstGeom>
+          <a:solidFill>
+            <a:schemeClr val="accent6"/>
+          </a:solidFill>
+          <a:ln>
+            <a:noFill/>
+          </a:ln>
+        </p:spPr>
+        <p:style>
+          <a:lnRef idx="2">
+            <a:schemeClr val="accent1">
+              <a:shade val="50000"/>
+            </a:schemeClr>
+          </a:lnRef>
+          <a:fillRef idx="1">
+            <a:schemeClr val="accent1"/>
+          </a:fillRef>
+          <a:effectRef idx="0">
+            <a:schemeClr val="accent1"/>
+          </a:effectRef>
+          <a:fontRef idx="minor">
+            <a:schemeClr val="lt1"/>
+          </a:fontRef>
+        </p:style>
+        <p:txBody>
+          <a:bodyPr rtlCol="0" anchor="ctr"/>
+          <a:lstStyle/>
+          <a:p>
+            <a:pPr algn="ctr"/>
+            <a:endParaRPr kumimoji="1" lang="ja-JP" altLang="en-US" dirty="0"/>
+          </a:p>
+        </p:txBody>
+      </p:sp>
+      <p:sp>
+        <p:nvSpPr>
+          <p:cNvPr id="14" name="正方形/長方形 13"/>
+          <p:cNvSpPr/>
+          <p:nvPr/>
+        </p:nvSpPr>
+        <p:spPr>
+          <a:xfrm>
+            <a:off x="567609" y="3577500"/>
+            <a:ext cx="720000" cy="720000"/>
+          </a:xfrm>
+          <a:prstGeom prst="rect">
+            <a:avLst/>
+          </a:prstGeom>
+          <a:solidFill>
+            <a:schemeClr val="accent6"/>
+          </a:solidFill>
+          <a:ln>
+            <a:noFill/>
+          </a:ln>
+        </p:spPr>
+        <p:style>
+          <a:lnRef idx="2">
+            <a:schemeClr val="accent1">
+              <a:shade val="50000"/>
+            </a:schemeClr>
+          </a:lnRef>
+          <a:fillRef idx="1">
+            <a:schemeClr val="accent1"/>
+          </a:fillRef>
+          <a:effectRef idx="0">
+            <a:schemeClr val="accent1"/>
+          </a:effectRef>
+          <a:fontRef idx="minor">
+            <a:schemeClr val="lt1"/>
+          </a:fontRef>
+        </p:style>
+        <p:txBody>
+          <a:bodyPr rtlCol="0" anchor="ctr"/>
+          <a:lstStyle/>
+          <a:p>
+            <a:pPr algn="ctr"/>
+            <a:endParaRPr kumimoji="1" lang="ja-JP" altLang="en-US" dirty="0"/>
+          </a:p>
+        </p:txBody>
+      </p:sp>
+      <p:sp>
+        <p:nvSpPr>
+          <p:cNvPr id="15" name="正方形/長方形 14"/>
+          <p:cNvSpPr/>
+          <p:nvPr/>
+        </p:nvSpPr>
+        <p:spPr>
+          <a:xfrm>
+            <a:off x="1287609" y="3577500"/>
+            <a:ext cx="720000" cy="720000"/>
+          </a:xfrm>
+          <a:prstGeom prst="rect">
+            <a:avLst/>
+          </a:prstGeom>
+          <a:solidFill>
+            <a:srgbClr val="7030A0"/>
+          </a:solidFill>
+          <a:ln>
+            <a:noFill/>
+          </a:ln>
+        </p:spPr>
+        <p:style>
+          <a:lnRef idx="2">
+            <a:schemeClr val="accent1">
+              <a:shade val="50000"/>
+            </a:schemeClr>
+          </a:lnRef>
+          <a:fillRef idx="1">
+            <a:schemeClr val="accent1"/>
+          </a:fillRef>
+          <a:effectRef idx="0">
+            <a:schemeClr val="accent1"/>
+          </a:effectRef>
+          <a:fontRef idx="minor">
+            <a:schemeClr val="lt1"/>
+          </a:fontRef>
+        </p:style>
+        <p:txBody>
+          <a:bodyPr rtlCol="0" anchor="ctr"/>
+          <a:lstStyle/>
+          <a:p>
+            <a:pPr algn="ctr"/>
+            <a:endParaRPr kumimoji="1" lang="ja-JP" altLang="en-US" dirty="0"/>
+          </a:p>
+        </p:txBody>
+      </p:sp>
+      <p:sp>
+        <p:nvSpPr>
+          <p:cNvPr id="16" name="正方形/長方形 15"/>
+          <p:cNvSpPr/>
+          <p:nvPr/>
+        </p:nvSpPr>
+        <p:spPr>
+          <a:xfrm>
+            <a:off x="3447609" y="3577500"/>
+            <a:ext cx="720000" cy="720000"/>
+          </a:xfrm>
+          <a:prstGeom prst="rect">
+            <a:avLst/>
+          </a:prstGeom>
+          <a:solidFill>
+            <a:srgbClr val="FFFF00"/>
+          </a:solidFill>
+          <a:ln>
+            <a:noFill/>
+          </a:ln>
+        </p:spPr>
+        <p:style>
+          <a:lnRef idx="2">
+            <a:schemeClr val="accent1">
+              <a:shade val="50000"/>
+            </a:schemeClr>
+          </a:lnRef>
+          <a:fillRef idx="1">
+            <a:schemeClr val="accent1"/>
+          </a:fillRef>
+          <a:effectRef idx="0">
+            <a:schemeClr val="accent1"/>
+          </a:effectRef>
+          <a:fontRef idx="minor">
+            <a:schemeClr val="lt1"/>
+          </a:fontRef>
+        </p:style>
+        <p:txBody>
+          <a:bodyPr rtlCol="0" anchor="ctr"/>
+          <a:lstStyle/>
+          <a:p>
+            <a:pPr algn="ctr"/>
+            <a:endParaRPr kumimoji="1" lang="ja-JP" altLang="en-US" dirty="0"/>
+          </a:p>
+        </p:txBody>
+      </p:sp>
+      <p:sp>
+        <p:nvSpPr>
+          <p:cNvPr id="17" name="正方形/長方形 16"/>
+          <p:cNvSpPr/>
+          <p:nvPr/>
+        </p:nvSpPr>
+        <p:spPr>
+          <a:xfrm>
+            <a:off x="2727609" y="3577500"/>
+            <a:ext cx="720000" cy="720000"/>
+          </a:xfrm>
+          <a:prstGeom prst="rect">
+            <a:avLst/>
+          </a:prstGeom>
+          <a:ln>
+            <a:noFill/>
+          </a:ln>
+        </p:spPr>
+        <p:style>
+          <a:lnRef idx="2">
+            <a:schemeClr val="accent1">
+              <a:shade val="50000"/>
+            </a:schemeClr>
+          </a:lnRef>
+          <a:fillRef idx="1">
+            <a:schemeClr val="accent1"/>
+          </a:fillRef>
+          <a:effectRef idx="0">
+            <a:schemeClr val="accent1"/>
+          </a:effectRef>
+          <a:fontRef idx="minor">
+            <a:schemeClr val="lt1"/>
+          </a:fontRef>
+        </p:style>
+        <p:txBody>
+          <a:bodyPr rtlCol="0" anchor="ctr"/>
+          <a:lstStyle/>
+          <a:p>
+            <a:pPr algn="ctr"/>
+            <a:endParaRPr kumimoji="1" lang="ja-JP" altLang="en-US" dirty="0"/>
+          </a:p>
+        </p:txBody>
+      </p:sp>
+      <p:sp>
+        <p:nvSpPr>
+          <p:cNvPr id="18" name="正方形/長方形 17"/>
+          <p:cNvSpPr/>
+          <p:nvPr/>
+        </p:nvSpPr>
+        <p:spPr>
+          <a:xfrm>
+            <a:off x="2007609" y="3577500"/>
+            <a:ext cx="720000" cy="720000"/>
+          </a:xfrm>
+          <a:prstGeom prst="rect">
+            <a:avLst/>
+          </a:prstGeom>
+          <a:ln>
+            <a:noFill/>
+          </a:ln>
+        </p:spPr>
+        <p:style>
+          <a:lnRef idx="2">
+            <a:schemeClr val="accent1">
+              <a:shade val="50000"/>
+            </a:schemeClr>
+          </a:lnRef>
+          <a:fillRef idx="1">
+            <a:schemeClr val="accent1"/>
+          </a:fillRef>
+          <a:effectRef idx="0">
+            <a:schemeClr val="accent1"/>
+          </a:effectRef>
+          <a:fontRef idx="minor">
+            <a:schemeClr val="lt1"/>
+          </a:fontRef>
+        </p:style>
+        <p:txBody>
+          <a:bodyPr rtlCol="0" anchor="ctr"/>
+          <a:lstStyle/>
+          <a:p>
+            <a:pPr algn="ctr"/>
+            <a:endParaRPr kumimoji="1" lang="ja-JP" altLang="en-US" dirty="0"/>
+          </a:p>
+        </p:txBody>
+      </p:sp>
+      <p:sp>
+        <p:nvSpPr>
+          <p:cNvPr id="19" name="正方形/長方形 18"/>
+          <p:cNvSpPr/>
+          <p:nvPr/>
+        </p:nvSpPr>
+        <p:spPr>
+          <a:xfrm>
+            <a:off x="567609" y="4297500"/>
+            <a:ext cx="720000" cy="720000"/>
+          </a:xfrm>
+          <a:prstGeom prst="rect">
+            <a:avLst/>
+          </a:prstGeom>
+          <a:solidFill>
+            <a:schemeClr val="accent6"/>
+          </a:solidFill>
+          <a:ln>
+            <a:noFill/>
+          </a:ln>
+        </p:spPr>
+        <p:style>
+          <a:lnRef idx="2">
+            <a:schemeClr val="accent1">
+              <a:shade val="50000"/>
+            </a:schemeClr>
+          </a:lnRef>
+          <a:fillRef idx="1">
+            <a:schemeClr val="accent1"/>
+          </a:fillRef>
+          <a:effectRef idx="0">
+            <a:schemeClr val="accent1"/>
+          </a:effectRef>
+          <a:fontRef idx="minor">
+            <a:schemeClr val="lt1"/>
+          </a:fontRef>
+        </p:style>
+        <p:txBody>
+          <a:bodyPr rtlCol="0" anchor="ctr"/>
+          <a:lstStyle/>
+          <a:p>
+            <a:pPr algn="ctr"/>
+            <a:endParaRPr kumimoji="1" lang="ja-JP" altLang="en-US" dirty="0"/>
+          </a:p>
+        </p:txBody>
+      </p:sp>
+      <p:sp>
+        <p:nvSpPr>
+          <p:cNvPr id="20" name="正方形/長方形 19"/>
+          <p:cNvSpPr/>
+          <p:nvPr/>
+        </p:nvSpPr>
+        <p:spPr>
+          <a:xfrm>
+            <a:off x="1287609" y="4297500"/>
+            <a:ext cx="720000" cy="720000"/>
+          </a:xfrm>
+          <a:prstGeom prst="rect">
+            <a:avLst/>
+          </a:prstGeom>
+          <a:solidFill>
+            <a:schemeClr val="accent2"/>
+          </a:solidFill>
+          <a:ln>
+            <a:noFill/>
+          </a:ln>
+        </p:spPr>
+        <p:style>
+          <a:lnRef idx="2">
+            <a:schemeClr val="accent1">
+              <a:shade val="50000"/>
+            </a:schemeClr>
+          </a:lnRef>
+          <a:fillRef idx="1">
+            <a:schemeClr val="accent1"/>
+          </a:fillRef>
+          <a:effectRef idx="0">
+            <a:schemeClr val="accent1"/>
+          </a:effectRef>
+          <a:fontRef idx="minor">
+            <a:schemeClr val="lt1"/>
+          </a:fontRef>
+        </p:style>
+        <p:txBody>
+          <a:bodyPr rtlCol="0" anchor="ctr"/>
+          <a:lstStyle/>
+          <a:p>
+            <a:pPr algn="ctr"/>
+            <a:endParaRPr kumimoji="1" lang="ja-JP" altLang="en-US" dirty="0"/>
+          </a:p>
+        </p:txBody>
+      </p:sp>
+      <p:sp>
+        <p:nvSpPr>
+          <p:cNvPr id="21" name="正方形/長方形 20"/>
+          <p:cNvSpPr/>
+          <p:nvPr/>
+        </p:nvSpPr>
+        <p:spPr>
+          <a:xfrm>
+            <a:off x="3447609" y="4297500"/>
+            <a:ext cx="720000" cy="720000"/>
+          </a:xfrm>
+          <a:prstGeom prst="rect">
+            <a:avLst/>
+          </a:prstGeom>
+          <a:solidFill>
+            <a:schemeClr val="accent2"/>
+          </a:solidFill>
+          <a:ln>
+            <a:noFill/>
+          </a:ln>
+        </p:spPr>
+        <p:style>
+          <a:lnRef idx="2">
+            <a:schemeClr val="accent1">
+              <a:shade val="50000"/>
+            </a:schemeClr>
+          </a:lnRef>
+          <a:fillRef idx="1">
+            <a:schemeClr val="accent1"/>
+          </a:fillRef>
+          <a:effectRef idx="0">
+            <a:schemeClr val="accent1"/>
+          </a:effectRef>
+          <a:fontRef idx="minor">
+            <a:schemeClr val="lt1"/>
+          </a:fontRef>
+        </p:style>
+        <p:txBody>
+          <a:bodyPr rtlCol="0" anchor="ctr"/>
+          <a:lstStyle/>
+          <a:p>
+            <a:pPr algn="ctr"/>
+            <a:endParaRPr kumimoji="1" lang="ja-JP" altLang="en-US" dirty="0"/>
+          </a:p>
+        </p:txBody>
+      </p:sp>
+      <p:sp>
+        <p:nvSpPr>
+          <p:cNvPr id="22" name="正方形/長方形 21"/>
+          <p:cNvSpPr/>
+          <p:nvPr/>
+        </p:nvSpPr>
+        <p:spPr>
+          <a:xfrm>
+            <a:off x="2727609" y="4297500"/>
+            <a:ext cx="720000" cy="720000"/>
+          </a:xfrm>
+          <a:prstGeom prst="rect">
+            <a:avLst/>
+          </a:prstGeom>
+          <a:solidFill>
+            <a:srgbClr val="FF0000"/>
+          </a:solidFill>
+          <a:ln>
+            <a:noFill/>
+          </a:ln>
+        </p:spPr>
+        <p:style>
+          <a:lnRef idx="2">
+            <a:schemeClr val="accent1">
+              <a:shade val="50000"/>
+            </a:schemeClr>
+          </a:lnRef>
+          <a:fillRef idx="1">
+            <a:schemeClr val="accent1"/>
+          </a:fillRef>
+          <a:effectRef idx="0">
+            <a:schemeClr val="accent1"/>
+          </a:effectRef>
+          <a:fontRef idx="minor">
+            <a:schemeClr val="lt1"/>
+          </a:fontRef>
+        </p:style>
+        <p:txBody>
+          <a:bodyPr rtlCol="0" anchor="ctr"/>
+          <a:lstStyle/>
+          <a:p>
+            <a:pPr algn="ctr"/>
+            <a:endParaRPr kumimoji="1" lang="ja-JP" altLang="en-US" dirty="0"/>
+          </a:p>
+        </p:txBody>
+      </p:sp>
+      <p:sp>
+        <p:nvSpPr>
+          <p:cNvPr id="23" name="正方形/長方形 22"/>
+          <p:cNvSpPr/>
+          <p:nvPr/>
+        </p:nvSpPr>
+        <p:spPr>
+          <a:xfrm>
+            <a:off x="2007609" y="4297500"/>
+            <a:ext cx="720000" cy="720000"/>
+          </a:xfrm>
+          <a:prstGeom prst="rect">
+            <a:avLst/>
+          </a:prstGeom>
+          <a:solidFill>
+            <a:srgbClr val="FFFF00"/>
+          </a:solidFill>
+          <a:ln>
+            <a:noFill/>
+          </a:ln>
+        </p:spPr>
+        <p:style>
+          <a:lnRef idx="2">
+            <a:schemeClr val="accent1">
+              <a:shade val="50000"/>
+            </a:schemeClr>
+          </a:lnRef>
+          <a:fillRef idx="1">
+            <a:schemeClr val="accent1"/>
+          </a:fillRef>
+          <a:effectRef idx="0">
+            <a:schemeClr val="accent1"/>
+          </a:effectRef>
+          <a:fontRef idx="minor">
+            <a:schemeClr val="lt1"/>
+          </a:fontRef>
+        </p:style>
+        <p:txBody>
+          <a:bodyPr rtlCol="0" anchor="ctr"/>
+          <a:lstStyle/>
+          <a:p>
+            <a:pPr algn="ctr"/>
+            <a:endParaRPr kumimoji="1" lang="ja-JP" altLang="en-US" dirty="0"/>
+          </a:p>
+        </p:txBody>
+      </p:sp>
+      <p:sp>
+        <p:nvSpPr>
+          <p:cNvPr id="24" name="正方形/長方形 23"/>
+          <p:cNvSpPr/>
+          <p:nvPr/>
+        </p:nvSpPr>
+        <p:spPr>
+          <a:xfrm>
+            <a:off x="567609" y="5017500"/>
+            <a:ext cx="720000" cy="720000"/>
+          </a:xfrm>
+          <a:prstGeom prst="rect">
+            <a:avLst/>
+          </a:prstGeom>
+          <a:ln>
+            <a:noFill/>
+          </a:ln>
+        </p:spPr>
+        <p:style>
+          <a:lnRef idx="2">
+            <a:schemeClr val="accent1">
+              <a:shade val="50000"/>
+            </a:schemeClr>
+          </a:lnRef>
+          <a:fillRef idx="1">
+            <a:schemeClr val="accent1"/>
+          </a:fillRef>
+          <a:effectRef idx="0">
+            <a:schemeClr val="accent1"/>
+          </a:effectRef>
+          <a:fontRef idx="minor">
+            <a:schemeClr val="lt1"/>
+          </a:fontRef>
+        </p:style>
+        <p:txBody>
+          <a:bodyPr rtlCol="0" anchor="ctr"/>
+          <a:lstStyle/>
+          <a:p>
+            <a:pPr algn="ctr"/>
+            <a:endParaRPr kumimoji="1" lang="ja-JP" altLang="en-US" dirty="0"/>
+          </a:p>
+        </p:txBody>
+      </p:sp>
+      <p:sp>
+        <p:nvSpPr>
+          <p:cNvPr id="25" name="正方形/長方形 24"/>
+          <p:cNvSpPr/>
+          <p:nvPr/>
+        </p:nvSpPr>
+        <p:spPr>
+          <a:xfrm>
+            <a:off x="1287609" y="5017500"/>
+            <a:ext cx="720000" cy="720000"/>
+          </a:xfrm>
+          <a:prstGeom prst="rect">
+            <a:avLst/>
+          </a:prstGeom>
+          <a:solidFill>
+            <a:srgbClr val="7030A0"/>
+          </a:solidFill>
+          <a:ln>
+            <a:noFill/>
+          </a:ln>
+        </p:spPr>
+        <p:style>
+          <a:lnRef idx="2">
+            <a:schemeClr val="accent1">
+              <a:shade val="50000"/>
+            </a:schemeClr>
+          </a:lnRef>
+          <a:fillRef idx="1">
+            <a:schemeClr val="accent1"/>
+          </a:fillRef>
+          <a:effectRef idx="0">
+            <a:schemeClr val="accent1"/>
+          </a:effectRef>
+          <a:fontRef idx="minor">
+            <a:schemeClr val="lt1"/>
+          </a:fontRef>
+        </p:style>
+        <p:txBody>
+          <a:bodyPr rtlCol="0" anchor="ctr"/>
+          <a:lstStyle/>
+          <a:p>
+            <a:pPr algn="ctr"/>
+            <a:endParaRPr kumimoji="1" lang="ja-JP" altLang="en-US" dirty="0"/>
+          </a:p>
+        </p:txBody>
+      </p:sp>
+      <p:sp>
+        <p:nvSpPr>
+          <p:cNvPr id="26" name="正方形/長方形 25"/>
+          <p:cNvSpPr/>
+          <p:nvPr/>
+        </p:nvSpPr>
+        <p:spPr>
+          <a:xfrm>
+            <a:off x="3447609" y="5017500"/>
+            <a:ext cx="720000" cy="720000"/>
+          </a:xfrm>
+          <a:prstGeom prst="rect">
+            <a:avLst/>
+          </a:prstGeom>
+          <a:ln>
+            <a:noFill/>
+          </a:ln>
+        </p:spPr>
+        <p:style>
+          <a:lnRef idx="2">
+            <a:schemeClr val="accent1">
+              <a:shade val="50000"/>
+            </a:schemeClr>
+          </a:lnRef>
+          <a:fillRef idx="1">
+            <a:schemeClr val="accent1"/>
+          </a:fillRef>
+          <a:effectRef idx="0">
+            <a:schemeClr val="accent1"/>
+          </a:effectRef>
+          <a:fontRef idx="minor">
+            <a:schemeClr val="lt1"/>
+          </a:fontRef>
+        </p:style>
+        <p:txBody>
+          <a:bodyPr rtlCol="0" anchor="ctr"/>
+          <a:lstStyle/>
+          <a:p>
+            <a:pPr algn="ctr"/>
+            <a:endParaRPr kumimoji="1" lang="ja-JP" altLang="en-US" dirty="0"/>
+          </a:p>
+        </p:txBody>
+      </p:sp>
+      <p:sp>
+        <p:nvSpPr>
+          <p:cNvPr id="27" name="正方形/長方形 26"/>
+          <p:cNvSpPr/>
+          <p:nvPr/>
+        </p:nvSpPr>
+        <p:spPr>
+          <a:xfrm>
+            <a:off x="2727609" y="5017500"/>
+            <a:ext cx="720000" cy="720000"/>
+          </a:xfrm>
+          <a:prstGeom prst="rect">
+            <a:avLst/>
+          </a:prstGeom>
+          <a:solidFill>
+            <a:schemeClr val="accent6"/>
+          </a:solidFill>
+          <a:ln>
+            <a:noFill/>
+          </a:ln>
+        </p:spPr>
+        <p:style>
+          <a:lnRef idx="2">
+            <a:schemeClr val="accent1">
+              <a:shade val="50000"/>
+            </a:schemeClr>
+          </a:lnRef>
+          <a:fillRef idx="1">
+            <a:schemeClr val="accent1"/>
+          </a:fillRef>
+          <a:effectRef idx="0">
+            <a:schemeClr val="accent1"/>
+          </a:effectRef>
+          <a:fontRef idx="minor">
+            <a:schemeClr val="lt1"/>
+          </a:fontRef>
+        </p:style>
+        <p:txBody>
+          <a:bodyPr rtlCol="0" anchor="ctr"/>
+          <a:lstStyle/>
+          <a:p>
+            <a:pPr algn="ctr"/>
+            <a:endParaRPr kumimoji="1" lang="ja-JP" altLang="en-US" dirty="0"/>
+          </a:p>
+        </p:txBody>
+      </p:sp>
+      <p:sp>
+        <p:nvSpPr>
+          <p:cNvPr id="28" name="正方形/長方形 27"/>
+          <p:cNvSpPr/>
+          <p:nvPr/>
+        </p:nvSpPr>
+        <p:spPr>
+          <a:xfrm>
+            <a:off x="2007609" y="5017500"/>
+            <a:ext cx="720000" cy="720000"/>
+          </a:xfrm>
+          <a:prstGeom prst="rect">
+            <a:avLst/>
+          </a:prstGeom>
+          <a:solidFill>
+            <a:srgbClr val="FF0000"/>
+          </a:solidFill>
+          <a:ln>
+            <a:noFill/>
+          </a:ln>
+        </p:spPr>
+        <p:style>
+          <a:lnRef idx="2">
+            <a:schemeClr val="accent1">
+              <a:shade val="50000"/>
+            </a:schemeClr>
+          </a:lnRef>
+          <a:fillRef idx="1">
+            <a:schemeClr val="accent1"/>
+          </a:fillRef>
+          <a:effectRef idx="0">
+            <a:schemeClr val="accent1"/>
+          </a:effectRef>
+          <a:fontRef idx="minor">
+            <a:schemeClr val="lt1"/>
+          </a:fontRef>
+        </p:style>
+        <p:txBody>
+          <a:bodyPr rtlCol="0" anchor="ctr"/>
+          <a:lstStyle/>
+          <a:p>
+            <a:pPr algn="ctr"/>
+            <a:endParaRPr kumimoji="1" lang="ja-JP" altLang="en-US" dirty="0"/>
+          </a:p>
+        </p:txBody>
+      </p:sp>
+      <p:sp>
+        <p:nvSpPr>
+          <p:cNvPr id="29" name="正方形/長方形 28"/>
+          <p:cNvSpPr/>
+          <p:nvPr/>
+        </p:nvSpPr>
+        <p:spPr>
+          <a:xfrm>
+            <a:off x="567609" y="5737500"/>
+            <a:ext cx="720000" cy="720000"/>
+          </a:xfrm>
+          <a:prstGeom prst="rect">
+            <a:avLst/>
+          </a:prstGeom>
+          <a:solidFill>
+            <a:srgbClr val="7030A0"/>
+          </a:solidFill>
+          <a:ln>
+            <a:noFill/>
+          </a:ln>
+        </p:spPr>
+        <p:style>
+          <a:lnRef idx="2">
+            <a:schemeClr val="accent1">
+              <a:shade val="50000"/>
+            </a:schemeClr>
+          </a:lnRef>
+          <a:fillRef idx="1">
+            <a:schemeClr val="accent1"/>
+          </a:fillRef>
+          <a:effectRef idx="0">
+            <a:schemeClr val="accent1"/>
+          </a:effectRef>
+          <a:fontRef idx="minor">
+            <a:schemeClr val="lt1"/>
+          </a:fontRef>
+        </p:style>
+        <p:txBody>
+          <a:bodyPr rtlCol="0" anchor="ctr"/>
+          <a:lstStyle/>
+          <a:p>
+            <a:pPr algn="ctr"/>
+            <a:endParaRPr kumimoji="1" lang="ja-JP" altLang="en-US" dirty="0"/>
+          </a:p>
+        </p:txBody>
+      </p:sp>
+      <p:sp>
+        <p:nvSpPr>
+          <p:cNvPr id="30" name="正方形/長方形 29"/>
+          <p:cNvSpPr/>
+          <p:nvPr/>
+        </p:nvSpPr>
+        <p:spPr>
+          <a:xfrm>
+            <a:off x="1287609" y="5737500"/>
+            <a:ext cx="720000" cy="720000"/>
+          </a:xfrm>
+          <a:prstGeom prst="rect">
+            <a:avLst/>
+          </a:prstGeom>
+          <a:ln>
+            <a:noFill/>
+          </a:ln>
+        </p:spPr>
+        <p:style>
+          <a:lnRef idx="2">
+            <a:schemeClr val="accent1">
+              <a:shade val="50000"/>
+            </a:schemeClr>
+          </a:lnRef>
+          <a:fillRef idx="1">
+            <a:schemeClr val="accent1"/>
+          </a:fillRef>
+          <a:effectRef idx="0">
+            <a:schemeClr val="accent1"/>
+          </a:effectRef>
+          <a:fontRef idx="minor">
+            <a:schemeClr val="lt1"/>
+          </a:fontRef>
+        </p:style>
+        <p:txBody>
+          <a:bodyPr rtlCol="0" anchor="ctr"/>
+          <a:lstStyle/>
+          <a:p>
+            <a:pPr algn="ctr"/>
+            <a:endParaRPr kumimoji="1" lang="ja-JP" altLang="en-US" dirty="0"/>
+          </a:p>
+        </p:txBody>
+      </p:sp>
+      <p:sp>
+        <p:nvSpPr>
+          <p:cNvPr id="31" name="正方形/長方形 30"/>
+          <p:cNvSpPr/>
+          <p:nvPr/>
+        </p:nvSpPr>
+        <p:spPr>
+          <a:xfrm>
+            <a:off x="3447609" y="5737500"/>
+            <a:ext cx="720000" cy="720000"/>
+          </a:xfrm>
+          <a:prstGeom prst="rect">
+            <a:avLst/>
+          </a:prstGeom>
+          <a:solidFill>
+            <a:srgbClr val="FF0000"/>
+          </a:solidFill>
+          <a:ln>
+            <a:noFill/>
+          </a:ln>
+        </p:spPr>
+        <p:style>
+          <a:lnRef idx="2">
+            <a:schemeClr val="accent1">
+              <a:shade val="50000"/>
+            </a:schemeClr>
+          </a:lnRef>
+          <a:fillRef idx="1">
+            <a:schemeClr val="accent1"/>
+          </a:fillRef>
+          <a:effectRef idx="0">
+            <a:schemeClr val="accent1"/>
+          </a:effectRef>
+          <a:fontRef idx="minor">
+            <a:schemeClr val="lt1"/>
+          </a:fontRef>
+        </p:style>
+        <p:txBody>
+          <a:bodyPr rtlCol="0" anchor="ctr"/>
+          <a:lstStyle/>
+          <a:p>
+            <a:pPr algn="ctr"/>
+            <a:endParaRPr kumimoji="1" lang="ja-JP" altLang="en-US" dirty="0"/>
+          </a:p>
+        </p:txBody>
+      </p:sp>
+      <p:sp>
+        <p:nvSpPr>
+          <p:cNvPr id="32" name="正方形/長方形 31"/>
+          <p:cNvSpPr/>
+          <p:nvPr/>
+        </p:nvSpPr>
+        <p:spPr>
+          <a:xfrm>
+            <a:off x="2727609" y="5737500"/>
+            <a:ext cx="720000" cy="720000"/>
+          </a:xfrm>
+          <a:prstGeom prst="rect">
+            <a:avLst/>
+          </a:prstGeom>
+          <a:solidFill>
+            <a:srgbClr val="FF0000"/>
+          </a:solidFill>
+          <a:ln>
+            <a:noFill/>
+          </a:ln>
+        </p:spPr>
+        <p:style>
+          <a:lnRef idx="2">
+            <a:schemeClr val="accent1">
+              <a:shade val="50000"/>
+            </a:schemeClr>
+          </a:lnRef>
+          <a:fillRef idx="1">
+            <a:schemeClr val="accent1"/>
+          </a:fillRef>
+          <a:effectRef idx="0">
+            <a:schemeClr val="accent1"/>
+          </a:effectRef>
+          <a:fontRef idx="minor">
+            <a:schemeClr val="lt1"/>
+          </a:fontRef>
+        </p:style>
+        <p:txBody>
+          <a:bodyPr rtlCol="0" anchor="ctr"/>
+          <a:lstStyle/>
+          <a:p>
+            <a:pPr algn="ctr"/>
+            <a:endParaRPr kumimoji="1" lang="ja-JP" altLang="en-US" dirty="0"/>
+          </a:p>
+        </p:txBody>
+      </p:sp>
+      <p:sp>
+        <p:nvSpPr>
+          <p:cNvPr id="33" name="正方形/長方形 32"/>
+          <p:cNvSpPr/>
+          <p:nvPr/>
+        </p:nvSpPr>
+        <p:spPr>
+          <a:xfrm>
+            <a:off x="2007609" y="5737500"/>
+            <a:ext cx="720000" cy="720000"/>
+          </a:xfrm>
+          <a:prstGeom prst="rect">
+            <a:avLst/>
+          </a:prstGeom>
+          <a:ln>
+            <a:noFill/>
+          </a:ln>
+        </p:spPr>
+        <p:style>
+          <a:lnRef idx="2">
+            <a:schemeClr val="accent1">
+              <a:shade val="50000"/>
+            </a:schemeClr>
+          </a:lnRef>
+          <a:fillRef idx="1">
+            <a:schemeClr val="accent1"/>
+          </a:fillRef>
+          <a:effectRef idx="0">
+            <a:schemeClr val="accent1"/>
+          </a:effectRef>
+          <a:fontRef idx="minor">
+            <a:schemeClr val="lt1"/>
+          </a:fontRef>
+        </p:style>
+        <p:txBody>
+          <a:bodyPr rtlCol="0" anchor="ctr"/>
+          <a:lstStyle/>
+          <a:p>
+            <a:pPr algn="ctr"/>
             <a:endParaRPr kumimoji="1" lang="ja-JP" altLang="en-US" dirty="0"/>
           </a:p>
         </p:txBody>
@@ -11815,15 +12988,7 @@
             </a:r>
             <a:r>
               <a:rPr lang="ja-JP" altLang="en-US" dirty="0" smtClean="0"/>
-              <a:t>の陣地が一番多くなる</a:t>
-            </a:r>
-            <a:r>
-              <a:rPr lang="ja-JP" altLang="en-US" dirty="0" smtClean="0"/>
-              <a:t>選択を</a:t>
-            </a:r>
-            <a:r>
-              <a:rPr lang="ja-JP" altLang="en-US" dirty="0" smtClean="0"/>
-              <a:t>する</a:t>
+              <a:t>の陣地が一番多くなる選択をする</a:t>
             </a:r>
             <a:endParaRPr kumimoji="1" lang="en-US" altLang="ja-JP" dirty="0"/>
           </a:p>
@@ -11834,11 +12999,7 @@
             </a:pPr>
             <a:r>
               <a:rPr lang="ja-JP" altLang="en-US" dirty="0" smtClean="0"/>
-              <a:t>相手の陣地を囲むような選択を</a:t>
-            </a:r>
-            <a:r>
-              <a:rPr lang="ja-JP" altLang="en-US" dirty="0" smtClean="0"/>
-              <a:t>する</a:t>
+              <a:t>相手の陣地を囲むような選択をする</a:t>
             </a:r>
             <a:endParaRPr kumimoji="1" lang="en-US" altLang="ja-JP" dirty="0"/>
           </a:p>
@@ -11849,15 +13010,7 @@
             </a:pPr>
             <a:r>
               <a:rPr kumimoji="1" lang="ja-JP" altLang="en-US" dirty="0" smtClean="0"/>
-              <a:t>自分</a:t>
-            </a:r>
-            <a:r>
-              <a:rPr kumimoji="1" lang="ja-JP" altLang="en-US" dirty="0" smtClean="0"/>
-              <a:t>が将来取れそう</a:t>
-            </a:r>
-            <a:r>
-              <a:rPr kumimoji="1" lang="ja-JP" altLang="en-US" dirty="0" smtClean="0"/>
-              <a:t>な範囲を拡大するような選択をする</a:t>
+              <a:t>自分が将来取れそうな範囲を拡大するような選択をする</a:t>
             </a:r>
             <a:endParaRPr kumimoji="1" lang="ja-JP" altLang="en-US" dirty="0"/>
           </a:p>
@@ -12119,7 +13272,21 @@
           <a:prstGeom prst="ellipse">
             <a:avLst/>
           </a:prstGeom>
-          <a:ln/>
+          <a:ln>
+            <a:solidFill>
+              <a:schemeClr val="tx1"/>
+            </a:solidFill>
+          </a:ln>
+          <a:effectLst/>
+          <a:scene3d>
+            <a:camera prst="orthographicFront">
+              <a:rot lat="0" lon="0" rev="0"/>
+            </a:camera>
+            <a:lightRig rig="twoPt" dir="t">
+              <a:rot lat="0" lon="0" rev="4800000"/>
+            </a:lightRig>
+          </a:scene3d>
+          <a:sp3d prstMaterial="matte"/>
         </p:spPr>
         <p:style>
           <a:lnRef idx="1">
@@ -12164,7 +13331,24 @@
           <a:prstGeom prst="ellipse">
             <a:avLst/>
           </a:prstGeom>
-          <a:ln/>
+          <a:solidFill>
+            <a:schemeClr val="accent1"/>
+          </a:solidFill>
+          <a:ln>
+            <a:solidFill>
+              <a:schemeClr val="tx1"/>
+            </a:solidFill>
+          </a:ln>
+          <a:effectLst/>
+          <a:scene3d>
+            <a:camera prst="orthographicFront">
+              <a:rot lat="0" lon="0" rev="0"/>
+            </a:camera>
+            <a:lightRig rig="twoPt" dir="t">
+              <a:rot lat="0" lon="0" rev="4800000"/>
+            </a:lightRig>
+          </a:scene3d>
+          <a:sp3d prstMaterial="matte"/>
         </p:spPr>
         <p:style>
           <a:lnRef idx="1">
@@ -12209,7 +13393,24 @@
           <a:prstGeom prst="ellipse">
             <a:avLst/>
           </a:prstGeom>
-          <a:ln/>
+          <a:solidFill>
+            <a:srgbClr val="FFFF00"/>
+          </a:solidFill>
+          <a:ln>
+            <a:solidFill>
+              <a:schemeClr val="tx1"/>
+            </a:solidFill>
+          </a:ln>
+          <a:effectLst/>
+          <a:scene3d>
+            <a:camera prst="orthographicFront">
+              <a:rot lat="0" lon="0" rev="0"/>
+            </a:camera>
+            <a:lightRig rig="twoPt" dir="t">
+              <a:rot lat="0" lon="0" rev="4800000"/>
+            </a:lightRig>
+          </a:scene3d>
+          <a:sp3d prstMaterial="matte"/>
         </p:spPr>
         <p:style>
           <a:lnRef idx="1">
@@ -12254,7 +13455,21 @@
           <a:prstGeom prst="ellipse">
             <a:avLst/>
           </a:prstGeom>
-          <a:ln/>
+          <a:ln>
+            <a:solidFill>
+              <a:schemeClr val="tx1"/>
+            </a:solidFill>
+          </a:ln>
+          <a:effectLst/>
+          <a:scene3d>
+            <a:camera prst="orthographicFront">
+              <a:rot lat="0" lon="0" rev="0"/>
+            </a:camera>
+            <a:lightRig rig="twoPt" dir="t">
+              <a:rot lat="0" lon="0" rev="4800000"/>
+            </a:lightRig>
+          </a:scene3d>
+          <a:sp3d prstMaterial="matte"/>
         </p:spPr>
         <p:style>
           <a:lnRef idx="1">
@@ -12302,6 +13517,11 @@
           <a:prstGeom prst="line">
             <a:avLst/>
           </a:prstGeom>
+          <a:ln>
+            <a:solidFill>
+              <a:schemeClr val="tx1"/>
+            </a:solidFill>
+          </a:ln>
           <a:effectLst/>
           <a:scene3d>
             <a:camera prst="orthographicFront">
@@ -12345,6 +13565,11 @@
           <a:prstGeom prst="line">
             <a:avLst/>
           </a:prstGeom>
+          <a:ln>
+            <a:solidFill>
+              <a:schemeClr val="tx1"/>
+            </a:solidFill>
+          </a:ln>
           <a:effectLst/>
           <a:scene3d>
             <a:camera prst="orthographicFront">
@@ -12388,6 +13613,11 @@
           <a:prstGeom prst="line">
             <a:avLst/>
           </a:prstGeom>
+          <a:ln>
+            <a:solidFill>
+              <a:schemeClr val="tx1"/>
+            </a:solidFill>
+          </a:ln>
           <a:effectLst/>
           <a:scene3d>
             <a:camera prst="orthographicFront">
@@ -12431,6 +13661,11 @@
           <a:prstGeom prst="line">
             <a:avLst/>
           </a:prstGeom>
+          <a:ln>
+            <a:solidFill>
+              <a:schemeClr val="tx1"/>
+            </a:solidFill>
+          </a:ln>
           <a:effectLst/>
           <a:scene3d>
             <a:camera prst="orthographicFront">
@@ -12476,12 +13711,19 @@
           </a:solidFill>
           <a:ln>
             <a:solidFill>
-              <a:schemeClr val="tx1">
-                <a:lumMod val="95000"/>
-                <a:lumOff val="5000"/>
-              </a:schemeClr>
+              <a:schemeClr val="tx1"/>
             </a:solidFill>
           </a:ln>
+          <a:effectLst/>
+          <a:scene3d>
+            <a:camera prst="orthographicFront">
+              <a:rot lat="0" lon="0" rev="0"/>
+            </a:camera>
+            <a:lightRig rig="twoPt" dir="t">
+              <a:rot lat="0" lon="0" rev="4800000"/>
+            </a:lightRig>
+          </a:scene3d>
+          <a:sp3d prstMaterial="matte"/>
         </p:spPr>
         <p:style>
           <a:lnRef idx="1">
@@ -12531,12 +13773,19 @@
           </a:solidFill>
           <a:ln>
             <a:solidFill>
-              <a:schemeClr val="tx1">
-                <a:lumMod val="95000"/>
-                <a:lumOff val="5000"/>
-              </a:schemeClr>
+              <a:schemeClr val="tx1"/>
             </a:solidFill>
           </a:ln>
+          <a:effectLst/>
+          <a:scene3d>
+            <a:camera prst="orthographicFront">
+              <a:rot lat="0" lon="0" rev="0"/>
+            </a:camera>
+            <a:lightRig rig="twoPt" dir="t">
+              <a:rot lat="0" lon="0" rev="4800000"/>
+            </a:lightRig>
+          </a:scene3d>
+          <a:sp3d prstMaterial="matte"/>
         </p:spPr>
         <p:style>
           <a:lnRef idx="1">
@@ -12586,12 +13835,19 @@
           </a:solidFill>
           <a:ln>
             <a:solidFill>
-              <a:schemeClr val="tx1">
-                <a:lumMod val="95000"/>
-                <a:lumOff val="5000"/>
-              </a:schemeClr>
+              <a:schemeClr val="tx1"/>
             </a:solidFill>
           </a:ln>
+          <a:effectLst/>
+          <a:scene3d>
+            <a:camera prst="orthographicFront">
+              <a:rot lat="0" lon="0" rev="0"/>
+            </a:camera>
+            <a:lightRig rig="twoPt" dir="t">
+              <a:rot lat="0" lon="0" rev="4800000"/>
+            </a:lightRig>
+          </a:scene3d>
+          <a:sp3d prstMaterial="matte"/>
         </p:spPr>
         <p:style>
           <a:lnRef idx="1">
@@ -12641,12 +13897,19 @@
           </a:solidFill>
           <a:ln>
             <a:solidFill>
-              <a:schemeClr val="tx1">
-                <a:lumMod val="95000"/>
-                <a:lumOff val="5000"/>
-              </a:schemeClr>
+              <a:schemeClr val="tx1"/>
             </a:solidFill>
           </a:ln>
+          <a:effectLst/>
+          <a:scene3d>
+            <a:camera prst="orthographicFront">
+              <a:rot lat="0" lon="0" rev="0"/>
+            </a:camera>
+            <a:lightRig rig="twoPt" dir="t">
+              <a:rot lat="0" lon="0" rev="4800000"/>
+            </a:lightRig>
+          </a:scene3d>
+          <a:sp3d prstMaterial="matte"/>
         </p:spPr>
         <p:style>
           <a:lnRef idx="1">
@@ -12694,6 +13957,11 @@
           <a:prstGeom prst="line">
             <a:avLst/>
           </a:prstGeom>
+          <a:ln>
+            <a:solidFill>
+              <a:schemeClr val="tx1"/>
+            </a:solidFill>
+          </a:ln>
           <a:effectLst/>
           <a:scene3d>
             <a:camera prst="orthographicFront">
@@ -12737,6 +14005,11 @@
           <a:prstGeom prst="line">
             <a:avLst/>
           </a:prstGeom>
+          <a:ln>
+            <a:solidFill>
+              <a:schemeClr val="tx1"/>
+            </a:solidFill>
+          </a:ln>
           <a:effectLst/>
           <a:scene3d>
             <a:camera prst="orthographicFront">
@@ -12780,6 +14053,11 @@
           <a:prstGeom prst="line">
             <a:avLst/>
           </a:prstGeom>
+          <a:ln>
+            <a:solidFill>
+              <a:schemeClr val="tx1"/>
+            </a:solidFill>
+          </a:ln>
           <a:effectLst/>
           <a:scene3d>
             <a:camera prst="orthographicFront">
@@ -12823,6 +14101,11 @@
           <a:prstGeom prst="line">
             <a:avLst/>
           </a:prstGeom>
+          <a:ln>
+            <a:solidFill>
+              <a:schemeClr val="tx1"/>
+            </a:solidFill>
+          </a:ln>
           <a:effectLst/>
           <a:scene3d>
             <a:camera prst="orthographicFront">
@@ -12868,12 +14151,19 @@
           </a:solidFill>
           <a:ln>
             <a:solidFill>
-              <a:schemeClr val="tx1">
-                <a:lumMod val="95000"/>
-                <a:lumOff val="5000"/>
-              </a:schemeClr>
+              <a:schemeClr val="tx1"/>
             </a:solidFill>
           </a:ln>
+          <a:effectLst/>
+          <a:scene3d>
+            <a:camera prst="orthographicFront">
+              <a:rot lat="0" lon="0" rev="0"/>
+            </a:camera>
+            <a:lightRig rig="twoPt" dir="t">
+              <a:rot lat="0" lon="0" rev="4800000"/>
+            </a:lightRig>
+          </a:scene3d>
+          <a:sp3d prstMaterial="matte"/>
         </p:spPr>
         <p:style>
           <a:lnRef idx="1">
@@ -12923,12 +14213,19 @@
           </a:solidFill>
           <a:ln>
             <a:solidFill>
-              <a:schemeClr val="tx1">
-                <a:lumMod val="95000"/>
-                <a:lumOff val="5000"/>
-              </a:schemeClr>
+              <a:schemeClr val="tx1"/>
             </a:solidFill>
           </a:ln>
+          <a:effectLst/>
+          <a:scene3d>
+            <a:camera prst="orthographicFront">
+              <a:rot lat="0" lon="0" rev="0"/>
+            </a:camera>
+            <a:lightRig rig="twoPt" dir="t">
+              <a:rot lat="0" lon="0" rev="4800000"/>
+            </a:lightRig>
+          </a:scene3d>
+          <a:sp3d prstMaterial="matte"/>
         </p:spPr>
         <p:style>
           <a:lnRef idx="1">
@@ -12978,12 +14275,19 @@
           </a:solidFill>
           <a:ln>
             <a:solidFill>
-              <a:schemeClr val="tx1">
-                <a:lumMod val="95000"/>
-                <a:lumOff val="5000"/>
-              </a:schemeClr>
+              <a:schemeClr val="tx1"/>
             </a:solidFill>
           </a:ln>
+          <a:effectLst/>
+          <a:scene3d>
+            <a:camera prst="orthographicFront">
+              <a:rot lat="0" lon="0" rev="0"/>
+            </a:camera>
+            <a:lightRig rig="twoPt" dir="t">
+              <a:rot lat="0" lon="0" rev="4800000"/>
+            </a:lightRig>
+          </a:scene3d>
+          <a:sp3d prstMaterial="matte"/>
         </p:spPr>
         <p:style>
           <a:lnRef idx="1">
@@ -13033,12 +14337,19 @@
           </a:solidFill>
           <a:ln>
             <a:solidFill>
-              <a:schemeClr val="tx1">
-                <a:lumMod val="95000"/>
-                <a:lumOff val="5000"/>
-              </a:schemeClr>
+              <a:schemeClr val="tx1"/>
             </a:solidFill>
           </a:ln>
+          <a:effectLst/>
+          <a:scene3d>
+            <a:camera prst="orthographicFront">
+              <a:rot lat="0" lon="0" rev="0"/>
+            </a:camera>
+            <a:lightRig rig="twoPt" dir="t">
+              <a:rot lat="0" lon="0" rev="4800000"/>
+            </a:lightRig>
+          </a:scene3d>
+          <a:sp3d prstMaterial="matte"/>
         </p:spPr>
         <p:style>
           <a:lnRef idx="1">
@@ -13086,6 +14397,11 @@
           <a:prstGeom prst="line">
             <a:avLst/>
           </a:prstGeom>
+          <a:ln>
+            <a:solidFill>
+              <a:schemeClr val="tx1"/>
+            </a:solidFill>
+          </a:ln>
           <a:effectLst/>
           <a:scene3d>
             <a:camera prst="orthographicFront">
@@ -13129,6 +14445,11 @@
           <a:prstGeom prst="line">
             <a:avLst/>
           </a:prstGeom>
+          <a:ln>
+            <a:solidFill>
+              <a:schemeClr val="tx1"/>
+            </a:solidFill>
+          </a:ln>
           <a:effectLst/>
           <a:scene3d>
             <a:camera prst="orthographicFront">
@@ -13172,6 +14493,11 @@
           <a:prstGeom prst="line">
             <a:avLst/>
           </a:prstGeom>
+          <a:ln>
+            <a:solidFill>
+              <a:schemeClr val="tx1"/>
+            </a:solidFill>
+          </a:ln>
           <a:effectLst/>
           <a:scene3d>
             <a:camera prst="orthographicFront">
@@ -13215,6 +14541,11 @@
           <a:prstGeom prst="line">
             <a:avLst/>
           </a:prstGeom>
+          <a:ln>
+            <a:solidFill>
+              <a:schemeClr val="tx1"/>
+            </a:solidFill>
+          </a:ln>
           <a:effectLst/>
           <a:scene3d>
             <a:camera prst="orthographicFront">
@@ -13260,12 +14591,19 @@
           </a:solidFill>
           <a:ln>
             <a:solidFill>
-              <a:schemeClr val="tx1">
-                <a:lumMod val="95000"/>
-                <a:lumOff val="5000"/>
-              </a:schemeClr>
+              <a:schemeClr val="tx1"/>
             </a:solidFill>
           </a:ln>
+          <a:effectLst/>
+          <a:scene3d>
+            <a:camera prst="orthographicFront">
+              <a:rot lat="0" lon="0" rev="0"/>
+            </a:camera>
+            <a:lightRig rig="twoPt" dir="t">
+              <a:rot lat="0" lon="0" rev="4800000"/>
+            </a:lightRig>
+          </a:scene3d>
+          <a:sp3d prstMaterial="matte"/>
         </p:spPr>
         <p:style>
           <a:lnRef idx="1">
@@ -13315,12 +14653,19 @@
           </a:solidFill>
           <a:ln>
             <a:solidFill>
-              <a:schemeClr val="tx1">
-                <a:lumMod val="95000"/>
-                <a:lumOff val="5000"/>
-              </a:schemeClr>
+              <a:schemeClr val="tx1"/>
             </a:solidFill>
           </a:ln>
+          <a:effectLst/>
+          <a:scene3d>
+            <a:camera prst="orthographicFront">
+              <a:rot lat="0" lon="0" rev="0"/>
+            </a:camera>
+            <a:lightRig rig="twoPt" dir="t">
+              <a:rot lat="0" lon="0" rev="4800000"/>
+            </a:lightRig>
+          </a:scene3d>
+          <a:sp3d prstMaterial="matte"/>
         </p:spPr>
         <p:style>
           <a:lnRef idx="1">
@@ -13370,12 +14715,19 @@
           </a:solidFill>
           <a:ln>
             <a:solidFill>
-              <a:schemeClr val="tx1">
-                <a:lumMod val="95000"/>
-                <a:lumOff val="5000"/>
-              </a:schemeClr>
+              <a:schemeClr val="tx1"/>
             </a:solidFill>
           </a:ln>
+          <a:effectLst/>
+          <a:scene3d>
+            <a:camera prst="orthographicFront">
+              <a:rot lat="0" lon="0" rev="0"/>
+            </a:camera>
+            <a:lightRig rig="twoPt" dir="t">
+              <a:rot lat="0" lon="0" rev="4800000"/>
+            </a:lightRig>
+          </a:scene3d>
+          <a:sp3d prstMaterial="matte"/>
         </p:spPr>
         <p:style>
           <a:lnRef idx="1">
@@ -13425,12 +14777,19 @@
           </a:solidFill>
           <a:ln>
             <a:solidFill>
-              <a:schemeClr val="tx1">
-                <a:lumMod val="95000"/>
-                <a:lumOff val="5000"/>
-              </a:schemeClr>
+              <a:schemeClr val="tx1"/>
             </a:solidFill>
           </a:ln>
+          <a:effectLst/>
+          <a:scene3d>
+            <a:camera prst="orthographicFront">
+              <a:rot lat="0" lon="0" rev="0"/>
+            </a:camera>
+            <a:lightRig rig="twoPt" dir="t">
+              <a:rot lat="0" lon="0" rev="4800000"/>
+            </a:lightRig>
+          </a:scene3d>
+          <a:sp3d prstMaterial="matte"/>
         </p:spPr>
         <p:style>
           <a:lnRef idx="1">
@@ -13478,6 +14837,11 @@
           <a:prstGeom prst="line">
             <a:avLst/>
           </a:prstGeom>
+          <a:ln>
+            <a:solidFill>
+              <a:schemeClr val="tx1"/>
+            </a:solidFill>
+          </a:ln>
           <a:effectLst/>
           <a:scene3d>
             <a:camera prst="orthographicFront">
@@ -13521,6 +14885,11 @@
           <a:prstGeom prst="line">
             <a:avLst/>
           </a:prstGeom>
+          <a:ln>
+            <a:solidFill>
+              <a:schemeClr val="tx1"/>
+            </a:solidFill>
+          </a:ln>
           <a:effectLst/>
           <a:scene3d>
             <a:camera prst="orthographicFront">
@@ -13564,6 +14933,11 @@
           <a:prstGeom prst="line">
             <a:avLst/>
           </a:prstGeom>
+          <a:ln>
+            <a:solidFill>
+              <a:schemeClr val="tx1"/>
+            </a:solidFill>
+          </a:ln>
           <a:effectLst/>
           <a:scene3d>
             <a:camera prst="orthographicFront">
@@ -13607,6 +14981,11 @@
           <a:prstGeom prst="line">
             <a:avLst/>
           </a:prstGeom>
+          <a:ln>
+            <a:solidFill>
+              <a:schemeClr val="tx1"/>
+            </a:solidFill>
+          </a:ln>
           <a:effectLst/>
           <a:scene3d>
             <a:camera prst="orthographicFront">
@@ -13652,12 +15031,19 @@
           </a:solidFill>
           <a:ln>
             <a:solidFill>
-              <a:schemeClr val="tx1">
-                <a:lumMod val="95000"/>
-                <a:lumOff val="5000"/>
-              </a:schemeClr>
+              <a:schemeClr val="tx1"/>
             </a:solidFill>
           </a:ln>
+          <a:effectLst/>
+          <a:scene3d>
+            <a:camera prst="orthographicFront">
+              <a:rot lat="0" lon="0" rev="0"/>
+            </a:camera>
+            <a:lightRig rig="twoPt" dir="t">
+              <a:rot lat="0" lon="0" rev="4800000"/>
+            </a:lightRig>
+          </a:scene3d>
+          <a:sp3d prstMaterial="matte"/>
         </p:spPr>
         <p:style>
           <a:lnRef idx="1">
@@ -13707,12 +15093,19 @@
           </a:solidFill>
           <a:ln>
             <a:solidFill>
-              <a:schemeClr val="tx1">
-                <a:lumMod val="95000"/>
-                <a:lumOff val="5000"/>
-              </a:schemeClr>
+              <a:schemeClr val="tx1"/>
             </a:solidFill>
           </a:ln>
+          <a:effectLst/>
+          <a:scene3d>
+            <a:camera prst="orthographicFront">
+              <a:rot lat="0" lon="0" rev="0"/>
+            </a:camera>
+            <a:lightRig rig="twoPt" dir="t">
+              <a:rot lat="0" lon="0" rev="4800000"/>
+            </a:lightRig>
+          </a:scene3d>
+          <a:sp3d prstMaterial="matte"/>
         </p:spPr>
         <p:style>
           <a:lnRef idx="1">
@@ -13762,12 +15155,19 @@
           </a:solidFill>
           <a:ln>
             <a:solidFill>
-              <a:schemeClr val="tx1">
-                <a:lumMod val="95000"/>
-                <a:lumOff val="5000"/>
-              </a:schemeClr>
+              <a:schemeClr val="tx1"/>
             </a:solidFill>
           </a:ln>
+          <a:effectLst/>
+          <a:scene3d>
+            <a:camera prst="orthographicFront">
+              <a:rot lat="0" lon="0" rev="0"/>
+            </a:camera>
+            <a:lightRig rig="twoPt" dir="t">
+              <a:rot lat="0" lon="0" rev="4800000"/>
+            </a:lightRig>
+          </a:scene3d>
+          <a:sp3d prstMaterial="matte"/>
         </p:spPr>
         <p:style>
           <a:lnRef idx="1">
@@ -13817,12 +15217,19 @@
           </a:solidFill>
           <a:ln>
             <a:solidFill>
-              <a:schemeClr val="tx1">
-                <a:lumMod val="95000"/>
-                <a:lumOff val="5000"/>
-              </a:schemeClr>
+              <a:schemeClr val="tx1"/>
             </a:solidFill>
           </a:ln>
+          <a:effectLst/>
+          <a:scene3d>
+            <a:camera prst="orthographicFront">
+              <a:rot lat="0" lon="0" rev="0"/>
+            </a:camera>
+            <a:lightRig rig="twoPt" dir="t">
+              <a:rot lat="0" lon="0" rev="4800000"/>
+            </a:lightRig>
+          </a:scene3d>
+          <a:sp3d prstMaterial="matte"/>
         </p:spPr>
         <p:style>
           <a:lnRef idx="1">
